--- a/esd-git.pptx
+++ b/esd-git.pptx
@@ -1,21 +1,21 @@
 
 <file path=ppt/presentation.xml><?xml version="1.0" encoding="utf-8"?>
-<p:presentation xmlns:p="http://schemas.openxmlformats.org/presentationml/2006/main" xmlns:mc="http://schemas.openxmlformats.org/markup-compatibility/2006" xmlns:p14="http://schemas.microsoft.com/office/powerpoint/2010/main" xmlns:p15="http://schemas.microsoft.com/office/powerpoint/2012/main" xmlns:r="http://schemas.openxmlformats.org/officeDocument/2006/relationships" xmlns:a="http://schemas.openxmlformats.org/drawingml/2006/main">
+<p:presentation xmlns:a="http://schemas.openxmlformats.org/drawingml/2006/main" xmlns:r="http://schemas.openxmlformats.org/officeDocument/2006/relationships" xmlns:p="http://schemas.openxmlformats.org/presentationml/2006/main">
   <p:sldMasterIdLst>
-    <p:sldMasterId id="2147483648" r:id="rId5"/>
+    <p:sldMasterId id="2147483648" r:id="rId1"/>
   </p:sldMasterIdLst>
   <p:sldIdLst>
-    <p:sldId id="256" r:id="rId6"/>
-    <p:sldId id="257" r:id="rId7"/>
-    <p:sldId id="263" r:id="rId8"/>
-    <p:sldId id="264" r:id="rId9"/>
-    <p:sldId id="258" r:id="rId10"/>
-    <p:sldId id="259" r:id="rId11"/>
-    <p:sldId id="260" r:id="rId12"/>
-    <p:sldId id="261" r:id="rId13"/>
-    <p:sldId id="265" r:id="rId14"/>
-    <p:sldId id="267" r:id="rId15"/>
-    <p:sldId id="266" r:id="rId16"/>
+    <p:sldId id="256" r:id="rId2"/>
+    <p:sldId id="257" r:id="rId3"/>
+    <p:sldId id="263" r:id="rId4"/>
+    <p:sldId id="264" r:id="rId5"/>
+    <p:sldId id="258" r:id="rId6"/>
+    <p:sldId id="259" r:id="rId7"/>
+    <p:sldId id="260" r:id="rId8"/>
+    <p:sldId id="261" r:id="rId9"/>
+    <p:sldId id="265" r:id="rId10"/>
+    <p:sldId id="267" r:id="rId11"/>
+    <p:sldId id="266" r:id="rId12"/>
   </p:sldIdLst>
   <p:sldSz cx="12192000" cy="6858000"/>
   <p:notesSz cx="6858000" cy="9144000"/>
@@ -38,7 +38,7 @@
         </a:solidFill>
         <a:effectLst/>
         <a:latin typeface="Calibri" pitchFamily="2" charset="0"/>
-        <a:ea typeface="SimSun" pitchFamily="0" charset="0"/>
+        <a:ea typeface="SimSun" charset="0"/>
         <a:cs typeface="Times New Roman" pitchFamily="1" charset="0"/>
       </a:defRPr>
     </a:lvl1pPr>
@@ -60,7 +60,7 @@
         </a:solidFill>
         <a:effectLst/>
         <a:latin typeface="Calibri" pitchFamily="2" charset="0"/>
-        <a:ea typeface="SimSun" pitchFamily="0" charset="0"/>
+        <a:ea typeface="SimSun" charset="0"/>
         <a:cs typeface="Times New Roman" pitchFamily="1" charset="0"/>
       </a:defRPr>
     </a:lvl2pPr>
@@ -82,7 +82,7 @@
         </a:solidFill>
         <a:effectLst/>
         <a:latin typeface="Calibri" pitchFamily="2" charset="0"/>
-        <a:ea typeface="SimSun" pitchFamily="0" charset="0"/>
+        <a:ea typeface="SimSun" charset="0"/>
         <a:cs typeface="Times New Roman" pitchFamily="1" charset="0"/>
       </a:defRPr>
     </a:lvl3pPr>
@@ -104,7 +104,7 @@
         </a:solidFill>
         <a:effectLst/>
         <a:latin typeface="Calibri" pitchFamily="2" charset="0"/>
-        <a:ea typeface="SimSun" pitchFamily="0" charset="0"/>
+        <a:ea typeface="SimSun" charset="0"/>
         <a:cs typeface="Times New Roman" pitchFamily="1" charset="0"/>
       </a:defRPr>
     </a:lvl4pPr>
@@ -126,7 +126,7 @@
         </a:solidFill>
         <a:effectLst/>
         <a:latin typeface="Calibri" pitchFamily="2" charset="0"/>
-        <a:ea typeface="SimSun" pitchFamily="0" charset="0"/>
+        <a:ea typeface="SimSun" charset="0"/>
         <a:cs typeface="Times New Roman" pitchFamily="1" charset="0"/>
       </a:defRPr>
     </a:lvl5pPr>
@@ -148,7 +148,7 @@
         </a:solidFill>
         <a:effectLst/>
         <a:latin typeface="Calibri" pitchFamily="2" charset="0"/>
-        <a:ea typeface="SimSun" pitchFamily="0" charset="0"/>
+        <a:ea typeface="SimSun" charset="0"/>
         <a:cs typeface="Times New Roman" pitchFamily="1" charset="0"/>
       </a:defRPr>
     </a:lvl6pPr>
@@ -170,7 +170,7 @@
         </a:solidFill>
         <a:effectLst/>
         <a:latin typeface="Calibri" pitchFamily="2" charset="0"/>
-        <a:ea typeface="SimSun" pitchFamily="0" charset="0"/>
+        <a:ea typeface="SimSun" charset="0"/>
         <a:cs typeface="Times New Roman" pitchFamily="1" charset="0"/>
       </a:defRPr>
     </a:lvl7pPr>
@@ -192,7 +192,7 @@
         </a:solidFill>
         <a:effectLst/>
         <a:latin typeface="Calibri" pitchFamily="2" charset="0"/>
-        <a:ea typeface="SimSun" pitchFamily="0" charset="0"/>
+        <a:ea typeface="SimSun" charset="0"/>
         <a:cs typeface="Times New Roman" pitchFamily="1" charset="0"/>
       </a:defRPr>
     </a:lvl8pPr>
@@ -214,16 +214,35 @@
         </a:solidFill>
         <a:effectLst/>
         <a:latin typeface="Calibri" pitchFamily="2" charset="0"/>
-        <a:ea typeface="SimSun" pitchFamily="0" charset="0"/>
+        <a:ea typeface="SimSun" charset="0"/>
         <a:cs typeface="Times New Roman" pitchFamily="1" charset="0"/>
       </a:defRPr>
     </a:lvl9pPr>
   </p:defaultTextStyle>
+  <p:extLst>
+    <p:ext uri="{EFAFB233-063F-42B5-8137-9DF3F51BA10A}">
+      <p15:sldGuideLst xmlns:p15="http://schemas.microsoft.com/office/powerpoint/2012/main">
+        <p15:guide id="1" orient="horz" pos="2160">
+          <p15:clr>
+            <a:srgbClr val="A4A3A4"/>
+          </p15:clr>
+        </p15:guide>
+        <p15:guide id="2" pos="3840">
+          <p15:clr>
+            <a:srgbClr val="A4A3A4"/>
+          </p15:clr>
+        </p15:guide>
+      </p15:sldGuideLst>
+    </p:ext>
+    <p:ext uri="{2D200454-40CA-4A62-9FC3-DE9A4176ACB9}">
+      <p15:notesGuideLst xmlns:p15="http://schemas.microsoft.com/office/powerpoint/2012/main"/>
+    </p:ext>
+  </p:extLst>
 </p:presentation>
 </file>
 
 <file path=ppt/slideLayouts/slideLayout1.xml><?xml version="1.0" encoding="utf-8"?>
-<p:sldLayout xmlns:p="http://schemas.openxmlformats.org/presentationml/2006/main" xmlns:mc="http://schemas.openxmlformats.org/markup-compatibility/2006" xmlns:p14="http://schemas.microsoft.com/office/powerpoint/2010/main" xmlns:p15="http://schemas.microsoft.com/office/powerpoint/2012/main" xmlns:r="http://schemas.openxmlformats.org/officeDocument/2006/relationships" xmlns:a="http://schemas.openxmlformats.org/drawingml/2006/main" type="title">
+<p:sldLayout xmlns:a="http://schemas.openxmlformats.org/drawingml/2006/main" xmlns:r="http://schemas.openxmlformats.org/officeDocument/2006/relationships" xmlns:p="http://schemas.openxmlformats.org/presentationml/2006/main" type="title">
   <p:cSld name="Title slide">
     <p:bg>
       <p:bgPr>
@@ -256,7 +275,7 @@
             <a:spLocks noGrp="1" noChangeArrowheads="1"/>
             <a:extLst>
               <a:ext uri="smNativeData">
-                <pr:smNativeData xmlns:pr="smNativeData" xmlns="smNativeData" val="SMDATA_15_Uo0YYxMAAAAlAAAAZAAAAA8BAAAAkAAAAEgAAACQAAAASAAAAAAAAAABAAAAAAAAAAEAAABQAAAAAAAAAAAA4D8AAAAAAADgPwAAAAAAAOA/AAAAAAAA4D8AAAAAAADgPwAAAAAAAOA/AAAAAAAA4D8AAAAAAADgPwAAAAAAAOA/AAAAAAAA4D8CAAAAjAAAAAAAAAAAAAAA////DP///whQAAAAAAAAAAAAAAAAAAAAAAAAAAAAAAAAAAAAZAAAAAEAAABAAAAAAAAAAAAAAAAAAAAAAAAAAAAAAAAAAAAAAAAAAAAAAAAAAAAAAAAAAAAAAAAAAAAAAAAAAAAAAAAAAAAAAAAAAAAAAAAAAAAAAAAAAAAAAAAAAAAAFAAAADwAAAAAAAAAAAAAAAZJjAkUAAAAAQAAABQAAAAUAAAAFAAAAAEAAAAAAAAAZAAAAGQAAAAAAAAAZAAAAGQAAAAVAAAAYAAAAAAAAAAAAAAADwAAACADAAAAAAAAAAAAAAEAAACgMgAAAAAAAAAAAAABAAAAf39/AAEAAABkAAAAAAAAABQAAABAHwAAAAAAACYAAAAAAAAAwOD//wAAAAAmAAAAZAAAABYAAABMAAAAAAAAAAAAAAAEAAAAAAAAAAEAAACWlpYKAAAAACgAAAAoAAAAZAAAAGQAAAAAAAAAzMzMAAAAAABQAAAAUAAAAGQAAABkAAAAAAAAABcAAAAUAAAAAAAAAAAAAAD/fwAA/38AAAAAAAAJAAAABAAAAAAAAAAeAAAAaAAAAAAAAAAAAAAAAAAAAAAAAAAAAAAAECcAABAnAAAAAAAAAAAAAAAAAAAAAAAAAAAAAAAAAAAAAAAAAAAAABQAAAAAAAAAwMD/AAAAAABkAAAAMgAAAAAAAABkAAAAAAAAAH9/fwAKAAAAIgAAABgAAAAAAAAAAAAAAAAAAAAAAAAAAAAAAAAAAAAkAAAAJAAAAAAAAAAHAAAAAAAAAAAAAAAAAAAAAAAAAAAAAAAAAAAAf39/ACUAAABYAAAAAAAAAAAAAAAAAAAAAAAAAAAAAAAAAAAAAAAAAAAAAAAAAAAAAAAAAAAAAAA/AAAAAAAAAKCGAQAAAAAAAAAAAAAAAAAMAAAAAQAAAAAAAAAAAAAAAAAAAB8AAABUAAAA////Bf///wEAAAAAAAAAAAAAAAAAAAAAAAAAAAAAAAAAAAAAAAAAAAZJjAJ/f38AlpaWA8zMzADAwP8Af39/AAAAAAAAAAAAAAAAAAAAAAAAAAAAIQAAABgAAAAUAAAAoAUAABoNAABgRQAAJhYAABAAAAAmAAAACAAAAAEAAAADAAAA"/>
+                <pr:smNativeData xmlns="smNativeData" xmlns:pr="smNativeData" xmlns:p15="http://schemas.microsoft.com/office/powerpoint/2012/main" xmlns:p14="http://schemas.microsoft.com/office/powerpoint/2010/main" xmlns:mc="http://schemas.openxmlformats.org/markup-compatibility/2006" val="SMDATA_15_Uo0YYxMAAAAlAAAAZAAAAA8BAAAAkAAAAEgAAACQAAAASAAAAAAAAAABAAAAAAAAAAEAAABQAAAAAAAAAAAA4D8AAAAAAADgPwAAAAAAAOA/AAAAAAAA4D8AAAAAAADgPwAAAAAAAOA/AAAAAAAA4D8AAAAAAADgPwAAAAAAAOA/AAAAAAAA4D8CAAAAjAAAAAAAAAAAAAAA////DP///whQAAAAAAAAAAAAAAAAAAAAAAAAAAAAAAAAAAAAZAAAAAEAAABAAAAAAAAAAAAAAAAAAAAAAAAAAAAAAAAAAAAAAAAAAAAAAAAAAAAAAAAAAAAAAAAAAAAAAAAAAAAAAAAAAAAAAAAAAAAAAAAAAAAAAAAAAAAAAAAAAAAAFAAAADwAAAAAAAAAAAAAAAZJjAkUAAAAAQAAABQAAAAUAAAAFAAAAAEAAAAAAAAAZAAAAGQAAAAAAAAAZAAAAGQAAAAVAAAAYAAAAAAAAAAAAAAADwAAACADAAAAAAAAAAAAAAEAAACgMgAAAAAAAAAAAAABAAAAf39/AAEAAABkAAAAAAAAABQAAABAHwAAAAAAACYAAAAAAAAAwOD//wAAAAAmAAAAZAAAABYAAABMAAAAAAAAAAAAAAAEAAAAAAAAAAEAAACWlpYKAAAAACgAAAAoAAAAZAAAAGQAAAAAAAAAzMzMAAAAAABQAAAAUAAAAGQAAABkAAAAAAAAABcAAAAUAAAAAAAAAAAAAAD/fwAA/38AAAAAAAAJAAAABAAAAAAAAAAeAAAAaAAAAAAAAAAAAAAAAAAAAAAAAAAAAAAAECcAABAnAAAAAAAAAAAAAAAAAAAAAAAAAAAAAAAAAAAAAAAAAAAAABQAAAAAAAAAwMD/AAAAAABkAAAAMgAAAAAAAABkAAAAAAAAAH9/fwAKAAAAIgAAABgAAAAAAAAAAAAAAAAAAAAAAAAAAAAAAAAAAAAkAAAAJAAAAAAAAAAHAAAAAAAAAAAAAAAAAAAAAAAAAAAAAAAAAAAAf39/ACUAAABYAAAAAAAAAAAAAAAAAAAAAAAAAAAAAAAAAAAAAAAAAAAAAAAAAAAAAAAAAAAAAAA/AAAAAAAAAKCGAQAAAAAAAAAAAAAAAAAMAAAAAQAAAAAAAAAAAAAAAAAAAB8AAABUAAAA////Bf///wEAAAAAAAAAAAAAAAAAAAAAAAAAAAAAAAAAAAAAAAAAAAZJjAJ/f38AlpaWA8zMzADAwP8Af39/AAAAAAAAAAAAAAAAAAAAAAAAAAAAIQAAABgAAAAUAAAAoAUAABoNAABgRQAAJhYAABAAAAAmAAAACAAAAAEAAAADAAAA"/>
               </a:ext>
             </a:extLst>
           </p:cNvSpPr>
@@ -275,7 +294,6 @@
           <a:bodyPr/>
           <a:lstStyle/>
           <a:p>
-            <a:pPr/>
             <a:r>
               <a:t>Click to edit Master title style</a:t>
             </a:r>
@@ -289,7 +307,7 @@
             <a:spLocks noGrp="1" noChangeArrowheads="1"/>
             <a:extLst>
               <a:ext uri="smNativeData">
-                <pr:smNativeData xmlns:pr="smNativeData" xmlns="smNativeData" val="SMDATA_15_Uo0YYxMAAAAlAAAAZAAAAA8BAAAAkAAAAEgAAACQAAAASAAAAAAAAAAAAAAAAAAAAAEAAABQAAAAAAAAAAAA4D8AAAAAAADgPwAAAAAAAOA/AAAAAAAA4D8AAAAAAADgPwAAAAAAAOA/AAAAAAAA4D8AAAAAAADgPwAAAAAAAOA/AAAAAAAA4D8CAAAAjAAAAAAAAAAAAAAA////DP///whQAAAAAAAAAAAAAAAAAAAAAAAAAAAAAAAAAAAAZAAAAAEAAABAAAAAAAAAAAAAAAAAAAAAAAAAAAAAAAAAAAAAAAAAAAAAAAAAAAAAAAAAAAAAAAAAAAAAAAAAAAAAAAAAAAAAAAAAAAAAAAAAAAAAAAAAAAAAAAAAAAAAFAAAADwAAAAAAAAAAAAAAAZJjAkUAAAAAQAAABQAAAAUAAAAFAAAAAEAAAAAAAAAZAAAAGQAAAAAAAAAZAAAAGQAAAAVAAAAYAAAAAAAAAAAAAAADwAAACADAAAAAAAAAAAAAAEAAACgMgAAAAAAAAAAAAABAAAAf39/AAEAAABkAAAAAAAAABQAAABAHwAAAAAAACYAAAAAAAAAwOD//wAAAAAmAAAAZAAAABYAAABMAAAAAAAAAAAAAAAEAAAAAAAAAAEAAACWlpYKAAAAACgAAAAoAAAAZAAAAGQAAAAAAAAAzMzMAAAAAABQAAAAUAAAAGQAAABkAAAAAAAAABcAAAAUAAAAAAAAAAAAAAD/fwAA/38AAAAAAAAJAAAABAAAALIAsgAeAAAAaAAAAAAAAAAAAAAAAAAAAAAAAAAAAAAAECcAABAnAAAAAAAAAAAAAAAAAAAAAAAAAAAAAAAAAAAAAAAAAAAAABQAAAAAAAAAwMD/AAAAAABkAAAAMgAAAAAAAABkAAAAAAAAAH9/fwAKAAAAIgAAABgAAAAAAAAAAAAAAAAAAAAAAAAAAAAAAAAAAAAkAAAAJAAAAAAAAAAHAAAAAAAAAAAAAAAAAAAAAAAAAAAAAAAAAAAAf39/ACUAAABYAAAAAAAAAAAAAAAAAAAAAAAAAAAAAAAAAAAAAAAAAAAAAAAAAAAAAAAAAAAAAAA/AAAAAAAAAKCGAQAAAAAAAAAAAAAAAAAMAAAAAQAAAAAAAAAAAAAAAAAAAB8AAABUAAAA////Bf///wEAAAAAAAAAAAAAAAAAAAAAAAAAAAAAAAAAAAAAAAAAAAZJjAJ/f38AlpaWA8zMzADAwP8Af39/AAAAAAAAAAAAAAAAAAAAAAAAAAAAIQAAABgAAAAUAAAAQAsAAOgXAADAPwAAsCIAABAAAAAmAAAACAAAAAGAAAADAAAA"/>
+                <pr:smNativeData xmlns="smNativeData" xmlns:pr="smNativeData" xmlns:p15="http://schemas.microsoft.com/office/powerpoint/2012/main" xmlns:p14="http://schemas.microsoft.com/office/powerpoint/2010/main" xmlns:mc="http://schemas.openxmlformats.org/markup-compatibility/2006" val="SMDATA_15_Uo0YYxMAAAAlAAAAZAAAAA8BAAAAkAAAAEgAAACQAAAASAAAAAAAAAAAAAAAAAAAAAEAAABQAAAAAAAAAAAA4D8AAAAAAADgPwAAAAAAAOA/AAAAAAAA4D8AAAAAAADgPwAAAAAAAOA/AAAAAAAA4D8AAAAAAADgPwAAAAAAAOA/AAAAAAAA4D8CAAAAjAAAAAAAAAAAAAAA////DP///whQAAAAAAAAAAAAAAAAAAAAAAAAAAAAAAAAAAAAZAAAAAEAAABAAAAAAAAAAAAAAAAAAAAAAAAAAAAAAAAAAAAAAAAAAAAAAAAAAAAAAAAAAAAAAAAAAAAAAAAAAAAAAAAAAAAAAAAAAAAAAAAAAAAAAAAAAAAAAAAAAAAAFAAAADwAAAAAAAAAAAAAAAZJjAkUAAAAAQAAABQAAAAUAAAAFAAAAAEAAAAAAAAAZAAAAGQAAAAAAAAAZAAAAGQAAAAVAAAAYAAAAAAAAAAAAAAADwAAACADAAAAAAAAAAAAAAEAAACgMgAAAAAAAAAAAAABAAAAf39/AAEAAABkAAAAAAAAABQAAABAHwAAAAAAACYAAAAAAAAAwOD//wAAAAAmAAAAZAAAABYAAABMAAAAAAAAAAAAAAAEAAAAAAAAAAEAAACWlpYKAAAAACgAAAAoAAAAZAAAAGQAAAAAAAAAzMzMAAAAAABQAAAAUAAAAGQAAABkAAAAAAAAABcAAAAUAAAAAAAAAAAAAAD/fwAA/38AAAAAAAAJAAAABAAAALIAsgAeAAAAaAAAAAAAAAAAAAAAAAAAAAAAAAAAAAAAECcAABAnAAAAAAAAAAAAAAAAAAAAAAAAAAAAAAAAAAAAAAAAAAAAABQAAAAAAAAAwMD/AAAAAABkAAAAMgAAAAAAAABkAAAAAAAAAH9/fwAKAAAAIgAAABgAAAAAAAAAAAAAAAAAAAAAAAAAAAAAAAAAAAAkAAAAJAAAAAAAAAAHAAAAAAAAAAAAAAAAAAAAAAAAAAAAAAAAAAAAf39/ACUAAABYAAAAAAAAAAAAAAAAAAAAAAAAAAAAAAAAAAAAAAAAAAAAAAAAAAAAAAAAAAAAAAA/AAAAAAAAAKCGAQAAAAAAAAAAAAAAAAAMAAAAAQAAAAAAAAAAAAAAAAAAAB8AAABUAAAA////Bf///wEAAAAAAAAAAAAAAAAAAAAAAAAAAAAAAAAAAAAAAAAAAAZJjAJ/f38AlpaWA8zMzADAwP8Af39/AAAAAAAAAAAAAAAAAAAAAAAAAAAAIQAAABgAAAAUAAAAQAsAAOgXAADAPwAAsCIAABAAAAAmAAAACAAAAAGAAAADAAAA"/>
               </a:ext>
             </a:extLst>
           </p:cNvSpPr>
@@ -336,7 +354,6 @@
             </a:lvl9pPr>
           </a:lstStyle>
           <a:p>
-            <a:pPr/>
             <a:r>
               <a:t>Click to edit Master subtitle style</a:t>
             </a:r>
@@ -350,7 +367,7 @@
             <a:spLocks noGrp="1" noChangeArrowheads="1"/>
             <a:extLst>
               <a:ext uri="smNativeData">
-                <pr:smNativeData xmlns:pr="smNativeData" xmlns="smNativeData" val="SMDATA_15_Uo0YYxMAAAAlAAAAZAAAAA8BAAAAkAAAAEgAAACQAAAASAAAAAAAAAABAAAAAAAAAAEAAABQAAAAAAAAAAAA4D8AAAAAAADgPwAAAAAAAOA/AAAAAAAA4D8AAAAAAADgPwAAAAAAAOA/AAAAAAAA4D8AAAAAAADgPwAAAAAAAOA/AAAAAAAA4D8CAAAAjAAAAAAAAAAAAAAA////DP///wgAAAAAAAAAAAAAAAAAAAAAAAAAAAAAAAAAAAAAZAAAAAEAAABAAAAAAAAAAAAAAAAAAAAAAAAAAAAAAAAAAAAAAAAAAAAAAAAAAAAAAAAAAAAAAAAAAAAAAAAAAAAAAAAAAAAAAAAAAAAAAAAAAAAAAAAAAAAAAAAAAAAAFAAAADwAAAAAAAAAAAAAAAZJjAkUAAAAAQAAABQAAAAUAAAAFAAAAAEAAAAAAAAAZAAAAGQAAAAAAAAAZAAAAGQAAAAVAAAAYAAAAAAAAAAAAAAADwAAACADAAAAAAAAAAAAAAEAAACgMgAAVgcAAKr4//8BAAAAf39/AAEAAABkAAAAAAAAABQAAABAHwAAAAAAACYAAAAAAAAAwOD//wAAAAAmAAAAZAAAABYAAABMAAAAAAAAAAAAAAAEAAAAAAAAAAEAAACWlpYKAAAAACgAAAAoAAAAZAAAAGQAAAAAAAAAzMzMAAAAAABQAAAAUAAAAGQAAABkAAAAAAAAABcAAAAUAAAAAAAAAAAAAAD/fwAA/38AAAAAAAAJAAAABAAAALIAsgAeAAAAaAAAAAAAAAAAAAAAAAAAAAAAAAAAAAAAECcAABAnAAAAAAAAAAAAAAAAAAAAAAAAAAAAAAAAAAAAAAAAAAAAABQAAAAAAAAAwMD/AAAAAABkAAAAMgAAAAAAAABkAAAAAAAAAH9/fwAKAAAAIgAAABgAAAAAAAAAAAAAAAAAAAAAAAAAAAAAAAAAAAAkAAAAJAAAAAAAAAAHAAAAAAAAAAAAAAAAAAAAAAAAAAAAAAAAAAAAf39/ACUAAABYAAAAAAAAAAAAAAAAAAAAAAAAAAAAAAAAAAAAAAAAAAAAAAAAAAAAAAAAAAAAAAA/AAAAAAAAAKCGAQAAAAAAAAAAAAAAAAAMAAAAAQAAAAAAAAAAAAAAAAAAAB8AAABUAAAA////Bf///wEAAAAAAAAAAAAAAAAAAAAAAAAAAAAAAAAAAAAAAAAAAAZJjAJ/f38AlpaWA8zMzADAwP8Af39/AAAAAAAAAAAAAAAAAAAAAAAAAAAAIQAAABgAAAAUAAAAwAMAABsnAABAFQAAWSkAABAAAAAmAAAACAAAAAAAAAAAAAAA"/>
+                <pr:smNativeData xmlns="smNativeData" xmlns:pr="smNativeData" xmlns:p15="http://schemas.microsoft.com/office/powerpoint/2012/main" xmlns:p14="http://schemas.microsoft.com/office/powerpoint/2010/main" xmlns:mc="http://schemas.openxmlformats.org/markup-compatibility/2006" val="SMDATA_15_Uo0YYxMAAAAlAAAAZAAAAA8BAAAAkAAAAEgAAACQAAAASAAAAAAAAAABAAAAAAAAAAEAAABQAAAAAAAAAAAA4D8AAAAAAADgPwAAAAAAAOA/AAAAAAAA4D8AAAAAAADgPwAAAAAAAOA/AAAAAAAA4D8AAAAAAADgPwAAAAAAAOA/AAAAAAAA4D8CAAAAjAAAAAAAAAAAAAAA////DP///wgAAAAAAAAAAAAAAAAAAAAAAAAAAAAAAAAAAAAAZAAAAAEAAABAAAAAAAAAAAAAAAAAAAAAAAAAAAAAAAAAAAAAAAAAAAAAAAAAAAAAAAAAAAAAAAAAAAAAAAAAAAAAAAAAAAAAAAAAAAAAAAAAAAAAAAAAAAAAAAAAAAAAFAAAADwAAAAAAAAAAAAAAAZJjAkUAAAAAQAAABQAAAAUAAAAFAAAAAEAAAAAAAAAZAAAAGQAAAAAAAAAZAAAAGQAAAAVAAAAYAAAAAAAAAAAAAAADwAAACADAAAAAAAAAAAAAAEAAACgMgAAVgcAAKr4//8BAAAAf39/AAEAAABkAAAAAAAAABQAAABAHwAAAAAAACYAAAAAAAAAwOD//wAAAAAmAAAAZAAAABYAAABMAAAAAAAAAAAAAAAEAAAAAAAAAAEAAACWlpYKAAAAACgAAAAoAAAAZAAAAGQAAAAAAAAAzMzMAAAAAABQAAAAUAAAAGQAAABkAAAAAAAAABcAAAAUAAAAAAAAAAAAAAD/fwAA/38AAAAAAAAJAAAABAAAALIAsgAeAAAAaAAAAAAAAAAAAAAAAAAAAAAAAAAAAAAAECcAABAnAAAAAAAAAAAAAAAAAAAAAAAAAAAAAAAAAAAAAAAAAAAAABQAAAAAAAAAwMD/AAAAAABkAAAAMgAAAAAAAABkAAAAAAAAAH9/fwAKAAAAIgAAABgAAAAAAAAAAAAAAAAAAAAAAAAAAAAAAAAAAAAkAAAAJAAAAAAAAAAHAAAAAAAAAAAAAAAAAAAAAAAAAAAAAAAAAAAAf39/ACUAAABYAAAAAAAAAAAAAAAAAAAAAAAAAAAAAAAAAAAAAAAAAAAAAAAAAAAAAAAAAAAAAAA/AAAAAAAAAKCGAQAAAAAAAAAAAAAAAAAMAAAAAQAAAAAAAAAAAAAAAAAAAB8AAABUAAAA////Bf///wEAAAAAAAAAAAAAAAAAAAAAAAAAAAAAAAAAAAAAAAAAAAZJjAJ/f38AlpaWA8zMzADAwP8Af39/AAAAAAAAAAAAAAAAAAAAAAAAAAAAIQAAABgAAAAUAAAAwAMAABsnAABAFQAAWSkAABAAAAAmAAAACAAAAAAAAAAAAAAA"/>
               </a:ext>
             </a:extLst>
           </p:cNvSpPr>
@@ -363,10 +380,10 @@
           <a:bodyPr/>
           <a:lstStyle/>
           <a:p>
-            <a:pPr/>
             <a:fld id="{60FA7916-588D-AF8F-C342-AEDA370C35FB}" type="datetime1">
-              <a:t/>
+              <a:t>9/7/2022</a:t>
             </a:fld>
+            <a:endParaRPr/>
           </a:p>
         </p:txBody>
       </p:sp>
@@ -377,7 +394,7 @@
             <a:spLocks noGrp="1" noChangeArrowheads="1"/>
             <a:extLst>
               <a:ext uri="smNativeData">
-                <pr:smNativeData xmlns:pr="smNativeData" xmlns="smNativeData" val="SMDATA_15_Uo0YYxMAAAAlAAAAZAAAAA8BAAAAkAAAAEgAAACQAAAASAAAAAAAAAABAAAAAAAAAAEAAABQAAAAAAAAAAAA4D8AAAAAAADgPwAAAAAAAOA/AAAAAAAA4D8AAAAAAADgPwAAAAAAAOA/AAAAAAAA4D8AAAAAAADgPwAAAAAAAOA/AAAAAAAA4D8CAAAAjAAAAAAAAAAAAAAA////DP///wgAAAAAAAAAAAAAAAAAAAAAAAAAAAAAAAAAAAAAZAAAAAEAAABAAAAAAAAAAAAAAAAAAAAAAAAAAAAAAAAAAAAAAAAAAAAAAAAAAAAAAAAAAAAAAAAAAAAAAAAAAAAAAAAAAAAAAAAAAAAAAAAAAAAAAAAAAAAAAAAAAAAAFAAAADwAAAAAAAAAAAAAAAZJjAkUAAAAAQAAABQAAAAUAAAAFAAAAAEAAAAAAAAAZAAAAGQAAAAAAAAAZAAAAGQAAAAVAAAAYAAAAAAAAAAAAAAADwAAACADAAAAAAAAAAAAAAEAAACgMgAAVgcAAKr4//8BAAAAf39/AAEAAABkAAAAAAAAABQAAABAHwAAAAAAACYAAAAAAAAAwOD//wAAAAAmAAAAZAAAABYAAABMAAAAAAAAAAAAAAAEAAAAAAAAAAEAAACWlpYKAAAAACgAAAAoAAAAZAAAAGQAAAAAAAAAzMzMAAAAAABQAAAAUAAAAGQAAABkAAAAAAAAABcAAAAUAAAAAAAAAAAAAAD/fwAA/38AAAAAAAAJAAAABAAAAPkA+QAeAAAAaAAAAAAAAAAAAAAAAAAAAAAAAAAAAAAAECcAABAnAAAAAAAAAAAAAAAAAAAAAAAAAAAAAAAAAAAAAAAAAAAAABQAAAAAAAAAwMD/AAAAAABkAAAAMgAAAAAAAABkAAAAAAAAAH9/fwAKAAAAIgAAABgAAAAAAAAAAAAAAAAAAAAAAAAAAAAAAAAAAAAkAAAAJAAAAAAAAAAHAAAAAAAAAAAAAAAAAAAAAAAAAAAAAAAAAAAAf39/ACUAAABYAAAAAAAAAAAAAAAAAAAAAAAAAAAAAAAAAAAAAAAAAAAAAAAAAAAAAAAAAAAAAAA/AAAAAAAAAKCGAQAAAAAAAAAAAAAAAAAMAAAAAQAAAAAAAAAAAAAAAAAAAB8AAABUAAAA////Bf///wEAAAAAAAAAAAAAAAAAAAAAAAAAAAAAAAAAAAAAAAAAAAZJjAJ/f38AlpaWA8zMzADAwP8Af39/AAAAAAAAAAAAAAAAAAAAAAAAAAAAIQAAABgAAAAUAAAAoBkAABsnAABgMQAAWSkAABAAAAAmAAAACAAAAAAAAAAAAAAA"/>
+                <pr:smNativeData xmlns="smNativeData" xmlns:pr="smNativeData" xmlns:p15="http://schemas.microsoft.com/office/powerpoint/2012/main" xmlns:p14="http://schemas.microsoft.com/office/powerpoint/2010/main" xmlns:mc="http://schemas.openxmlformats.org/markup-compatibility/2006" val="SMDATA_15_Uo0YYxMAAAAlAAAAZAAAAA8BAAAAkAAAAEgAAACQAAAASAAAAAAAAAABAAAAAAAAAAEAAABQAAAAAAAAAAAA4D8AAAAAAADgPwAAAAAAAOA/AAAAAAAA4D8AAAAAAADgPwAAAAAAAOA/AAAAAAAA4D8AAAAAAADgPwAAAAAAAOA/AAAAAAAA4D8CAAAAjAAAAAAAAAAAAAAA////DP///wgAAAAAAAAAAAAAAAAAAAAAAAAAAAAAAAAAAAAAZAAAAAEAAABAAAAAAAAAAAAAAAAAAAAAAAAAAAAAAAAAAAAAAAAAAAAAAAAAAAAAAAAAAAAAAAAAAAAAAAAAAAAAAAAAAAAAAAAAAAAAAAAAAAAAAAAAAAAAAAAAAAAAFAAAADwAAAAAAAAAAAAAAAZJjAkUAAAAAQAAABQAAAAUAAAAFAAAAAEAAAAAAAAAZAAAAGQAAAAAAAAAZAAAAGQAAAAVAAAAYAAAAAAAAAAAAAAADwAAACADAAAAAAAAAAAAAAEAAACgMgAAVgcAAKr4//8BAAAAf39/AAEAAABkAAAAAAAAABQAAABAHwAAAAAAACYAAAAAAAAAwOD//wAAAAAmAAAAZAAAABYAAABMAAAAAAAAAAAAAAAEAAAAAAAAAAEAAACWlpYKAAAAACgAAAAoAAAAZAAAAGQAAAAAAAAAzMzMAAAAAABQAAAAUAAAAGQAAABkAAAAAAAAABcAAAAUAAAAAAAAAAAAAAD/fwAA/38AAAAAAAAJAAAABAAAAPkA+QAeAAAAaAAAAAAAAAAAAAAAAAAAAAAAAAAAAAAAECcAABAnAAAAAAAAAAAAAAAAAAAAAAAAAAAAAAAAAAAAAAAAAAAAABQAAAAAAAAAwMD/AAAAAABkAAAAMgAAAAAAAABkAAAAAAAAAH9/fwAKAAAAIgAAABgAAAAAAAAAAAAAAAAAAAAAAAAAAAAAAAAAAAAkAAAAJAAAAAAAAAAHAAAAAAAAAAAAAAAAAAAAAAAAAAAAAAAAAAAAf39/ACUAAABYAAAAAAAAAAAAAAAAAAAAAAAAAAAAAAAAAAAAAAAAAAAAAAAAAAAAAAAAAAAAAAA/AAAAAAAAAKCGAQAAAAAAAAAAAAAAAAAMAAAAAQAAAAAAAAAAAAAAAAAAAB8AAABUAAAA////Bf///wEAAAAAAAAAAAAAAAAAAAAAAAAAAAAAAAAAAAAAAAAAAAZJjAJ/f38AlpaWA8zMzADAwP8Af39/AAAAAAAAAAAAAAAAAAAAAAAAAAAAIQAAABgAAAAUAAAAoBkAABsnAABgMQAAWSkAABAAAAAmAAAACAAAAAAAAAAAAAAA"/>
               </a:ext>
             </a:extLst>
           </p:cNvSpPr>
@@ -390,7 +407,7 @@
           <a:bodyPr/>
           <a:lstStyle/>
           <a:p>
-            <a:pPr/>
+            <a:endParaRPr/>
           </a:p>
         </p:txBody>
       </p:sp>
@@ -401,7 +418,7 @@
             <a:spLocks noGrp="1" noChangeArrowheads="1"/>
             <a:extLst>
               <a:ext uri="smNativeData">
-                <pr:smNativeData xmlns:pr="smNativeData" xmlns="smNativeData" val="SMDATA_15_Uo0YYxMAAAAlAAAAZAAAAA8BAAAAkAAAAEgAAACQAAAASAAAAAAAAAABAAAAAAAAAAEAAABQAAAAAAAAAAAA4D8AAAAAAADgPwAAAAAAAOA/AAAAAAAA4D8AAAAAAADgPwAAAAAAAOA/AAAAAAAA4D8AAAAAAADgPwAAAAAAAOA/AAAAAAAA4D8CAAAAjAAAAAAAAAAAAAAA////DP///wgAAAAAAAAAAAAAAAAAAAAAAAAAAAAAAAAAAAAAZAAAAAEAAABAAAAAAAAAAAAAAAAAAAAAAAAAAAAAAAAAAAAAAAAAAAAAAAAAAAAAAAAAAAAAAAAAAAAAAAAAAAAAAAAAAAAAAAAAAAAAAAAAAAAAAAAAAAAAAAAAAAAAFAAAADwAAAAAAAAAAAAAAAZJjAkUAAAAAQAAABQAAAAUAAAAFAAAAAEAAAAAAAAAZAAAAGQAAAAAAAAAZAAAAGQAAAAVAAAAYAAAAAAAAAAAAAAADwAAACADAAAAAAAAAAAAAAEAAACgMgAAVgcAAKr4//8BAAAAf39/AAEAAABkAAAAAAAAABQAAABAHwAAAAAAACYAAAAAAAAAwOD//wAAAAAmAAAAZAAAABYAAABMAAAAAAAAAAAAAAAEAAAAAAAAAAEAAACWlpYKAAAAACgAAAAoAAAAZAAAAGQAAAAAAAAAzMzMAAAAAABQAAAAUAAAAGQAAABkAAAAAAAAABcAAAAUAAAAAAAAAAAAAAD/fwAA/38AAAAAAAAJAAAABAAAAAAAAAAeAAAAaAAAAAAAAAAAAAAAAAAAAAAAAAAAAAAAECcAABAnAAAAAAAAAAAAAAAAAAAAAAAAAAAAAAAAAAAAAAAAAAAAABQAAAAAAAAAwMD/AAAAAABkAAAAMgAAAAAAAABkAAAAAAAAAH9/fwAKAAAAIgAAABgAAAAAAAAAAAAAAAAAAAAAAAAAAAAAAAAAAAAkAAAAJAAAAAAAAAAHAAAAAAAAAAAAAAAAAAAAAAAAAAAAAAAAAAAAf39/ACUAAABYAAAAAAAAAAAAAAAAAAAAAAAAAAAAAAAAAAAAAAAAAAAAAAAAAAAAAAAAAAAAAAA/AAAAAAAAAKCGAQAAAAAAAAAAAAAAAAAMAAAAAQAAAAAAAAAAAAAAAAAAAB8AAABUAAAA////Bf///wEAAAAAAAAAAAAAAAAAAAAAAAAAAAAAAAAAAAAAAAAAAAZJjAJ/f38AlpaWA8zMzADAwP8Af39/AAAAAAAAAAAAAAAAAAAAAAAAAAAAIQAAABgAAAAUAAAAwDUAABsnAABARwAAWSkAABAAAAAmAAAACAAAAAAAAAAAAAAA"/>
+                <pr:smNativeData xmlns="smNativeData" xmlns:pr="smNativeData" xmlns:p15="http://schemas.microsoft.com/office/powerpoint/2012/main" xmlns:p14="http://schemas.microsoft.com/office/powerpoint/2010/main" xmlns:mc="http://schemas.openxmlformats.org/markup-compatibility/2006" val="SMDATA_15_Uo0YYxMAAAAlAAAAZAAAAA8BAAAAkAAAAEgAAACQAAAASAAAAAAAAAABAAAAAAAAAAEAAABQAAAAAAAAAAAA4D8AAAAAAADgPwAAAAAAAOA/AAAAAAAA4D8AAAAAAADgPwAAAAAAAOA/AAAAAAAA4D8AAAAAAADgPwAAAAAAAOA/AAAAAAAA4D8CAAAAjAAAAAAAAAAAAAAA////DP///wgAAAAAAAAAAAAAAAAAAAAAAAAAAAAAAAAAAAAAZAAAAAEAAABAAAAAAAAAAAAAAAAAAAAAAAAAAAAAAAAAAAAAAAAAAAAAAAAAAAAAAAAAAAAAAAAAAAAAAAAAAAAAAAAAAAAAAAAAAAAAAAAAAAAAAAAAAAAAAAAAAAAAFAAAADwAAAAAAAAAAAAAAAZJjAkUAAAAAQAAABQAAAAUAAAAFAAAAAEAAAAAAAAAZAAAAGQAAAAAAAAAZAAAAGQAAAAVAAAAYAAAAAAAAAAAAAAADwAAACADAAAAAAAAAAAAAAEAAACgMgAAVgcAAKr4//8BAAAAf39/AAEAAABkAAAAAAAAABQAAABAHwAAAAAAACYAAAAAAAAAwOD//wAAAAAmAAAAZAAAABYAAABMAAAAAAAAAAAAAAAEAAAAAAAAAAEAAACWlpYKAAAAACgAAAAoAAAAZAAAAGQAAAAAAAAAzMzMAAAAAABQAAAAUAAAAGQAAABkAAAAAAAAABcAAAAUAAAAAAAAAAAAAAD/fwAA/38AAAAAAAAJAAAABAAAAAAAAAAeAAAAaAAAAAAAAAAAAAAAAAAAAAAAAAAAAAAAECcAABAnAAAAAAAAAAAAAAAAAAAAAAAAAAAAAAAAAAAAAAAAAAAAABQAAAAAAAAAwMD/AAAAAABkAAAAMgAAAAAAAABkAAAAAAAAAH9/fwAKAAAAIgAAABgAAAAAAAAAAAAAAAAAAAAAAAAAAAAAAAAAAAAkAAAAJAAAAAAAAAAHAAAAAAAAAAAAAAAAAAAAAAAAAAAAAAAAAAAAf39/ACUAAABYAAAAAAAAAAAAAAAAAAAAAAAAAAAAAAAAAAAAAAAAAAAAAAAAAAAAAAAAAAAAAAA/AAAAAAAAAKCGAQAAAAAAAAAAAAAAAAAMAAAAAQAAAAAAAAAAAAAAAAAAAB8AAABUAAAA////Bf///wEAAAAAAAAAAAAAAAAAAAAAAAAAAAAAAAAAAAAAAAAAAAZJjAJ/f38AlpaWA8zMzADAwP8Af39/AAAAAAAAAAAAAAAAAAAAAAAAAAAAIQAAABgAAAAUAAAAwDUAABsnAABARwAAWSkAABAAAAAmAAAACAAAAAAAAAAAAAAA"/>
               </a:ext>
             </a:extLst>
           </p:cNvSpPr>
@@ -414,10 +431,10 @@
           <a:bodyPr/>
           <a:lstStyle/>
           <a:p>
-            <a:pPr/>
             <a:fld id="{554BF7C3-8DB8-1E01-F6F3-7B54B9BD002E}" type="slidenum">
-              <a:t/>
+              <a:t>‹#›</a:t>
             </a:fld>
+            <a:endParaRPr/>
           </a:p>
         </p:txBody>
       </p:sp>
@@ -431,7 +448,7 @@
 </file>
 
 <file path=ppt/slideLayouts/slideLayout10.xml><?xml version="1.0" encoding="utf-8"?>
-<p:sldLayout xmlns:p="http://schemas.openxmlformats.org/presentationml/2006/main" xmlns:mc="http://schemas.openxmlformats.org/markup-compatibility/2006" xmlns:p14="http://schemas.microsoft.com/office/powerpoint/2010/main" xmlns:p15="http://schemas.microsoft.com/office/powerpoint/2012/main" xmlns:r="http://schemas.openxmlformats.org/officeDocument/2006/relationships" xmlns:a="http://schemas.openxmlformats.org/drawingml/2006/main" type="vertTx">
+<p:sldLayout xmlns:a="http://schemas.openxmlformats.org/drawingml/2006/main" xmlns:r="http://schemas.openxmlformats.org/officeDocument/2006/relationships" xmlns:p="http://schemas.openxmlformats.org/presentationml/2006/main" type="vertTx">
   <p:cSld name="Title and vertical text">
     <p:spTree>
       <p:nvGrpSpPr>
@@ -454,7 +471,7 @@
             <a:spLocks noGrp="1" noChangeArrowheads="1"/>
             <a:extLst>
               <a:ext uri="smNativeData">
-                <pr:smNativeData xmlns:pr="smNativeData" xmlns="smNativeData" val="SMDATA_15_Uo0YYxMAAAAlAAAAZAAAAA8BAAAAkAAAAEgAAACQAAAASAAAAAAAAAABAAAAAAAAAAEAAABQAAAAAAAAAAAA4D8AAAAAAADgPwAAAAAAAOA/AAAAAAAA4D8AAAAAAADgPwAAAAAAAOA/AAAAAAAA4D8AAAAAAADgPwAAAAAAAOA/AAAAAAAA4D8CAAAAjAAAAAEAAAAAAAAA////DP///whQAAAAAAAAAAAAAAAAAAAAAAAAAAAAAAAAAAAAZAAAAAEAAABAAAAAAAAAAAAAAAAAAAAAAAAAAAAAAAAAAAAAAAAAAAAAAAAAAAAAAAAAAAAAAAAAAAAAAAAAAAAAAAAAAAAAAAAAAAAAAAAAAAAAAAAAAAAAAAAAAAAAFAAAADwAAAAAAAAAAAAAAAZJjAkUAAAAAQAAABQAAAAUAAAAFAAAAAEAAAAAAAAAZAAAAGQAAAAAAAAAZAAAAGQAAAAVAAAAYAAAAAAAAAAAAAAADwAAACADAAAAAAAAAAAAAAEAAACgMgAAAAAAAAAAAAABAAAAf39/AAEAAABkAAAAAAAAABQAAABAHwAAAAAAACYAAAAAAAAAwOD//wAAAAAmAAAAZAAAABYAAABMAAAAAAAAAAAAAAAEAAAAAAAAAAEAAACWlpYKAAAAACgAAAAoAAAAZAAAAGQAAAAAAAAAzMzMAAAAAABQAAAAUAAAAGQAAABkAAAAAAAAABcAAAAUAAAAAAAAAAAAAAD/fwAA/38AAAAAAAAJAAAABAAAAIYiAAAeAAAAaAAAAAAAAAAAAAAAAAAAAAAAAAAAAAAAECcAABAnAAAAAAAAAAAAAAAAAAAAAAAAAAAAAAAAAAAAAAAAAAAAABQAAAAAAAAAwMD/AAAAAABkAAAAMgAAAAAAAABkAAAAAAAAAH9/fwAKAAAAIgAAABgAAAAAAAAAAAAAAAAAAAAAAAAAAAAAAAAAAAAkAAAAJAAAAAAAAAAHAAAAAAAAAAAAAAAAAAAAAAAAAAAAAAAAAAAAf39/ACUAAABYAAAAAAAAAAAAAAAAAAAAAAAAAAAAAAAAAAAAAAAAAAAAAAAAAAAAAAAAAAAAAAA/AAAAAAAAAKCGAQAAAAAAAAAAAAAAAAAMAAAAAQAAAAAAAAAAAAAAAAAAAB8AAABUAAAA////Bf///wEAAAAAAAAAAAAAAAAAAAAAAAAAAAAAAAAAAAAAAAAAAAZJjAJ/f38AlpaWA8zMzADAwP8Af39/AAAAAAAAAAAAAAAAAAAAAAAAAAAAIQAAABgAAAAUAAAAwAMAALABAABARwAAuAgAABAAAAAmAAAACAAAAAAAAAAAAAAA"/>
+                <pr:smNativeData xmlns="smNativeData" xmlns:pr="smNativeData" xmlns:p15="http://schemas.microsoft.com/office/powerpoint/2012/main" xmlns:p14="http://schemas.microsoft.com/office/powerpoint/2010/main" xmlns:mc="http://schemas.openxmlformats.org/markup-compatibility/2006" val="SMDATA_15_Uo0YYxMAAAAlAAAAZAAAAA8BAAAAkAAAAEgAAACQAAAASAAAAAAAAAABAAAAAAAAAAEAAABQAAAAAAAAAAAA4D8AAAAAAADgPwAAAAAAAOA/AAAAAAAA4D8AAAAAAADgPwAAAAAAAOA/AAAAAAAA4D8AAAAAAADgPwAAAAAAAOA/AAAAAAAA4D8CAAAAjAAAAAEAAAAAAAAA////DP///whQAAAAAAAAAAAAAAAAAAAAAAAAAAAAAAAAAAAAZAAAAAEAAABAAAAAAAAAAAAAAAAAAAAAAAAAAAAAAAAAAAAAAAAAAAAAAAAAAAAAAAAAAAAAAAAAAAAAAAAAAAAAAAAAAAAAAAAAAAAAAAAAAAAAAAAAAAAAAAAAAAAAFAAAADwAAAAAAAAAAAAAAAZJjAkUAAAAAQAAABQAAAAUAAAAFAAAAAEAAAAAAAAAZAAAAGQAAAAAAAAAZAAAAGQAAAAVAAAAYAAAAAAAAAAAAAAADwAAACADAAAAAAAAAAAAAAEAAACgMgAAAAAAAAAAAAABAAAAf39/AAEAAABkAAAAAAAAABQAAABAHwAAAAAAACYAAAAAAAAAwOD//wAAAAAmAAAAZAAAABYAAABMAAAAAAAAAAAAAAAEAAAAAAAAAAEAAACWlpYKAAAAACgAAAAoAAAAZAAAAGQAAAAAAAAAzMzMAAAAAABQAAAAUAAAAGQAAABkAAAAAAAAABcAAAAUAAAAAAAAAAAAAAD/fwAA/38AAAAAAAAJAAAABAAAAIYiAAAeAAAAaAAAAAAAAAAAAAAAAAAAAAAAAAAAAAAAECcAABAnAAAAAAAAAAAAAAAAAAAAAAAAAAAAAAAAAAAAAAAAAAAAABQAAAAAAAAAwMD/AAAAAABkAAAAMgAAAAAAAABkAAAAAAAAAH9/fwAKAAAAIgAAABgAAAAAAAAAAAAAAAAAAAAAAAAAAAAAAAAAAAAkAAAAJAAAAAAAAAAHAAAAAAAAAAAAAAAAAAAAAAAAAAAAAAAAAAAAf39/ACUAAABYAAAAAAAAAAAAAAAAAAAAAAAAAAAAAAAAAAAAAAAAAAAAAAAAAAAAAAAAAAAAAAA/AAAAAAAAAKCGAQAAAAAAAAAAAAAAAAAMAAAAAQAAAAAAAAAAAAAAAAAAAB8AAABUAAAA////Bf///wEAAAAAAAAAAAAAAAAAAAAAAAAAAAAAAAAAAAAAAAAAAAZJjAJ/f38AlpaWA8zMzADAwP8Af39/AAAAAAAAAAAAAAAAAAAAAAAAAAAAIQAAABgAAAAUAAAAwAMAALABAABARwAAuAgAABAAAAAmAAAACAAAAAAAAAAAAAAA"/>
               </a:ext>
             </a:extLst>
           </p:cNvSpPr>
@@ -467,7 +484,6 @@
           <a:bodyPr/>
           <a:lstStyle/>
           <a:p>
-            <a:pPr/>
             <a:r>
               <a:t>Click to edit Master title style</a:t>
             </a:r>
@@ -481,7 +497,7 @@
             <a:spLocks noGrp="1" noChangeArrowheads="1"/>
             <a:extLst>
               <a:ext uri="smNativeData">
-                <pr:smNativeData xmlns:pr="smNativeData" xmlns="smNativeData" val="SMDATA_15_Uo0YYxMAAAAlAAAAZAAAAA8BAAAAkAAAAEgAAACQAAAASAAAAAAAAAAAAAAAAQAAAAEAAABQAAAAAAAAAAAA4D8AAAAAAADgPwAAAAAAAOA/AAAAAAAA4D8AAAAAAADgPwAAAAAAAOA/AAAAAAAA4D8AAAAAAADgPwAAAAAAAOA/AAAAAAAA4D8CAAAAjAAAAAEAAAAAAAAA////DP///whQAAAAAAAAAAAAAAAAAAAAAAAAAAAAAAAAAAAAZAAAAAEAAABAAAAAAAAAAAAAAAAAAAAAAAAAAAAAAAAAAAAAAAAAAAAAAAAAAAAAAAAAAAAAAAAAAAAAAAAAAAAAAAAAAAAAAAAAAAAAAAAAAAAAAAAAAAAAAAAAAAAAFAAAADwAAAAAAAAAAAAAAAZJjAkUAAAAAQAAABQAAAAUAAAAFAAAAAEAAAAAAAAAZAAAAGQAAAAAAAAAZAAAAGQAAAAVAAAAYAAAAAAAAAAAAAAADwAAACADAAAAAAAAAAAAAAEAAACgMgAAAAAAAAAAAAABAAAAf39/AAEAAABkAAAAAAAAABQAAABAHwAAAAAAACYAAAAAAAAAwOD//wAAAAAmAAAAZAAAABYAAABMAAAAAAAAAAAAAAAEAAAAAAAAAAEAAACWlpYKAAAAACgAAAAoAAAAZAAAAGQAAAAAAAAAzMzMAAAAAABQAAAAUAAAAGQAAABkAAAAAAAAABcAAAAUAAAAAAAAAAAAAAD/fwAA/38AAAAAAAAJAAAABAAAAAklAAAeAAAAaAAAAAAAAAAAAAAAAAAAAAAAAAAAAAAAECcAABAnAAAAAAAAAAAAAAAAAAAAAAAAAAAAAAAAAAAAAAAAAAAAABQAAAAAAAAAwMD/AAAAAABkAAAAMgAAAAAAAABkAAAAAAAAAH9/fwAKAAAAIgAAABgAAAAAAAAAAAAAAAAAAAAAAAAAAAAAAAAAAAAkAAAAJAAAAAAAAAAHAAAAAAAAAAAAAAAAAAAAAAAAAAAAAAAAAAAAf39/ACUAAABYAAAAAAAAAAAAAAAAAAAAAAAAAAAAAAAAAAAAAAAAAAAAAAAAAAAAAAAAAAAAAAA/AAAAAAAAAKCGAQAAAAAAAAAAAAAAAAAMAAAAAQAAAAAAAAAAAAAAAAAAAB8AAABUAAAA////Bf///wEAAAAAAAAAAAAAAAAAAAAAAAAAAAAAAAAAAAAAAAAAAAZJjAJ/f38AlpaWA8zMzADAwP8Af39/AAAAAAAAAAAAAAAAAAAAAAAAAAAAIQAAABgAAAAUAAAAwAMAANgJAABARwAAsCUAABAAAAAmAAAACAAAAAIAAAAAAAAA"/>
+                <pr:smNativeData xmlns="smNativeData" xmlns:pr="smNativeData" xmlns:p15="http://schemas.microsoft.com/office/powerpoint/2012/main" xmlns:p14="http://schemas.microsoft.com/office/powerpoint/2010/main" xmlns:mc="http://schemas.openxmlformats.org/markup-compatibility/2006" val="SMDATA_15_Uo0YYxMAAAAlAAAAZAAAAA8BAAAAkAAAAEgAAACQAAAASAAAAAAAAAAAAAAAAQAAAAEAAABQAAAAAAAAAAAA4D8AAAAAAADgPwAAAAAAAOA/AAAAAAAA4D8AAAAAAADgPwAAAAAAAOA/AAAAAAAA4D8AAAAAAADgPwAAAAAAAOA/AAAAAAAA4D8CAAAAjAAAAAEAAAAAAAAA////DP///whQAAAAAAAAAAAAAAAAAAAAAAAAAAAAAAAAAAAAZAAAAAEAAABAAAAAAAAAAAAAAAAAAAAAAAAAAAAAAAAAAAAAAAAAAAAAAAAAAAAAAAAAAAAAAAAAAAAAAAAAAAAAAAAAAAAAAAAAAAAAAAAAAAAAAAAAAAAAAAAAAAAAFAAAADwAAAAAAAAAAAAAAAZJjAkUAAAAAQAAABQAAAAUAAAAFAAAAAEAAAAAAAAAZAAAAGQAAAAAAAAAZAAAAGQAAAAVAAAAYAAAAAAAAAAAAAAADwAAACADAAAAAAAAAAAAAAEAAACgMgAAAAAAAAAAAAABAAAAf39/AAEAAABkAAAAAAAAABQAAABAHwAAAAAAACYAAAAAAAAAwOD//wAAAAAmAAAAZAAAABYAAABMAAAAAAAAAAAAAAAEAAAAAAAAAAEAAACWlpYKAAAAACgAAAAoAAAAZAAAAGQAAAAAAAAAzMzMAAAAAABQAAAAUAAAAGQAAABkAAAAAAAAABcAAAAUAAAAAAAAAAAAAAD/fwAA/38AAAAAAAAJAAAABAAAAAklAAAeAAAAaAAAAAAAAAAAAAAAAAAAAAAAAAAAAAAAECcAABAnAAAAAAAAAAAAAAAAAAAAAAAAAAAAAAAAAAAAAAAAAAAAABQAAAAAAAAAwMD/AAAAAABkAAAAMgAAAAAAAABkAAAAAAAAAH9/fwAKAAAAIgAAABgAAAAAAAAAAAAAAAAAAAAAAAAAAAAAAAAAAAAkAAAAJAAAAAAAAAAHAAAAAAAAAAAAAAAAAAAAAAAAAAAAAAAAAAAAf39/ACUAAABYAAAAAAAAAAAAAAAAAAAAAAAAAAAAAAAAAAAAAAAAAAAAAAAAAAAAAAAAAAAAAAA/AAAAAAAAAKCGAQAAAAAAAAAAAAAAAAAMAAAAAQAAAAAAAAAAAAAAAAAAAB8AAABUAAAA////Bf///wEAAAAAAAAAAAAAAAAAAAAAAAAAAAAAAAAAAAAAAAAAAAZJjAJ/f38AlpaWA8zMzADAwP8Af39/AAAAAAAAAAAAAAAAAAAAAAAAAAAAIQAAABgAAAAUAAAAwAMAANgJAABARwAAsCUAABAAAAAmAAAACAAAAAIAAAAAAAAA"/>
               </a:ext>
             </a:extLst>
           </p:cNvSpPr>
@@ -498,7 +514,6 @@
           </a:bodyPr>
           <a:lstStyle/>
           <a:p>
-            <a:pPr/>
             <a:r>
               <a:t>Click to edit Master text styles</a:t>
             </a:r>
@@ -536,7 +551,7 @@
             <a:spLocks noGrp="1" noChangeArrowheads="1"/>
             <a:extLst>
               <a:ext uri="smNativeData">
-                <pr:smNativeData xmlns:pr="smNativeData" xmlns="smNativeData" val="SMDATA_15_Uo0YYxMAAAAlAAAAZAAAAA8BAAAAkAAAAEgAAACQAAAASAAAAAAAAAABAAAAAAAAAAEAAABQAAAAAAAAAAAA4D8AAAAAAADgPwAAAAAAAOA/AAAAAAAA4D8AAAAAAADgPwAAAAAAAOA/AAAAAAAA4D8AAAAAAADgPwAAAAAAAOA/AAAAAAAA4D8CAAAAjAAAAAAAAAAAAAAA////DP///wgAAAAAAAAAAAAAAAAAAAAAAAAAAAAAAAAAAAAAZAAAAAEAAABAAAAAAAAAAAAAAAAAAAAAAAAAAAAAAAAAAAAAAAAAAAAAAAAAAAAAAAAAAAAAAAAAAAAAAAAAAAAAAAAAAAAAAAAAAAAAAAAAAAAAAAAAAAAAAAAAAAAAFAAAADwAAAAAAAAAAAAAAAZJjAkUAAAAAQAAABQAAAAUAAAAFAAAAAEAAAAAAAAAZAAAAGQAAAAAAAAAZAAAAGQAAAAVAAAAYAAAAAAAAAAAAAAADwAAACADAAAAAAAAAAAAAAEAAACgMgAAVgcAAKr4//8BAAAAf39/AAEAAABkAAAAAAAAABQAAABAHwAAAAAAACYAAAAAAAAAwOD//wAAAAAmAAAAZAAAABYAAABMAAAAAAAAAAAAAAAEAAAAAAAAAAEAAACWlpYKAAAAACgAAAAoAAAAZAAAAGQAAAAAAAAAzMzMAAAAAABQAAAAUAAAAGQAAABkAAAAAAAAABcAAAAUAAAAAAAAAAAAAAD/fwAA/38AAAAAAAAJAAAABAAAAEosAAAeAAAAaAAAAAAAAAAAAAAAAAAAAAAAAAAAAAAAECcAABAnAAAAAAAAAAAAAAAAAAAAAAAAAAAAAAAAAAAAAAAAAAAAABQAAAAAAAAAwMD/AAAAAABkAAAAMgAAAAAAAABkAAAAAAAAAH9/fwAKAAAAIgAAABgAAAAAAAAAAAAAAAAAAAAAAAAAAAAAAAAAAAAkAAAAJAAAAAAAAAAHAAAAAAAAAAAAAAAAAAAAAAAAAAAAAAAAAAAAf39/ACUAAABYAAAAAAAAAAAAAAAAAAAAAAAAAAAAAAAAAAAAAAAAAAAAAAAAAAAAAAAAAAAAAAA/AAAAAAAAAKCGAQAAAAAAAAAAAAAAAAAMAAAAAQAAAAAAAAAAAAAAAAAAAB8AAABUAAAA////Bf///wEAAAAAAAAAAAAAAAAAAAAAAAAAAAAAAAAAAAAAAAAAAAZJjAJ/f38AlpaWA8zMzADAwP8Af39/AAAAAAAAAAAAAAAAAAAAAAAAAAAAIQAAABgAAAAUAAAAwAMAABsnAABAFQAAWSkAABAAAAAmAAAACAAAAAAAAAAAAAAA"/>
+                <pr:smNativeData xmlns="smNativeData" xmlns:pr="smNativeData" xmlns:p15="http://schemas.microsoft.com/office/powerpoint/2012/main" xmlns:p14="http://schemas.microsoft.com/office/powerpoint/2010/main" xmlns:mc="http://schemas.openxmlformats.org/markup-compatibility/2006" val="SMDATA_15_Uo0YYxMAAAAlAAAAZAAAAA8BAAAAkAAAAEgAAACQAAAASAAAAAAAAAABAAAAAAAAAAEAAABQAAAAAAAAAAAA4D8AAAAAAADgPwAAAAAAAOA/AAAAAAAA4D8AAAAAAADgPwAAAAAAAOA/AAAAAAAA4D8AAAAAAADgPwAAAAAAAOA/AAAAAAAA4D8CAAAAjAAAAAAAAAAAAAAA////DP///wgAAAAAAAAAAAAAAAAAAAAAAAAAAAAAAAAAAAAAZAAAAAEAAABAAAAAAAAAAAAAAAAAAAAAAAAAAAAAAAAAAAAAAAAAAAAAAAAAAAAAAAAAAAAAAAAAAAAAAAAAAAAAAAAAAAAAAAAAAAAAAAAAAAAAAAAAAAAAAAAAAAAAFAAAADwAAAAAAAAAAAAAAAZJjAkUAAAAAQAAABQAAAAUAAAAFAAAAAEAAAAAAAAAZAAAAGQAAAAAAAAAZAAAAGQAAAAVAAAAYAAAAAAAAAAAAAAADwAAACADAAAAAAAAAAAAAAEAAACgMgAAVgcAAKr4//8BAAAAf39/AAEAAABkAAAAAAAAABQAAABAHwAAAAAAACYAAAAAAAAAwOD//wAAAAAmAAAAZAAAABYAAABMAAAAAAAAAAAAAAAEAAAAAAAAAAEAAACWlpYKAAAAACgAAAAoAAAAZAAAAGQAAAAAAAAAzMzMAAAAAABQAAAAUAAAAGQAAABkAAAAAAAAABcAAAAUAAAAAAAAAAAAAAD/fwAA/38AAAAAAAAJAAAABAAAAEosAAAeAAAAaAAAAAAAAAAAAAAAAAAAAAAAAAAAAAAAECcAABAnAAAAAAAAAAAAAAAAAAAAAAAAAAAAAAAAAAAAAAAAAAAAABQAAAAAAAAAwMD/AAAAAABkAAAAMgAAAAAAAABkAAAAAAAAAH9/fwAKAAAAIgAAABgAAAAAAAAAAAAAAAAAAAAAAAAAAAAAAAAAAAAkAAAAJAAAAAAAAAAHAAAAAAAAAAAAAAAAAAAAAAAAAAAAAAAAAAAAf39/ACUAAABYAAAAAAAAAAAAAAAAAAAAAAAAAAAAAAAAAAAAAAAAAAAAAAAAAAAAAAAAAAAAAAA/AAAAAAAAAKCGAQAAAAAAAAAAAAAAAAAMAAAAAQAAAAAAAAAAAAAAAAAAAB8AAABUAAAA////Bf///wEAAAAAAAAAAAAAAAAAAAAAAAAAAAAAAAAAAAAAAAAAAAZJjAJ/f38AlpaWA8zMzADAwP8Af39/AAAAAAAAAAAAAAAAAAAAAAAAAAAAIQAAABgAAAAUAAAAwAMAABsnAABAFQAAWSkAABAAAAAmAAAACAAAAAAAAAAAAAAA"/>
               </a:ext>
             </a:extLst>
           </p:cNvSpPr>
@@ -549,10 +564,10 @@
           <a:bodyPr/>
           <a:lstStyle/>
           <a:p>
-            <a:pPr/>
             <a:fld id="{464B5AC1-8FAB-1EAC-E5F3-79F914BD132C}" type="datetime1">
-              <a:t>{Date/Time}</a:t>
+              <a:t>9/7/2022</a:t>
             </a:fld>
+            <a:endParaRPr/>
           </a:p>
         </p:txBody>
       </p:sp>
@@ -563,7 +578,7 @@
             <a:spLocks noGrp="1" noChangeArrowheads="1"/>
             <a:extLst>
               <a:ext uri="smNativeData">
-                <pr:smNativeData xmlns:pr="smNativeData" xmlns="smNativeData" val="SMDATA_15_Uo0YYxMAAAAlAAAAZAAAAA8BAAAAkAAAAEgAAACQAAAASAAAAAAAAAABAAAAAAAAAAEAAABQAAAAAAAAAAAA4D8AAAAAAADgPwAAAAAAAOA/AAAAAAAA4D8AAAAAAADgPwAAAAAAAOA/AAAAAAAA4D8AAAAAAADgPwAAAAAAAOA/AAAAAAAA4D8CAAAAjAAAAAAAAAAAAAAA////DP///wgAAAAAAAAAAAAAAAAAAAAAAAAAAAAAAAAAAAAAZAAAAAEAAABAAAAAAAAAAAAAAAAAAAAAAAAAAAAAAAAAAAAAAAAAAAAAAAAAAAAAAAAAAAAAAAAAAAAAAAAAAAAAAAAAAAAAAAAAAAAAAAAAAAAAAAAAAAAAAAAAAAAAFAAAADwAAAAAAAAAAAAAAAZJjAkUAAAAAQAAABQAAAAUAAAAFAAAAAEAAAAAAAAAZAAAAGQAAAAAAAAAZAAAAGQAAAAVAAAAYAAAAAAAAAAAAAAADwAAACADAAAAAAAAAAAAAAEAAACgMgAAVgcAAKr4//8BAAAAf39/AAEAAABkAAAAAAAAABQAAABAHwAAAAAAACYAAAAAAAAAwOD//wAAAAAmAAAAZAAAABYAAABMAAAAAAAAAAAAAAAEAAAAAAAAAAEAAACWlpYKAAAAACgAAAAoAAAAZAAAAGQAAAAAAAAAzMzMAAAAAABQAAAAUAAAAGQAAABkAAAAAAAAABcAAAAUAAAAAAAAAAAAAAD/fwAA/38AAAAAAAAJAAAABAAAAO0kAAAeAAAAaAAAAAAAAAAAAAAAAAAAAAAAAAAAAAAAECcAABAnAAAAAAAAAAAAAAAAAAAAAAAAAAAAAAAAAAAAAAAAAAAAABQAAAAAAAAAwMD/AAAAAABkAAAAMgAAAAAAAABkAAAAAAAAAH9/fwAKAAAAIgAAABgAAAAAAAAAAAAAAAAAAAAAAAAAAAAAAAAAAAAkAAAAJAAAAAAAAAAHAAAAAAAAAAAAAAAAAAAAAAAAAAAAAAAAAAAAf39/ACUAAABYAAAAAAAAAAAAAAAAAAAAAAAAAAAAAAAAAAAAAAAAAAAAAAAAAAAAAAAAAAAAAAA/AAAAAAAAAKCGAQAAAAAAAAAAAAAAAAAMAAAAAQAAAAAAAAAAAAAAAAAAAB8AAABUAAAA////Bf///wEAAAAAAAAAAAAAAAAAAAAAAAAAAAAAAAAAAAAAAAAAAAZJjAJ/f38AlpaWA8zMzADAwP8Af39/AAAAAAAAAAAAAAAAAAAAAAAAAAAAIQAAABgAAAAUAAAAoBkAABsnAABgMQAAWSkAABAAAAAmAAAACAAAAAAAAAAAAAAA"/>
+                <pr:smNativeData xmlns="smNativeData" xmlns:pr="smNativeData" xmlns:p15="http://schemas.microsoft.com/office/powerpoint/2012/main" xmlns:p14="http://schemas.microsoft.com/office/powerpoint/2010/main" xmlns:mc="http://schemas.openxmlformats.org/markup-compatibility/2006" val="SMDATA_15_Uo0YYxMAAAAlAAAAZAAAAA8BAAAAkAAAAEgAAACQAAAASAAAAAAAAAABAAAAAAAAAAEAAABQAAAAAAAAAAAA4D8AAAAAAADgPwAAAAAAAOA/AAAAAAAA4D8AAAAAAADgPwAAAAAAAOA/AAAAAAAA4D8AAAAAAADgPwAAAAAAAOA/AAAAAAAA4D8CAAAAjAAAAAAAAAAAAAAA////DP///wgAAAAAAAAAAAAAAAAAAAAAAAAAAAAAAAAAAAAAZAAAAAEAAABAAAAAAAAAAAAAAAAAAAAAAAAAAAAAAAAAAAAAAAAAAAAAAAAAAAAAAAAAAAAAAAAAAAAAAAAAAAAAAAAAAAAAAAAAAAAAAAAAAAAAAAAAAAAAAAAAAAAAFAAAADwAAAAAAAAAAAAAAAZJjAkUAAAAAQAAABQAAAAUAAAAFAAAAAEAAAAAAAAAZAAAAGQAAAAAAAAAZAAAAGQAAAAVAAAAYAAAAAAAAAAAAAAADwAAACADAAAAAAAAAAAAAAEAAACgMgAAVgcAAKr4//8BAAAAf39/AAEAAABkAAAAAAAAABQAAABAHwAAAAAAACYAAAAAAAAAwOD//wAAAAAmAAAAZAAAABYAAABMAAAAAAAAAAAAAAAEAAAAAAAAAAEAAACWlpYKAAAAACgAAAAoAAAAZAAAAGQAAAAAAAAAzMzMAAAAAABQAAAAUAAAAGQAAABkAAAAAAAAABcAAAAUAAAAAAAAAAAAAAD/fwAA/38AAAAAAAAJAAAABAAAAO0kAAAeAAAAaAAAAAAAAAAAAAAAAAAAAAAAAAAAAAAAECcAABAnAAAAAAAAAAAAAAAAAAAAAAAAAAAAAAAAAAAAAAAAAAAAABQAAAAAAAAAwMD/AAAAAABkAAAAMgAAAAAAAABkAAAAAAAAAH9/fwAKAAAAIgAAABgAAAAAAAAAAAAAAAAAAAAAAAAAAAAAAAAAAAAkAAAAJAAAAAAAAAAHAAAAAAAAAAAAAAAAAAAAAAAAAAAAAAAAAAAAf39/ACUAAABYAAAAAAAAAAAAAAAAAAAAAAAAAAAAAAAAAAAAAAAAAAAAAAAAAAAAAAAAAAAAAAA/AAAAAAAAAKCGAQAAAAAAAAAAAAAAAAAMAAAAAQAAAAAAAAAAAAAAAAAAAB8AAABUAAAA////Bf///wEAAAAAAAAAAAAAAAAAAAAAAAAAAAAAAAAAAAAAAAAAAAZJjAJ/f38AlpaWA8zMzADAwP8Af39/AAAAAAAAAAAAAAAAAAAAAAAAAAAAIQAAABgAAAAUAAAAoBkAABsnAABgMQAAWSkAABAAAAAmAAAACAAAAAAAAAAAAAAA"/>
               </a:ext>
             </a:extLst>
           </p:cNvSpPr>
@@ -576,7 +591,6 @@
           <a:bodyPr/>
           <a:lstStyle/>
           <a:p>
-            <a:pPr/>
             <a:r>
               <a:t>{Footer}</a:t>
             </a:r>
@@ -590,7 +604,7 @@
             <a:spLocks noGrp="1" noChangeArrowheads="1"/>
             <a:extLst>
               <a:ext uri="smNativeData">
-                <pr:smNativeData xmlns:pr="smNativeData" xmlns="smNativeData" val="SMDATA_15_Uo0YYxMAAAAlAAAAZAAAAA8BAAAAkAAAAEgAAACQAAAASAAAAAAAAAABAAAAAAAAAAEAAABQAAAAAAAAAAAA4D8AAAAAAADgPwAAAAAAAOA/AAAAAAAA4D8AAAAAAADgPwAAAAAAAOA/AAAAAAAA4D8AAAAAAADgPwAAAAAAAOA/AAAAAAAA4D8CAAAAjAAAAAAAAAAAAAAA////DP///wgAAAAAAAAAAAAAAAAAAAAAAAAAAAAAAAAAAAAAZAAAAAEAAABAAAAAAAAAAAAAAAAAAAAAAAAAAAAAAAAAAAAAAAAAAAAAAAAAAAAAAAAAAAAAAAAAAAAAAAAAAAAAAAAAAAAAAAAAAAAAAAAAAAAAAAAAAAAAAAAAAAAAFAAAADwAAAAAAAAAAAAAAAZJjAkUAAAAAQAAABQAAAAUAAAAFAAAAAEAAAAAAAAAZAAAAGQAAAAAAAAAZAAAAGQAAAAVAAAAYAAAAAAAAAAAAAAADwAAACADAAAAAAAAAAAAAAEAAACgMgAAVgcAAKr4//8BAAAAf39/AAEAAABkAAAAAAAAABQAAABAHwAAAAAAACYAAAAAAAAAwOD//wAAAAAmAAAAZAAAABYAAABMAAAAAAAAAAAAAAAEAAAAAAAAAAEAAACWlpYKAAAAACgAAAAoAAAAZAAAAGQAAAAAAAAAzMzMAAAAAABQAAAAUAAAAGQAAABkAAAAAAAAABcAAAAUAAAAAAAAAAAAAAD/fwAA/38AAAAAAAAJAAAABAAAAJcuAAAeAAAAaAAAAAAAAAAAAAAAAAAAAAAAAAAAAAAAECcAABAnAAAAAAAAAAAAAAAAAAAAAAAAAAAAAAAAAAAAAAAAAAAAABQAAAAAAAAAwMD/AAAAAABkAAAAMgAAAAAAAABkAAAAAAAAAH9/fwAKAAAAIgAAABgAAAAAAAAAAAAAAAAAAAAAAAAAAAAAAAAAAAAkAAAAJAAAAAAAAAAHAAAAAAAAAAAAAAAAAAAAAAAAAAAAAAAAAAAAf39/ACUAAABYAAAAAAAAAAAAAAAAAAAAAAAAAAAAAAAAAAAAAAAAAAAAAAAAAAAAAAAAAAAAAAA/AAAAAAAAAKCGAQAAAAAAAAAAAAAAAAAMAAAAAQAAAAAAAAAAAAAAAAAAAB8AAABUAAAA////Bf///wEAAAAAAAAAAAAAAAAAAAAAAAAAAAAAAAAAAAAAAAAAAAZJjAJ/f38AlpaWA8zMzADAwP8Af39/AAAAAAAAAAAAAAAAAAAAAAAAAAAAIQAAABgAAAAUAAAAwDUAABsnAABARwAAWSkAABAAAAAmAAAACAAAAAAAAAAAAAAA"/>
+                <pr:smNativeData xmlns="smNativeData" xmlns:pr="smNativeData" xmlns:p15="http://schemas.microsoft.com/office/powerpoint/2012/main" xmlns:p14="http://schemas.microsoft.com/office/powerpoint/2010/main" xmlns:mc="http://schemas.openxmlformats.org/markup-compatibility/2006" val="SMDATA_15_Uo0YYxMAAAAlAAAAZAAAAA8BAAAAkAAAAEgAAACQAAAASAAAAAAAAAABAAAAAAAAAAEAAABQAAAAAAAAAAAA4D8AAAAAAADgPwAAAAAAAOA/AAAAAAAA4D8AAAAAAADgPwAAAAAAAOA/AAAAAAAA4D8AAAAAAADgPwAAAAAAAOA/AAAAAAAA4D8CAAAAjAAAAAAAAAAAAAAA////DP///wgAAAAAAAAAAAAAAAAAAAAAAAAAAAAAAAAAAAAAZAAAAAEAAABAAAAAAAAAAAAAAAAAAAAAAAAAAAAAAAAAAAAAAAAAAAAAAAAAAAAAAAAAAAAAAAAAAAAAAAAAAAAAAAAAAAAAAAAAAAAAAAAAAAAAAAAAAAAAAAAAAAAAFAAAADwAAAAAAAAAAAAAAAZJjAkUAAAAAQAAABQAAAAUAAAAFAAAAAEAAAAAAAAAZAAAAGQAAAAAAAAAZAAAAGQAAAAVAAAAYAAAAAAAAAAAAAAADwAAACADAAAAAAAAAAAAAAEAAACgMgAAVgcAAKr4//8BAAAAf39/AAEAAABkAAAAAAAAABQAAABAHwAAAAAAACYAAAAAAAAAwOD//wAAAAAmAAAAZAAAABYAAABMAAAAAAAAAAAAAAAEAAAAAAAAAAEAAACWlpYKAAAAACgAAAAoAAAAZAAAAGQAAAAAAAAAzMzMAAAAAABQAAAAUAAAAGQAAABkAAAAAAAAABcAAAAUAAAAAAAAAAAAAAD/fwAA/38AAAAAAAAJAAAABAAAAJcuAAAeAAAAaAAAAAAAAAAAAAAAAAAAAAAAAAAAAAAAECcAABAnAAAAAAAAAAAAAAAAAAAAAAAAAAAAAAAAAAAAAAAAAAAAABQAAAAAAAAAwMD/AAAAAABkAAAAMgAAAAAAAABkAAAAAAAAAH9/fwAKAAAAIgAAABgAAAAAAAAAAAAAAAAAAAAAAAAAAAAAAAAAAAAkAAAAJAAAAAAAAAAHAAAAAAAAAAAAAAAAAAAAAAAAAAAAAAAAAAAAf39/ACUAAABYAAAAAAAAAAAAAAAAAAAAAAAAAAAAAAAAAAAAAAAAAAAAAAAAAAAAAAAAAAAAAAA/AAAAAAAAAKCGAQAAAAAAAAAAAAAAAAAMAAAAAQAAAAAAAAAAAAAAAAAAAB8AAABUAAAA////Bf///wEAAAAAAAAAAAAAAAAAAAAAAAAAAAAAAAAAAAAAAAAAAAZJjAJ/f38AlpaWA8zMzADAwP8Af39/AAAAAAAAAAAAAAAAAAAAAAAAAAAAIQAAABgAAAAUAAAAwDUAABsnAABARwAAWSkAABAAAAAmAAAACAAAAAAAAAAAAAAA"/>
               </a:ext>
             </a:extLst>
           </p:cNvSpPr>
@@ -603,10 +617,10 @@
           <a:bodyPr/>
           <a:lstStyle/>
           <a:p>
-            <a:pPr/>
             <a:fld id="{630B8226-688E-5E74-C0B3-9E21CCFD36CB}" type="slidenum">
-              <a:t>{Nr.}</a:t>
+              <a:t>‹#›</a:t>
             </a:fld>
+            <a:endParaRPr/>
           </a:p>
         </p:txBody>
       </p:sp>
@@ -620,7 +634,7 @@
 </file>
 
 <file path=ppt/slideLayouts/slideLayout11.xml><?xml version="1.0" encoding="utf-8"?>
-<p:sldLayout xmlns:p="http://schemas.openxmlformats.org/presentationml/2006/main" xmlns:mc="http://schemas.openxmlformats.org/markup-compatibility/2006" xmlns:p14="http://schemas.microsoft.com/office/powerpoint/2010/main" xmlns:p15="http://schemas.microsoft.com/office/powerpoint/2012/main" xmlns:r="http://schemas.openxmlformats.org/officeDocument/2006/relationships" xmlns:a="http://schemas.openxmlformats.org/drawingml/2006/main" type="vertTitleAndTx">
+<p:sldLayout xmlns:a="http://schemas.openxmlformats.org/drawingml/2006/main" xmlns:r="http://schemas.openxmlformats.org/officeDocument/2006/relationships" xmlns:p="http://schemas.openxmlformats.org/presentationml/2006/main" type="vertTitleAndTx">
   <p:cSld name="Vertical title and text">
     <p:spTree>
       <p:nvGrpSpPr>
@@ -643,7 +657,7 @@
             <a:spLocks noGrp="1" noChangeArrowheads="1"/>
             <a:extLst>
               <a:ext uri="smNativeData">
-                <pr:smNativeData xmlns:pr="smNativeData" xmlns="smNativeData" val="SMDATA_15_Uo0YYxMAAAAlAAAAZAAAAA8BAAAAkAAAAEgAAACQAAAASAAAAAAAAAACAAAAAQAAAAEAAABQAAAAAAAAAAAA4D8AAAAAAADgPwAAAAAAAOA/AAAAAAAA4D8AAAAAAADgPwAAAAAAAOA/AAAAAAAA4D8AAAAAAADgPwAAAAAAAOA/AAAAAAAA4D8CAAAAjAAAAAEAAAAAAAAA////DP///whQAAAAAAAAAAAAAAAAAAAAAAAAAAAAAAAAAAAAZAAAAAEAAABAAAAAAAAAAAAAAAAAAAAAAAAAAAAAAAAAAAAAAAAAAAAAAAAAAAAAAAAAAAAAAAAAAAAAAAAAAAAAAAAAAAAAAAAAAAAAAAAAAAAAAAAAAAAAAAAAAAAAFAAAADwAAAAAAAAAAAAAAAZJjAkUAAAAAQAAABQAAAAUAAAAFAAAAAEAAAAAAAAAZAAAAGQAAAAAAAAAZAAAAGQAAAAVAAAAYAAAAAAAAAAAAAAADwAAACADAAAAAAAAAAAAAAEAAACgMgAAAAAAAAAAAAABAAAAf39/AAEAAABkAAAAAAAAABQAAABAHwAAAAAAACYAAAAAAAAAwOD//wAAAAAmAAAAZAAAABYAAABMAAAAAAAAAAAAAAAEAAAAAAAAAAEAAACWlpYKAAAAACgAAAAoAAAAZAAAAGQAAAAAAAAAzMzMAAAAAABQAAAAUAAAAGQAAABkAAAAAAAAABcAAAAUAAAAAAAAAAAAAAD/fwAA/38AAAAAAAAJAAAABAAAAMcGAAAeAAAAaAAAAAAAAAAAAAAAAAAAAAAAAAAAAAAAECcAABAnAAAAAAAAAAAAAAAAAAAAAAAAAAAAAAAAAAAAAAAAAAAAABQAAAAAAAAAwMD/AAAAAABkAAAAMgAAAAAAAABkAAAAAAAAAH9/fwAKAAAAIgAAABgAAAAAAAAAAAAAAAAAAAAAAAAAAAAAAAAAAAAkAAAAJAAAAAAAAAAHAAAAAAAAAAAAAAAAAAAAAAAAAAAAAAAAAAAAf39/ACUAAABYAAAAAAAAAAAAAAAAAAAAAAAAAAAAAAAAAAAAAAAAAAAAAAAAAAAAAAAAAAAAAAA/AAAAAAAAAKCGAQAAAAAAAAAAAAAAAAAMAAAAAQAAAAAAAAAAAAAAAAAAAB8AAABUAAAA////Bf///wEAAAAAAAAAAAAAAAAAAAAAAAAAAAAAAAAAAAAAAAAAAAZJjAJ/f38AlpaWA8zMzADAwP8Af39/AAAAAAAAAAAAAAAAAAAAAAAAAAAAIQAAABgAAAAUAAAAYDYAALABAABARwAAsCUAABAAAAAmAAAACAAAAIMAAAAAAAAA"/>
+                <pr:smNativeData xmlns="smNativeData" xmlns:pr="smNativeData" xmlns:p15="http://schemas.microsoft.com/office/powerpoint/2012/main" xmlns:p14="http://schemas.microsoft.com/office/powerpoint/2010/main" xmlns:mc="http://schemas.openxmlformats.org/markup-compatibility/2006" val="SMDATA_15_Uo0YYxMAAAAlAAAAZAAAAA8BAAAAkAAAAEgAAACQAAAASAAAAAAAAAACAAAAAQAAAAEAAABQAAAAAAAAAAAA4D8AAAAAAADgPwAAAAAAAOA/AAAAAAAA4D8AAAAAAADgPwAAAAAAAOA/AAAAAAAA4D8AAAAAAADgPwAAAAAAAOA/AAAAAAAA4D8CAAAAjAAAAAEAAAAAAAAA////DP///whQAAAAAAAAAAAAAAAAAAAAAAAAAAAAAAAAAAAAZAAAAAEAAABAAAAAAAAAAAAAAAAAAAAAAAAAAAAAAAAAAAAAAAAAAAAAAAAAAAAAAAAAAAAAAAAAAAAAAAAAAAAAAAAAAAAAAAAAAAAAAAAAAAAAAAAAAAAAAAAAAAAAFAAAADwAAAAAAAAAAAAAAAZJjAkUAAAAAQAAABQAAAAUAAAAFAAAAAEAAAAAAAAAZAAAAGQAAAAAAAAAZAAAAGQAAAAVAAAAYAAAAAAAAAAAAAAADwAAACADAAAAAAAAAAAAAAEAAACgMgAAAAAAAAAAAAABAAAAf39/AAEAAABkAAAAAAAAABQAAABAHwAAAAAAACYAAAAAAAAAwOD//wAAAAAmAAAAZAAAABYAAABMAAAAAAAAAAAAAAAEAAAAAAAAAAEAAACWlpYKAAAAACgAAAAoAAAAZAAAAGQAAAAAAAAAzMzMAAAAAABQAAAAUAAAAGQAAABkAAAAAAAAABcAAAAUAAAAAAAAAAAAAAD/fwAA/38AAAAAAAAJAAAABAAAAMcGAAAeAAAAaAAAAAAAAAAAAAAAAAAAAAAAAAAAAAAAECcAABAnAAAAAAAAAAAAAAAAAAAAAAAAAAAAAAAAAAAAAAAAAAAAABQAAAAAAAAAwMD/AAAAAABkAAAAMgAAAAAAAABkAAAAAAAAAH9/fwAKAAAAIgAAABgAAAAAAAAAAAAAAAAAAAAAAAAAAAAAAAAAAAAkAAAAJAAAAAAAAAAHAAAAAAAAAAAAAAAAAAAAAAAAAAAAAAAAAAAAf39/ACUAAABYAAAAAAAAAAAAAAAAAAAAAAAAAAAAAAAAAAAAAAAAAAAAAAAAAAAAAAAAAAAAAAA/AAAAAAAAAKCGAQAAAAAAAAAAAAAAAAAMAAAAAQAAAAAAAAAAAAAAAAAAAB8AAABUAAAA////Bf///wEAAAAAAAAAAAAAAAAAAAAAAAAAAAAAAAAAAAAAAAAAAAZJjAJ/f38AlpaWA8zMzADAwP8Af39/AAAAAAAAAAAAAAAAAAAAAAAAAAAAIQAAABgAAAAUAAAAYDYAALABAABARwAAsCUAABAAAAAmAAAACAAAAIMAAAAAAAAA"/>
               </a:ext>
             </a:extLst>
           </p:cNvSpPr>
@@ -665,7 +679,6 @@
           </a:bodyPr>
           <a:lstStyle/>
           <a:p>
-            <a:pPr/>
             <a:r>
               <a:t>Click to edit Master title style</a:t>
             </a:r>
@@ -679,7 +692,7 @@
             <a:spLocks noGrp="1" noChangeArrowheads="1"/>
             <a:extLst>
               <a:ext uri="smNativeData">
-                <pr:smNativeData xmlns:pr="smNativeData" xmlns="smNativeData" val="SMDATA_15_Uo0YYxMAAAAlAAAAZAAAAA8BAAAAkAAAAEgAAACQAAAASAAAAAAAAAAAAAAAAQAAAAEAAABQAAAAAAAAAAAA4D8AAAAAAADgPwAAAAAAAOA/AAAAAAAA4D8AAAAAAADgPwAAAAAAAOA/AAAAAAAA4D8AAAAAAADgPwAAAAAAAOA/AAAAAAAA4D8CAAAAjAAAAAEAAAAAAAAA////DP///whQAAAAAAAAAAAAAAAAAAAAAAAAAAAAAAAAAAAAZAAAAAEAAABAAAAAAAAAAAAAAAAAAAAAAAAAAAAAAAAAAAAAAAAAAAAAAAAAAAAAAAAAAAAAAAAAAAAAAAAAAAAAAAAAAAAAAAAAAAAAAAAAAAAAAAAAAAAAAAAAAAAAFAAAADwAAAAAAAAAAAAAAAZJjAkUAAAAAQAAABQAAAAUAAAAFAAAAAEAAAAAAAAAZAAAAGQAAAAAAAAAZAAAAGQAAAAVAAAAYAAAAAAAAAAAAAAADwAAACADAAAAAAAAAAAAAAEAAACgMgAAAAAAAAAAAAABAAAAf39/AAEAAABkAAAAAAAAABQAAABAHwAAAAAAACYAAAAAAAAAwOD//wAAAAAmAAAAZAAAABYAAABMAAAAAAAAAAAAAAAEAAAAAAAAAAEAAACWlpYKAAAAACgAAAAoAAAAZAAAAGQAAAAAAAAAzMzMAAAAAABQAAAAUAAAAGQAAABkAAAAAAAAABcAAAAUAAAAAAAAAAAAAAD/fwAA/38AAAAAAAAJAAAABAAAAI4nAAAeAAAAaAAAAAAAAAAAAAAAAAAAAAAAAAAAAAAAECcAABAnAAAAAAAAAAAAAAAAAAAAAAAAAAAAAAAAAAAAAAAAAAAAABQAAAAAAAAAwMD/AAAAAABkAAAAMgAAAAAAAABkAAAAAAAAAH9/fwAKAAAAIgAAABgAAAAAAAAAAAAAAAAAAAAAAAAAAAAAAAAAAAAkAAAAJAAAAAAAAAAHAAAAAAAAAAAAAAAAAAAAAAAAAAAAAAAAAAAAf39/ACUAAABYAAAAAAAAAAAAAAAAAAAAAAAAAAAAAAAAAAAAAAAAAAAAAAAAAAAAAAAAAAAAAAA/AAAAAAAAAKCGAQAAAAAAAAAAAAAAAAAMAAAAAQAAAAAAAAAAAAAAAAAAAB8AAABUAAAA////Bf///wEAAAAAAAAAAAAAAAAAAAAAAAAAAAAAAAAAAAAAAAAAAAZJjAJ/f38AlpaWA8zMzADAwP8Af39/AAAAAAAAAAAAAAAAAAAAAAAAAAAAIQAAABgAAAAUAAAAwAMAALABAAAgNQAAsCUAABAAAAAmAAAACAAAAAMAAAAAAAAA"/>
+                <pr:smNativeData xmlns="smNativeData" xmlns:pr="smNativeData" xmlns:p15="http://schemas.microsoft.com/office/powerpoint/2012/main" xmlns:p14="http://schemas.microsoft.com/office/powerpoint/2010/main" xmlns:mc="http://schemas.openxmlformats.org/markup-compatibility/2006" val="SMDATA_15_Uo0YYxMAAAAlAAAAZAAAAA8BAAAAkAAAAEgAAACQAAAASAAAAAAAAAAAAAAAAQAAAAEAAABQAAAAAAAAAAAA4D8AAAAAAADgPwAAAAAAAOA/AAAAAAAA4D8AAAAAAADgPwAAAAAAAOA/AAAAAAAA4D8AAAAAAADgPwAAAAAAAOA/AAAAAAAA4D8CAAAAjAAAAAEAAAAAAAAA////DP///whQAAAAAAAAAAAAAAAAAAAAAAAAAAAAAAAAAAAAZAAAAAEAAABAAAAAAAAAAAAAAAAAAAAAAAAAAAAAAAAAAAAAAAAAAAAAAAAAAAAAAAAAAAAAAAAAAAAAAAAAAAAAAAAAAAAAAAAAAAAAAAAAAAAAAAAAAAAAAAAAAAAAFAAAADwAAAAAAAAAAAAAAAZJjAkUAAAAAQAAABQAAAAUAAAAFAAAAAEAAAAAAAAAZAAAAGQAAAAAAAAAZAAAAGQAAAAVAAAAYAAAAAAAAAAAAAAADwAAACADAAAAAAAAAAAAAAEAAACgMgAAAAAAAAAAAAABAAAAf39/AAEAAABkAAAAAAAAABQAAABAHwAAAAAAACYAAAAAAAAAwOD//wAAAAAmAAAAZAAAABYAAABMAAAAAAAAAAAAAAAEAAAAAAAAAAEAAACWlpYKAAAAACgAAAAoAAAAZAAAAGQAAAAAAAAAzMzMAAAAAABQAAAAUAAAAGQAAABkAAAAAAAAABcAAAAUAAAAAAAAAAAAAAD/fwAA/38AAAAAAAAJAAAABAAAAI4nAAAeAAAAaAAAAAAAAAAAAAAAAAAAAAAAAAAAAAAAECcAABAnAAAAAAAAAAAAAAAAAAAAAAAAAAAAAAAAAAAAAAAAAAAAABQAAAAAAAAAwMD/AAAAAABkAAAAMgAAAAAAAABkAAAAAAAAAH9/fwAKAAAAIgAAABgAAAAAAAAAAAAAAAAAAAAAAAAAAAAAAAAAAAAkAAAAJAAAAAAAAAAHAAAAAAAAAAAAAAAAAAAAAAAAAAAAAAAAAAAAf39/ACUAAABYAAAAAAAAAAAAAAAAAAAAAAAAAAAAAAAAAAAAAAAAAAAAAAAAAAAAAAAAAAAAAAA/AAAAAAAAAKCGAQAAAAAAAAAAAAAAAAAMAAAAAQAAAAAAAAAAAAAAAAAAAB8AAABUAAAA////Bf///wEAAAAAAAAAAAAAAAAAAAAAAAAAAAAAAAAAAAAAAAAAAAZJjAJ/f38AlpaWA8zMzADAwP8Af39/AAAAAAAAAAAAAAAAAAAAAAAAAAAAIQAAABgAAAAUAAAAwAMAALABAAAgNQAAsCUAABAAAAAmAAAACAAAAAMAAAAAAAAA"/>
               </a:ext>
             </a:extLst>
           </p:cNvSpPr>
@@ -701,7 +714,6 @@
           </a:bodyPr>
           <a:lstStyle/>
           <a:p>
-            <a:pPr/>
             <a:r>
               <a:t>Click to edit Master text styles</a:t>
             </a:r>
@@ -739,7 +751,7 @@
             <a:spLocks noGrp="1" noChangeArrowheads="1"/>
             <a:extLst>
               <a:ext uri="smNativeData">
-                <pr:smNativeData xmlns:pr="smNativeData" xmlns="smNativeData" val="SMDATA_15_Uo0YYxMAAAAlAAAAZAAAAA8BAAAAkAAAAEgAAACQAAAASAAAAAAAAAABAAAAAAAAAAEAAABQAAAAAAAAAAAA4D8AAAAAAADgPwAAAAAAAOA/AAAAAAAA4D8AAAAAAADgPwAAAAAAAOA/AAAAAAAA4D8AAAAAAADgPwAAAAAAAOA/AAAAAAAA4D8CAAAAjAAAAAAAAAAAAAAA////DP///wgAAAAAAAAAAAAAAAAAAAAAAAAAAAAAAAAAAAAAZAAAAAEAAABAAAAAAAAAAAAAAAAAAAAAAAAAAAAAAAAAAAAAAAAAAAAAAAAAAAAAAAAAAAAAAAAAAAAAAAAAAAAAAAAAAAAAAAAAAAAAAAAAAAAAAAAAAAAAAAAAAAAAFAAAADwAAAAAAAAAAAAAAAZJjAkUAAAAAQAAABQAAAAUAAAAFAAAAAEAAAAAAAAAZAAAAGQAAAAAAAAAZAAAAGQAAAAVAAAAYAAAAAAAAAAAAAAADwAAACADAAAAAAAAAAAAAAEAAACgMgAAVgcAAKr4//8BAAAAf39/AAEAAABkAAAAAAAAABQAAABAHwAAAAAAACYAAAAAAAAAwOD//wAAAAAmAAAAZAAAABYAAABMAAAAAAAAAAAAAAAEAAAAAAAAAAEAAACWlpYKAAAAACgAAAAoAAAAZAAAAGQAAAAAAAAAzMzMAAAAAABQAAAAUAAAAGQAAABkAAAAAAAAABcAAAAUAAAAAAAAAAAAAAD/fwAA/38AAAAAAAAJAAAABAAAACM0AAAeAAAAaAAAAAAAAAAAAAAAAAAAAAAAAAAAAAAAECcAABAnAAAAAAAAAAAAAAAAAAAAAAAAAAAAAAAAAAAAAAAAAAAAABQAAAAAAAAAwMD/AAAAAABkAAAAMgAAAAAAAABkAAAAAAAAAH9/fwAKAAAAIgAAABgAAAAAAAAAAAAAAAAAAAAAAAAAAAAAAAAAAAAkAAAAJAAAAAAAAAAHAAAAAAAAAAAAAAAAAAAAAAAAAAAAAAAAAAAAf39/ACUAAABYAAAAAAAAAAAAAAAAAAAAAAAAAAAAAAAAAAAAAAAAAAAAAAAAAAAAAAAAAAAAAAA/AAAAAAAAAKCGAQAAAAAAAAAAAAAAAAAMAAAAAQAAAAAAAAAAAAAAAAAAAB8AAABUAAAA////Bf///wEAAAAAAAAAAAAAAAAAAAAAAAAAAAAAAAAAAAAAAAAAAAZJjAJ/f38AlpaWA8zMzADAwP8Af39/AAAAAAAAAAAAAAAAAAAAAAAAAAAAIQAAABgAAAAUAAAAwAMAABsnAABAFQAAWSkAABAAAAAmAAAACAAAAAAAAAAAAAAA"/>
+                <pr:smNativeData xmlns="smNativeData" xmlns:pr="smNativeData" xmlns:p15="http://schemas.microsoft.com/office/powerpoint/2012/main" xmlns:p14="http://schemas.microsoft.com/office/powerpoint/2010/main" xmlns:mc="http://schemas.openxmlformats.org/markup-compatibility/2006" val="SMDATA_15_Uo0YYxMAAAAlAAAAZAAAAA8BAAAAkAAAAEgAAACQAAAASAAAAAAAAAABAAAAAAAAAAEAAABQAAAAAAAAAAAA4D8AAAAAAADgPwAAAAAAAOA/AAAAAAAA4D8AAAAAAADgPwAAAAAAAOA/AAAAAAAA4D8AAAAAAADgPwAAAAAAAOA/AAAAAAAA4D8CAAAAjAAAAAAAAAAAAAAA////DP///wgAAAAAAAAAAAAAAAAAAAAAAAAAAAAAAAAAAAAAZAAAAAEAAABAAAAAAAAAAAAAAAAAAAAAAAAAAAAAAAAAAAAAAAAAAAAAAAAAAAAAAAAAAAAAAAAAAAAAAAAAAAAAAAAAAAAAAAAAAAAAAAAAAAAAAAAAAAAAAAAAAAAAFAAAADwAAAAAAAAAAAAAAAZJjAkUAAAAAQAAABQAAAAUAAAAFAAAAAEAAAAAAAAAZAAAAGQAAAAAAAAAZAAAAGQAAAAVAAAAYAAAAAAAAAAAAAAADwAAACADAAAAAAAAAAAAAAEAAACgMgAAVgcAAKr4//8BAAAAf39/AAEAAABkAAAAAAAAABQAAABAHwAAAAAAACYAAAAAAAAAwOD//wAAAAAmAAAAZAAAABYAAABMAAAAAAAAAAAAAAAEAAAAAAAAAAEAAACWlpYKAAAAACgAAAAoAAAAZAAAAGQAAAAAAAAAzMzMAAAAAABQAAAAUAAAAGQAAABkAAAAAAAAABcAAAAUAAAAAAAAAAAAAAD/fwAA/38AAAAAAAAJAAAABAAAACM0AAAeAAAAaAAAAAAAAAAAAAAAAAAAAAAAAAAAAAAAECcAABAnAAAAAAAAAAAAAAAAAAAAAAAAAAAAAAAAAAAAAAAAAAAAABQAAAAAAAAAwMD/AAAAAABkAAAAMgAAAAAAAABkAAAAAAAAAH9/fwAKAAAAIgAAABgAAAAAAAAAAAAAAAAAAAAAAAAAAAAAAAAAAAAkAAAAJAAAAAAAAAAHAAAAAAAAAAAAAAAAAAAAAAAAAAAAAAAAAAAAf39/ACUAAABYAAAAAAAAAAAAAAAAAAAAAAAAAAAAAAAAAAAAAAAAAAAAAAAAAAAAAAAAAAAAAAA/AAAAAAAAAKCGAQAAAAAAAAAAAAAAAAAMAAAAAQAAAAAAAAAAAAAAAAAAAB8AAABUAAAA////Bf///wEAAAAAAAAAAAAAAAAAAAAAAAAAAAAAAAAAAAAAAAAAAAZJjAJ/f38AlpaWA8zMzADAwP8Af39/AAAAAAAAAAAAAAAAAAAAAAAAAAAAIQAAABgAAAAUAAAAwAMAABsnAABAFQAAWSkAABAAAAAmAAAACAAAAAAAAAAAAAAA"/>
               </a:ext>
             </a:extLst>
           </p:cNvSpPr>
@@ -752,10 +764,10 @@
           <a:bodyPr/>
           <a:lstStyle/>
           <a:p>
-            <a:pPr/>
             <a:fld id="{1CB9A42D-63F1-EC52-BF01-9507EA4F49C0}" type="datetime1">
-              <a:t>{Date/Time}</a:t>
+              <a:t>9/7/2022</a:t>
             </a:fld>
+            <a:endParaRPr/>
           </a:p>
         </p:txBody>
       </p:sp>
@@ -766,7 +778,7 @@
             <a:spLocks noGrp="1" noChangeArrowheads="1"/>
             <a:extLst>
               <a:ext uri="smNativeData">
-                <pr:smNativeData xmlns:pr="smNativeData" xmlns="smNativeData" val="SMDATA_15_Uo0YYxMAAAAlAAAAZAAAAA8BAAAAkAAAAEgAAACQAAAASAAAAAAAAAABAAAAAAAAAAEAAABQAAAAAAAAAAAA4D8AAAAAAADgPwAAAAAAAOA/AAAAAAAA4D8AAAAAAADgPwAAAAAAAOA/AAAAAAAA4D8AAAAAAADgPwAAAAAAAOA/AAAAAAAA4D8CAAAAjAAAAAAAAAAAAAAA////DP///wgAAAAAAAAAAAAAAAAAAAAAAAAAAAAAAAAAAAAAZAAAAAEAAABAAAAAAAAAAAAAAAAAAAAAAAAAAAAAAAAAAAAAAAAAAAAAAAAAAAAAAAAAAAAAAAAAAAAAAAAAAAAAAAAAAAAAAAAAAAAAAAAAAAAAAAAAAAAAAAAAAAAAFAAAADwAAAAAAAAAAAAAAAZJjAkUAAAAAQAAABQAAAAUAAAAFAAAAAEAAAAAAAAAZAAAAGQAAAAAAAAAZAAAAGQAAAAVAAAAYAAAAAAAAAAAAAAADwAAACADAAAAAAAAAAAAAAEAAACgMgAAVgcAAKr4//8BAAAAf39/AAEAAABkAAAAAAAAABQAAABAHwAAAAAAACYAAAAAAAAAwOD//wAAAAAmAAAAZAAAABYAAABMAAAAAAAAAAAAAAAEAAAAAAAAAAEAAACWlpYKAAAAACgAAAAoAAAAZAAAAGQAAAAAAAAAzMzMAAAAAABQAAAAUAAAAGQAAABkAAAAAAAAABcAAAAUAAAAAAAAAAAAAAD/fwAA/38AAAAAAAAJAAAABAAAAGgdAAAeAAAAaAAAAAAAAAAAAAAAAAAAAAAAAAAAAAAAECcAABAnAAAAAAAAAAAAAAAAAAAAAAAAAAAAAAAAAAAAAAAAAAAAABQAAAAAAAAAwMD/AAAAAABkAAAAMgAAAAAAAABkAAAAAAAAAH9/fwAKAAAAIgAAABgAAAAAAAAAAAAAAAAAAAAAAAAAAAAAAAAAAAAkAAAAJAAAAAAAAAAHAAAAAAAAAAAAAAAAAAAAAAAAAAAAAAAAAAAAf39/ACUAAABYAAAAAAAAAAAAAAAAAAAAAAAAAAAAAAAAAAAAAAAAAAAAAAAAAAAAAAAAAAAAAAA/AAAAAAAAAKCGAQAAAAAAAAAAAAAAAAAMAAAAAQAAAAAAAAAAAAAAAAAAAB8AAABUAAAA////Bf///wEAAAAAAAAAAAAAAAAAAAAAAAAAAAAAAAAAAAAAAAAAAAZJjAJ/f38AlpaWA8zMzADAwP8Af39/AAAAAAAAAAAAAAAAAAAAAAAAAAAAIQAAABgAAAAUAAAAoBkAABsnAABgMQAAWSkAABAAAAAmAAAACAAAAAAAAAAAAAAA"/>
+                <pr:smNativeData xmlns="smNativeData" xmlns:pr="smNativeData" xmlns:p15="http://schemas.microsoft.com/office/powerpoint/2012/main" xmlns:p14="http://schemas.microsoft.com/office/powerpoint/2010/main" xmlns:mc="http://schemas.openxmlformats.org/markup-compatibility/2006" val="SMDATA_15_Uo0YYxMAAAAlAAAAZAAAAA8BAAAAkAAAAEgAAACQAAAASAAAAAAAAAABAAAAAAAAAAEAAABQAAAAAAAAAAAA4D8AAAAAAADgPwAAAAAAAOA/AAAAAAAA4D8AAAAAAADgPwAAAAAAAOA/AAAAAAAA4D8AAAAAAADgPwAAAAAAAOA/AAAAAAAA4D8CAAAAjAAAAAAAAAAAAAAA////DP///wgAAAAAAAAAAAAAAAAAAAAAAAAAAAAAAAAAAAAAZAAAAAEAAABAAAAAAAAAAAAAAAAAAAAAAAAAAAAAAAAAAAAAAAAAAAAAAAAAAAAAAAAAAAAAAAAAAAAAAAAAAAAAAAAAAAAAAAAAAAAAAAAAAAAAAAAAAAAAAAAAAAAAFAAAADwAAAAAAAAAAAAAAAZJjAkUAAAAAQAAABQAAAAUAAAAFAAAAAEAAAAAAAAAZAAAAGQAAAAAAAAAZAAAAGQAAAAVAAAAYAAAAAAAAAAAAAAADwAAACADAAAAAAAAAAAAAAEAAACgMgAAVgcAAKr4//8BAAAAf39/AAEAAABkAAAAAAAAABQAAABAHwAAAAAAACYAAAAAAAAAwOD//wAAAAAmAAAAZAAAABYAAABMAAAAAAAAAAAAAAAEAAAAAAAAAAEAAACWlpYKAAAAACgAAAAoAAAAZAAAAGQAAAAAAAAAzMzMAAAAAABQAAAAUAAAAGQAAABkAAAAAAAAABcAAAAUAAAAAAAAAAAAAAD/fwAA/38AAAAAAAAJAAAABAAAAGgdAAAeAAAAaAAAAAAAAAAAAAAAAAAAAAAAAAAAAAAAECcAABAnAAAAAAAAAAAAAAAAAAAAAAAAAAAAAAAAAAAAAAAAAAAAABQAAAAAAAAAwMD/AAAAAABkAAAAMgAAAAAAAABkAAAAAAAAAH9/fwAKAAAAIgAAABgAAAAAAAAAAAAAAAAAAAAAAAAAAAAAAAAAAAAkAAAAJAAAAAAAAAAHAAAAAAAAAAAAAAAAAAAAAAAAAAAAAAAAAAAAf39/ACUAAABYAAAAAAAAAAAAAAAAAAAAAAAAAAAAAAAAAAAAAAAAAAAAAAAAAAAAAAAAAAAAAAA/AAAAAAAAAKCGAQAAAAAAAAAAAAAAAAAMAAAAAQAAAAAAAAAAAAAAAAAAAB8AAABUAAAA////Bf///wEAAAAAAAAAAAAAAAAAAAAAAAAAAAAAAAAAAAAAAAAAAAZJjAJ/f38AlpaWA8zMzADAwP8Af39/AAAAAAAAAAAAAAAAAAAAAAAAAAAAIQAAABgAAAAUAAAAoBkAABsnAABgMQAAWSkAABAAAAAmAAAACAAAAAAAAAAAAAAA"/>
               </a:ext>
             </a:extLst>
           </p:cNvSpPr>
@@ -779,7 +791,6 @@
           <a:bodyPr/>
           <a:lstStyle/>
           <a:p>
-            <a:pPr/>
             <a:r>
               <a:t>{Footer}</a:t>
             </a:r>
@@ -793,7 +804,7 @@
             <a:spLocks noGrp="1" noChangeArrowheads="1"/>
             <a:extLst>
               <a:ext uri="smNativeData">
-                <pr:smNativeData xmlns:pr="smNativeData" xmlns="smNativeData" val="SMDATA_15_Uo0YYxMAAAAlAAAAZAAAAA8BAAAAkAAAAEgAAACQAAAASAAAAAAAAAABAAAAAAAAAAEAAABQAAAAAAAAAAAA4D8AAAAAAADgPwAAAAAAAOA/AAAAAAAA4D8AAAAAAADgPwAAAAAAAOA/AAAAAAAA4D8AAAAAAADgPwAAAAAAAOA/AAAAAAAA4D8CAAAAjAAAAAAAAAAAAAAA////DP///wgAAAAAAAAAAAAAAAAAAAAAAAAAAAAAAAAAAAAAZAAAAAEAAABAAAAAAAAAAAAAAAAAAAAAAAAAAAAAAAAAAAAAAAAAAAAAAAAAAAAAAAAAAAAAAAAAAAAAAAAAAAAAAAAAAAAAAAAAAAAAAAAAAAAAAAAAAAAAAAAAAAAAFAAAADwAAAAAAAAAAAAAAAZJjAkUAAAAAQAAABQAAAAUAAAAFAAAAAEAAAAAAAAAZAAAAGQAAAAAAAAAZAAAAGQAAAAVAAAAYAAAAAAAAAAAAAAADwAAACADAAAAAAAAAAAAAAEAAACgMgAAVgcAAKr4//8BAAAAf39/AAEAAABkAAAAAAAAABQAAABAHwAAAAAAACYAAAAAAAAAwOD//wAAAAAmAAAAZAAAABYAAABMAAAAAAAAAAAAAAAEAAAAAAAAAAEAAACWlpYKAAAAACgAAAAoAAAAZAAAAGQAAAAAAAAAzMzMAAAAAABQAAAAUAAAAGQAAABkAAAAAAAAABcAAAAUAAAAAAAAAAAAAAD/fwAA/38AAAAAAAAJAAAABAAAAKMXAAAeAAAAaAAAAAAAAAAAAAAAAAAAAAAAAAAAAAAAECcAABAnAAAAAAAAAAAAAAAAAAAAAAAAAAAAAAAAAAAAAAAAAAAAABQAAAAAAAAAwMD/AAAAAABkAAAAMgAAAAAAAABkAAAAAAAAAH9/fwAKAAAAIgAAABgAAAAAAAAAAAAAAAAAAAAAAAAAAAAAAAAAAAAkAAAAJAAAAAAAAAAHAAAAAAAAAAAAAAAAAAAAAAAAAAAAAAAAAAAAf39/ACUAAABYAAAAAAAAAAAAAAAAAAAAAAAAAAAAAAAAAAAAAAAAAAAAAAAAAAAAAAAAAAAAAAA/AAAAAAAAAKCGAQAAAAAAAAAAAAAAAAAMAAAAAQAAAAAAAAAAAAAAAAAAAB8AAABUAAAA////Bf///wEAAAAAAAAAAAAAAAAAAAAAAAAAAAAAAAAAAAAAAAAAAAZJjAJ/f38AlpaWA8zMzADAwP8Af39/AAAAAAAAAAAAAAAAAAAAAAAAAAAAIQAAABgAAAAUAAAAwDUAABsnAABARwAAWSkAABAAAAAmAAAACAAAAAAAAAAAAAAA"/>
+                <pr:smNativeData xmlns="smNativeData" xmlns:pr="smNativeData" xmlns:p15="http://schemas.microsoft.com/office/powerpoint/2012/main" xmlns:p14="http://schemas.microsoft.com/office/powerpoint/2010/main" xmlns:mc="http://schemas.openxmlformats.org/markup-compatibility/2006" val="SMDATA_15_Uo0YYxMAAAAlAAAAZAAAAA8BAAAAkAAAAEgAAACQAAAASAAAAAAAAAABAAAAAAAAAAEAAABQAAAAAAAAAAAA4D8AAAAAAADgPwAAAAAAAOA/AAAAAAAA4D8AAAAAAADgPwAAAAAAAOA/AAAAAAAA4D8AAAAAAADgPwAAAAAAAOA/AAAAAAAA4D8CAAAAjAAAAAAAAAAAAAAA////DP///wgAAAAAAAAAAAAAAAAAAAAAAAAAAAAAAAAAAAAAZAAAAAEAAABAAAAAAAAAAAAAAAAAAAAAAAAAAAAAAAAAAAAAAAAAAAAAAAAAAAAAAAAAAAAAAAAAAAAAAAAAAAAAAAAAAAAAAAAAAAAAAAAAAAAAAAAAAAAAAAAAAAAAFAAAADwAAAAAAAAAAAAAAAZJjAkUAAAAAQAAABQAAAAUAAAAFAAAAAEAAAAAAAAAZAAAAGQAAAAAAAAAZAAAAGQAAAAVAAAAYAAAAAAAAAAAAAAADwAAACADAAAAAAAAAAAAAAEAAACgMgAAVgcAAKr4//8BAAAAf39/AAEAAABkAAAAAAAAABQAAABAHwAAAAAAACYAAAAAAAAAwOD//wAAAAAmAAAAZAAAABYAAABMAAAAAAAAAAAAAAAEAAAAAAAAAAEAAACWlpYKAAAAACgAAAAoAAAAZAAAAGQAAAAAAAAAzMzMAAAAAABQAAAAUAAAAGQAAABkAAAAAAAAABcAAAAUAAAAAAAAAAAAAAD/fwAA/38AAAAAAAAJAAAABAAAAKMXAAAeAAAAaAAAAAAAAAAAAAAAAAAAAAAAAAAAAAAAECcAABAnAAAAAAAAAAAAAAAAAAAAAAAAAAAAAAAAAAAAAAAAAAAAABQAAAAAAAAAwMD/AAAAAABkAAAAMgAAAAAAAABkAAAAAAAAAH9/fwAKAAAAIgAAABgAAAAAAAAAAAAAAAAAAAAAAAAAAAAAAAAAAAAkAAAAJAAAAAAAAAAHAAAAAAAAAAAAAAAAAAAAAAAAAAAAAAAAAAAAf39/ACUAAABYAAAAAAAAAAAAAAAAAAAAAAAAAAAAAAAAAAAAAAAAAAAAAAAAAAAAAAAAAAAAAAA/AAAAAAAAAKCGAQAAAAAAAAAAAAAAAAAMAAAAAQAAAAAAAAAAAAAAAAAAAB8AAABUAAAA////Bf///wEAAAAAAAAAAAAAAAAAAAAAAAAAAAAAAAAAAAAAAAAAAAZJjAJ/f38AlpaWA8zMzADAwP8Af39/AAAAAAAAAAAAAAAAAAAAAAAAAAAAIQAAABgAAAAUAAAAwDUAABsnAABARwAAWSkAABAAAAAmAAAACAAAAAAAAAAAAAAA"/>
               </a:ext>
             </a:extLst>
           </p:cNvSpPr>
@@ -806,10 +817,10 @@
           <a:bodyPr/>
           <a:lstStyle/>
           <a:p>
-            <a:pPr/>
             <a:fld id="{07B4CE32-7CEA-E138-A40C-8A6D804252DF}" type="slidenum">
-              <a:t>{Nr.}</a:t>
+              <a:t>‹#›</a:t>
             </a:fld>
+            <a:endParaRPr/>
           </a:p>
         </p:txBody>
       </p:sp>
@@ -823,7 +834,7 @@
 </file>
 
 <file path=ppt/slideLayouts/slideLayout2.xml><?xml version="1.0" encoding="utf-8"?>
-<p:sldLayout xmlns:p="http://schemas.openxmlformats.org/presentationml/2006/main" xmlns:mc="http://schemas.openxmlformats.org/markup-compatibility/2006" xmlns:p14="http://schemas.microsoft.com/office/powerpoint/2010/main" xmlns:p15="http://schemas.microsoft.com/office/powerpoint/2012/main" xmlns:r="http://schemas.openxmlformats.org/officeDocument/2006/relationships" xmlns:a="http://schemas.openxmlformats.org/drawingml/2006/main" type="tx">
+<p:sldLayout xmlns:a="http://schemas.openxmlformats.org/drawingml/2006/main" xmlns:r="http://schemas.openxmlformats.org/officeDocument/2006/relationships" xmlns:p="http://schemas.openxmlformats.org/presentationml/2006/main" type="tx">
   <p:cSld name="Title and content">
     <p:spTree>
       <p:nvGrpSpPr>
@@ -846,7 +857,7 @@
             <a:spLocks noGrp="1" noChangeArrowheads="1"/>
             <a:extLst>
               <a:ext uri="smNativeData">
-                <pr:smNativeData xmlns:pr="smNativeData" xmlns="smNativeData" val="SMDATA_15_Uo0YYxMAAAAlAAAAZAAAAA8BAAAAkAAAAEgAAACQAAAASAAAAAAAAAABAAAAAAAAAAEAAABQAAAAAAAAAAAA4D8AAAAAAADgPwAAAAAAAOA/AAAAAAAA4D8AAAAAAADgPwAAAAAAAOA/AAAAAAAA4D8AAAAAAADgPwAAAAAAAOA/AAAAAAAA4D8CAAAAjAAAAAEAAAAAAAAA////DP///whQAAAAAAAAAAAAAAAAAAAAAAAAAAAAAAAAAAAAZAAAAAEAAABAAAAAAAAAAAAAAAAAAAAAAAAAAAAAAAAAAAAAAAAAAAAAAAAAAAAAAAAAAAAAAAAAAAAAAAAAAAAAAAAAAAAAAAAAAAAAAAAAAAAAAAAAAAAAAAAAAAAAFAAAADwAAAAAAAAAAAAAAAZJjAkUAAAAAQAAABQAAAAUAAAAFAAAAAEAAAAAAAAAZAAAAGQAAAAAAAAAZAAAAGQAAAAVAAAAYAAAAAAAAAAAAAAADwAAACADAAAAAAAAAAAAAAEAAACgMgAAAAAAAAAAAAABAAAAf39/AAEAAABkAAAAAAAAABQAAABAHwAAAAAAACYAAAAAAAAAwOD//wAAAAAmAAAAZAAAABYAAABMAAAAAAAAAAAAAAAEAAAAAAAAAAEAAACWlpYKAAAAACgAAAAoAAAAZAAAAGQAAAAAAAAAzMzMAAAAAABQAAAAUAAAAGQAAABkAAAAAAAAABcAAAAUAAAAAAAAAAAAAAD/fwAA/38AAAAAAAAJAAAABAAAAKcPAAAeAAAAaAAAAAAAAAAAAAAAAAAAAAAAAAAAAAAAECcAABAnAAAAAAAAAAAAAAAAAAAAAAAAAAAAAAAAAAAAAAAAAAAAABQAAAAAAAAAwMD/AAAAAABkAAAAMgAAAAAAAABkAAAAAAAAAH9/fwAKAAAAIgAAABgAAAAAAAAAAAAAAAAAAAAAAAAAAAAAAAAAAAAkAAAAJAAAAAAAAAAHAAAAAAAAAAAAAAAAAAAAAAAAAAAAAAAAAAAAf39/ACUAAABYAAAAAAAAAAAAAAAAAAAAAAAAAAAAAAAAAAAAAAAAAAAAAAAAAAAAAAAAAAAAAAA/AAAAAAAAAKCGAQAAAAAAAAAAAAAAAAAMAAAAAQAAAAAAAAAAAAAAAAAAAB8AAABUAAAA////Bf///wEAAAAAAAAAAAAAAAAAAAAAAAAAAAAAAAAAAAAAAAAAAAZJjAJ/f38AlpaWA8zMzADAwP8Af39/AAAAAAAAAAAAAAAAAAAAAAAAAAAAIQAAABgAAAAUAAAAwAMAALABAABARwAAuAgAABAAAAAmAAAACAAAAAAAAAAAAAAA"/>
+                <pr:smNativeData xmlns="smNativeData" xmlns:pr="smNativeData" xmlns:p15="http://schemas.microsoft.com/office/powerpoint/2012/main" xmlns:p14="http://schemas.microsoft.com/office/powerpoint/2010/main" xmlns:mc="http://schemas.openxmlformats.org/markup-compatibility/2006" val="SMDATA_15_Uo0YYxMAAAAlAAAAZAAAAA8BAAAAkAAAAEgAAACQAAAASAAAAAAAAAABAAAAAAAAAAEAAABQAAAAAAAAAAAA4D8AAAAAAADgPwAAAAAAAOA/AAAAAAAA4D8AAAAAAADgPwAAAAAAAOA/AAAAAAAA4D8AAAAAAADgPwAAAAAAAOA/AAAAAAAA4D8CAAAAjAAAAAEAAAAAAAAA////DP///whQAAAAAAAAAAAAAAAAAAAAAAAAAAAAAAAAAAAAZAAAAAEAAABAAAAAAAAAAAAAAAAAAAAAAAAAAAAAAAAAAAAAAAAAAAAAAAAAAAAAAAAAAAAAAAAAAAAAAAAAAAAAAAAAAAAAAAAAAAAAAAAAAAAAAAAAAAAAAAAAAAAAFAAAADwAAAAAAAAAAAAAAAZJjAkUAAAAAQAAABQAAAAUAAAAFAAAAAEAAAAAAAAAZAAAAGQAAAAAAAAAZAAAAGQAAAAVAAAAYAAAAAAAAAAAAAAADwAAACADAAAAAAAAAAAAAAEAAACgMgAAAAAAAAAAAAABAAAAf39/AAEAAABkAAAAAAAAABQAAABAHwAAAAAAACYAAAAAAAAAwOD//wAAAAAmAAAAZAAAABYAAABMAAAAAAAAAAAAAAAEAAAAAAAAAAEAAACWlpYKAAAAACgAAAAoAAAAZAAAAGQAAAAAAAAAzMzMAAAAAABQAAAAUAAAAGQAAABkAAAAAAAAABcAAAAUAAAAAAAAAAAAAAD/fwAA/38AAAAAAAAJAAAABAAAAKcPAAAeAAAAaAAAAAAAAAAAAAAAAAAAAAAAAAAAAAAAECcAABAnAAAAAAAAAAAAAAAAAAAAAAAAAAAAAAAAAAAAAAAAAAAAABQAAAAAAAAAwMD/AAAAAABkAAAAMgAAAAAAAABkAAAAAAAAAH9/fwAKAAAAIgAAABgAAAAAAAAAAAAAAAAAAAAAAAAAAAAAAAAAAAAkAAAAJAAAAAAAAAAHAAAAAAAAAAAAAAAAAAAAAAAAAAAAAAAAAAAAf39/ACUAAABYAAAAAAAAAAAAAAAAAAAAAAAAAAAAAAAAAAAAAAAAAAAAAAAAAAAAAAAAAAAAAAA/AAAAAAAAAKCGAQAAAAAAAAAAAAAAAAAMAAAAAQAAAAAAAAAAAAAAAAAAAB8AAABUAAAA////Bf///wEAAAAAAAAAAAAAAAAAAAAAAAAAAAAAAAAAAAAAAAAAAAZJjAJ/f38AlpaWA8zMzADAwP8Af39/AAAAAAAAAAAAAAAAAAAAAAAAAAAAIQAAABgAAAAUAAAAwAMAALABAABARwAAuAgAABAAAAAmAAAACAAAAAAAAAAAAAAA"/>
               </a:ext>
             </a:extLst>
           </p:cNvSpPr>
@@ -859,7 +870,6 @@
           <a:bodyPr/>
           <a:lstStyle/>
           <a:p>
-            <a:pPr/>
             <a:r>
               <a:t>Click to edit Master title style</a:t>
             </a:r>
@@ -873,7 +883,7 @@
             <a:spLocks noGrp="1" noChangeArrowheads="1"/>
             <a:extLst>
               <a:ext uri="smNativeData">
-                <pr:smNativeData xmlns:pr="smNativeData" xmlns="smNativeData" val="SMDATA_15_Uo0YYxMAAAAlAAAAZAAAAA8BAAAAkAAAAEgAAACQAAAASAAAAAAAAAAAAAAAAAAAAAEAAABQAAAAAAAAAAAA4D8AAAAAAADgPwAAAAAAAOA/AAAAAAAA4D8AAAAAAADgPwAAAAAAAOA/AAAAAAAA4D8AAAAAAADgPwAAAAAAAOA/AAAAAAAA4D8CAAAAjAAAAAEAAAAAAAAA////DP///whQAAAAAAAAAAAAAAAAAAAAAAAAAAAAAAAAAAAAZAAAAAEAAABAAAAAAAAAAAAAAAAAAAAAAAAAAAAAAAAAAAAAAAAAAAAAAAAAAAAAAAAAAAAAAAAAAAAAAAAAAAAAAAAAAAAAAAAAAAAAAAAAAAAAAAAAAAAAAAAAAAAAFAAAADwAAAAAAAAAAAAAAAZJjAkUAAAAAQAAABQAAAAUAAAAFAAAAAEAAAAAAAAAZAAAAGQAAAAAAAAAZAAAAGQAAAAVAAAAYAAAAAAAAAAAAAAADwAAACADAAAAAAAAAAAAAAEAAACgMgAAAAAAAAAAAAABAAAAf39/AAEAAABkAAAAAAAAABQAAABAHwAAAAAAACYAAAAAAAAAwOD//wAAAAAmAAAAZAAAABYAAABMAAAAAAAAAAAAAAAEAAAAAAAAAAEAAACWlpYKAAAAACgAAAAoAAAAZAAAAGQAAAAAAAAAzMzMAAAAAABQAAAAUAAAAGQAAABkAAAAAAAAABcAAAAUAAAAAAAAAAAAAAD/fwAA/38AAAAAAAAJAAAABAAAAKQPAAAeAAAAaAAAAAAAAAAAAAAAAAAAAAAAAAAAAAAAECcAABAnAAAAAAAAAAAAAAAAAAAAAAAAAAAAAAAAAAAAAAAAAAAAABQAAAAAAAAAwMD/AAAAAABkAAAAMgAAAAAAAABkAAAAAAAAAH9/fwAKAAAAIgAAABgAAAAAAAAAAAAAAAAAAAAAAAAAAAAAAAAAAAAkAAAAJAAAAAAAAAAHAAAAAAAAAAAAAAAAAAAAAAAAAAAAAAAAAAAAf39/ACUAAABYAAAAAAAAAAAAAAAAAAAAAAAAAAAAAAAAAAAAAAAAAAAAAAAAAAAAAAAAAAAAAAA/AAAAAAAAAKCGAQAAAAAAAAAAAAAAAAAMAAAAAQAAAAAAAAAAAAAAAAAAAB8AAABUAAAA////Bf///wEAAAAAAAAAAAAAAAAAAAAAAAAAAAAAAAAAAAAAAAAAAAZJjAJ/f38AlpaWA8zMzADAwP8Af39/AAAAAAAAAAAAAAAAAAAAAAAAAAAAIQAAABgAAAAUAAAAwAMAANgJAABARwAAsCUAABAAAAAmAAAACAAAAAAAAAAAAAAA"/>
+                <pr:smNativeData xmlns="smNativeData" xmlns:pr="smNativeData" xmlns:p15="http://schemas.microsoft.com/office/powerpoint/2012/main" xmlns:p14="http://schemas.microsoft.com/office/powerpoint/2010/main" xmlns:mc="http://schemas.openxmlformats.org/markup-compatibility/2006" val="SMDATA_15_Uo0YYxMAAAAlAAAAZAAAAA8BAAAAkAAAAEgAAACQAAAASAAAAAAAAAAAAAAAAAAAAAEAAABQAAAAAAAAAAAA4D8AAAAAAADgPwAAAAAAAOA/AAAAAAAA4D8AAAAAAADgPwAAAAAAAOA/AAAAAAAA4D8AAAAAAADgPwAAAAAAAOA/AAAAAAAA4D8CAAAAjAAAAAEAAAAAAAAA////DP///whQAAAAAAAAAAAAAAAAAAAAAAAAAAAAAAAAAAAAZAAAAAEAAABAAAAAAAAAAAAAAAAAAAAAAAAAAAAAAAAAAAAAAAAAAAAAAAAAAAAAAAAAAAAAAAAAAAAAAAAAAAAAAAAAAAAAAAAAAAAAAAAAAAAAAAAAAAAAAAAAAAAAFAAAADwAAAAAAAAAAAAAAAZJjAkUAAAAAQAAABQAAAAUAAAAFAAAAAEAAAAAAAAAZAAAAGQAAAAAAAAAZAAAAGQAAAAVAAAAYAAAAAAAAAAAAAAADwAAACADAAAAAAAAAAAAAAEAAACgMgAAAAAAAAAAAAABAAAAf39/AAEAAABkAAAAAAAAABQAAABAHwAAAAAAACYAAAAAAAAAwOD//wAAAAAmAAAAZAAAABYAAABMAAAAAAAAAAAAAAAEAAAAAAAAAAEAAACWlpYKAAAAACgAAAAoAAAAZAAAAGQAAAAAAAAAzMzMAAAAAABQAAAAUAAAAGQAAABkAAAAAAAAABcAAAAUAAAAAAAAAAAAAAD/fwAA/38AAAAAAAAJAAAABAAAAKQPAAAeAAAAaAAAAAAAAAAAAAAAAAAAAAAAAAAAAAAAECcAABAnAAAAAAAAAAAAAAAAAAAAAAAAAAAAAAAAAAAAAAAAAAAAABQAAAAAAAAAwMD/AAAAAABkAAAAMgAAAAAAAABkAAAAAAAAAH9/fwAKAAAAIgAAABgAAAAAAAAAAAAAAAAAAAAAAAAAAAAAAAAAAAAkAAAAJAAAAAAAAAAHAAAAAAAAAAAAAAAAAAAAAAAAAAAAAAAAAAAAf39/ACUAAABYAAAAAAAAAAAAAAAAAAAAAAAAAAAAAAAAAAAAAAAAAAAAAAAAAAAAAAAAAAAAAAA/AAAAAAAAAKCGAQAAAAAAAAAAAAAAAAAMAAAAAQAAAAAAAAAAAAAAAAAAAB8AAABUAAAA////Bf///wEAAAAAAAAAAAAAAAAAAAAAAAAAAAAAAAAAAAAAAAAAAAZJjAJ/f38AlpaWA8zMzADAwP8Af39/AAAAAAAAAAAAAAAAAAAAAAAAAAAAIQAAABgAAAAUAAAAwAMAANgJAABARwAAsCUAABAAAAAmAAAACAAAAAAAAAAAAAAA"/>
               </a:ext>
             </a:extLst>
           </p:cNvSpPr>
@@ -886,7 +896,6 @@
           <a:bodyPr/>
           <a:lstStyle/>
           <a:p>
-            <a:pPr/>
             <a:r>
               <a:t>Click to edit Master text styles</a:t>
             </a:r>
@@ -924,7 +933,7 @@
             <a:spLocks noGrp="1" noChangeArrowheads="1"/>
             <a:extLst>
               <a:ext uri="smNativeData">
-                <pr:smNativeData xmlns:pr="smNativeData" xmlns="smNativeData" val="SMDATA_15_Uo0YYxMAAAAlAAAAZAAAAA8BAAAAkAAAAEgAAACQAAAASAAAAAAAAAABAAAAAAAAAAEAAABQAAAAAAAAAAAA4D8AAAAAAADgPwAAAAAAAOA/AAAAAAAA4D8AAAAAAADgPwAAAAAAAOA/AAAAAAAA4D8AAAAAAADgPwAAAAAAAOA/AAAAAAAA4D8CAAAAjAAAAAAAAAAAAAAA////DP///wgAAAAAAAAAAAAAAAAAAAAAAAAAAAAAAAAAAAAAZAAAAAEAAABAAAAAAAAAAAAAAAAAAAAAAAAAAAAAAAAAAAAAAAAAAAAAAAAAAAAAAAAAAAAAAAAAAAAAAAAAAAAAAAAAAAAAAAAAAAAAAAAAAAAAAAAAAAAAAAAAAAAAFAAAADwAAAAAAAAAAAAAAAZJjAkUAAAAAQAAABQAAAAUAAAAFAAAAAEAAAAAAAAAZAAAAGQAAAAAAAAAZAAAAGQAAAAVAAAAYAAAAAAAAAAAAAAADwAAACADAAAAAAAAAAAAAAEAAACgMgAAVgcAAKr4//8BAAAAf39/AAEAAABkAAAAAAAAABQAAABAHwAAAAAAACYAAAAAAAAAwOD//wAAAAAmAAAAZAAAABYAAABMAAAAAAAAAAAAAAAEAAAAAAAAAAEAAACWlpYKAAAAACgAAAAoAAAAZAAAAGQAAAAAAAAAzMzMAAAAAABQAAAAUAAAAGQAAABkAAAAAAAAABcAAAAUAAAAAAAAAAAAAAD/fwAA/38AAAAAAAAJAAAABAAAAKcPAAAeAAAAaAAAAAAAAAAAAAAAAAAAAAAAAAAAAAAAECcAABAnAAAAAAAAAAAAAAAAAAAAAAAAAAAAAAAAAAAAAAAAAAAAABQAAAAAAAAAwMD/AAAAAABkAAAAMgAAAAAAAABkAAAAAAAAAH9/fwAKAAAAIgAAABgAAAAAAAAAAAAAAAAAAAAAAAAAAAAAAAAAAAAkAAAAJAAAAAAAAAAHAAAAAAAAAAAAAAAAAAAAAAAAAAAAAAAAAAAAf39/ACUAAABYAAAAAAAAAAAAAAAAAAAAAAAAAAAAAAAAAAAAAAAAAAAAAAAAAAAAAAAAAAAAAAA/AAAAAAAAAKCGAQAAAAAAAAAAAAAAAAAMAAAAAQAAAAAAAAAAAAAAAAAAAB8AAABUAAAA////Bf///wEAAAAAAAAAAAAAAAAAAAAAAAAAAAAAAAAAAAAAAAAAAAZJjAJ/f38AlpaWA8zMzADAwP8Af39/AAAAAAAAAAAAAAAAAAAAAAAAAAAAIQAAABgAAAAUAAAAwAMAABsnAABAFQAAWSkAABAAAAAmAAAACAAAAAAAAAAAAAAA"/>
+                <pr:smNativeData xmlns="smNativeData" xmlns:pr="smNativeData" xmlns:p15="http://schemas.microsoft.com/office/powerpoint/2012/main" xmlns:p14="http://schemas.microsoft.com/office/powerpoint/2010/main" xmlns:mc="http://schemas.openxmlformats.org/markup-compatibility/2006" val="SMDATA_15_Uo0YYxMAAAAlAAAAZAAAAA8BAAAAkAAAAEgAAACQAAAASAAAAAAAAAABAAAAAAAAAAEAAABQAAAAAAAAAAAA4D8AAAAAAADgPwAAAAAAAOA/AAAAAAAA4D8AAAAAAADgPwAAAAAAAOA/AAAAAAAA4D8AAAAAAADgPwAAAAAAAOA/AAAAAAAA4D8CAAAAjAAAAAAAAAAAAAAA////DP///wgAAAAAAAAAAAAAAAAAAAAAAAAAAAAAAAAAAAAAZAAAAAEAAABAAAAAAAAAAAAAAAAAAAAAAAAAAAAAAAAAAAAAAAAAAAAAAAAAAAAAAAAAAAAAAAAAAAAAAAAAAAAAAAAAAAAAAAAAAAAAAAAAAAAAAAAAAAAAAAAAAAAAFAAAADwAAAAAAAAAAAAAAAZJjAkUAAAAAQAAABQAAAAUAAAAFAAAAAEAAAAAAAAAZAAAAGQAAAAAAAAAZAAAAGQAAAAVAAAAYAAAAAAAAAAAAAAADwAAACADAAAAAAAAAAAAAAEAAACgMgAAVgcAAKr4//8BAAAAf39/AAEAAABkAAAAAAAAABQAAABAHwAAAAAAACYAAAAAAAAAwOD//wAAAAAmAAAAZAAAABYAAABMAAAAAAAAAAAAAAAEAAAAAAAAAAEAAACWlpYKAAAAACgAAAAoAAAAZAAAAGQAAAAAAAAAzMzMAAAAAABQAAAAUAAAAGQAAABkAAAAAAAAABcAAAAUAAAAAAAAAAAAAAD/fwAA/38AAAAAAAAJAAAABAAAAKcPAAAeAAAAaAAAAAAAAAAAAAAAAAAAAAAAAAAAAAAAECcAABAnAAAAAAAAAAAAAAAAAAAAAAAAAAAAAAAAAAAAAAAAAAAAABQAAAAAAAAAwMD/AAAAAABkAAAAMgAAAAAAAABkAAAAAAAAAH9/fwAKAAAAIgAAABgAAAAAAAAAAAAAAAAAAAAAAAAAAAAAAAAAAAAkAAAAJAAAAAAAAAAHAAAAAAAAAAAAAAAAAAAAAAAAAAAAAAAAAAAAf39/ACUAAABYAAAAAAAAAAAAAAAAAAAAAAAAAAAAAAAAAAAAAAAAAAAAAAAAAAAAAAAAAAAAAAA/AAAAAAAAAKCGAQAAAAAAAAAAAAAAAAAMAAAAAQAAAAAAAAAAAAAAAAAAAB8AAABUAAAA////Bf///wEAAAAAAAAAAAAAAAAAAAAAAAAAAAAAAAAAAAAAAAAAAAZJjAJ/f38AlpaWA8zMzADAwP8Af39/AAAAAAAAAAAAAAAAAAAAAAAAAAAAIQAAABgAAAAUAAAAwAMAABsnAABAFQAAWSkAABAAAAAmAAAACAAAAAAAAAAAAAAA"/>
               </a:ext>
             </a:extLst>
           </p:cNvSpPr>
@@ -937,10 +946,10 @@
           <a:bodyPr/>
           <a:lstStyle/>
           <a:p>
-            <a:pPr/>
             <a:fld id="{489AF84E-00A5-CF0E-EB22-F65BB66C1DA3}" type="datetime1">
-              <a:t>{Date/Time}</a:t>
+              <a:t>9/7/2022</a:t>
             </a:fld>
+            <a:endParaRPr/>
           </a:p>
         </p:txBody>
       </p:sp>
@@ -951,7 +960,7 @@
             <a:spLocks noGrp="1" noChangeArrowheads="1"/>
             <a:extLst>
               <a:ext uri="smNativeData">
-                <pr:smNativeData xmlns:pr="smNativeData" xmlns="smNativeData" val="SMDATA_15_Uo0YYxMAAAAlAAAAZAAAAA8BAAAAkAAAAEgAAACQAAAASAAAAAAAAAABAAAAAAAAAAEAAABQAAAAAAAAAAAA4D8AAAAAAADgPwAAAAAAAOA/AAAAAAAA4D8AAAAAAADgPwAAAAAAAOA/AAAAAAAA4D8AAAAAAADgPwAAAAAAAOA/AAAAAAAA4D8CAAAAjAAAAAAAAAAAAAAA////DP///wgAAAAAAAAAAAAAAAAAAAAAAAAAAAAAAAAAAAAAZAAAAAEAAABAAAAAAAAAAAAAAAAAAAAAAAAAAAAAAAAAAAAAAAAAAAAAAAAAAAAAAAAAAAAAAAAAAAAAAAAAAAAAAAAAAAAAAAAAAAAAAAAAAAAAAAAAAAAAAAAAAAAAFAAAADwAAAAAAAAAAAAAAAZJjAkUAAAAAQAAABQAAAAUAAAAFAAAAAEAAAAAAAAAZAAAAGQAAAAAAAAAZAAAAGQAAAAVAAAAYAAAAAAAAAAAAAAADwAAACADAAAAAAAAAAAAAAEAAACgMgAAVgcAAKr4//8BAAAAf39/AAEAAABkAAAAAAAAABQAAABAHwAAAAAAACYAAAAAAAAAwOD//wAAAAAmAAAAZAAAABYAAABMAAAAAAAAAAAAAAAEAAAAAAAAAAEAAACWlpYKAAAAACgAAAAoAAAAZAAAAGQAAAAAAAAAzMzMAAAAAABQAAAAUAAAAGQAAABkAAAAAAAAABcAAAAUAAAAAAAAAAAAAAD/fwAA/38AAAAAAAAJAAAABAAAALIAsgAeAAAAaAAAAAAAAAAAAAAAAAAAAAAAAAAAAAAAECcAABAnAAAAAAAAAAAAAAAAAAAAAAAAAAAAAAAAAAAAAAAAAAAAABQAAAAAAAAAwMD/AAAAAABkAAAAMgAAAAAAAABkAAAAAAAAAH9/fwAKAAAAIgAAABgAAAAAAAAAAAAAAAAAAAAAAAAAAAAAAAAAAAAkAAAAJAAAAAAAAAAHAAAAAAAAAAAAAAAAAAAAAAAAAAAAAAAAAAAAf39/ACUAAABYAAAAAAAAAAAAAAAAAAAAAAAAAAAAAAAAAAAAAAAAAAAAAAAAAAAAAAAAAAAAAAA/AAAAAAAAAKCGAQAAAAAAAAAAAAAAAAAMAAAAAQAAAAAAAAAAAAAAAAAAAB8AAABUAAAA////Bf///wEAAAAAAAAAAAAAAAAAAAAAAAAAAAAAAAAAAAAAAAAAAAZJjAJ/f38AlpaWA8zMzADAwP8Af39/AAAAAAAAAAAAAAAAAAAAAAAAAAAAIQAAABgAAAAUAAAAoBkAABsnAABgMQAAWSkAABAAAAAmAAAACAAAAAAAAAAAAAAA"/>
+                <pr:smNativeData xmlns="smNativeData" xmlns:pr="smNativeData" xmlns:p15="http://schemas.microsoft.com/office/powerpoint/2012/main" xmlns:p14="http://schemas.microsoft.com/office/powerpoint/2010/main" xmlns:mc="http://schemas.openxmlformats.org/markup-compatibility/2006" val="SMDATA_15_Uo0YYxMAAAAlAAAAZAAAAA8BAAAAkAAAAEgAAACQAAAASAAAAAAAAAABAAAAAAAAAAEAAABQAAAAAAAAAAAA4D8AAAAAAADgPwAAAAAAAOA/AAAAAAAA4D8AAAAAAADgPwAAAAAAAOA/AAAAAAAA4D8AAAAAAADgPwAAAAAAAOA/AAAAAAAA4D8CAAAAjAAAAAAAAAAAAAAA////DP///wgAAAAAAAAAAAAAAAAAAAAAAAAAAAAAAAAAAAAAZAAAAAEAAABAAAAAAAAAAAAAAAAAAAAAAAAAAAAAAAAAAAAAAAAAAAAAAAAAAAAAAAAAAAAAAAAAAAAAAAAAAAAAAAAAAAAAAAAAAAAAAAAAAAAAAAAAAAAAAAAAAAAAFAAAADwAAAAAAAAAAAAAAAZJjAkUAAAAAQAAABQAAAAUAAAAFAAAAAEAAAAAAAAAZAAAAGQAAAAAAAAAZAAAAGQAAAAVAAAAYAAAAAAAAAAAAAAADwAAACADAAAAAAAAAAAAAAEAAACgMgAAVgcAAKr4//8BAAAAf39/AAEAAABkAAAAAAAAABQAAABAHwAAAAAAACYAAAAAAAAAwOD//wAAAAAmAAAAZAAAABYAAABMAAAAAAAAAAAAAAAEAAAAAAAAAAEAAACWlpYKAAAAACgAAAAoAAAAZAAAAGQAAAAAAAAAzMzMAAAAAABQAAAAUAAAAGQAAABkAAAAAAAAABcAAAAUAAAAAAAAAAAAAAD/fwAA/38AAAAAAAAJAAAABAAAALIAsgAeAAAAaAAAAAAAAAAAAAAAAAAAAAAAAAAAAAAAECcAABAnAAAAAAAAAAAAAAAAAAAAAAAAAAAAAAAAAAAAAAAAAAAAABQAAAAAAAAAwMD/AAAAAABkAAAAMgAAAAAAAABkAAAAAAAAAH9/fwAKAAAAIgAAABgAAAAAAAAAAAAAAAAAAAAAAAAAAAAAAAAAAAAkAAAAJAAAAAAAAAAHAAAAAAAAAAAAAAAAAAAAAAAAAAAAAAAAAAAAf39/ACUAAABYAAAAAAAAAAAAAAAAAAAAAAAAAAAAAAAAAAAAAAAAAAAAAAAAAAAAAAAAAAAAAAA/AAAAAAAAAKCGAQAAAAAAAAAAAAAAAAAMAAAAAQAAAAAAAAAAAAAAAAAAAB8AAABUAAAA////Bf///wEAAAAAAAAAAAAAAAAAAAAAAAAAAAAAAAAAAAAAAAAAAAZJjAJ/f38AlpaWA8zMzADAwP8Af39/AAAAAAAAAAAAAAAAAAAAAAAAAAAAIQAAABgAAAAUAAAAoBkAABsnAABgMQAAWSkAABAAAAAmAAAACAAAAAAAAAAAAAAA"/>
               </a:ext>
             </a:extLst>
           </p:cNvSpPr>
@@ -964,7 +973,6 @@
           <a:bodyPr/>
           <a:lstStyle/>
           <a:p>
-            <a:pPr/>
             <a:r>
               <a:t>{Footer}</a:t>
             </a:r>
@@ -978,7 +986,7 @@
             <a:spLocks noGrp="1" noChangeArrowheads="1"/>
             <a:extLst>
               <a:ext uri="smNativeData">
-                <pr:smNativeData xmlns:pr="smNativeData" xmlns="smNativeData" val="SMDATA_15_Uo0YYxMAAAAlAAAAZAAAAA8BAAAAkAAAAEgAAACQAAAASAAAAAAAAAABAAAAAAAAAAEAAABQAAAAAAAAAAAA4D8AAAAAAADgPwAAAAAAAOA/AAAAAAAA4D8AAAAAAADgPwAAAAAAAOA/AAAAAAAA4D8AAAAAAADgPwAAAAAAAOA/AAAAAAAA4D8CAAAAjAAAAAAAAAAAAAAA////DP///wgAAAAAAAAAAAAAAAAAAAAAAAAAAAAAAAAAAAAAZAAAAAEAAABAAAAAAAAAAAAAAAAAAAAAAAAAAAAAAAAAAAAAAAAAAAAAAAAAAAAAAAAAAAAAAAAAAAAAAAAAAAAAAAAAAAAAAAAAAAAAAAAAAAAAAAAAAAAAAAAAAAAAFAAAADwAAAAAAAAAAAAAAAZJjAkUAAAAAQAAABQAAAAUAAAAFAAAAAEAAAAAAAAAZAAAAGQAAAAAAAAAZAAAAGQAAAAVAAAAYAAAAAAAAAAAAAAADwAAACADAAAAAAAAAAAAAAEAAACgMgAAVgcAAKr4//8BAAAAf39/AAEAAABkAAAAAAAAABQAAABAHwAAAAAAACYAAAAAAAAAwOD//wAAAAAmAAAAZAAAABYAAABMAAAAAAAAAAAAAAAEAAAAAAAAAAEAAACWlpYKAAAAACgAAAAoAAAAZAAAAGQAAAAAAAAAzMzMAAAAAABQAAAAUAAAAGQAAABkAAAAAAAAABcAAAAUAAAAAAAAAAAAAAD/fwAA/38AAAAAAAAJAAAABAAAAAICBgIeAAAAaAAAAAAAAAAAAAAAAAAAAAAAAAAAAAAAECcAABAnAAAAAAAAAAAAAAAAAAAAAAAAAAAAAAAAAAAAAAAAAAAAABQAAAAAAAAAwMD/AAAAAABkAAAAMgAAAAAAAABkAAAAAAAAAH9/fwAKAAAAIgAAABgAAAAAAAAAAAAAAAAAAAAAAAAAAAAAAAAAAAAkAAAAJAAAAAAAAAAHAAAAAAAAAAAAAAAAAAAAAAAAAAAAAAAAAAAAf39/ACUAAABYAAAAAAAAAAAAAAAAAAAAAAAAAAAAAAAAAAAAAAAAAAAAAAAAAAAAAAAAAAAAAAA/AAAAAAAAAKCGAQAAAAAAAAAAAAAAAAAMAAAAAQAAAAAAAAAAAAAAAAAAAB8AAABUAAAA////Bf///wEAAAAAAAAAAAAAAAAAAAAAAAAAAAAAAAAAAAAAAAAAAAZJjAJ/f38AlpaWA8zMzADAwP8Af39/AAAAAAAAAAAAAAAAAAAAAAAAAAAAIQAAABgAAAAUAAAAwDUAABsnAABARwAAWSkAABAAAAAmAAAACAAAAAAAAAAAAAAA"/>
+                <pr:smNativeData xmlns="smNativeData" xmlns:pr="smNativeData" xmlns:p15="http://schemas.microsoft.com/office/powerpoint/2012/main" xmlns:p14="http://schemas.microsoft.com/office/powerpoint/2010/main" xmlns:mc="http://schemas.openxmlformats.org/markup-compatibility/2006" val="SMDATA_15_Uo0YYxMAAAAlAAAAZAAAAA8BAAAAkAAAAEgAAACQAAAASAAAAAAAAAABAAAAAAAAAAEAAABQAAAAAAAAAAAA4D8AAAAAAADgPwAAAAAAAOA/AAAAAAAA4D8AAAAAAADgPwAAAAAAAOA/AAAAAAAA4D8AAAAAAADgPwAAAAAAAOA/AAAAAAAA4D8CAAAAjAAAAAAAAAAAAAAA////DP///wgAAAAAAAAAAAAAAAAAAAAAAAAAAAAAAAAAAAAAZAAAAAEAAABAAAAAAAAAAAAAAAAAAAAAAAAAAAAAAAAAAAAAAAAAAAAAAAAAAAAAAAAAAAAAAAAAAAAAAAAAAAAAAAAAAAAAAAAAAAAAAAAAAAAAAAAAAAAAAAAAAAAAFAAAADwAAAAAAAAAAAAAAAZJjAkUAAAAAQAAABQAAAAUAAAAFAAAAAEAAAAAAAAAZAAAAGQAAAAAAAAAZAAAAGQAAAAVAAAAYAAAAAAAAAAAAAAADwAAACADAAAAAAAAAAAAAAEAAACgMgAAVgcAAKr4//8BAAAAf39/AAEAAABkAAAAAAAAABQAAABAHwAAAAAAACYAAAAAAAAAwOD//wAAAAAmAAAAZAAAABYAAABMAAAAAAAAAAAAAAAEAAAAAAAAAAEAAACWlpYKAAAAACgAAAAoAAAAZAAAAGQAAAAAAAAAzMzMAAAAAABQAAAAUAAAAGQAAABkAAAAAAAAABcAAAAUAAAAAAAAAAAAAAD/fwAA/38AAAAAAAAJAAAABAAAAAICBgIeAAAAaAAAAAAAAAAAAAAAAAAAAAAAAAAAAAAAECcAABAnAAAAAAAAAAAAAAAAAAAAAAAAAAAAAAAAAAAAAAAAAAAAABQAAAAAAAAAwMD/AAAAAABkAAAAMgAAAAAAAABkAAAAAAAAAH9/fwAKAAAAIgAAABgAAAAAAAAAAAAAAAAAAAAAAAAAAAAAAAAAAAAkAAAAJAAAAAAAAAAHAAAAAAAAAAAAAAAAAAAAAAAAAAAAAAAAAAAAf39/ACUAAABYAAAAAAAAAAAAAAAAAAAAAAAAAAAAAAAAAAAAAAAAAAAAAAAAAAAAAAAAAAAAAAA/AAAAAAAAAKCGAQAAAAAAAAAAAAAAAAAMAAAAAQAAAAAAAAAAAAAAAAAAAB8AAABUAAAA////Bf///wEAAAAAAAAAAAAAAAAAAAAAAAAAAAAAAAAAAAAAAAAAAAZJjAJ/f38AlpaWA8zMzADAwP8Af39/AAAAAAAAAAAAAAAAAAAAAAAAAAAAIQAAABgAAAAUAAAAwDUAABsnAABARwAAWSkAABAAAAAmAAAACAAAAAAAAAAAAAAA"/>
               </a:ext>
             </a:extLst>
           </p:cNvSpPr>
@@ -991,10 +999,10 @@
           <a:bodyPr/>
           <a:lstStyle/>
           <a:p>
-            <a:pPr/>
             <a:fld id="{30D5D786-C8DD-8021-936D-3E749923656B}" type="slidenum">
-              <a:t>{Nr.}</a:t>
+              <a:t>‹#›</a:t>
             </a:fld>
+            <a:endParaRPr/>
           </a:p>
         </p:txBody>
       </p:sp>
@@ -1008,7 +1016,7 @@
 </file>
 
 <file path=ppt/slideLayouts/slideLayout3.xml><?xml version="1.0" encoding="utf-8"?>
-<p:sldLayout xmlns:p="http://schemas.openxmlformats.org/presentationml/2006/main" xmlns:mc="http://schemas.openxmlformats.org/markup-compatibility/2006" xmlns:p14="http://schemas.microsoft.com/office/powerpoint/2010/main" xmlns:p15="http://schemas.microsoft.com/office/powerpoint/2012/main" xmlns:r="http://schemas.openxmlformats.org/officeDocument/2006/relationships" xmlns:a="http://schemas.openxmlformats.org/drawingml/2006/main" type="secHead">
+<p:sldLayout xmlns:a="http://schemas.openxmlformats.org/drawingml/2006/main" xmlns:r="http://schemas.openxmlformats.org/officeDocument/2006/relationships" xmlns:p="http://schemas.openxmlformats.org/presentationml/2006/main" type="secHead">
   <p:cSld name="Section header">
     <p:spTree>
       <p:nvGrpSpPr>
@@ -1031,7 +1039,7 @@
             <a:spLocks noGrp="1" noChangeArrowheads="1"/>
             <a:extLst>
               <a:ext uri="smNativeData">
-                <pr:smNativeData xmlns:pr="smNativeData" xmlns="smNativeData" val="SMDATA_15_Uo0YYxMAAAAlAAAAZAAAAA8BAAAAkAAAAEgAAACQAAAASAAAAAAAAAAAAAAAAAAAAAEAAABQAAAAAAAAAAAA4D8AAAAAAADgPwAAAAAAAOA/AAAAAAAA4D8AAAAAAADgPwAAAAAAAOA/AAAAAAAA4D8AAAAAAADgPwAAAAAAAOA/AAAAAAAA4D8CAAAAjAAAAAEAAAAAAAAA////DP///whQAAAAAAAAAAAAAAAAAAAAAAAAAAAAAAAAAAAAZAAAAAEAAABAAAAAAAAAAAAAAAAAAAAAAAAAAAAAAAAAAAAAAAAAAAAAAAAAAAAAAAAAAAAAAAAAAAAAAAAAAAAAAAAAAAAAAAAAAAAAAAAAAAAAAAAAAAAAAAAAAAAAFAAAADwAAAAAAAAAAAAAAAZJjAkUAAAAAQAAABQAAAAUAAAAFAAAAAEAAAAAAAAAZAAAAGQAAAAAAAAAZAAAAGQAAAAVAAAAYAAAAAAAAAAAAAAADwAAACADAAAAAAAAAAAAAAEAAACgMgAAAAAAAAAAAAABAAAAf39/AAEAAABkAAAAAAAAABQAAABAHwAAAAAAACYAAAAAAAAAwOD//wAAAAAmAAAAZAAAABYAAABMAAAAAAAAAAAAAAAEAAAAAAAAAAEAAACWlpYKAAAAACgAAAAoAAAAZAAAAGQAAAAAAAAAzMzMAAAAAABQAAAAUAAAAGQAAABkAAAAAAAAABcAAAAUAAAAAAAAAAAAAAD/fwAA/38AAAAAAAAJAAAABAAAACM0AAAeAAAAaAAAAAAAAAAAAAAAAAAAAAAAAAAAAAAAECcAABAnAAAAAAAAAAAAAAAAAAAAAAAAAAAAAAAAAAAAAAAAAAAAABQAAAAAAAAAwMD/AAAAAABkAAAAMgAAAAAAAABkAAAAAAAAAH9/fwAKAAAAIgAAABgAAAAAAAAAAAAAAAAAAAAAAAAAAAAAAAAAAAAkAAAAJAAAAAAAAAAHAAAAAAAAAAAAAAAAAAAAAAAAAAAAAAAAAAAAf39/ACUAAABYAAAAAAAAAAAAAAAAAAAAAAAAAAAAAAAAAAAAAAAAAAAAAAAAAAAAAAAAAAAAAAA/AAAAAAAAAKCGAQAAAAAAAAAAAAAAAAAMAAAAAQAAAAAAAAAAAAAAAAAAAB8AAABUAAAA////Bf///wEAAAAAAAAAAAAAAAAAAAAAAAAAAAAAAAAAAAAAAAAAAAZJjAJ/f38AlpaWA8zMzADAwP8Af39/AAAAAAAAAAAAAAAAAAAAAAAAAAAAIQAAABgAAAAUAAAA7QUAABwbAACtRQAAfSMAABAAAAAmAAAACAAAAIGAAAAAAAAA"/>
+                <pr:smNativeData xmlns="smNativeData" xmlns:pr="smNativeData" xmlns:p15="http://schemas.microsoft.com/office/powerpoint/2012/main" xmlns:p14="http://schemas.microsoft.com/office/powerpoint/2010/main" xmlns:mc="http://schemas.openxmlformats.org/markup-compatibility/2006" val="SMDATA_15_Uo0YYxMAAAAlAAAAZAAAAA8BAAAAkAAAAEgAAACQAAAASAAAAAAAAAAAAAAAAAAAAAEAAABQAAAAAAAAAAAA4D8AAAAAAADgPwAAAAAAAOA/AAAAAAAA4D8AAAAAAADgPwAAAAAAAOA/AAAAAAAA4D8AAAAAAADgPwAAAAAAAOA/AAAAAAAA4D8CAAAAjAAAAAEAAAAAAAAA////DP///whQAAAAAAAAAAAAAAAAAAAAAAAAAAAAAAAAAAAAZAAAAAEAAABAAAAAAAAAAAAAAAAAAAAAAAAAAAAAAAAAAAAAAAAAAAAAAAAAAAAAAAAAAAAAAAAAAAAAAAAAAAAAAAAAAAAAAAAAAAAAAAAAAAAAAAAAAAAAAAAAAAAAFAAAADwAAAAAAAAAAAAAAAZJjAkUAAAAAQAAABQAAAAUAAAAFAAAAAEAAAAAAAAAZAAAAGQAAAAAAAAAZAAAAGQAAAAVAAAAYAAAAAAAAAAAAAAADwAAACADAAAAAAAAAAAAAAEAAACgMgAAAAAAAAAAAAABAAAAf39/AAEAAABkAAAAAAAAABQAAABAHwAAAAAAACYAAAAAAAAAwOD//wAAAAAmAAAAZAAAABYAAABMAAAAAAAAAAAAAAAEAAAAAAAAAAEAAACWlpYKAAAAACgAAAAoAAAAZAAAAGQAAAAAAAAAzMzMAAAAAABQAAAAUAAAAGQAAABkAAAAAAAAABcAAAAUAAAAAAAAAAAAAAD/fwAA/38AAAAAAAAJAAAABAAAACM0AAAeAAAAaAAAAAAAAAAAAAAAAAAAAAAAAAAAAAAAECcAABAnAAAAAAAAAAAAAAAAAAAAAAAAAAAAAAAAAAAAAAAAAAAAABQAAAAAAAAAwMD/AAAAAABkAAAAMgAAAAAAAABkAAAAAAAAAH9/fwAKAAAAIgAAABgAAAAAAAAAAAAAAAAAAAAAAAAAAAAAAAAAAAAkAAAAJAAAAAAAAAAHAAAAAAAAAAAAAAAAAAAAAAAAAAAAAAAAAAAAf39/ACUAAABYAAAAAAAAAAAAAAAAAAAAAAAAAAAAAAAAAAAAAAAAAAAAAAAAAAAAAAAAAAAAAAA/AAAAAAAAAKCGAQAAAAAAAAAAAAAAAAAMAAAAAQAAAAAAAAAAAAAAAAAAAB8AAABUAAAA////Bf///wEAAAAAAAAAAAAAAAAAAAAAAAAAAAAAAAAAAAAAAAAAAAZJjAJ/f38AlpaWA8zMzADAwP8Af39/AAAAAAAAAAAAAAAAAAAAAAAAAAAAIQAAABgAAAAUAAAA7QUAABwbAACtRQAAfSMAABAAAAAmAAAACAAAAIGAAAAAAAAA"/>
               </a:ext>
             </a:extLst>
           </p:cNvSpPr>
@@ -1057,7 +1065,6 @@
             </a:lvl1pPr>
           </a:lstStyle>
           <a:p>
-            <a:pPr/>
             <a:r>
               <a:t>Click to edit Master title style</a:t>
             </a:r>
@@ -1071,7 +1078,7 @@
             <a:spLocks noGrp="1" noChangeArrowheads="1"/>
             <a:extLst>
               <a:ext uri="smNativeData">
-                <pr:smNativeData xmlns:pr="smNativeData" xmlns="smNativeData" val="SMDATA_15_Uo0YYxMAAAAlAAAAZAAAAA8BAAAAkAAAAEgAAACQAAAASAAAAAAAAAACAAAAAAAAAAEAAABQAAAAAAAAAAAA4D8AAAAAAADgPwAAAAAAAOA/AAAAAAAA4D8AAAAAAADgPwAAAAAAAOA/AAAAAAAA4D8AAAAAAADgPwAAAAAAAOA/AAAAAAAA4D8CAAAAjAAAAAEAAAAAAAAA////DP///whQAAAAAAAAAAAAAAAAAAAAAAAAAAAAAAAAAAAAZAAAAAEAAABAAAAAAAAAAAAAAAAAAAAAAAAAAAAAAAAAAAAAAAAAAAAAAAAAAAAAAAAAAAAAAAAAAAAAAAAAAAAAAAAAAAAAAAAAAAAAAAAAAAAAAAAAAAAAAAAAAAAAFAAAADwAAAAAAAAAAAAAAAZJjAkUAAAAAQAAABQAAAAUAAAAFAAAAAEAAAAAAAAAZAAAAGQAAAAAAAAAZAAAAGQAAAAVAAAAYAAAAAAAAAAAAAAADwAAACADAAAAAAAAAAAAAAEAAACgMgAAAAAAAAAAAAABAAAAf39/AAEAAABkAAAAAAAAABQAAABAHwAAAAAAACYAAAAAAAAAwOD//wAAAAAmAAAAZAAAABYAAABMAAAAAAAAAAAAAAAEAAAAAAAAAAEAAACWlpYKAAAAACgAAAAoAAAAZAAAAGQAAAAAAAAAzMzMAAAAAABQAAAAUAAAAGQAAABkAAAAAAAAABcAAAAUAAAAAAAAAAAAAAD/fwAA/38AAAAAAAAJAAAABAAAAP+N/40eAAAAaAAAAAAAAAAAAAAAAAAAAAAAAAAAAAAAECcAABAnAAAAAAAAAAAAAAAAAAAAAAAAAAAAAAAAAAAAAAAAAAAAABQAAAAAAAAAwMD/AAAAAABkAAAAMgAAAAAAAABkAAAAAAAAAH9/fwAKAAAAIgAAABgAAAAAAAAAAAAAAAAAAAAAAAAAAAAAAAAAAAAkAAAAJAAAAAAAAAAHAAAAAAAAAAAAAAAAAAAAAAAAAAAAAAAAAAAAf39/ACUAAABYAAAAAAAAAAAAAAAAAAAAAAAAAAAAAAAAAAAAAAAAAAAAAAAAAAAAAAAAAAAAAAA/AAAAAAAAAKCGAQAAAAAAAAAAAAAAAAAMAAAAAQAAAAAAAAAAAAAAAAAAAB8AAABUAAAA////Bf///wEAAAAAAAAAAAAAAAAAAAAAAAAAAAAAAAAAAAAAAAAAAAZJjAJ/f38AlpaWA8zMzADAwP8Af39/AAAAAAAAAAAAAAAAAAAAAAAAAAAAIQAAABgAAAAUAAAA7QUAAOERAACtRQAAHBsAABAAAAAmAAAACAAAAIGAAAAAAAAA"/>
+                <pr:smNativeData xmlns="smNativeData" xmlns:pr="smNativeData" xmlns:p15="http://schemas.microsoft.com/office/powerpoint/2012/main" xmlns:p14="http://schemas.microsoft.com/office/powerpoint/2010/main" xmlns:mc="http://schemas.openxmlformats.org/markup-compatibility/2006" val="SMDATA_15_Uo0YYxMAAAAlAAAAZAAAAA8BAAAAkAAAAEgAAACQAAAASAAAAAAAAAACAAAAAAAAAAEAAABQAAAAAAAAAAAA4D8AAAAAAADgPwAAAAAAAOA/AAAAAAAA4D8AAAAAAADgPwAAAAAAAOA/AAAAAAAA4D8AAAAAAADgPwAAAAAAAOA/AAAAAAAA4D8CAAAAjAAAAAEAAAAAAAAA////DP///whQAAAAAAAAAAAAAAAAAAAAAAAAAAAAAAAAAAAAZAAAAAEAAABAAAAAAAAAAAAAAAAAAAAAAAAAAAAAAAAAAAAAAAAAAAAAAAAAAAAAAAAAAAAAAAAAAAAAAAAAAAAAAAAAAAAAAAAAAAAAAAAAAAAAAAAAAAAAAAAAAAAAFAAAADwAAAAAAAAAAAAAAAZJjAkUAAAAAQAAABQAAAAUAAAAFAAAAAEAAAAAAAAAZAAAAGQAAAAAAAAAZAAAAGQAAAAVAAAAYAAAAAAAAAAAAAAADwAAACADAAAAAAAAAAAAAAEAAACgMgAAAAAAAAAAAAABAAAAf39/AAEAAABkAAAAAAAAABQAAABAHwAAAAAAACYAAAAAAAAAwOD//wAAAAAmAAAAZAAAABYAAABMAAAAAAAAAAAAAAAEAAAAAAAAAAEAAACWlpYKAAAAACgAAAAoAAAAZAAAAGQAAAAAAAAAzMzMAAAAAABQAAAAUAAAAGQAAABkAAAAAAAAABcAAAAUAAAAAAAAAAAAAAD/fwAA/38AAAAAAAAJAAAABAAAAP+N/40eAAAAaAAAAAAAAAAAAAAAAAAAAAAAAAAAAAAAECcAABAnAAAAAAAAAAAAAAAAAAAAAAAAAAAAAAAAAAAAAAAAAAAAABQAAAAAAAAAwMD/AAAAAABkAAAAMgAAAAAAAABkAAAAAAAAAH9/fwAKAAAAIgAAABgAAAAAAAAAAAAAAAAAAAAAAAAAAAAAAAAAAAAkAAAAJAAAAAAAAAAHAAAAAAAAAAAAAAAAAAAAAAAAAAAAAAAAAAAAf39/ACUAAABYAAAAAAAAAAAAAAAAAAAAAAAAAAAAAAAAAAAAAAAAAAAAAAAAAAAAAAAAAAAAAAA/AAAAAAAAAKCGAQAAAAAAAAAAAAAAAAAMAAAAAQAAAAAAAAAAAAAAAAAAAB8AAABUAAAA////Bf///wEAAAAAAAAAAAAAAAAAAAAAAAAAAAAAAAAAAAAAAAAAAAZJjAJ/f38AlpaWA8zMzADAwP8Af39/AAAAAAAAAAAAAAAAAAAAAAAAAAAAIQAAABgAAAAUAAAA7QUAAOERAACtRQAAHBsAABAAAAAmAAAACAAAAIGAAAAAAAAA"/>
               </a:ext>
             </a:extLst>
           </p:cNvSpPr>
@@ -1130,7 +1137,6 @@
             </a:lvl9pPr>
           </a:lstStyle>
           <a:p>
-            <a:pPr/>
             <a:r>
               <a:t>Click to edit Master text styles</a:t>
             </a:r>
@@ -1144,7 +1150,7 @@
             <a:spLocks noGrp="1" noChangeArrowheads="1"/>
             <a:extLst>
               <a:ext uri="smNativeData">
-                <pr:smNativeData xmlns:pr="smNativeData" xmlns="smNativeData" val="SMDATA_15_Uo0YYxMAAAAlAAAAZAAAAA8BAAAAkAAAAEgAAACQAAAASAAAAAAAAAABAAAAAAAAAAEAAABQAAAAAAAAAAAA4D8AAAAAAADgPwAAAAAAAOA/AAAAAAAA4D8AAAAAAADgPwAAAAAAAOA/AAAAAAAA4D8AAAAAAADgPwAAAAAAAOA/AAAAAAAA4D8CAAAAjAAAAAAAAAAAAAAA////DP///wgAAAAAAAAAAAAAAAAAAAAAAAAAAAAAAAAAAAAAZAAAAAEAAABAAAAAAAAAAAAAAAAAAAAAAAAAAAAAAAAAAAAAAAAAAAAAAAAAAAAAAAAAAAAAAAAAAAAAAAAAAAAAAAAAAAAAAAAAAAAAAAAAAAAAAAAAAAAAAAAAAAAAFAAAADwAAAAAAAAAAAAAAAZJjAkUAAAAAQAAABQAAAAUAAAAFAAAAAEAAAAAAAAAZAAAAGQAAAAAAAAAZAAAAGQAAAAVAAAAYAAAAAAAAAAAAAAADwAAACADAAAAAAAAAAAAAAEAAACgMgAAVgcAAKr4//8BAAAAf39/AAEAAABkAAAAAAAAABQAAABAHwAAAAAAACYAAAAAAAAAwOD//wAAAAAmAAAAZAAAABYAAABMAAAAAAAAAAAAAAAEAAAAAAAAAAEAAACWlpYKAAAAACgAAAAoAAAAZAAAAGQAAAAAAAAAzMzMAAAAAABQAAAAUAAAAGQAAABkAAAAAAAAABcAAAAUAAAAAAAAAAAAAAD/fwAA/38AAAAAAAAJAAAABAAAAAICAgIeAAAAaAAAAAAAAAAAAAAAAAAAAAAAAAAAAAAAECcAABAnAAAAAAAAAAAAAAAAAAAAAAAAAAAAAAAAAAAAAAAAAAAAABQAAAAAAAAAwMD/AAAAAABkAAAAMgAAAAAAAABkAAAAAAAAAH9/fwAKAAAAIgAAABgAAAAAAAAAAAAAAAAAAAAAAAAAAAAAAAAAAAAkAAAAJAAAAAAAAAAHAAAAAAAAAAAAAAAAAAAAAAAAAAAAAAAAAAAAf39/ACUAAABYAAAAAAAAAAAAAAAAAAAAAAAAAAAAAAAAAAAAAAAAAAAAAAAAAAAAAAAAAAAAAAA/AAAAAAAAAKCGAQAAAAAAAAAAAAAAAAAMAAAAAQAAAAAAAAAAAAAAAAAAAB8AAABUAAAA////Bf///wEAAAAAAAAAAAAAAAAAAAAAAAAAAAAAAAAAAAAAAAAAAAZJjAJ/f38AlpaWA8zMzADAwP8Af39/AAAAAAAAAAAAAAAAAAAAAAAAAAAAIQAAABgAAAAUAAAAwAMAABsnAABAFQAAWSkAABAAAAAmAAAACAAAAAAAAAAAAAAA"/>
+                <pr:smNativeData xmlns="smNativeData" xmlns:pr="smNativeData" xmlns:p15="http://schemas.microsoft.com/office/powerpoint/2012/main" xmlns:p14="http://schemas.microsoft.com/office/powerpoint/2010/main" xmlns:mc="http://schemas.openxmlformats.org/markup-compatibility/2006" val="SMDATA_15_Uo0YYxMAAAAlAAAAZAAAAA8BAAAAkAAAAEgAAACQAAAASAAAAAAAAAABAAAAAAAAAAEAAABQAAAAAAAAAAAA4D8AAAAAAADgPwAAAAAAAOA/AAAAAAAA4D8AAAAAAADgPwAAAAAAAOA/AAAAAAAA4D8AAAAAAADgPwAAAAAAAOA/AAAAAAAA4D8CAAAAjAAAAAAAAAAAAAAA////DP///wgAAAAAAAAAAAAAAAAAAAAAAAAAAAAAAAAAAAAAZAAAAAEAAABAAAAAAAAAAAAAAAAAAAAAAAAAAAAAAAAAAAAAAAAAAAAAAAAAAAAAAAAAAAAAAAAAAAAAAAAAAAAAAAAAAAAAAAAAAAAAAAAAAAAAAAAAAAAAAAAAAAAAFAAAADwAAAAAAAAAAAAAAAZJjAkUAAAAAQAAABQAAAAUAAAAFAAAAAEAAAAAAAAAZAAAAGQAAAAAAAAAZAAAAGQAAAAVAAAAYAAAAAAAAAAAAAAADwAAACADAAAAAAAAAAAAAAEAAACgMgAAVgcAAKr4//8BAAAAf39/AAEAAABkAAAAAAAAABQAAABAHwAAAAAAACYAAAAAAAAAwOD//wAAAAAmAAAAZAAAABYAAABMAAAAAAAAAAAAAAAEAAAAAAAAAAEAAACWlpYKAAAAACgAAAAoAAAAZAAAAGQAAAAAAAAAzMzMAAAAAABQAAAAUAAAAGQAAABkAAAAAAAAABcAAAAUAAAAAAAAAAAAAAD/fwAA/38AAAAAAAAJAAAABAAAAAICAgIeAAAAaAAAAAAAAAAAAAAAAAAAAAAAAAAAAAAAECcAABAnAAAAAAAAAAAAAAAAAAAAAAAAAAAAAAAAAAAAAAAAAAAAABQAAAAAAAAAwMD/AAAAAABkAAAAMgAAAAAAAABkAAAAAAAAAH9/fwAKAAAAIgAAABgAAAAAAAAAAAAAAAAAAAAAAAAAAAAAAAAAAAAkAAAAJAAAAAAAAAAHAAAAAAAAAAAAAAAAAAAAAAAAAAAAAAAAAAAAf39/ACUAAABYAAAAAAAAAAAAAAAAAAAAAAAAAAAAAAAAAAAAAAAAAAAAAAAAAAAAAAAAAAAAAAA/AAAAAAAAAKCGAQAAAAAAAAAAAAAAAAAMAAAAAQAAAAAAAAAAAAAAAAAAAB8AAABUAAAA////Bf///wEAAAAAAAAAAAAAAAAAAAAAAAAAAAAAAAAAAAAAAAAAAAZJjAJ/f38AlpaWA8zMzADAwP8Af39/AAAAAAAAAAAAAAAAAAAAAAAAAAAAIQAAABgAAAAUAAAAwAMAABsnAABAFQAAWSkAABAAAAAmAAAACAAAAAAAAAAAAAAA"/>
               </a:ext>
             </a:extLst>
           </p:cNvSpPr>
@@ -1157,10 +1163,10 @@
           <a:bodyPr/>
           <a:lstStyle/>
           <a:p>
-            <a:pPr/>
             <a:fld id="{28D454D2-9CC5-81A2-8B6C-6AF71A227D3F}" type="datetime1">
-              <a:t>{Date/Time}</a:t>
+              <a:t>9/7/2022</a:t>
             </a:fld>
+            <a:endParaRPr/>
           </a:p>
         </p:txBody>
       </p:sp>
@@ -1171,7 +1177,7 @@
             <a:spLocks noGrp="1" noChangeArrowheads="1"/>
             <a:extLst>
               <a:ext uri="smNativeData">
-                <pr:smNativeData xmlns:pr="smNativeData" xmlns="smNativeData" val="SMDATA_15_Uo0YYxMAAAAlAAAAZAAAAA8BAAAAkAAAAEgAAACQAAAASAAAAAAAAAABAAAAAAAAAAEAAABQAAAAAAAAAAAA4D8AAAAAAADgPwAAAAAAAOA/AAAAAAAA4D8AAAAAAADgPwAAAAAAAOA/AAAAAAAA4D8AAAAAAADgPwAAAAAAAOA/AAAAAAAA4D8CAAAAjAAAAAAAAAAAAAAA////DP///wgAAAAAAAAAAAAAAAAAAAAAAAAAAAAAAAAAAAAAZAAAAAEAAABAAAAAAAAAAAAAAAAAAAAAAAAAAAAAAAAAAAAAAAAAAAAAAAAAAAAAAAAAAAAAAAAAAAAAAAAAAAAAAAAAAAAAAAAAAAAAAAAAAAAAAAAAAAAAAAAAAAAAFAAAADwAAAAAAAAAAAAAAAZJjAkUAAAAAQAAABQAAAAUAAAAFAAAAAEAAAAAAAAAZAAAAGQAAAAAAAAAZAAAAGQAAAAVAAAAYAAAAAAAAAAAAAAADwAAACADAAAAAAAAAAAAAAEAAACgMgAAVgcAAKr4//8BAAAAf39/AAEAAABkAAAAAAAAABQAAABAHwAAAAAAACYAAAAAAAAAwOD//wAAAAAmAAAAZAAAABYAAABMAAAAAAAAAAAAAAAEAAAAAAAAAAEAAACWlpYKAAAAACgAAAAoAAAAZAAAAGQAAAAAAAAAzMzMAAAAAABQAAAAUAAAAGQAAABkAAAAAAAAABcAAAAUAAAAAAAAAAAAAAD/fwAA/38AAAAAAAAJAAAABAAAAE0ZAAAeAAAAaAAAAAAAAAAAAAAAAAAAAAAAAAAAAAAAECcAABAnAAAAAAAAAAAAAAAAAAAAAAAAAAAAAAAAAAAAAAAAAAAAABQAAAAAAAAAwMD/AAAAAABkAAAAMgAAAAAAAABkAAAAAAAAAH9/fwAKAAAAIgAAABgAAAAAAAAAAAAAAAAAAAAAAAAAAAAAAAAAAAAkAAAAJAAAAAAAAAAHAAAAAAAAAAAAAAAAAAAAAAAAAAAAAAAAAAAAf39/ACUAAABYAAAAAAAAAAAAAAAAAAAAAAAAAAAAAAAAAAAAAAAAAAAAAAAAAAAAAAAAAAAAAAA/AAAAAAAAAKCGAQAAAAAAAAAAAAAAAAAMAAAAAQAAAAAAAAAAAAAAAAAAAB8AAABUAAAA////Bf///wEAAAAAAAAAAAAAAAAAAAAAAAAAAAAAAAAAAAAAAAAAAAZJjAJ/f38AlpaWA8zMzADAwP8Af39/AAAAAAAAAAAAAAAAAAAAAAAAAAAAIQAAABgAAAAUAAAAoBkAABsnAABgMQAAWSkAABAAAAAmAAAACAAAAAAAAAAAAAAA"/>
+                <pr:smNativeData xmlns="smNativeData" xmlns:pr="smNativeData" xmlns:p15="http://schemas.microsoft.com/office/powerpoint/2012/main" xmlns:p14="http://schemas.microsoft.com/office/powerpoint/2010/main" xmlns:mc="http://schemas.openxmlformats.org/markup-compatibility/2006" val="SMDATA_15_Uo0YYxMAAAAlAAAAZAAAAA8BAAAAkAAAAEgAAACQAAAASAAAAAAAAAABAAAAAAAAAAEAAABQAAAAAAAAAAAA4D8AAAAAAADgPwAAAAAAAOA/AAAAAAAA4D8AAAAAAADgPwAAAAAAAOA/AAAAAAAA4D8AAAAAAADgPwAAAAAAAOA/AAAAAAAA4D8CAAAAjAAAAAAAAAAAAAAA////DP///wgAAAAAAAAAAAAAAAAAAAAAAAAAAAAAAAAAAAAAZAAAAAEAAABAAAAAAAAAAAAAAAAAAAAAAAAAAAAAAAAAAAAAAAAAAAAAAAAAAAAAAAAAAAAAAAAAAAAAAAAAAAAAAAAAAAAAAAAAAAAAAAAAAAAAAAAAAAAAAAAAAAAAFAAAADwAAAAAAAAAAAAAAAZJjAkUAAAAAQAAABQAAAAUAAAAFAAAAAEAAAAAAAAAZAAAAGQAAAAAAAAAZAAAAGQAAAAVAAAAYAAAAAAAAAAAAAAADwAAACADAAAAAAAAAAAAAAEAAACgMgAAVgcAAKr4//8BAAAAf39/AAEAAABkAAAAAAAAABQAAABAHwAAAAAAACYAAAAAAAAAwOD//wAAAAAmAAAAZAAAABYAAABMAAAAAAAAAAAAAAAEAAAAAAAAAAEAAACWlpYKAAAAACgAAAAoAAAAZAAAAGQAAAAAAAAAzMzMAAAAAABQAAAAUAAAAGQAAABkAAAAAAAAABcAAAAUAAAAAAAAAAAAAAD/fwAA/38AAAAAAAAJAAAABAAAAE0ZAAAeAAAAaAAAAAAAAAAAAAAAAAAAAAAAAAAAAAAAECcAABAnAAAAAAAAAAAAAAAAAAAAAAAAAAAAAAAAAAAAAAAAAAAAABQAAAAAAAAAwMD/AAAAAABkAAAAMgAAAAAAAABkAAAAAAAAAH9/fwAKAAAAIgAAABgAAAAAAAAAAAAAAAAAAAAAAAAAAAAAAAAAAAAkAAAAJAAAAAAAAAAHAAAAAAAAAAAAAAAAAAAAAAAAAAAAAAAAAAAAf39/ACUAAABYAAAAAAAAAAAAAAAAAAAAAAAAAAAAAAAAAAAAAAAAAAAAAAAAAAAAAAAAAAAAAAA/AAAAAAAAAKCGAQAAAAAAAAAAAAAAAAAMAAAAAQAAAAAAAAAAAAAAAAAAAB8AAABUAAAA////Bf///wEAAAAAAAAAAAAAAAAAAAAAAAAAAAAAAAAAAAAAAAAAAAZJjAJ/f38AlpaWA8zMzADAwP8Af39/AAAAAAAAAAAAAAAAAAAAAAAAAAAAIQAAABgAAAAUAAAAoBkAABsnAABgMQAAWSkAABAAAAAmAAAACAAAAAAAAAAAAAAA"/>
               </a:ext>
             </a:extLst>
           </p:cNvSpPr>
@@ -1184,7 +1190,6 @@
           <a:bodyPr/>
           <a:lstStyle/>
           <a:p>
-            <a:pPr/>
             <a:r>
               <a:t>{Footer}</a:t>
             </a:r>
@@ -1198,7 +1203,7 @@
             <a:spLocks noGrp="1" noChangeArrowheads="1"/>
             <a:extLst>
               <a:ext uri="smNativeData">
-                <pr:smNativeData xmlns:pr="smNativeData" xmlns="smNativeData" val="SMDATA_15_Uo0YYxMAAAAlAAAAZAAAAA8BAAAAkAAAAEgAAACQAAAASAAAAAAAAAABAAAAAAAAAAEAAABQAAAAAAAAAAAA4D8AAAAAAADgPwAAAAAAAOA/AAAAAAAA4D8AAAAAAADgPwAAAAAAAOA/AAAAAAAA4D8AAAAAAADgPwAAAAAAAOA/AAAAAAAA4D8CAAAAjAAAAAAAAAAAAAAA////DP///wgAAAAAAAAAAAAAAAAAAAAAAAAAAAAAAAAAAAAAZAAAAAEAAABAAAAAAAAAAAAAAAAAAAAAAAAAAAAAAAAAAAAAAAAAAAAAAAAAAAAAAAAAAAAAAAAAAAAAAAAAAAAAAAAAAAAAAAAAAAAAAAAAAAAAAAAAAAAAAAAAAAAAFAAAADwAAAAAAAAAAAAAAAZJjAkUAAAAAQAAABQAAAAUAAAAFAAAAAEAAAAAAAAAZAAAAGQAAAAAAAAAZAAAAGQAAAAVAAAAYAAAAAAAAAAAAAAADwAAACADAAAAAAAAAAAAAAEAAACgMgAAVgcAAKr4//8BAAAAf39/AAEAAABkAAAAAAAAABQAAABAHwAAAAAAACYAAAAAAAAAwOD//wAAAAAmAAAAZAAAABYAAABMAAAAAAAAAAAAAAAEAAAAAAAAAAEAAACWlpYKAAAAACgAAAAoAAAAZAAAAGQAAAAAAAAAzMzMAAAAAABQAAAAUAAAAGQAAABkAAAAAAAAABcAAAAUAAAAAAAAAAAAAAD/fwAA/38AAAAAAAAJAAAABAAAAJsJAAAeAAAAaAAAAAAAAAAAAAAAAAAAAAAAAAAAAAAAECcAABAnAAAAAAAAAAAAAAAAAAAAAAAAAAAAAAAAAAAAAAAAAAAAABQAAAAAAAAAwMD/AAAAAABkAAAAMgAAAAAAAABkAAAAAAAAAH9/fwAKAAAAIgAAABgAAAAAAAAAAAAAAAAAAAAAAAAAAAAAAAAAAAAkAAAAJAAAAAAAAAAHAAAAAAAAAAAAAAAAAAAAAAAAAAAAAAAAAAAAf39/ACUAAABYAAAAAAAAAAAAAAAAAAAAAAAAAAAAAAAAAAAAAAAAAAAAAAAAAAAAAAAAAAAAAAA/AAAAAAAAAKCGAQAAAAAAAAAAAAAAAAAMAAAAAQAAAAAAAAAAAAAAAAAAAB8AAABUAAAA////Bf///wEAAAAAAAAAAAAAAAAAAAAAAAAAAAAAAAAAAAAAAAAAAAZJjAJ/f38AlpaWA8zMzADAwP8Af39/AAAAAAAAAAAAAAAAAAAAAAAAAAAAIQAAABgAAAAUAAAAwDUAABsnAABARwAAWSkAABAAAAAmAAAACAAAAAAAAAAAAAAA"/>
+                <pr:smNativeData xmlns="smNativeData" xmlns:pr="smNativeData" xmlns:p15="http://schemas.microsoft.com/office/powerpoint/2012/main" xmlns:p14="http://schemas.microsoft.com/office/powerpoint/2010/main" xmlns:mc="http://schemas.openxmlformats.org/markup-compatibility/2006" val="SMDATA_15_Uo0YYxMAAAAlAAAAZAAAAA8BAAAAkAAAAEgAAACQAAAASAAAAAAAAAABAAAAAAAAAAEAAABQAAAAAAAAAAAA4D8AAAAAAADgPwAAAAAAAOA/AAAAAAAA4D8AAAAAAADgPwAAAAAAAOA/AAAAAAAA4D8AAAAAAADgPwAAAAAAAOA/AAAAAAAA4D8CAAAAjAAAAAAAAAAAAAAA////DP///wgAAAAAAAAAAAAAAAAAAAAAAAAAAAAAAAAAAAAAZAAAAAEAAABAAAAAAAAAAAAAAAAAAAAAAAAAAAAAAAAAAAAAAAAAAAAAAAAAAAAAAAAAAAAAAAAAAAAAAAAAAAAAAAAAAAAAAAAAAAAAAAAAAAAAAAAAAAAAAAAAAAAAFAAAADwAAAAAAAAAAAAAAAZJjAkUAAAAAQAAABQAAAAUAAAAFAAAAAEAAAAAAAAAZAAAAGQAAAAAAAAAZAAAAGQAAAAVAAAAYAAAAAAAAAAAAAAADwAAACADAAAAAAAAAAAAAAEAAACgMgAAVgcAAKr4//8BAAAAf39/AAEAAABkAAAAAAAAABQAAABAHwAAAAAAACYAAAAAAAAAwOD//wAAAAAmAAAAZAAAABYAAABMAAAAAAAAAAAAAAAEAAAAAAAAAAEAAACWlpYKAAAAACgAAAAoAAAAZAAAAGQAAAAAAAAAzMzMAAAAAABQAAAAUAAAAGQAAABkAAAAAAAAABcAAAAUAAAAAAAAAAAAAAD/fwAA/38AAAAAAAAJAAAABAAAAJsJAAAeAAAAaAAAAAAAAAAAAAAAAAAAAAAAAAAAAAAAECcAABAnAAAAAAAAAAAAAAAAAAAAAAAAAAAAAAAAAAAAAAAAAAAAABQAAAAAAAAAwMD/AAAAAABkAAAAMgAAAAAAAABkAAAAAAAAAH9/fwAKAAAAIgAAABgAAAAAAAAAAAAAAAAAAAAAAAAAAAAAAAAAAAAkAAAAJAAAAAAAAAAHAAAAAAAAAAAAAAAAAAAAAAAAAAAAAAAAAAAAf39/ACUAAABYAAAAAAAAAAAAAAAAAAAAAAAAAAAAAAAAAAAAAAAAAAAAAAAAAAAAAAAAAAAAAAA/AAAAAAAAAKCGAQAAAAAAAAAAAAAAAAAMAAAAAQAAAAAAAAAAAAAAAAAAAB8AAABUAAAA////Bf///wEAAAAAAAAAAAAAAAAAAAAAAAAAAAAAAAAAAAAAAAAAAAZJjAJ/f38AlpaWA8zMzADAwP8Af39/AAAAAAAAAAAAAAAAAAAAAAAAAAAAIQAAABgAAAAUAAAAwDUAABsnAABARwAAWSkAABAAAAAmAAAACAAAAAAAAAAAAAAA"/>
               </a:ext>
             </a:extLst>
           </p:cNvSpPr>
@@ -1211,10 +1216,10 @@
           <a:bodyPr/>
           <a:lstStyle/>
           <a:p>
-            <a:pPr/>
             <a:fld id="{0DEC015D-13E0-B9F7-AE54-E5A24F1A58B0}" type="slidenum">
-              <a:t>{Nr.}</a:t>
+              <a:t>‹#›</a:t>
             </a:fld>
+            <a:endParaRPr/>
           </a:p>
         </p:txBody>
       </p:sp>
@@ -1228,7 +1233,7 @@
 </file>
 
 <file path=ppt/slideLayouts/slideLayout4.xml><?xml version="1.0" encoding="utf-8"?>
-<p:sldLayout xmlns:p="http://schemas.openxmlformats.org/presentationml/2006/main" xmlns:mc="http://schemas.openxmlformats.org/markup-compatibility/2006" xmlns:p14="http://schemas.microsoft.com/office/powerpoint/2010/main" xmlns:p15="http://schemas.microsoft.com/office/powerpoint/2012/main" xmlns:r="http://schemas.openxmlformats.org/officeDocument/2006/relationships" xmlns:a="http://schemas.openxmlformats.org/drawingml/2006/main" type="twoColTx">
+<p:sldLayout xmlns:a="http://schemas.openxmlformats.org/drawingml/2006/main" xmlns:r="http://schemas.openxmlformats.org/officeDocument/2006/relationships" xmlns:p="http://schemas.openxmlformats.org/presentationml/2006/main" type="twoColTx">
   <p:cSld name="Title and two contents">
     <p:spTree>
       <p:nvGrpSpPr>
@@ -1251,7 +1256,7 @@
             <a:spLocks noGrp="1" noChangeArrowheads="1"/>
             <a:extLst>
               <a:ext uri="smNativeData">
-                <pr:smNativeData xmlns:pr="smNativeData" xmlns="smNativeData" val="SMDATA_15_Uo0YYxMAAAAlAAAAZAAAAA8BAAAAkAAAAEgAAACQAAAASAAAAAAAAAABAAAAAAAAAAEAAABQAAAAAAAAAAAA4D8AAAAAAADgPwAAAAAAAOA/AAAAAAAA4D8AAAAAAADgPwAAAAAAAOA/AAAAAAAA4D8AAAAAAADgPwAAAAAAAOA/AAAAAAAA4D8CAAAAjAAAAAEAAAAAAAAA////DP///whQAAAAAAAAAAAAAAAAAAAAAAAAAAAAAAAAAAAAZAAAAAEAAABAAAAAAAAAAAAAAAAAAAAAAAAAAAAAAAAAAAAAAAAAAAAAAAAAAAAAAAAAAAAAAAAAAAAAAAAAAAAAAAAAAAAAAAAAAAAAAAAAAAAAAAAAAAAAAAAAAAAAFAAAADwAAAAAAAAAAAAAAAZJjAkUAAAAAQAAABQAAAAUAAAAFAAAAAEAAAAAAAAAZAAAAGQAAAAAAAAAZAAAAGQAAAAVAAAAYAAAAAAAAAAAAAAADwAAACADAAAAAAAAAAAAAAEAAACgMgAAAAAAAAAAAAABAAAAf39/AAEAAABkAAAAAAAAABQAAABAHwAAAAAAACYAAAAAAAAAwOD//wAAAAAmAAAAZAAAABYAAABMAAAAAAAAAAAAAAAEAAAAAAAAAAEAAACWlpYKAAAAACgAAAAoAAAAZAAAAGQAAAAAAAAAzMzMAAAAAABQAAAAUAAAAGQAAABkAAAAAAAAABcAAAAUAAAAAAAAAAAAAAD/fwAA/38AAAAAAAAJAAAABAAAAP0xAAAeAAAAaAAAAAAAAAAAAAAAAAAAAAAAAAAAAAAAECcAABAnAAAAAAAAAAAAAAAAAAAAAAAAAAAAAAAAAAAAAAAAAAAAABQAAAAAAAAAwMD/AAAAAABkAAAAMgAAAAAAAABkAAAAAAAAAH9/fwAKAAAAIgAAABgAAAAAAAAAAAAAAAAAAAAAAAAAAAAAAAAAAAAkAAAAJAAAAAAAAAAHAAAAAAAAAAAAAAAAAAAAAAAAAAAAAAAAAAAAf39/ACUAAABYAAAAAAAAAAAAAAAAAAAAAAAAAAAAAAAAAAAAAAAAAAAAAAAAAAAAAAAAAAAAAAA/AAAAAAAAAKCGAQAAAAAAAAAAAAAAAAAMAAAAAQAAAAAAAAAAAAAAAAAAAB8AAABUAAAA////Bf///wEAAAAAAAAAAAAAAAAAAAAAAAAAAAAAAAAAAAAAAAAAAAZJjAJ/f38AlpaWA8zMzADAwP8Af39/AAAAAAAAAAAAAAAAAAAAAAAAAAAAIQAAABgAAAAUAAAAwAMAALABAABARwAAuAgAABAAAAAmAAAACAAAAAAAAAAAAAAA"/>
+                <pr:smNativeData xmlns="smNativeData" xmlns:pr="smNativeData" xmlns:p15="http://schemas.microsoft.com/office/powerpoint/2012/main" xmlns:p14="http://schemas.microsoft.com/office/powerpoint/2010/main" xmlns:mc="http://schemas.openxmlformats.org/markup-compatibility/2006" val="SMDATA_15_Uo0YYxMAAAAlAAAAZAAAAA8BAAAAkAAAAEgAAACQAAAASAAAAAAAAAABAAAAAAAAAAEAAABQAAAAAAAAAAAA4D8AAAAAAADgPwAAAAAAAOA/AAAAAAAA4D8AAAAAAADgPwAAAAAAAOA/AAAAAAAA4D8AAAAAAADgPwAAAAAAAOA/AAAAAAAA4D8CAAAAjAAAAAEAAAAAAAAA////DP///whQAAAAAAAAAAAAAAAAAAAAAAAAAAAAAAAAAAAAZAAAAAEAAABAAAAAAAAAAAAAAAAAAAAAAAAAAAAAAAAAAAAAAAAAAAAAAAAAAAAAAAAAAAAAAAAAAAAAAAAAAAAAAAAAAAAAAAAAAAAAAAAAAAAAAAAAAAAAAAAAAAAAFAAAADwAAAAAAAAAAAAAAAZJjAkUAAAAAQAAABQAAAAUAAAAFAAAAAEAAAAAAAAAZAAAAGQAAAAAAAAAZAAAAGQAAAAVAAAAYAAAAAAAAAAAAAAADwAAACADAAAAAAAAAAAAAAEAAACgMgAAAAAAAAAAAAABAAAAf39/AAEAAABkAAAAAAAAABQAAABAHwAAAAAAACYAAAAAAAAAwOD//wAAAAAmAAAAZAAAABYAAABMAAAAAAAAAAAAAAAEAAAAAAAAAAEAAACWlpYKAAAAACgAAAAoAAAAZAAAAGQAAAAAAAAAzMzMAAAAAABQAAAAUAAAAGQAAABkAAAAAAAAABcAAAAUAAAAAAAAAAAAAAD/fwAA/38AAAAAAAAJAAAABAAAAP0xAAAeAAAAaAAAAAAAAAAAAAAAAAAAAAAAAAAAAAAAECcAABAnAAAAAAAAAAAAAAAAAAAAAAAAAAAAAAAAAAAAAAAAAAAAABQAAAAAAAAAwMD/AAAAAABkAAAAMgAAAAAAAABkAAAAAAAAAH9/fwAKAAAAIgAAABgAAAAAAAAAAAAAAAAAAAAAAAAAAAAAAAAAAAAkAAAAJAAAAAAAAAAHAAAAAAAAAAAAAAAAAAAAAAAAAAAAAAAAAAAAf39/ACUAAABYAAAAAAAAAAAAAAAAAAAAAAAAAAAAAAAAAAAAAAAAAAAAAAAAAAAAAAAAAAAAAAA/AAAAAAAAAKCGAQAAAAAAAAAAAAAAAAAMAAAAAQAAAAAAAAAAAAAAAAAAAB8AAABUAAAA////Bf///wEAAAAAAAAAAAAAAAAAAAAAAAAAAAAAAAAAAAAAAAAAAAZJjAJ/f38AlpaWA8zMzADAwP8Af39/AAAAAAAAAAAAAAAAAAAAAAAAAAAAIQAAABgAAAAUAAAAwAMAALABAABARwAAuAgAABAAAAAmAAAACAAAAAAAAAAAAAAA"/>
               </a:ext>
             </a:extLst>
           </p:cNvSpPr>
@@ -1264,7 +1269,6 @@
           <a:bodyPr/>
           <a:lstStyle/>
           <a:p>
-            <a:pPr/>
             <a:r>
               <a:t>Click to edit Master title style</a:t>
             </a:r>
@@ -1278,7 +1282,7 @@
             <a:spLocks noGrp="1" noChangeArrowheads="1"/>
             <a:extLst>
               <a:ext uri="smNativeData">
-                <pr:smNativeData xmlns:pr="smNativeData" xmlns="smNativeData" val="SMDATA_15_Uo0YYxMAAAAlAAAAZAAAAA8BAAAAkAAAAEgAAACQAAAASAAAAAAAAAAAAAAAAAAAAAEAAABQAAAAAAAAAAAA4D8AAAAAAADgPwAAAAAAAOA/AAAAAAAA4D8AAAAAAADgPwAAAAAAAOA/AAAAAAAA4D8AAAAAAADgPwAAAAAAAOA/AAAAAAAA4D8CAAAAjAAAAAEAAAAAAAAA////DP///whQAAAAAAAAAAAAAAAAAAAAAAAAAAAAAAAAAAAAZAAAAAEAAABAAAAAAAAAAAAAAAAAAAAAAAAAAAAAAAAAAAAAAAAAAAAAAAAAAAAAAAAAAAAAAAAAAAAAAAAAAAAAAAAAAAAAAAAAAAAAAAAAAAAAAAAAAAAAAAAAAAAAFAAAADwAAAAAAAAAAAAAAAZJjAkUAAAAAQAAABQAAAAUAAAAFAAAAAEAAAAAAAAAZAAAAGQAAAAAAAAAZAAAAGQAAAAVAAAAYAAAAAAAAAAAAAAADwAAACADAAAAAAAAAAAAAAEAAACgMgAAAAAAAAAAAAABAAAAf39/AAEAAABkAAAAAAAAABQAAABAHwAAAAAAACYAAAAAAAAAwOD//wAAAAAmAAAAZAAAABYAAABMAAAAAAAAAAAAAAAEAAAAAAAAAAEAAACWlpYKAAAAACgAAAAoAAAAZAAAAGQAAAAAAAAAzMzMAAAAAABQAAAAUAAAAGQAAABkAAAAAAAAABcAAAAUAAAAAAAAAAAAAAD/fwAA/38AAAAAAAAJAAAABAAAAAAAAAAeAAAAaAAAAAAAAAAAAAAAAAAAAAAAAAAAAAAAECcAABAnAAAAAAAAAAAAAAAAAAAAAAAAAAAAAAAAAAAAAAAAAAAAABQAAAAAAAAAwMD/AAAAAABkAAAAMgAAAAAAAABkAAAAAAAAAH9/fwAKAAAAIgAAABgAAAAAAAAAAAAAAAAAAAAAAAAAAAAAAAAAAAAkAAAAJAAAAAAAAAAHAAAAAAAAAAAAAAAAAAAAAAAAAAAAAAAAAAAAf39/ACUAAABYAAAAAAAAAAAAAAAAAAAAAAAAAAAAAAAAAAAAAAAAAAAAAAAAAAAAAAAAAAAAAAA/AAAAAAAAAKCGAQAAAAAAAAAAAAAAAAAMAAAAAQAAAAAAAAAAAAAAAAAAAB8AAABUAAAA////Bf///wEAAAAAAAAAAAAAAAAAAAAAAAAAAAAAAAAAAAAAAAAAAAZJjAJ/f38AlpaWA8zMzADAwP8Af39/AAAAAAAAAAAAAAAAAAAAAAAAAAAAIQAAABgAAAAUAAAAwAMAANgJAADgJAAAsCUAABAAAAAmAAAACAAAAAGAAAAAAAAA"/>
+                <pr:smNativeData xmlns="smNativeData" xmlns:pr="smNativeData" xmlns:p15="http://schemas.microsoft.com/office/powerpoint/2012/main" xmlns:p14="http://schemas.microsoft.com/office/powerpoint/2010/main" xmlns:mc="http://schemas.openxmlformats.org/markup-compatibility/2006" val="SMDATA_15_Uo0YYxMAAAAlAAAAZAAAAA8BAAAAkAAAAEgAAACQAAAASAAAAAAAAAAAAAAAAAAAAAEAAABQAAAAAAAAAAAA4D8AAAAAAADgPwAAAAAAAOA/AAAAAAAA4D8AAAAAAADgPwAAAAAAAOA/AAAAAAAA4D8AAAAAAADgPwAAAAAAAOA/AAAAAAAA4D8CAAAAjAAAAAEAAAAAAAAA////DP///whQAAAAAAAAAAAAAAAAAAAAAAAAAAAAAAAAAAAAZAAAAAEAAABAAAAAAAAAAAAAAAAAAAAAAAAAAAAAAAAAAAAAAAAAAAAAAAAAAAAAAAAAAAAAAAAAAAAAAAAAAAAAAAAAAAAAAAAAAAAAAAAAAAAAAAAAAAAAAAAAAAAAFAAAADwAAAAAAAAAAAAAAAZJjAkUAAAAAQAAABQAAAAUAAAAFAAAAAEAAAAAAAAAZAAAAGQAAAAAAAAAZAAAAGQAAAAVAAAAYAAAAAAAAAAAAAAADwAAACADAAAAAAAAAAAAAAEAAACgMgAAAAAAAAAAAAABAAAAf39/AAEAAABkAAAAAAAAABQAAABAHwAAAAAAACYAAAAAAAAAwOD//wAAAAAmAAAAZAAAABYAAABMAAAAAAAAAAAAAAAEAAAAAAAAAAEAAACWlpYKAAAAACgAAAAoAAAAZAAAAGQAAAAAAAAAzMzMAAAAAABQAAAAUAAAAGQAAABkAAAAAAAAABcAAAAUAAAAAAAAAAAAAAD/fwAA/38AAAAAAAAJAAAABAAAAAAAAAAeAAAAaAAAAAAAAAAAAAAAAAAAAAAAAAAAAAAAECcAABAnAAAAAAAAAAAAAAAAAAAAAAAAAAAAAAAAAAAAAAAAAAAAABQAAAAAAAAAwMD/AAAAAABkAAAAMgAAAAAAAABkAAAAAAAAAH9/fwAKAAAAIgAAABgAAAAAAAAAAAAAAAAAAAAAAAAAAAAAAAAAAAAkAAAAJAAAAAAAAAAHAAAAAAAAAAAAAAAAAAAAAAAAAAAAAAAAAAAAf39/ACUAAABYAAAAAAAAAAAAAAAAAAAAAAAAAAAAAAAAAAAAAAAAAAAAAAAAAAAAAAAAAAAAAAA/AAAAAAAAAKCGAQAAAAAAAAAAAAAAAAAMAAAAAQAAAAAAAAAAAAAAAAAAAB8AAABUAAAA////Bf///wEAAAAAAAAAAAAAAAAAAAAAAAAAAAAAAAAAAAAAAAAAAAZJjAJ/f38AlpaWA8zMzADAwP8Af39/AAAAAAAAAAAAAAAAAAAAAAAAAAAAIQAAABgAAAAUAAAAwAMAANgJAADgJAAAsCUAABAAAAAmAAAACAAAAAGAAAAAAAAA"/>
               </a:ext>
             </a:extLst>
           </p:cNvSpPr>
@@ -1324,7 +1328,6 @@
             </a:lvl9pPr>
           </a:lstStyle>
           <a:p>
-            <a:pPr/>
             <a:r>
               <a:t>Click to edit Master text styles</a:t>
             </a:r>
@@ -1362,7 +1365,7 @@
             <a:spLocks noGrp="1" noChangeArrowheads="1"/>
             <a:extLst>
               <a:ext uri="smNativeData">
-                <pr:smNativeData xmlns:pr="smNativeData" xmlns="smNativeData" val="SMDATA_15_Uo0YYxMAAAAlAAAAZAAAAA8BAAAAkAAAAEgAAACQAAAASAAAAAAAAAAAAAAAAAAAAAEAAABQAAAAAAAAAAAA4D8AAAAAAADgPwAAAAAAAOA/AAAAAAAA4D8AAAAAAADgPwAAAAAAAOA/AAAAAAAA4D8AAAAAAADgPwAAAAAAAOA/AAAAAAAA4D8CAAAAjAAAAAEAAAAAAAAA////DP///whQAAAAAAAAAAAAAAAAAAAAAAAAAAAAAAAAAAAAZAAAAAEAAABAAAAAAAAAAAAAAAAAAAAAAAAAAAAAAAAAAAAAAAAAAAAAAAAAAAAAAAAAAAAAAAAAAAAAAAAAAAAAAAAAAAAAAAAAAAAAAAAAAAAAAAAAAAAAAAAAAAAAFAAAADwAAAAAAAAAAAAAAAZJjAkUAAAAAQAAABQAAAAUAAAAFAAAAAEAAAAAAAAAZAAAAGQAAAAAAAAAZAAAAGQAAAAVAAAAYAAAAAAAAAAAAAAADwAAACADAAAAAAAAAAAAAAEAAACgMgAAAAAAAAAAAAABAAAAf39/AAEAAABkAAAAAAAAABQAAABAHwAAAAAAACYAAAAAAAAAwOD//wAAAAAmAAAAZAAAABYAAABMAAAAAAAAAAAAAAAEAAAAAAAAAAEAAACWlpYKAAAAACgAAAAoAAAAZAAAAGQAAAAAAAAAzMzMAAAAAABQAAAAUAAAAGQAAABkAAAAAAAAABcAAAAUAAAAAAAAAAAAAAD/fwAA/38AAAAAAAAJAAAABAAAAGMzAAAeAAAAaAAAAAAAAAAAAAAAAAAAAAAAAAAAAAAAECcAABAnAAAAAAAAAAAAAAAAAAAAAAAAAAAAAAAAAAAAAAAAAAAAABQAAAAAAAAAwMD/AAAAAABkAAAAMgAAAAAAAABkAAAAAAAAAH9/fwAKAAAAIgAAABgAAAAAAAAAAAAAAAAAAAAAAAAAAAAAAAAAAAAkAAAAJAAAAAAAAAAHAAAAAAAAAAAAAAAAAAAAAAAAAAAAAAAAAAAAf39/ACUAAABYAAAAAAAAAAAAAAAAAAAAAAAAAAAAAAAAAAAAAAAAAAAAAAAAAAAAAAAAAAAAAAA/AAAAAAAAAKCGAQAAAAAAAAAAAAAAAAAMAAAAAQAAAAAAAAAAAAAAAAAAAB8AAABUAAAA////Bf///wEAAAAAAAAAAAAAAAAAAAAAAAAAAAAAAAAAAAAAAAAAAAZJjAJ/f38AlpaWA8zMzADAwP8Af39/AAAAAAAAAAAAAAAAAAAAAAAAAAAAIQAAABgAAAAUAAAAICYAANgJAABARwAAsCUAABAAAAAmAAAACAAAAAGAAAAAAAAA"/>
+                <pr:smNativeData xmlns="smNativeData" xmlns:pr="smNativeData" xmlns:p15="http://schemas.microsoft.com/office/powerpoint/2012/main" xmlns:p14="http://schemas.microsoft.com/office/powerpoint/2010/main" xmlns:mc="http://schemas.openxmlformats.org/markup-compatibility/2006" val="SMDATA_15_Uo0YYxMAAAAlAAAAZAAAAA8BAAAAkAAAAEgAAACQAAAASAAAAAAAAAAAAAAAAAAAAAEAAABQAAAAAAAAAAAA4D8AAAAAAADgPwAAAAAAAOA/AAAAAAAA4D8AAAAAAADgPwAAAAAAAOA/AAAAAAAA4D8AAAAAAADgPwAAAAAAAOA/AAAAAAAA4D8CAAAAjAAAAAEAAAAAAAAA////DP///whQAAAAAAAAAAAAAAAAAAAAAAAAAAAAAAAAAAAAZAAAAAEAAABAAAAAAAAAAAAAAAAAAAAAAAAAAAAAAAAAAAAAAAAAAAAAAAAAAAAAAAAAAAAAAAAAAAAAAAAAAAAAAAAAAAAAAAAAAAAAAAAAAAAAAAAAAAAAAAAAAAAAFAAAADwAAAAAAAAAAAAAAAZJjAkUAAAAAQAAABQAAAAUAAAAFAAAAAEAAAAAAAAAZAAAAGQAAAAAAAAAZAAAAGQAAAAVAAAAYAAAAAAAAAAAAAAADwAAACADAAAAAAAAAAAAAAEAAACgMgAAAAAAAAAAAAABAAAAf39/AAEAAABkAAAAAAAAABQAAABAHwAAAAAAACYAAAAAAAAAwOD//wAAAAAmAAAAZAAAABYAAABMAAAAAAAAAAAAAAAEAAAAAAAAAAEAAACWlpYKAAAAACgAAAAoAAAAZAAAAGQAAAAAAAAAzMzMAAAAAABQAAAAUAAAAGQAAABkAAAAAAAAABcAAAAUAAAAAAAAAAAAAAD/fwAA/38AAAAAAAAJAAAABAAAAGMzAAAeAAAAaAAAAAAAAAAAAAAAAAAAAAAAAAAAAAAAECcAABAnAAAAAAAAAAAAAAAAAAAAAAAAAAAAAAAAAAAAAAAAAAAAABQAAAAAAAAAwMD/AAAAAABkAAAAMgAAAAAAAABkAAAAAAAAAH9/fwAKAAAAIgAAABgAAAAAAAAAAAAAAAAAAAAAAAAAAAAAAAAAAAAkAAAAJAAAAAAAAAAHAAAAAAAAAAAAAAAAAAAAAAAAAAAAAAAAAAAAf39/ACUAAABYAAAAAAAAAAAAAAAAAAAAAAAAAAAAAAAAAAAAAAAAAAAAAAAAAAAAAAAAAAAAAAA/AAAAAAAAAKCGAQAAAAAAAAAAAAAAAAAMAAAAAQAAAAAAAAAAAAAAAAAAAB8AAABUAAAA////Bf///wEAAAAAAAAAAAAAAAAAAAAAAAAAAAAAAAAAAAAAAAAAAAZJjAJ/f38AlpaWA8zMzADAwP8Af39/AAAAAAAAAAAAAAAAAAAAAAAAAAAAIQAAABgAAAAUAAAAICYAANgJAABARwAAsCUAABAAAAAmAAAACAAAAAGAAAAAAAAA"/>
               </a:ext>
             </a:extLst>
           </p:cNvSpPr>
@@ -1408,7 +1411,6 @@
             </a:lvl9pPr>
           </a:lstStyle>
           <a:p>
-            <a:pPr/>
             <a:r>
               <a:t>Click to edit Master text styles</a:t>
             </a:r>
@@ -1446,7 +1448,7 @@
             <a:spLocks noGrp="1" noChangeArrowheads="1"/>
             <a:extLst>
               <a:ext uri="smNativeData">
-                <pr:smNativeData xmlns:pr="smNativeData" xmlns="smNativeData" val="SMDATA_15_Uo0YYxMAAAAlAAAAZAAAAA8BAAAAkAAAAEgAAACQAAAASAAAAAAAAAABAAAAAAAAAAEAAABQAAAAAAAAAAAA4D8AAAAAAADgPwAAAAAAAOA/AAAAAAAA4D8AAAAAAADgPwAAAAAAAOA/AAAAAAAA4D8AAAAAAADgPwAAAAAAAOA/AAAAAAAA4D8CAAAAjAAAAAAAAAAAAAAA////DP///wgAAAAAAAAAAAAAAAAAAAAAAAAAAAAAAAAAAAAAZAAAAAEAAABAAAAAAAAAAAAAAAAAAAAAAAAAAAAAAAAAAAAAAAAAAAAAAAAAAAAAAAAAAAAAAAAAAAAAAAAAAAAAAAAAAAAAAAAAAAAAAAAAAAAAAAAAAAAAAAAAAAAAFAAAADwAAAAAAAAAAAAAAAZJjAkUAAAAAQAAABQAAAAUAAAAFAAAAAEAAAAAAAAAZAAAAGQAAAAAAAAAZAAAAGQAAAAVAAAAYAAAAAAAAAAAAAAADwAAACADAAAAAAAAAAAAAAEAAACgMgAAVgcAAKr4//8BAAAAf39/AAEAAABkAAAAAAAAABQAAABAHwAAAAAAACYAAAAAAAAAwOD//wAAAAAmAAAAZAAAABYAAABMAAAAAAAAAAAAAAAEAAAAAAAAAAEAAACWlpYKAAAAACgAAAAoAAAAZAAAAGQAAAAAAAAAzMzMAAAAAABQAAAAUAAAAGQAAABkAAAAAAAAABcAAAAUAAAAAAAAAAAAAAD/fwAA/38AAAAAAAAJAAAABAAAAG4MAAAeAAAAaAAAAAAAAAAAAAAAAAAAAAAAAAAAAAAAECcAABAnAAAAAAAAAAAAAAAAAAAAAAAAAAAAAAAAAAAAAAAAAAAAABQAAAAAAAAAwMD/AAAAAABkAAAAMgAAAAAAAABkAAAAAAAAAH9/fwAKAAAAIgAAABgAAAAAAAAAAAAAAAAAAAAAAAAAAAAAAAAAAAAkAAAAJAAAAAAAAAAHAAAAAAAAAAAAAAAAAAAAAAAAAAAAAAAAAAAAf39/ACUAAABYAAAAAAAAAAAAAAAAAAAAAAAAAAAAAAAAAAAAAAAAAAAAAAAAAAAAAAAAAAAAAAA/AAAAAAAAAKCGAQAAAAAAAAAAAAAAAAAMAAAAAQAAAAAAAAAAAAAAAAAAAB8AAABUAAAA////Bf///wEAAAAAAAAAAAAAAAAAAAAAAAAAAAAAAAAAAAAAAAAAAAZJjAJ/f38AlpaWA8zMzADAwP8Af39/AAAAAAAAAAAAAAAAAAAAAAAAAAAAIQAAABgAAAAUAAAAwAMAABsnAABAFQAAWSkAABAAAAAmAAAACAAAAAAAAAAAAAAA"/>
+                <pr:smNativeData xmlns="smNativeData" xmlns:pr="smNativeData" xmlns:p15="http://schemas.microsoft.com/office/powerpoint/2012/main" xmlns:p14="http://schemas.microsoft.com/office/powerpoint/2010/main" xmlns:mc="http://schemas.openxmlformats.org/markup-compatibility/2006" val="SMDATA_15_Uo0YYxMAAAAlAAAAZAAAAA8BAAAAkAAAAEgAAACQAAAASAAAAAAAAAABAAAAAAAAAAEAAABQAAAAAAAAAAAA4D8AAAAAAADgPwAAAAAAAOA/AAAAAAAA4D8AAAAAAADgPwAAAAAAAOA/AAAAAAAA4D8AAAAAAADgPwAAAAAAAOA/AAAAAAAA4D8CAAAAjAAAAAAAAAAAAAAA////DP///wgAAAAAAAAAAAAAAAAAAAAAAAAAAAAAAAAAAAAAZAAAAAEAAABAAAAAAAAAAAAAAAAAAAAAAAAAAAAAAAAAAAAAAAAAAAAAAAAAAAAAAAAAAAAAAAAAAAAAAAAAAAAAAAAAAAAAAAAAAAAAAAAAAAAAAAAAAAAAAAAAAAAAFAAAADwAAAAAAAAAAAAAAAZJjAkUAAAAAQAAABQAAAAUAAAAFAAAAAEAAAAAAAAAZAAAAGQAAAAAAAAAZAAAAGQAAAAVAAAAYAAAAAAAAAAAAAAADwAAACADAAAAAAAAAAAAAAEAAACgMgAAVgcAAKr4//8BAAAAf39/AAEAAABkAAAAAAAAABQAAABAHwAAAAAAACYAAAAAAAAAwOD//wAAAAAmAAAAZAAAABYAAABMAAAAAAAAAAAAAAAEAAAAAAAAAAEAAACWlpYKAAAAACgAAAAoAAAAZAAAAGQAAAAAAAAAzMzMAAAAAABQAAAAUAAAAGQAAABkAAAAAAAAABcAAAAUAAAAAAAAAAAAAAD/fwAA/38AAAAAAAAJAAAABAAAAG4MAAAeAAAAaAAAAAAAAAAAAAAAAAAAAAAAAAAAAAAAECcAABAnAAAAAAAAAAAAAAAAAAAAAAAAAAAAAAAAAAAAAAAAAAAAABQAAAAAAAAAwMD/AAAAAABkAAAAMgAAAAAAAABkAAAAAAAAAH9/fwAKAAAAIgAAABgAAAAAAAAAAAAAAAAAAAAAAAAAAAAAAAAAAAAkAAAAJAAAAAAAAAAHAAAAAAAAAAAAAAAAAAAAAAAAAAAAAAAAAAAAf39/ACUAAABYAAAAAAAAAAAAAAAAAAAAAAAAAAAAAAAAAAAAAAAAAAAAAAAAAAAAAAAAAAAAAAA/AAAAAAAAAKCGAQAAAAAAAAAAAAAAAAAMAAAAAQAAAAAAAAAAAAAAAAAAAB8AAABUAAAA////Bf///wEAAAAAAAAAAAAAAAAAAAAAAAAAAAAAAAAAAAAAAAAAAAZJjAJ/f38AlpaWA8zMzADAwP8Af39/AAAAAAAAAAAAAAAAAAAAAAAAAAAAIQAAABgAAAAUAAAAwAMAABsnAABAFQAAWSkAABAAAAAmAAAACAAAAAAAAAAAAAAA"/>
               </a:ext>
             </a:extLst>
           </p:cNvSpPr>
@@ -1459,10 +1461,10 @@
           <a:bodyPr/>
           <a:lstStyle/>
           <a:p>
-            <a:pPr/>
             <a:fld id="{608A6DE4-AA8D-DF9B-C332-5CCE237C3509}" type="datetime1">
-              <a:t>{Date/Time}</a:t>
+              <a:t>9/7/2022</a:t>
             </a:fld>
+            <a:endParaRPr/>
           </a:p>
         </p:txBody>
       </p:sp>
@@ -1473,7 +1475,7 @@
             <a:spLocks noGrp="1" noChangeArrowheads="1"/>
             <a:extLst>
               <a:ext uri="smNativeData">
-                <pr:smNativeData xmlns:pr="smNativeData" xmlns="smNativeData" val="SMDATA_15_Uo0YYxMAAAAlAAAAZAAAAA8BAAAAkAAAAEgAAACQAAAASAAAAAAAAAABAAAAAAAAAAEAAABQAAAAAAAAAAAA4D8AAAAAAADgPwAAAAAAAOA/AAAAAAAA4D8AAAAAAADgPwAAAAAAAOA/AAAAAAAA4D8AAAAAAADgPwAAAAAAAOA/AAAAAAAA4D8CAAAAjAAAAAAAAAAAAAAA////DP///wgAAAAAAAAAAAAAAAAAAAAAAAAAAAAAAAAAAAAAZAAAAAEAAABAAAAAAAAAAAAAAAAAAAAAAAAAAAAAAAAAAAAAAAAAAAAAAAAAAAAAAAAAAAAAAAAAAAAAAAAAAAAAAAAAAAAAAAAAAAAAAAAAAAAAAAAAAAAAAAAAAAAAFAAAADwAAAAAAAAAAAAAAAZJjAkUAAAAAQAAABQAAAAUAAAAFAAAAAEAAAAAAAAAZAAAAGQAAAAAAAAAZAAAAGQAAAAVAAAAYAAAAAAAAAAAAAAADwAAACADAAAAAAAAAAAAAAEAAACgMgAAVgcAAKr4//8BAAAAf39/AAEAAABkAAAAAAAAABQAAABAHwAAAAAAACYAAAAAAAAAwOD//wAAAAAmAAAAZAAAABYAAABMAAAAAAAAAAAAAAAEAAAAAAAAAAEAAACWlpYKAAAAACgAAAAoAAAAZAAAAGQAAAAAAAAAzMzMAAAAAABQAAAAUAAAAGQAAABkAAAAAAAAABcAAAAUAAAAAAAAAAAAAAD/fwAA/38AAAAAAAAJAAAABAAAAIUsAAAeAAAAaAAAAAAAAAAAAAAAAAAAAAAAAAAAAAAAECcAABAnAAAAAAAAAAAAAAAAAAAAAAAAAAAAAAAAAAAAAAAAAAAAABQAAAAAAAAAwMD/AAAAAABkAAAAMgAAAAAAAABkAAAAAAAAAH9/fwAKAAAAIgAAABgAAAAAAAAAAAAAAAAAAAAAAAAAAAAAAAAAAAAkAAAAJAAAAAAAAAAHAAAAAAAAAAAAAAAAAAAAAAAAAAAAAAAAAAAAf39/ACUAAABYAAAAAAAAAAAAAAAAAAAAAAAAAAAAAAAAAAAAAAAAAAAAAAAAAAAAAAAAAAAAAAA/AAAAAAAAAKCGAQAAAAAAAAAAAAAAAAAMAAAAAQAAAAAAAAAAAAAAAAAAAB8AAABUAAAA////Bf///wEAAAAAAAAAAAAAAAAAAAAAAAAAAAAAAAAAAAAAAAAAAAZJjAJ/f38AlpaWA8zMzADAwP8Af39/AAAAAAAAAAAAAAAAAAAAAAAAAAAAIQAAABgAAAAUAAAAoBkAABsnAABgMQAAWSkAABAAAAAmAAAACAAAAAAAAAAAAAAA"/>
+                <pr:smNativeData xmlns="smNativeData" xmlns:pr="smNativeData" xmlns:p15="http://schemas.microsoft.com/office/powerpoint/2012/main" xmlns:p14="http://schemas.microsoft.com/office/powerpoint/2010/main" xmlns:mc="http://schemas.openxmlformats.org/markup-compatibility/2006" val="SMDATA_15_Uo0YYxMAAAAlAAAAZAAAAA8BAAAAkAAAAEgAAACQAAAASAAAAAAAAAABAAAAAAAAAAEAAABQAAAAAAAAAAAA4D8AAAAAAADgPwAAAAAAAOA/AAAAAAAA4D8AAAAAAADgPwAAAAAAAOA/AAAAAAAA4D8AAAAAAADgPwAAAAAAAOA/AAAAAAAA4D8CAAAAjAAAAAAAAAAAAAAA////DP///wgAAAAAAAAAAAAAAAAAAAAAAAAAAAAAAAAAAAAAZAAAAAEAAABAAAAAAAAAAAAAAAAAAAAAAAAAAAAAAAAAAAAAAAAAAAAAAAAAAAAAAAAAAAAAAAAAAAAAAAAAAAAAAAAAAAAAAAAAAAAAAAAAAAAAAAAAAAAAAAAAAAAAFAAAADwAAAAAAAAAAAAAAAZJjAkUAAAAAQAAABQAAAAUAAAAFAAAAAEAAAAAAAAAZAAAAGQAAAAAAAAAZAAAAGQAAAAVAAAAYAAAAAAAAAAAAAAADwAAACADAAAAAAAAAAAAAAEAAACgMgAAVgcAAKr4//8BAAAAf39/AAEAAABkAAAAAAAAABQAAABAHwAAAAAAACYAAAAAAAAAwOD//wAAAAAmAAAAZAAAABYAAABMAAAAAAAAAAAAAAAEAAAAAAAAAAEAAACWlpYKAAAAACgAAAAoAAAAZAAAAGQAAAAAAAAAzMzMAAAAAABQAAAAUAAAAGQAAABkAAAAAAAAABcAAAAUAAAAAAAAAAAAAAD/fwAA/38AAAAAAAAJAAAABAAAAIUsAAAeAAAAaAAAAAAAAAAAAAAAAAAAAAAAAAAAAAAAECcAABAnAAAAAAAAAAAAAAAAAAAAAAAAAAAAAAAAAAAAAAAAAAAAABQAAAAAAAAAwMD/AAAAAABkAAAAMgAAAAAAAABkAAAAAAAAAH9/fwAKAAAAIgAAABgAAAAAAAAAAAAAAAAAAAAAAAAAAAAAAAAAAAAkAAAAJAAAAAAAAAAHAAAAAAAAAAAAAAAAAAAAAAAAAAAAAAAAAAAAf39/ACUAAABYAAAAAAAAAAAAAAAAAAAAAAAAAAAAAAAAAAAAAAAAAAAAAAAAAAAAAAAAAAAAAAA/AAAAAAAAAKCGAQAAAAAAAAAAAAAAAAAMAAAAAQAAAAAAAAAAAAAAAAAAAB8AAABUAAAA////Bf///wEAAAAAAAAAAAAAAAAAAAAAAAAAAAAAAAAAAAAAAAAAAAZJjAJ/f38AlpaWA8zMzADAwP8Af39/AAAAAAAAAAAAAAAAAAAAAAAAAAAAIQAAABgAAAAUAAAAoBkAABsnAABgMQAAWSkAABAAAAAmAAAACAAAAAAAAAAAAAAA"/>
               </a:ext>
             </a:extLst>
           </p:cNvSpPr>
@@ -1486,7 +1488,6 @@
           <a:bodyPr/>
           <a:lstStyle/>
           <a:p>
-            <a:pPr/>
             <a:r>
               <a:t>{Footer}</a:t>
             </a:r>
@@ -1500,7 +1501,7 @@
             <a:spLocks noGrp="1" noChangeArrowheads="1"/>
             <a:extLst>
               <a:ext uri="smNativeData">
-                <pr:smNativeData xmlns:pr="smNativeData" xmlns="smNativeData" val="SMDATA_15_Uo0YYxMAAAAlAAAAZAAAAA8BAAAAkAAAAEgAAACQAAAASAAAAAAAAAABAAAAAAAAAAEAAABQAAAAAAAAAAAA4D8AAAAAAADgPwAAAAAAAOA/AAAAAAAA4D8AAAAAAADgPwAAAAAAAOA/AAAAAAAA4D8AAAAAAADgPwAAAAAAAOA/AAAAAAAA4D8CAAAAjAAAAAAAAAAAAAAA////DP///wgAAAAAAAAAAAAAAAAAAAAAAAAAAAAAAAAAAAAAZAAAAAEAAABAAAAAAAAAAAAAAAAAAAAAAAAAAAAAAAAAAAAAAAAAAAAAAAAAAAAAAAAAAAAAAAAAAAAAAAAAAAAAAAAAAAAAAAAAAAAAAAAAAAAAAAAAAAAAAAAAAAAAFAAAADwAAAAAAAAAAAAAAAZJjAkUAAAAAQAAABQAAAAUAAAAFAAAAAEAAAAAAAAAZAAAAGQAAAAAAAAAZAAAAGQAAAAVAAAAYAAAAAAAAAAAAAAADwAAACADAAAAAAAAAAAAAAEAAACgMgAAVgcAAKr4//8BAAAAf39/AAEAAABkAAAAAAAAABQAAABAHwAAAAAAACYAAAAAAAAAwOD//wAAAAAmAAAAZAAAABYAAABMAAAAAAAAAAAAAAAEAAAAAAAAAAEAAACWlpYKAAAAACgAAAAoAAAAZAAAAGQAAAAAAAAAzMzMAAAAAABQAAAAUAAAAGQAAABkAAAAAAAAABcAAAAUAAAAAAAAAAAAAAD/fwAA/38AAAAAAAAJAAAABAAAAAoxAAAeAAAAaAAAAAAAAAAAAAAAAAAAAAAAAAAAAAAAECcAABAnAAAAAAAAAAAAAAAAAAAAAAAAAAAAAAAAAAAAAAAAAAAAABQAAAAAAAAAwMD/AAAAAABkAAAAMgAAAAAAAABkAAAAAAAAAH9/fwAKAAAAIgAAABgAAAAAAAAAAAAAAAAAAAAAAAAAAAAAAAAAAAAkAAAAJAAAAAAAAAAHAAAAAAAAAAAAAAAAAAAAAAAAAAAAAAAAAAAAf39/ACUAAABYAAAAAAAAAAAAAAAAAAAAAAAAAAAAAAAAAAAAAAAAAAAAAAAAAAAAAAAAAAAAAAA/AAAAAAAAAKCGAQAAAAAAAAAAAAAAAAAMAAAAAQAAAAAAAAAAAAAAAAAAAB8AAABUAAAA////Bf///wEAAAAAAAAAAAAAAAAAAAAAAAAAAAAAAAAAAAAAAAAAAAZJjAJ/f38AlpaWA8zMzADAwP8Af39/AAAAAAAAAAAAAAAAAAAAAAAAAAAAIQAAABgAAAAUAAAAwDUAABsnAABARwAAWSkAABAAAAAmAAAACAAAAAAAAAAAAAAA"/>
+                <pr:smNativeData xmlns="smNativeData" xmlns:pr="smNativeData" xmlns:p15="http://schemas.microsoft.com/office/powerpoint/2012/main" xmlns:p14="http://schemas.microsoft.com/office/powerpoint/2010/main" xmlns:mc="http://schemas.openxmlformats.org/markup-compatibility/2006" val="SMDATA_15_Uo0YYxMAAAAlAAAAZAAAAA8BAAAAkAAAAEgAAACQAAAASAAAAAAAAAABAAAAAAAAAAEAAABQAAAAAAAAAAAA4D8AAAAAAADgPwAAAAAAAOA/AAAAAAAA4D8AAAAAAADgPwAAAAAAAOA/AAAAAAAA4D8AAAAAAADgPwAAAAAAAOA/AAAAAAAA4D8CAAAAjAAAAAAAAAAAAAAA////DP///wgAAAAAAAAAAAAAAAAAAAAAAAAAAAAAAAAAAAAAZAAAAAEAAABAAAAAAAAAAAAAAAAAAAAAAAAAAAAAAAAAAAAAAAAAAAAAAAAAAAAAAAAAAAAAAAAAAAAAAAAAAAAAAAAAAAAAAAAAAAAAAAAAAAAAAAAAAAAAAAAAAAAAFAAAADwAAAAAAAAAAAAAAAZJjAkUAAAAAQAAABQAAAAUAAAAFAAAAAEAAAAAAAAAZAAAAGQAAAAAAAAAZAAAAGQAAAAVAAAAYAAAAAAAAAAAAAAADwAAACADAAAAAAAAAAAAAAEAAACgMgAAVgcAAKr4//8BAAAAf39/AAEAAABkAAAAAAAAABQAAABAHwAAAAAAACYAAAAAAAAAwOD//wAAAAAmAAAAZAAAABYAAABMAAAAAAAAAAAAAAAEAAAAAAAAAAEAAACWlpYKAAAAACgAAAAoAAAAZAAAAGQAAAAAAAAAzMzMAAAAAABQAAAAUAAAAGQAAABkAAAAAAAAABcAAAAUAAAAAAAAAAAAAAD/fwAA/38AAAAAAAAJAAAABAAAAAoxAAAeAAAAaAAAAAAAAAAAAAAAAAAAAAAAAAAAAAAAECcAABAnAAAAAAAAAAAAAAAAAAAAAAAAAAAAAAAAAAAAAAAAAAAAABQAAAAAAAAAwMD/AAAAAABkAAAAMgAAAAAAAABkAAAAAAAAAH9/fwAKAAAAIgAAABgAAAAAAAAAAAAAAAAAAAAAAAAAAAAAAAAAAAAkAAAAJAAAAAAAAAAHAAAAAAAAAAAAAAAAAAAAAAAAAAAAAAAAAAAAf39/ACUAAABYAAAAAAAAAAAAAAAAAAAAAAAAAAAAAAAAAAAAAAAAAAAAAAAAAAAAAAAAAAAAAAA/AAAAAAAAAKCGAQAAAAAAAAAAAAAAAAAMAAAAAQAAAAAAAAAAAAAAAAAAAB8AAABUAAAA////Bf///wEAAAAAAAAAAAAAAAAAAAAAAAAAAAAAAAAAAAAAAAAAAAZJjAJ/f38AlpaWA8zMzADAwP8Af39/AAAAAAAAAAAAAAAAAAAAAAAAAAAAIQAAABgAAAAUAAAAwDUAABsnAABARwAAWSkAABAAAAAmAAAACAAAAAAAAAAAAAAA"/>
               </a:ext>
             </a:extLst>
           </p:cNvSpPr>
@@ -1513,10 +1514,10 @@
           <a:bodyPr/>
           <a:lstStyle/>
           <a:p>
-            <a:pPr/>
             <a:fld id="{5641C2E8-A6BB-1434-F5F9-50618CB70305}" type="slidenum">
-              <a:t>{Nr.}</a:t>
+              <a:t>‹#›</a:t>
             </a:fld>
+            <a:endParaRPr/>
           </a:p>
         </p:txBody>
       </p:sp>
@@ -1530,7 +1531,7 @@
 </file>
 
 <file path=ppt/slideLayouts/slideLayout5.xml><?xml version="1.0" encoding="utf-8"?>
-<p:sldLayout xmlns:p="http://schemas.openxmlformats.org/presentationml/2006/main" xmlns:mc="http://schemas.openxmlformats.org/markup-compatibility/2006" xmlns:p14="http://schemas.microsoft.com/office/powerpoint/2010/main" xmlns:p15="http://schemas.microsoft.com/office/powerpoint/2012/main" xmlns:r="http://schemas.openxmlformats.org/officeDocument/2006/relationships" xmlns:a="http://schemas.openxmlformats.org/drawingml/2006/main" type="twoTxTwoObj">
+<p:sldLayout xmlns:a="http://schemas.openxmlformats.org/drawingml/2006/main" xmlns:r="http://schemas.openxmlformats.org/officeDocument/2006/relationships" xmlns:p="http://schemas.openxmlformats.org/presentationml/2006/main" type="twoTxTwoObj">
   <p:cSld name="Comparison">
     <p:spTree>
       <p:nvGrpSpPr>
@@ -1553,7 +1554,7 @@
             <a:spLocks noGrp="1" noChangeArrowheads="1"/>
             <a:extLst>
               <a:ext uri="smNativeData">
-                <pr:smNativeData xmlns:pr="smNativeData" xmlns="smNativeData" val="SMDATA_15_Uo0YYxMAAAAlAAAAZAAAAA8BAAAAkAAAAEgAAACQAAAASAAAAAAAAAABAAAAAAAAAAEAAABQAAAAAAAAAAAA4D8AAAAAAADgPwAAAAAAAOA/AAAAAAAA4D8AAAAAAADgPwAAAAAAAOA/AAAAAAAA4D8AAAAAAADgPwAAAAAAAOA/AAAAAAAA4D8CAAAAjAAAAAEAAAAAAAAA////DP///whQAAAAAAAAAAAAAAAAAAAAAAAAAAAAAAAAAAAAZAAAAAEAAABAAAAAAAAAAAAAAAAAAAAAAAAAAAAAAAAAAAAAAAAAAAAAAAAAAAAAAAAAAAAAAAAAAAAAAAAAAAAAAAAAAAAAAAAAAAAAAAAAAAAAAAAAAAAAAAAAAAAAFAAAADwAAAAAAAAAAAAAAAZJjAkUAAAAAQAAABQAAAAUAAAAFAAAAAEAAAAAAAAAZAAAAGQAAAAAAAAAZAAAAGQAAAAVAAAAYAAAAAAAAAAAAAAADwAAACADAAAAAAAAAAAAAAEAAACgMgAAAAAAAAAAAAABAAAAf39/AAEAAABkAAAAAAAAABQAAABAHwAAAAAAACYAAAAAAAAAwOD//wAAAAAmAAAAZAAAABYAAABMAAAAAAAAAAAAAAAEAAAAAAAAAAEAAACWlpYKAAAAACgAAAAoAAAAZAAAAGQAAAAAAAAAzMzMAAAAAABQAAAAUAAAAGQAAABkAAAAAAAAABcAAAAUAAAAAAAAAAAAAAD/fwAA/38AAAAAAAAJAAAABAAAAKMXAAAeAAAAaAAAAAAAAAAAAAAAAAAAAAAAAAAAAAAAECcAABAnAAAAAAAAAAAAAAAAAAAAAAAAAAAAAAAAAAAAAAAAAAAAABQAAAAAAAAAwMD/AAAAAABkAAAAMgAAAAAAAABkAAAAAAAAAH9/fwAKAAAAIgAAABgAAAAAAAAAAAAAAAAAAAAAAAAAAAAAAAAAAAAkAAAAJAAAAAAAAAAHAAAAAAAAAAAAAAAAAAAAAAAAAAAAAAAAAAAAf39/ACUAAABYAAAAAAAAAAAAAAAAAAAAAAAAAAAAAAAAAAAAAAAAAAAAAAAAAAAAAAAAAAAAAAA/AAAAAAAAAKCGAQAAAAAAAAAAAAAAAAAMAAAAAQAAAAAAAAAAAAAAAAAAAB8AAABUAAAA////Bf///wEAAAAAAAAAAAAAAAAAAAAAAAAAAAAAAAAAAAAAAAAAAAZJjAJ/f38AlpaWA8zMzADAwP8Af39/AAAAAAAAAAAAAAAAAAAAAAAAAAAAIQAAABgAAAAUAAAAwAMAALABAABARwAAuAgAABAAAAAmAAAACAAAAAAAAAAAAAAA"/>
+                <pr:smNativeData xmlns="smNativeData" xmlns:pr="smNativeData" xmlns:p15="http://schemas.microsoft.com/office/powerpoint/2012/main" xmlns:p14="http://schemas.microsoft.com/office/powerpoint/2010/main" xmlns:mc="http://schemas.openxmlformats.org/markup-compatibility/2006" val="SMDATA_15_Uo0YYxMAAAAlAAAAZAAAAA8BAAAAkAAAAEgAAACQAAAASAAAAAAAAAABAAAAAAAAAAEAAABQAAAAAAAAAAAA4D8AAAAAAADgPwAAAAAAAOA/AAAAAAAA4D8AAAAAAADgPwAAAAAAAOA/AAAAAAAA4D8AAAAAAADgPwAAAAAAAOA/AAAAAAAA4D8CAAAAjAAAAAEAAAAAAAAA////DP///whQAAAAAAAAAAAAAAAAAAAAAAAAAAAAAAAAAAAAZAAAAAEAAABAAAAAAAAAAAAAAAAAAAAAAAAAAAAAAAAAAAAAAAAAAAAAAAAAAAAAAAAAAAAAAAAAAAAAAAAAAAAAAAAAAAAAAAAAAAAAAAAAAAAAAAAAAAAAAAAAAAAAFAAAADwAAAAAAAAAAAAAAAZJjAkUAAAAAQAAABQAAAAUAAAAFAAAAAEAAAAAAAAAZAAAAGQAAAAAAAAAZAAAAGQAAAAVAAAAYAAAAAAAAAAAAAAADwAAACADAAAAAAAAAAAAAAEAAACgMgAAAAAAAAAAAAABAAAAf39/AAEAAABkAAAAAAAAABQAAABAHwAAAAAAACYAAAAAAAAAwOD//wAAAAAmAAAAZAAAABYAAABMAAAAAAAAAAAAAAAEAAAAAAAAAAEAAACWlpYKAAAAACgAAAAoAAAAZAAAAGQAAAAAAAAAzMzMAAAAAABQAAAAUAAAAGQAAABkAAAAAAAAABcAAAAUAAAAAAAAAAAAAAD/fwAA/38AAAAAAAAJAAAABAAAAKMXAAAeAAAAaAAAAAAAAAAAAAAAAAAAAAAAAAAAAAAAECcAABAnAAAAAAAAAAAAAAAAAAAAAAAAAAAAAAAAAAAAAAAAAAAAABQAAAAAAAAAwMD/AAAAAABkAAAAMgAAAAAAAABkAAAAAAAAAH9/fwAKAAAAIgAAABgAAAAAAAAAAAAAAAAAAAAAAAAAAAAAAAAAAAAkAAAAJAAAAAAAAAAHAAAAAAAAAAAAAAAAAAAAAAAAAAAAAAAAAAAAf39/ACUAAABYAAAAAAAAAAAAAAAAAAAAAAAAAAAAAAAAAAAAAAAAAAAAAAAAAAAAAAAAAAAAAAA/AAAAAAAAAKCGAQAAAAAAAAAAAAAAAAAMAAAAAQAAAAAAAAAAAAAAAAAAAB8AAABUAAAA////Bf///wEAAAAAAAAAAAAAAAAAAAAAAAAAAAAAAAAAAAAAAAAAAAZJjAJ/f38AlpaWA8zMzADAwP8Af39/AAAAAAAAAAAAAAAAAAAAAAAAAAAAIQAAABgAAAAUAAAAwAMAALABAABARwAAuAgAABAAAAAmAAAACAAAAAAAAAAAAAAA"/>
               </a:ext>
             </a:extLst>
           </p:cNvSpPr>
@@ -1566,7 +1567,6 @@
           <a:bodyPr/>
           <a:lstStyle/>
           <a:p>
-            <a:pPr/>
             <a:r>
               <a:t>Click to edit Master title style</a:t>
             </a:r>
@@ -1580,7 +1580,7 @@
             <a:spLocks noGrp="1" noChangeArrowheads="1"/>
             <a:extLst>
               <a:ext uri="smNativeData">
-                <pr:smNativeData xmlns:pr="smNativeData" xmlns="smNativeData" val="SMDATA_15_Uo0YYxMAAAAlAAAAZAAAAA8BAAAAkAAAAEgAAACQAAAASAAAAAAAAAACAAAAAAAAAAEAAABQAAAAAAAAAAAA4D8AAAAAAADgPwAAAAAAAOA/AAAAAAAA4D8AAAAAAADgPwAAAAAAAOA/AAAAAAAA4D8AAAAAAADgPwAAAAAAAOA/AAAAAAAA4D8CAAAAjAAAAAEAAAAAAAAA////DP///whQAAAAAAAAAAAAAAAAAAAAAAAAAAAAAAAAAAAAZAAAAAEAAABAAAAAAAAAAAAAAAAAAAAAAAAAAAAAAAAAAAAAAAAAAAAAAAAAAAAAAAAAAAAAAAAAAAAAAAAAAAAAAAAAAAAAAAAAAAAAAAAAAAAAAAAAAAAAAAAAAAAAFAAAADwAAAAAAAAAAAAAAAZJjAkUAAAAAQAAABQAAAAUAAAAFAAAAAEAAAAAAAAAZAAAAGQAAAAAAAAAZAAAAGQAAAAVAAAAYAAAAAAAAAAAAAAADwAAACADAAAAAAAAAAAAAAEAAACgMgAAAAAAAAAAAAABAAAAf39/AAEAAABkAAAAAAAAABQAAABAHwAAAAAAACYAAAAAAAAAwOD//wAAAAAmAAAAZAAAABYAAABMAAAAAAAAAAAAAAAEAAAAAAAAAAEAAACWlpYKAAAAACgAAAAoAAAAZAAAAGQAAAAAAAAAzMzMAAAAAABQAAAAUAAAAGQAAABkAAAAAAAAABcAAAAUAAAAAAAAAAAAAAD/fwAA/38AAAAAAAAJAAAABAAAAGAbAAAeAAAAaAAAAAAAAAAAAAAAAAAAAAAAAAAAAAAAECcAABAnAAAAAAAAAAAAAAAAAAAAAAAAAAAAAAAAAAAAAAAAAAAAABQAAAAAAAAAwMD/AAAAAABkAAAAMgAAAAAAAABkAAAAAAAAAH9/fwAKAAAAIgAAABgAAAAAAAAAAAAAAAAAAAAAAAAAAAAAAAAAAAAkAAAAJAAAAAAAAAAHAAAAAAAAAAAAAAAAAAAAAAAAAAAAAAAAAAAAf39/ACUAAABYAAAAAAAAAAAAAAAAAAAAAAAAAAAAAAAAAAAAAAAAAAAAAAAAAAAAAAAAAAAAAAA/AAAAAAAAAKCGAQAAAAAAAAAAAAAAAAAMAAAAAQAAAAAAAAAAAAAAAAAAAB8AAABUAAAA////Bf///wEAAAAAAAAAAAAAAAAAAAAAAAAAAAAAAAAAAAAAAAAAAAZJjAJ/f38AlpaWA8zMzADAwP8Af39/AAAAAAAAAAAAAAAAAAAAAAAAAAAAIQAAABgAAAAUAAAAwAMAAHEJAADiJAAAYQ0AABAAAAAmAAAACAAAAIGAAAAAAAAA"/>
+                <pr:smNativeData xmlns="smNativeData" xmlns:pr="smNativeData" xmlns:p15="http://schemas.microsoft.com/office/powerpoint/2012/main" xmlns:p14="http://schemas.microsoft.com/office/powerpoint/2010/main" xmlns:mc="http://schemas.openxmlformats.org/markup-compatibility/2006" val="SMDATA_15_Uo0YYxMAAAAlAAAAZAAAAA8BAAAAkAAAAEgAAACQAAAASAAAAAAAAAACAAAAAAAAAAEAAABQAAAAAAAAAAAA4D8AAAAAAADgPwAAAAAAAOA/AAAAAAAA4D8AAAAAAADgPwAAAAAAAOA/AAAAAAAA4D8AAAAAAADgPwAAAAAAAOA/AAAAAAAA4D8CAAAAjAAAAAEAAAAAAAAA////DP///whQAAAAAAAAAAAAAAAAAAAAAAAAAAAAAAAAAAAAZAAAAAEAAABAAAAAAAAAAAAAAAAAAAAAAAAAAAAAAAAAAAAAAAAAAAAAAAAAAAAAAAAAAAAAAAAAAAAAAAAAAAAAAAAAAAAAAAAAAAAAAAAAAAAAAAAAAAAAAAAAAAAAFAAAADwAAAAAAAAAAAAAAAZJjAkUAAAAAQAAABQAAAAUAAAAFAAAAAEAAAAAAAAAZAAAAGQAAAAAAAAAZAAAAGQAAAAVAAAAYAAAAAAAAAAAAAAADwAAACADAAAAAAAAAAAAAAEAAACgMgAAAAAAAAAAAAABAAAAf39/AAEAAABkAAAAAAAAABQAAABAHwAAAAAAACYAAAAAAAAAwOD//wAAAAAmAAAAZAAAABYAAABMAAAAAAAAAAAAAAAEAAAAAAAAAAEAAACWlpYKAAAAACgAAAAoAAAAZAAAAGQAAAAAAAAAzMzMAAAAAABQAAAAUAAAAGQAAABkAAAAAAAAABcAAAAUAAAAAAAAAAAAAAD/fwAA/38AAAAAAAAJAAAABAAAAGAbAAAeAAAAaAAAAAAAAAAAAAAAAAAAAAAAAAAAAAAAECcAABAnAAAAAAAAAAAAAAAAAAAAAAAAAAAAAAAAAAAAAAAAAAAAABQAAAAAAAAAwMD/AAAAAABkAAAAMgAAAAAAAABkAAAAAAAAAH9/fwAKAAAAIgAAABgAAAAAAAAAAAAAAAAAAAAAAAAAAAAAAAAAAAAkAAAAJAAAAAAAAAAHAAAAAAAAAAAAAAAAAAAAAAAAAAAAAAAAAAAAf39/ACUAAABYAAAAAAAAAAAAAAAAAAAAAAAAAAAAAAAAAAAAAAAAAAAAAAAAAAAAAAAAAAAAAAA/AAAAAAAAAKCGAQAAAAAAAAAAAAAAAAAMAAAAAQAAAAAAAAAAAAAAAAAAAB8AAABUAAAA////Bf///wEAAAAAAAAAAAAAAAAAAAAAAAAAAAAAAAAAAAAAAAAAAAZJjAJ/f38AlpaWA8zMzADAwP8Af39/AAAAAAAAAAAAAAAAAAAAAAAAAAAAIQAAABgAAAAUAAAAwAMAAHEJAADiJAAAYQ0AABAAAAAmAAAACAAAAIGAAAAAAAAA"/>
               </a:ext>
             </a:extLst>
           </p:cNvSpPr>
@@ -1639,7 +1639,6 @@
             </a:lvl9pPr>
           </a:lstStyle>
           <a:p>
-            <a:pPr/>
             <a:r>
               <a:t>Click to edit Master text styles</a:t>
             </a:r>
@@ -1653,7 +1652,7 @@
             <a:spLocks noGrp="1" noChangeArrowheads="1"/>
             <a:extLst>
               <a:ext uri="smNativeData">
-                <pr:smNativeData xmlns:pr="smNativeData" xmlns="smNativeData" val="SMDATA_15_Uo0YYxMAAAAlAAAAZAAAAA8BAAAAkAAAAEgAAACQAAAASAAAAAAAAAAAAAAAAAAAAAEAAABQAAAAAAAAAAAA4D8AAAAAAADgPwAAAAAAAOA/AAAAAAAA4D8AAAAAAADgPwAAAAAAAOA/AAAAAAAA4D8AAAAAAADgPwAAAAAAAOA/AAAAAAAA4D8CAAAAjAAAAAEAAAAAAAAA////DP///whQAAAAAAAAAAAAAAAAAAAAAAAAAAAAAAAAAAAAZAAAAAEAAABAAAAAAAAAAAAAAAAAAAAAAAAAAAAAAAAAAAAAAAAAAAAAAAAAAAAAAAAAAAAAAAAAAAAAAAAAAAAAAAAAAAAAAAAAAAAAAAAAAAAAAAAAAAAAAAAAAAAAFAAAADwAAAAAAAAAAAAAAAZJjAkUAAAAAQAAABQAAAAUAAAAFAAAAAEAAAAAAAAAZAAAAGQAAAAAAAAAZAAAAGQAAAAVAAAAYAAAAAAAAAAAAAAADwAAACADAAAAAAAAAAAAAAEAAACgMgAAAAAAAAAAAAABAAAAf39/AAEAAABkAAAAAAAAABQAAABAHwAAAAAAACYAAAAAAAAAwOD//wAAAAAmAAAAZAAAABYAAABMAAAAAAAAAAAAAAAEAAAAAAAAAAEAAACWlpYKAAAAACgAAAAoAAAAZAAAAGQAAAAAAAAAzMzMAAAAAABQAAAAUAAAAGQAAABkAAAAAAAAABcAAAAUAAAAAAAAAAAAAAD/fwAA/38AAAAAAAAJAAAABAAAAGgdAAAeAAAAaAAAAAAAAAAAAAAAAAAAAAAAAAAAAAAAECcAABAnAAAAAAAAAAAAAAAAAAAAAAAAAAAAAAAAAAAAAAAAAAAAABQAAAAAAAAAwMD/AAAAAABkAAAAMgAAAAAAAABkAAAAAAAAAH9/fwAKAAAAIgAAABgAAAAAAAAAAAAAAAAAAAAAAAAAAAAAAAAAAAAkAAAAJAAAAAAAAAAHAAAAAAAAAAAAAAAAAAAAAAAAAAAAAAAAAAAAf39/ACUAAABYAAAAAAAAAAAAAAAAAAAAAAAAAAAAAAAAAAAAAAAAAAAAAAAAAAAAAAAAAAAAAAA/AAAAAAAAAKCGAQAAAAAAAAAAAAAAAAAMAAAAAQAAAAAAAAAAAAAAAAAAAB8AAABUAAAA////Bf///wEAAAAAAAAAAAAAAAAAAAAAAAAAAAAAAAAAAAAAAAAAAAZJjAJ/f38AlpaWA8zMzADAwP8Af39/AAAAAAAAAAAAAAAAAAAAAAAAAAAAIQAAABgAAAAUAAAAwAMAAGENAADiJAAAsCUAABAAAAAmAAAACAAAAAGAAAAAAAAA"/>
+                <pr:smNativeData xmlns="smNativeData" xmlns:pr="smNativeData" xmlns:p15="http://schemas.microsoft.com/office/powerpoint/2012/main" xmlns:p14="http://schemas.microsoft.com/office/powerpoint/2010/main" xmlns:mc="http://schemas.openxmlformats.org/markup-compatibility/2006" val="SMDATA_15_Uo0YYxMAAAAlAAAAZAAAAA8BAAAAkAAAAEgAAACQAAAASAAAAAAAAAAAAAAAAAAAAAEAAABQAAAAAAAAAAAA4D8AAAAAAADgPwAAAAAAAOA/AAAAAAAA4D8AAAAAAADgPwAAAAAAAOA/AAAAAAAA4D8AAAAAAADgPwAAAAAAAOA/AAAAAAAA4D8CAAAAjAAAAAEAAAAAAAAA////DP///whQAAAAAAAAAAAAAAAAAAAAAAAAAAAAAAAAAAAAZAAAAAEAAABAAAAAAAAAAAAAAAAAAAAAAAAAAAAAAAAAAAAAAAAAAAAAAAAAAAAAAAAAAAAAAAAAAAAAAAAAAAAAAAAAAAAAAAAAAAAAAAAAAAAAAAAAAAAAAAAAAAAAFAAAADwAAAAAAAAAAAAAAAZJjAkUAAAAAQAAABQAAAAUAAAAFAAAAAEAAAAAAAAAZAAAAGQAAAAAAAAAZAAAAGQAAAAVAAAAYAAAAAAAAAAAAAAADwAAACADAAAAAAAAAAAAAAEAAACgMgAAAAAAAAAAAAABAAAAf39/AAEAAABkAAAAAAAAABQAAABAHwAAAAAAACYAAAAAAAAAwOD//wAAAAAmAAAAZAAAABYAAABMAAAAAAAAAAAAAAAEAAAAAAAAAAEAAACWlpYKAAAAACgAAAAoAAAAZAAAAGQAAAAAAAAAzMzMAAAAAABQAAAAUAAAAGQAAABkAAAAAAAAABcAAAAUAAAAAAAAAAAAAAD/fwAA/38AAAAAAAAJAAAABAAAAGgdAAAeAAAAaAAAAAAAAAAAAAAAAAAAAAAAAAAAAAAAECcAABAnAAAAAAAAAAAAAAAAAAAAAAAAAAAAAAAAAAAAAAAAAAAAABQAAAAAAAAAwMD/AAAAAABkAAAAMgAAAAAAAABkAAAAAAAAAH9/fwAKAAAAIgAAABgAAAAAAAAAAAAAAAAAAAAAAAAAAAAAAAAAAAAkAAAAJAAAAAAAAAAHAAAAAAAAAAAAAAAAAAAAAAAAAAAAAAAAAAAAf39/ACUAAABYAAAAAAAAAAAAAAAAAAAAAAAAAAAAAAAAAAAAAAAAAAAAAAAAAAAAAAAAAAAAAAA/AAAAAAAAAKCGAQAAAAAAAAAAAAAAAAAMAAAAAQAAAAAAAAAAAAAAAAAAAB8AAABUAAAA////Bf///wEAAAAAAAAAAAAAAAAAAAAAAAAAAAAAAAAAAAAAAAAAAAZJjAJ/f38AlpaWA8zMzADAwP8Af39/AAAAAAAAAAAAAAAAAAAAAAAAAAAAIQAAABgAAAAUAAAAwAMAAGENAADiJAAAsCUAABAAAAAmAAAACAAAAAGAAAAAAAAA"/>
               </a:ext>
             </a:extLst>
           </p:cNvSpPr>
@@ -1699,7 +1698,6 @@
             </a:lvl9pPr>
           </a:lstStyle>
           <a:p>
-            <a:pPr/>
             <a:r>
               <a:t>Click to edit Master text styles</a:t>
             </a:r>
@@ -1737,7 +1735,7 @@
             <a:spLocks noGrp="1" noChangeArrowheads="1"/>
             <a:extLst>
               <a:ext uri="smNativeData">
-                <pr:smNativeData xmlns:pr="smNativeData" xmlns="smNativeData" val="SMDATA_15_Uo0YYxMAAAAlAAAAZAAAAA8BAAAAkAAAAEgAAACQAAAASAAAAAAAAAACAAAAAAAAAAEAAABQAAAAAAAAAAAA4D8AAAAAAADgPwAAAAAAAOA/AAAAAAAA4D8AAAAAAADgPwAAAAAAAOA/AAAAAAAA4D8AAAAAAADgPwAAAAAAAOA/AAAAAAAA4D8CAAAAjAAAAAEAAAAAAAAA////DP///whQAAAAAAAAAAAAAAAAAAAAAAAAAAAAAAAAAAAAZAAAAAEAAABAAAAAAAAAAAAAAAAAAAAAAAAAAAAAAAAAAAAAAAAAAAAAAAAAAAAAAAAAAAAAAAAAAAAAAAAAAAAAAAAAAAAAAAAAAAAAAAAAAAAAAAAAAAAAAAAAAAAAFAAAADwAAAAAAAAAAAAAAAZJjAkUAAAAAQAAABQAAAAUAAAAFAAAAAEAAAAAAAAAZAAAAGQAAAAAAAAAZAAAAGQAAAAVAAAAYAAAAAAAAAAAAAAADwAAACADAAAAAAAAAAAAAAEAAACgMgAAAAAAAAAAAAABAAAAf39/AAEAAABkAAAAAAAAABQAAABAHwAAAAAAACYAAAAAAAAAwOD//wAAAAAmAAAAZAAAABYAAABMAAAAAAAAAAAAAAAEAAAAAAAAAAEAAACWlpYKAAAAACgAAAAoAAAAZAAAAGQAAAAAAAAAzMzMAAAAAABQAAAAUAAAAGQAAABkAAAAAAAAABcAAAAUAAAAAAAAAAAAAAD/fwAA/38AAAAAAAAJAAAABAAAAFsvAAAeAAAAaAAAAAAAAAAAAAAAAAAAAAAAAAAAAAAAECcAABAnAAAAAAAAAAAAAAAAAAAAAAAAAAAAAAAAAAAAAAAAAAAAABQAAAAAAAAAwMD/AAAAAABkAAAAMgAAAAAAAABkAAAAAAAAAH9/fwAKAAAAIgAAABgAAAAAAAAAAAAAAAAAAAAAAAAAAAAAAAAAAAAkAAAAJAAAAAAAAAAHAAAAAAAAAAAAAAAAAAAAAAAAAAAAAAAAAAAAf39/ACUAAABYAAAAAAAAAAAAAAAAAAAAAAAAAAAAAAAAAAAAAAAAAAAAAAAAAAAAAAAAAAAAAAA/AAAAAAAAAKCGAQAAAAAAAAAAAAAAAAAMAAAAAQAAAAAAAAAAAAAAAAAAAB8AAABUAAAA////Bf///wEAAAAAAAAAAAAAAAAAAAAAAAAAAAAAAAAAAAAAAAAAAAZJjAJ/f38AlpaWA8zMzADAwP8Af39/AAAAAAAAAAAAAAAAAAAAAAAAAAAAIQAAABgAAAAUAAAAHSYAAHEJAABARwAAYQ0AABAAAAAmAAAACAAAAIGAAAAAAAAA"/>
+                <pr:smNativeData xmlns="smNativeData" xmlns:pr="smNativeData" xmlns:p15="http://schemas.microsoft.com/office/powerpoint/2012/main" xmlns:p14="http://schemas.microsoft.com/office/powerpoint/2010/main" xmlns:mc="http://schemas.openxmlformats.org/markup-compatibility/2006" val="SMDATA_15_Uo0YYxMAAAAlAAAAZAAAAA8BAAAAkAAAAEgAAACQAAAASAAAAAAAAAACAAAAAAAAAAEAAABQAAAAAAAAAAAA4D8AAAAAAADgPwAAAAAAAOA/AAAAAAAA4D8AAAAAAADgPwAAAAAAAOA/AAAAAAAA4D8AAAAAAADgPwAAAAAAAOA/AAAAAAAA4D8CAAAAjAAAAAEAAAAAAAAA////DP///whQAAAAAAAAAAAAAAAAAAAAAAAAAAAAAAAAAAAAZAAAAAEAAABAAAAAAAAAAAAAAAAAAAAAAAAAAAAAAAAAAAAAAAAAAAAAAAAAAAAAAAAAAAAAAAAAAAAAAAAAAAAAAAAAAAAAAAAAAAAAAAAAAAAAAAAAAAAAAAAAAAAAFAAAADwAAAAAAAAAAAAAAAZJjAkUAAAAAQAAABQAAAAUAAAAFAAAAAEAAAAAAAAAZAAAAGQAAAAAAAAAZAAAAGQAAAAVAAAAYAAAAAAAAAAAAAAADwAAACADAAAAAAAAAAAAAAEAAACgMgAAAAAAAAAAAAABAAAAf39/AAEAAABkAAAAAAAAABQAAABAHwAAAAAAACYAAAAAAAAAwOD//wAAAAAmAAAAZAAAABYAAABMAAAAAAAAAAAAAAAEAAAAAAAAAAEAAACWlpYKAAAAACgAAAAoAAAAZAAAAGQAAAAAAAAAzMzMAAAAAABQAAAAUAAAAGQAAABkAAAAAAAAABcAAAAUAAAAAAAAAAAAAAD/fwAA/38AAAAAAAAJAAAABAAAAFsvAAAeAAAAaAAAAAAAAAAAAAAAAAAAAAAAAAAAAAAAECcAABAnAAAAAAAAAAAAAAAAAAAAAAAAAAAAAAAAAAAAAAAAAAAAABQAAAAAAAAAwMD/AAAAAABkAAAAMgAAAAAAAABkAAAAAAAAAH9/fwAKAAAAIgAAABgAAAAAAAAAAAAAAAAAAAAAAAAAAAAAAAAAAAAkAAAAJAAAAAAAAAAHAAAAAAAAAAAAAAAAAAAAAAAAAAAAAAAAAAAAf39/ACUAAABYAAAAAAAAAAAAAAAAAAAAAAAAAAAAAAAAAAAAAAAAAAAAAAAAAAAAAAAAAAAAAAA/AAAAAAAAAKCGAQAAAAAAAAAAAAAAAAAMAAAAAQAAAAAAAAAAAAAAAAAAAB8AAABUAAAA////Bf///wEAAAAAAAAAAAAAAAAAAAAAAAAAAAAAAAAAAAAAAAAAAAZJjAJ/f38AlpaWA8zMzADAwP8Af39/AAAAAAAAAAAAAAAAAAAAAAAAAAAAIQAAABgAAAAUAAAAHSYAAHEJAABARwAAYQ0AABAAAAAmAAAACAAAAIGAAAAAAAAA"/>
               </a:ext>
             </a:extLst>
           </p:cNvSpPr>
@@ -1796,7 +1794,6 @@
             </a:lvl9pPr>
           </a:lstStyle>
           <a:p>
-            <a:pPr/>
             <a:r>
               <a:t>Click to edit Master text styles</a:t>
             </a:r>
@@ -1810,7 +1807,7 @@
             <a:spLocks noGrp="1" noChangeArrowheads="1"/>
             <a:extLst>
               <a:ext uri="smNativeData">
-                <pr:smNativeData xmlns:pr="smNativeData" xmlns="smNativeData" val="SMDATA_15_Uo0YYxMAAAAlAAAAZAAAAA8BAAAAkAAAAEgAAACQAAAASAAAAAAAAAAAAAAAAAAAAAEAAABQAAAAAAAAAAAA4D8AAAAAAADgPwAAAAAAAOA/AAAAAAAA4D8AAAAAAADgPwAAAAAAAOA/AAAAAAAA4D8AAAAAAADgPwAAAAAAAOA/AAAAAAAA4D8CAAAAjAAAAAEAAAAAAAAA////DP///whQAAAAAAAAAAAAAAAAAAAAAAAAAAAAAAAAAAAAZAAAAAEAAABAAAAAAAAAAAAAAAAAAAAAAAAAAAAAAAAAAAAAAAAAAAAAAAAAAAAAAAAAAAAAAAAAAAAAAAAAAAAAAAAAAAAAAAAAAAAAAAAAAAAAAAAAAAAAAAAAAAAAFAAAADwAAAAAAAAAAAAAAAZJjAkUAAAAAQAAABQAAAAUAAAAFAAAAAEAAAAAAAAAZAAAAGQAAAAAAAAAZAAAAGQAAAAVAAAAYAAAAAAAAAAAAAAADwAAACADAAAAAAAAAAAAAAEAAACgMgAAAAAAAAAAAAABAAAAf39/AAEAAABkAAAAAAAAABQAAABAHwAAAAAAACYAAAAAAAAAwOD//wAAAAAmAAAAZAAAABYAAABMAAAAAAAAAAAAAAAEAAAAAAAAAAEAAACWlpYKAAAAACgAAAAoAAAAZAAAAGQAAAAAAAAAzMzMAAAAAABQAAAAUAAAAGQAAABkAAAAAAAAABcAAAAUAAAAAAAAAAAAAAD/fwAA/38AAAAAAAAJAAAABAAAAAYCAgIeAAAAaAAAAAAAAAAAAAAAAAAAAAAAAAAAAAAAECcAABAnAAAAAAAAAAAAAAAAAAAAAAAAAAAAAAAAAAAAAAAAAAAAABQAAAAAAAAAwMD/AAAAAABkAAAAMgAAAAAAAABkAAAAAAAAAH9/fwAKAAAAIgAAABgAAAAAAAAAAAAAAAAAAAAAAAAAAAAAAAAAAAAkAAAAJAAAAAAAAAAHAAAAAAAAAAAAAAAAAAAAAAAAAAAAAAAAAAAAf39/ACUAAABYAAAAAAAAAAAAAAAAAAAAAAAAAAAAAAAAAAAAAAAAAAAAAAAAAAAAAAAAAAAAAAA/AAAAAAAAAKCGAQAAAAAAAAAAAAAAAAAMAAAAAQAAAAAAAAAAAAAAAAAAAB8AAABUAAAA////Bf///wEAAAAAAAAAAAAAAAAAAAAAAAAAAAAAAAAAAAAAAAAAAAZJjAJ/f38AlpaWA8zMzADAwP8Af39/AAAAAAAAAAAAAAAAAAAAAAAAAAAAIQAAABgAAAAUAAAAHSYAAGENAABARwAAsCUAABAAAAAmAAAACAAAAAGAAAAAAAAA"/>
+                <pr:smNativeData xmlns="smNativeData" xmlns:pr="smNativeData" xmlns:p15="http://schemas.microsoft.com/office/powerpoint/2012/main" xmlns:p14="http://schemas.microsoft.com/office/powerpoint/2010/main" xmlns:mc="http://schemas.openxmlformats.org/markup-compatibility/2006" val="SMDATA_15_Uo0YYxMAAAAlAAAAZAAAAA8BAAAAkAAAAEgAAACQAAAASAAAAAAAAAAAAAAAAAAAAAEAAABQAAAAAAAAAAAA4D8AAAAAAADgPwAAAAAAAOA/AAAAAAAA4D8AAAAAAADgPwAAAAAAAOA/AAAAAAAA4D8AAAAAAADgPwAAAAAAAOA/AAAAAAAA4D8CAAAAjAAAAAEAAAAAAAAA////DP///whQAAAAAAAAAAAAAAAAAAAAAAAAAAAAAAAAAAAAZAAAAAEAAABAAAAAAAAAAAAAAAAAAAAAAAAAAAAAAAAAAAAAAAAAAAAAAAAAAAAAAAAAAAAAAAAAAAAAAAAAAAAAAAAAAAAAAAAAAAAAAAAAAAAAAAAAAAAAAAAAAAAAFAAAADwAAAAAAAAAAAAAAAZJjAkUAAAAAQAAABQAAAAUAAAAFAAAAAEAAAAAAAAAZAAAAGQAAAAAAAAAZAAAAGQAAAAVAAAAYAAAAAAAAAAAAAAADwAAACADAAAAAAAAAAAAAAEAAACgMgAAAAAAAAAAAAABAAAAf39/AAEAAABkAAAAAAAAABQAAABAHwAAAAAAACYAAAAAAAAAwOD//wAAAAAmAAAAZAAAABYAAABMAAAAAAAAAAAAAAAEAAAAAAAAAAEAAACWlpYKAAAAACgAAAAoAAAAZAAAAGQAAAAAAAAAzMzMAAAAAABQAAAAUAAAAGQAAABkAAAAAAAAABcAAAAUAAAAAAAAAAAAAAD/fwAA/38AAAAAAAAJAAAABAAAAAYCAgIeAAAAaAAAAAAAAAAAAAAAAAAAAAAAAAAAAAAAECcAABAnAAAAAAAAAAAAAAAAAAAAAAAAAAAAAAAAAAAAAAAAAAAAABQAAAAAAAAAwMD/AAAAAABkAAAAMgAAAAAAAABkAAAAAAAAAH9/fwAKAAAAIgAAABgAAAAAAAAAAAAAAAAAAAAAAAAAAAAAAAAAAAAkAAAAJAAAAAAAAAAHAAAAAAAAAAAAAAAAAAAAAAAAAAAAAAAAAAAAf39/ACUAAABYAAAAAAAAAAAAAAAAAAAAAAAAAAAAAAAAAAAAAAAAAAAAAAAAAAAAAAAAAAAAAAA/AAAAAAAAAKCGAQAAAAAAAAAAAAAAAAAMAAAAAQAAAAAAAAAAAAAAAAAAAB8AAABUAAAA////Bf///wEAAAAAAAAAAAAAAAAAAAAAAAAAAAAAAAAAAAAAAAAAAAZJjAJ/f38AlpaWA8zMzADAwP8Af39/AAAAAAAAAAAAAAAAAAAAAAAAAAAAIQAAABgAAAAUAAAAHSYAAGENAABARwAAsCUAABAAAAAmAAAACAAAAAGAAAAAAAAA"/>
               </a:ext>
             </a:extLst>
           </p:cNvSpPr>
@@ -1856,7 +1853,6 @@
             </a:lvl9pPr>
           </a:lstStyle>
           <a:p>
-            <a:pPr/>
             <a:r>
               <a:t>Click to edit Master text styles</a:t>
             </a:r>
@@ -1894,7 +1890,7 @@
             <a:spLocks noGrp="1" noChangeArrowheads="1"/>
             <a:extLst>
               <a:ext uri="smNativeData">
-                <pr:smNativeData xmlns:pr="smNativeData" xmlns="smNativeData" val="SMDATA_15_Uo0YYxMAAAAlAAAAZAAAAA8BAAAAkAAAAEgAAACQAAAASAAAAAAAAAABAAAAAAAAAAEAAABQAAAAAAAAAAAA4D8AAAAAAADgPwAAAAAAAOA/AAAAAAAA4D8AAAAAAADgPwAAAAAAAOA/AAAAAAAA4D8AAAAAAADgPwAAAAAAAOA/AAAAAAAA4D8CAAAAjAAAAAAAAAAAAAAA////DP///wgAAAAAAAAAAAAAAAAAAAAAAAAAAAAAAAAAAAAAZAAAAAEAAABAAAAAAAAAAAAAAAAAAAAAAAAAAAAAAAAAAAAAAAAAAAAAAAAAAAAAAAAAAAAAAAAAAAAAAAAAAAAAAAAAAAAAAAAAAAAAAAAAAAAAAAAAAAAAAAAAAAAAFAAAADwAAAAAAAAAAAAAAAZJjAkUAAAAAQAAABQAAAAUAAAAFAAAAAEAAAAAAAAAZAAAAGQAAAAAAAAAZAAAAGQAAAAVAAAAYAAAAAAAAAAAAAAADwAAACADAAAAAAAAAAAAAAEAAACgMgAAVgcAAKr4//8BAAAAf39/AAEAAABkAAAAAAAAABQAAABAHwAAAAAAACYAAAAAAAAAwOD//wAAAAAmAAAAZAAAABYAAABMAAAAAAAAAAAAAAAEAAAAAAAAAAEAAACWlpYKAAAAACgAAAAoAAAAZAAAAGQAAAAAAAAAzMzMAAAAAABQAAAAUAAAAGQAAABkAAAAAAAAABcAAAAUAAAAAAAAAAAAAAD/fwAA/38AAAAAAAAJAAAABAAAAJcuAAAeAAAAaAAAAAAAAAAAAAAAAAAAAAAAAAAAAAAAECcAABAnAAAAAAAAAAAAAAAAAAAAAAAAAAAAAAAAAAAAAAAAAAAAABQAAAAAAAAAwMD/AAAAAABkAAAAMgAAAAAAAABkAAAAAAAAAH9/fwAKAAAAIgAAABgAAAAAAAAAAAAAAAAAAAAAAAAAAAAAAAAAAAAkAAAAJAAAAAAAAAAHAAAAAAAAAAAAAAAAAAAAAAAAAAAAAAAAAAAAf39/ACUAAABYAAAAAAAAAAAAAAAAAAAAAAAAAAAAAAAAAAAAAAAAAAAAAAAAAAAAAAAAAAAAAAA/AAAAAAAAAKCGAQAAAAAAAAAAAAAAAAAMAAAAAQAAAAAAAAAAAAAAAAAAAB8AAABUAAAA////Bf///wEAAAAAAAAAAAAAAAAAAAAAAAAAAAAAAAAAAAAAAAAAAAZJjAJ/f38AlpaWA8zMzADAwP8Af39/AAAAAAAAAAAAAAAAAAAAAAAAAAAAIQAAABgAAAAUAAAAwAMAABsnAABAFQAAWSkAABAAAAAmAAAACAAAAAAAAAAAAAAA"/>
+                <pr:smNativeData xmlns="smNativeData" xmlns:pr="smNativeData" xmlns:p15="http://schemas.microsoft.com/office/powerpoint/2012/main" xmlns:p14="http://schemas.microsoft.com/office/powerpoint/2010/main" xmlns:mc="http://schemas.openxmlformats.org/markup-compatibility/2006" val="SMDATA_15_Uo0YYxMAAAAlAAAAZAAAAA8BAAAAkAAAAEgAAACQAAAASAAAAAAAAAABAAAAAAAAAAEAAABQAAAAAAAAAAAA4D8AAAAAAADgPwAAAAAAAOA/AAAAAAAA4D8AAAAAAADgPwAAAAAAAOA/AAAAAAAA4D8AAAAAAADgPwAAAAAAAOA/AAAAAAAA4D8CAAAAjAAAAAAAAAAAAAAA////DP///wgAAAAAAAAAAAAAAAAAAAAAAAAAAAAAAAAAAAAAZAAAAAEAAABAAAAAAAAAAAAAAAAAAAAAAAAAAAAAAAAAAAAAAAAAAAAAAAAAAAAAAAAAAAAAAAAAAAAAAAAAAAAAAAAAAAAAAAAAAAAAAAAAAAAAAAAAAAAAAAAAAAAAFAAAADwAAAAAAAAAAAAAAAZJjAkUAAAAAQAAABQAAAAUAAAAFAAAAAEAAAAAAAAAZAAAAGQAAAAAAAAAZAAAAGQAAAAVAAAAYAAAAAAAAAAAAAAADwAAACADAAAAAAAAAAAAAAEAAACgMgAAVgcAAKr4//8BAAAAf39/AAEAAABkAAAAAAAAABQAAABAHwAAAAAAACYAAAAAAAAAwOD//wAAAAAmAAAAZAAAABYAAABMAAAAAAAAAAAAAAAEAAAAAAAAAAEAAACWlpYKAAAAACgAAAAoAAAAZAAAAGQAAAAAAAAAzMzMAAAAAABQAAAAUAAAAGQAAABkAAAAAAAAABcAAAAUAAAAAAAAAAAAAAD/fwAA/38AAAAAAAAJAAAABAAAAJcuAAAeAAAAaAAAAAAAAAAAAAAAAAAAAAAAAAAAAAAAECcAABAnAAAAAAAAAAAAAAAAAAAAAAAAAAAAAAAAAAAAAAAAAAAAABQAAAAAAAAAwMD/AAAAAABkAAAAMgAAAAAAAABkAAAAAAAAAH9/fwAKAAAAIgAAABgAAAAAAAAAAAAAAAAAAAAAAAAAAAAAAAAAAAAkAAAAJAAAAAAAAAAHAAAAAAAAAAAAAAAAAAAAAAAAAAAAAAAAAAAAf39/ACUAAABYAAAAAAAAAAAAAAAAAAAAAAAAAAAAAAAAAAAAAAAAAAAAAAAAAAAAAAAAAAAAAAA/AAAAAAAAAKCGAQAAAAAAAAAAAAAAAAAMAAAAAQAAAAAAAAAAAAAAAAAAAB8AAABUAAAA////Bf///wEAAAAAAAAAAAAAAAAAAAAAAAAAAAAAAAAAAAAAAAAAAAZJjAJ/f38AlpaWA8zMzADAwP8Af39/AAAAAAAAAAAAAAAAAAAAAAAAAAAAIQAAABgAAAAUAAAAwAMAABsnAABAFQAAWSkAABAAAAAmAAAACAAAAAAAAAAAAAAA"/>
               </a:ext>
             </a:extLst>
           </p:cNvSpPr>
@@ -1907,10 +1903,10 @@
           <a:bodyPr/>
           <a:lstStyle/>
           <a:p>
-            <a:pPr/>
             <a:fld id="{6A9F15C0-8E87-CAE3-C927-78B65B693F2D}" type="datetime1">
-              <a:t>{Date/Time}</a:t>
+              <a:t>9/7/2022</a:t>
             </a:fld>
+            <a:endParaRPr/>
           </a:p>
         </p:txBody>
       </p:sp>
@@ -1921,7 +1917,7 @@
             <a:spLocks noGrp="1" noChangeArrowheads="1"/>
             <a:extLst>
               <a:ext uri="smNativeData">
-                <pr:smNativeData xmlns:pr="smNativeData" xmlns="smNativeData" val="SMDATA_15_Uo0YYxMAAAAlAAAAZAAAAA8BAAAAkAAAAEgAAACQAAAASAAAAAAAAAABAAAAAAAAAAEAAABQAAAAAAAAAAAA4D8AAAAAAADgPwAAAAAAAOA/AAAAAAAA4D8AAAAAAADgPwAAAAAAAOA/AAAAAAAA4D8AAAAAAADgPwAAAAAAAOA/AAAAAAAA4D8CAAAAjAAAAAAAAAAAAAAA////DP///wgAAAAAAAAAAAAAAAAAAAAAAAAAAAAAAAAAAAAAZAAAAAEAAABAAAAAAAAAAAAAAAAAAAAAAAAAAAAAAAAAAAAAAAAAAAAAAAAAAAAAAAAAAAAAAAAAAAAAAAAAAAAAAAAAAAAAAAAAAAAAAAAAAAAAAAAAAAAAAAAAAAAAFAAAADwAAAAAAAAAAAAAAAZJjAkUAAAAAQAAABQAAAAUAAAAFAAAAAEAAAAAAAAAZAAAAGQAAAAAAAAAZAAAAGQAAAAVAAAAYAAAAAAAAAAAAAAADwAAACADAAAAAAAAAAAAAAEAAACgMgAAVgcAAKr4//8BAAAAf39/AAEAAABkAAAAAAAAABQAAABAHwAAAAAAACYAAAAAAAAAwOD//wAAAAAmAAAAZAAAABYAAABMAAAAAAAAAAAAAAAEAAAAAAAAAAEAAACWlpYKAAAAACgAAAAoAAAAZAAAAGQAAAAAAAAAzMzMAAAAAABQAAAAUAAAAGQAAABkAAAAAAAAABcAAAAUAAAAAAAAAAAAAAD/fwAA/38AAAAAAAAJAAAABAAAACcXAAAeAAAAaAAAAAAAAAAAAAAAAAAAAAAAAAAAAAAAECcAABAnAAAAAAAAAAAAAAAAAAAAAAAAAAAAAAAAAAAAAAAAAAAAABQAAAAAAAAAwMD/AAAAAABkAAAAMgAAAAAAAABkAAAAAAAAAH9/fwAKAAAAIgAAABgAAAAAAAAAAAAAAAAAAAAAAAAAAAAAAAAAAAAkAAAAJAAAAAAAAAAHAAAAAAAAAAAAAAAAAAAAAAAAAAAAAAAAAAAAf39/ACUAAABYAAAAAAAAAAAAAAAAAAAAAAAAAAAAAAAAAAAAAAAAAAAAAAAAAAAAAAAAAAAAAAA/AAAAAAAAAKCGAQAAAAAAAAAAAAAAAAAMAAAAAQAAAAAAAAAAAAAAAAAAAB8AAABUAAAA////Bf///wEAAAAAAAAAAAAAAAAAAAAAAAAAAAAAAAAAAAAAAAAAAAZJjAJ/f38AlpaWA8zMzADAwP8Af39/AAAAAAAAAAAAAAAAAAAAAAAAAAAAIQAAABgAAAAUAAAAoBkAABsnAABgMQAAWSkAABAAAAAmAAAACAAAAAAAAAAAAAAA"/>
+                <pr:smNativeData xmlns="smNativeData" xmlns:pr="smNativeData" xmlns:p15="http://schemas.microsoft.com/office/powerpoint/2012/main" xmlns:p14="http://schemas.microsoft.com/office/powerpoint/2010/main" xmlns:mc="http://schemas.openxmlformats.org/markup-compatibility/2006" val="SMDATA_15_Uo0YYxMAAAAlAAAAZAAAAA8BAAAAkAAAAEgAAACQAAAASAAAAAAAAAABAAAAAAAAAAEAAABQAAAAAAAAAAAA4D8AAAAAAADgPwAAAAAAAOA/AAAAAAAA4D8AAAAAAADgPwAAAAAAAOA/AAAAAAAA4D8AAAAAAADgPwAAAAAAAOA/AAAAAAAA4D8CAAAAjAAAAAAAAAAAAAAA////DP///wgAAAAAAAAAAAAAAAAAAAAAAAAAAAAAAAAAAAAAZAAAAAEAAABAAAAAAAAAAAAAAAAAAAAAAAAAAAAAAAAAAAAAAAAAAAAAAAAAAAAAAAAAAAAAAAAAAAAAAAAAAAAAAAAAAAAAAAAAAAAAAAAAAAAAAAAAAAAAAAAAAAAAFAAAADwAAAAAAAAAAAAAAAZJjAkUAAAAAQAAABQAAAAUAAAAFAAAAAEAAAAAAAAAZAAAAGQAAAAAAAAAZAAAAGQAAAAVAAAAYAAAAAAAAAAAAAAADwAAACADAAAAAAAAAAAAAAEAAACgMgAAVgcAAKr4//8BAAAAf39/AAEAAABkAAAAAAAAABQAAABAHwAAAAAAACYAAAAAAAAAwOD//wAAAAAmAAAAZAAAABYAAABMAAAAAAAAAAAAAAAEAAAAAAAAAAEAAACWlpYKAAAAACgAAAAoAAAAZAAAAGQAAAAAAAAAzMzMAAAAAABQAAAAUAAAAGQAAABkAAAAAAAAABcAAAAUAAAAAAAAAAAAAAD/fwAA/38AAAAAAAAJAAAABAAAACcXAAAeAAAAaAAAAAAAAAAAAAAAAAAAAAAAAAAAAAAAECcAABAnAAAAAAAAAAAAAAAAAAAAAAAAAAAAAAAAAAAAAAAAAAAAABQAAAAAAAAAwMD/AAAAAABkAAAAMgAAAAAAAABkAAAAAAAAAH9/fwAKAAAAIgAAABgAAAAAAAAAAAAAAAAAAAAAAAAAAAAAAAAAAAAkAAAAJAAAAAAAAAAHAAAAAAAAAAAAAAAAAAAAAAAAAAAAAAAAAAAAf39/ACUAAABYAAAAAAAAAAAAAAAAAAAAAAAAAAAAAAAAAAAAAAAAAAAAAAAAAAAAAAAAAAAAAAA/AAAAAAAAAKCGAQAAAAAAAAAAAAAAAAAMAAAAAQAAAAAAAAAAAAAAAAAAAB8AAABUAAAA////Bf///wEAAAAAAAAAAAAAAAAAAAAAAAAAAAAAAAAAAAAAAAAAAAZJjAJ/f38AlpaWA8zMzADAwP8Af39/AAAAAAAAAAAAAAAAAAAAAAAAAAAAIQAAABgAAAAUAAAAoBkAABsnAABgMQAAWSkAABAAAAAmAAAACAAAAAAAAAAAAAAA"/>
               </a:ext>
             </a:extLst>
           </p:cNvSpPr>
@@ -1934,7 +1930,6 @@
           <a:bodyPr/>
           <a:lstStyle/>
           <a:p>
-            <a:pPr/>
             <a:r>
               <a:t>{Footer}</a:t>
             </a:r>
@@ -1948,7 +1943,7 @@
             <a:spLocks noGrp="1" noChangeArrowheads="1"/>
             <a:extLst>
               <a:ext uri="smNativeData">
-                <pr:smNativeData xmlns:pr="smNativeData" xmlns="smNativeData" val="SMDATA_15_Uo0YYxMAAAAlAAAAZAAAAA8BAAAAkAAAAEgAAACQAAAASAAAAAAAAAABAAAAAAAAAAEAAABQAAAAAAAAAAAA4D8AAAAAAADgPwAAAAAAAOA/AAAAAAAA4D8AAAAAAADgPwAAAAAAAOA/AAAAAAAA4D8AAAAAAADgPwAAAAAAAOA/AAAAAAAA4D8CAAAAjAAAAAAAAAAAAAAA////DP///wgAAAAAAAAAAAAAAAAAAAAAAAAAAAAAAAAAAAAAZAAAAAEAAABAAAAAAAAAAAAAAAAAAAAAAAAAAAAAAAAAAAAAAAAAAAAAAAAAAAAAAAAAAAAAAAAAAAAAAAAAAAAAAAAAAAAAAAAAAAAAAAAAAAAAAAAAAAAAAAAAAAAAFAAAADwAAAAAAAAAAAAAAAZJjAkUAAAAAQAAABQAAAAUAAAAFAAAAAEAAAAAAAAAZAAAAGQAAAAAAAAAZAAAAGQAAAAVAAAAYAAAAAAAAAAAAAAADwAAACADAAAAAAAAAAAAAAEAAACgMgAAVgcAAKr4//8BAAAAf39/AAEAAABkAAAAAAAAABQAAABAHwAAAAAAACYAAAAAAAAAwOD//wAAAAAmAAAAZAAAABYAAABMAAAAAAAAAAAAAAAEAAAAAAAAAAEAAACWlpYKAAAAACgAAAAoAAAAZAAAAGQAAAAAAAAAzMzMAAAAAABQAAAAUAAAAGQAAABkAAAAAAAAABcAAAAUAAAAAAAAAAAAAAD/fwAA/38AAAAAAAAJAAAABAAAAAAAAAAeAAAAaAAAAAAAAAAAAAAAAAAAAAAAAAAAAAAAECcAABAnAAAAAAAAAAAAAAAAAAAAAAAAAAAAAAAAAAAAAAAAAAAAABQAAAAAAAAAwMD/AAAAAABkAAAAMgAAAAAAAABkAAAAAAAAAH9/fwAKAAAAIgAAABgAAAAAAAAAAAAAAAAAAAAAAAAAAAAAAAAAAAAkAAAAJAAAAAAAAAAHAAAAAAAAAAAAAAAAAAAAAAAAAAAAAAAAAAAAf39/ACUAAABYAAAAAAAAAAAAAAAAAAAAAAAAAAAAAAAAAAAAAAAAAAAAAAAAAAAAAAAAAAAAAAA/AAAAAAAAAKCGAQAAAAAAAAAAAAAAAAAMAAAAAQAAAAAAAAAAAAAAAAAAAB8AAABUAAAA////Bf///wEAAAAAAAAAAAAAAAAAAAAAAAAAAAAAAAAAAAAAAAAAAAZJjAJ/f38AlpaWA8zMzADAwP8Af39/AAAAAAAAAAAAAAAAAAAAAAAAAAAAIQAAABgAAAAUAAAAwDUAABsnAABARwAAWSkAABAAAAAmAAAACAAAAAAAAAAAAAAA"/>
+                <pr:smNativeData xmlns="smNativeData" xmlns:pr="smNativeData" xmlns:p15="http://schemas.microsoft.com/office/powerpoint/2012/main" xmlns:p14="http://schemas.microsoft.com/office/powerpoint/2010/main" xmlns:mc="http://schemas.openxmlformats.org/markup-compatibility/2006" val="SMDATA_15_Uo0YYxMAAAAlAAAAZAAAAA8BAAAAkAAAAEgAAACQAAAASAAAAAAAAAABAAAAAAAAAAEAAABQAAAAAAAAAAAA4D8AAAAAAADgPwAAAAAAAOA/AAAAAAAA4D8AAAAAAADgPwAAAAAAAOA/AAAAAAAA4D8AAAAAAADgPwAAAAAAAOA/AAAAAAAA4D8CAAAAjAAAAAAAAAAAAAAA////DP///wgAAAAAAAAAAAAAAAAAAAAAAAAAAAAAAAAAAAAAZAAAAAEAAABAAAAAAAAAAAAAAAAAAAAAAAAAAAAAAAAAAAAAAAAAAAAAAAAAAAAAAAAAAAAAAAAAAAAAAAAAAAAAAAAAAAAAAAAAAAAAAAAAAAAAAAAAAAAAAAAAAAAAFAAAADwAAAAAAAAAAAAAAAZJjAkUAAAAAQAAABQAAAAUAAAAFAAAAAEAAAAAAAAAZAAAAGQAAAAAAAAAZAAAAGQAAAAVAAAAYAAAAAAAAAAAAAAADwAAACADAAAAAAAAAAAAAAEAAACgMgAAVgcAAKr4//8BAAAAf39/AAEAAABkAAAAAAAAABQAAABAHwAAAAAAACYAAAAAAAAAwOD//wAAAAAmAAAAZAAAABYAAABMAAAAAAAAAAAAAAAEAAAAAAAAAAEAAACWlpYKAAAAACgAAAAoAAAAZAAAAGQAAAAAAAAAzMzMAAAAAABQAAAAUAAAAGQAAABkAAAAAAAAABcAAAAUAAAAAAAAAAAAAAD/fwAA/38AAAAAAAAJAAAABAAAAAAAAAAeAAAAaAAAAAAAAAAAAAAAAAAAAAAAAAAAAAAAECcAABAnAAAAAAAAAAAAAAAAAAAAAAAAAAAAAAAAAAAAAAAAAAAAABQAAAAAAAAAwMD/AAAAAABkAAAAMgAAAAAAAABkAAAAAAAAAH9/fwAKAAAAIgAAABgAAAAAAAAAAAAAAAAAAAAAAAAAAAAAAAAAAAAkAAAAJAAAAAAAAAAHAAAAAAAAAAAAAAAAAAAAAAAAAAAAAAAAAAAAf39/ACUAAABYAAAAAAAAAAAAAAAAAAAAAAAAAAAAAAAAAAAAAAAAAAAAAAAAAAAAAAAAAAAAAAA/AAAAAAAAAKCGAQAAAAAAAAAAAAAAAAAMAAAAAQAAAAAAAAAAAAAAAAAAAB8AAABUAAAA////Bf///wEAAAAAAAAAAAAAAAAAAAAAAAAAAAAAAAAAAAAAAAAAAAZJjAJ/f38AlpaWA8zMzADAwP8Af39/AAAAAAAAAAAAAAAAAAAAAAAAAAAAIQAAABgAAAAUAAAAwDUAABsnAABARwAAWSkAABAAAAAmAAAACAAAAAAAAAAAAAAA"/>
               </a:ext>
             </a:extLst>
           </p:cNvSpPr>
@@ -1961,10 +1956,10 @@
           <a:bodyPr/>
           <a:lstStyle/>
           <a:p>
-            <a:pPr/>
             <a:fld id="{149BB94B-05F9-CE4F-B723-F31AF76D41A6}" type="slidenum">
-              <a:t>{Nr.}</a:t>
+              <a:t>‹#›</a:t>
             </a:fld>
+            <a:endParaRPr/>
           </a:p>
         </p:txBody>
       </p:sp>
@@ -1978,7 +1973,7 @@
 </file>
 
 <file path=ppt/slideLayouts/slideLayout6.xml><?xml version="1.0" encoding="utf-8"?>
-<p:sldLayout xmlns:p="http://schemas.openxmlformats.org/presentationml/2006/main" xmlns:mc="http://schemas.openxmlformats.org/markup-compatibility/2006" xmlns:p14="http://schemas.microsoft.com/office/powerpoint/2010/main" xmlns:p15="http://schemas.microsoft.com/office/powerpoint/2012/main" xmlns:r="http://schemas.openxmlformats.org/officeDocument/2006/relationships" xmlns:a="http://schemas.openxmlformats.org/drawingml/2006/main" type="titleOnly">
+<p:sldLayout xmlns:a="http://schemas.openxmlformats.org/drawingml/2006/main" xmlns:r="http://schemas.openxmlformats.org/officeDocument/2006/relationships" xmlns:p="http://schemas.openxmlformats.org/presentationml/2006/main" type="titleOnly">
   <p:cSld name="Title only">
     <p:spTree>
       <p:nvGrpSpPr>
@@ -2001,7 +1996,7 @@
             <a:spLocks noGrp="1" noChangeArrowheads="1"/>
             <a:extLst>
               <a:ext uri="smNativeData">
-                <pr:smNativeData xmlns:pr="smNativeData" xmlns="smNativeData" val="SMDATA_15_Uo0YYxMAAAAlAAAAZAAAAA8BAAAAkAAAAEgAAACQAAAASAAAAAAAAAABAAAAAAAAAAEAAABQAAAAAAAAAAAA4D8AAAAAAADgPwAAAAAAAOA/AAAAAAAA4D8AAAAAAADgPwAAAAAAAOA/AAAAAAAA4D8AAAAAAADgPwAAAAAAAOA/AAAAAAAA4D8CAAAAjAAAAAEAAAAAAAAA////DP///whQAAAAAAAAAAAAAAAAAAAAAAAAAAAAAAAAAAAAZAAAAAEAAABAAAAAAAAAAAAAAAAAAAAAAAAAAAAAAAAAAAAAAAAAAAAAAAAAAAAAAAAAAAAAAAAAAAAAAAAAAAAAAAAAAAAAAAAAAAAAAAAAAAAAAAAAAAAAAAAAAAAAFAAAADwAAAAAAAAAAAAAAAZJjAkUAAAAAQAAABQAAAAUAAAAFAAAAAEAAAAAAAAAZAAAAGQAAAAAAAAAZAAAAGQAAAAVAAAAYAAAAAAAAAAAAAAADwAAACADAAAAAAAAAAAAAAEAAACgMgAAAAAAAAAAAAABAAAAf39/AAEAAABkAAAAAAAAABQAAABAHwAAAAAAACYAAAAAAAAAwOD//wAAAAAmAAAAZAAAABYAAABMAAAAAAAAAAAAAAAEAAAAAAAAAAEAAACWlpYKAAAAACgAAAAoAAAAZAAAAGQAAAAAAAAAzMzMAAAAAABQAAAAUAAAAGQAAABkAAAAAAAAABcAAAAUAAAAAAAAAAAAAAD/fwAA/38AAAAAAAAJAAAABAAAACAaAAAeAAAAaAAAAAAAAAAAAAAAAAAAAAAAAAAAAAAAECcAABAnAAAAAAAAAAAAAAAAAAAAAAAAAAAAAAAAAAAAAAAAAAAAABQAAAAAAAAAwMD/AAAAAABkAAAAMgAAAAAAAABkAAAAAAAAAH9/fwAKAAAAIgAAABgAAAAAAAAAAAAAAAAAAAAAAAAAAAAAAAAAAAAkAAAAJAAAAAAAAAAHAAAAAAAAAAAAAAAAAAAAAAAAAAAAAAAAAAAAf39/ACUAAABYAAAAAAAAAAAAAAAAAAAAAAAAAAAAAAAAAAAAAAAAAAAAAAAAAAAAAAAAAAAAAAA/AAAAAAAAAKCGAQAAAAAAAAAAAAAAAAAMAAAAAQAAAAAAAAAAAAAAAAAAAB8AAABUAAAA////Bf///wEAAAAAAAAAAAAAAAAAAAAAAAAAAAAAAAAAAAAAAAAAAAZJjAJ/f38AlpaWA8zMzADAwP8Af39/AAAAAAAAAAAAAAAAAAAAAAAAAAAAIQAAABgAAAAUAAAAwAMAALABAABARwAAuAgAABAAAAAmAAAACAAAAAAAAAAAAAAA"/>
+                <pr:smNativeData xmlns="smNativeData" xmlns:pr="smNativeData" xmlns:p15="http://schemas.microsoft.com/office/powerpoint/2012/main" xmlns:p14="http://schemas.microsoft.com/office/powerpoint/2010/main" xmlns:mc="http://schemas.openxmlformats.org/markup-compatibility/2006" val="SMDATA_15_Uo0YYxMAAAAlAAAAZAAAAA8BAAAAkAAAAEgAAACQAAAASAAAAAAAAAABAAAAAAAAAAEAAABQAAAAAAAAAAAA4D8AAAAAAADgPwAAAAAAAOA/AAAAAAAA4D8AAAAAAADgPwAAAAAAAOA/AAAAAAAA4D8AAAAAAADgPwAAAAAAAOA/AAAAAAAA4D8CAAAAjAAAAAEAAAAAAAAA////DP///whQAAAAAAAAAAAAAAAAAAAAAAAAAAAAAAAAAAAAZAAAAAEAAABAAAAAAAAAAAAAAAAAAAAAAAAAAAAAAAAAAAAAAAAAAAAAAAAAAAAAAAAAAAAAAAAAAAAAAAAAAAAAAAAAAAAAAAAAAAAAAAAAAAAAAAAAAAAAAAAAAAAAFAAAADwAAAAAAAAAAAAAAAZJjAkUAAAAAQAAABQAAAAUAAAAFAAAAAEAAAAAAAAAZAAAAGQAAAAAAAAAZAAAAGQAAAAVAAAAYAAAAAAAAAAAAAAADwAAACADAAAAAAAAAAAAAAEAAACgMgAAAAAAAAAAAAABAAAAf39/AAEAAABkAAAAAAAAABQAAABAHwAAAAAAACYAAAAAAAAAwOD//wAAAAAmAAAAZAAAABYAAABMAAAAAAAAAAAAAAAEAAAAAAAAAAEAAACWlpYKAAAAACgAAAAoAAAAZAAAAGQAAAAAAAAAzMzMAAAAAABQAAAAUAAAAGQAAABkAAAAAAAAABcAAAAUAAAAAAAAAAAAAAD/fwAA/38AAAAAAAAJAAAABAAAACAaAAAeAAAAaAAAAAAAAAAAAAAAAAAAAAAAAAAAAAAAECcAABAnAAAAAAAAAAAAAAAAAAAAAAAAAAAAAAAAAAAAAAAAAAAAABQAAAAAAAAAwMD/AAAAAABkAAAAMgAAAAAAAABkAAAAAAAAAH9/fwAKAAAAIgAAABgAAAAAAAAAAAAAAAAAAAAAAAAAAAAAAAAAAAAkAAAAJAAAAAAAAAAHAAAAAAAAAAAAAAAAAAAAAAAAAAAAAAAAAAAAf39/ACUAAABYAAAAAAAAAAAAAAAAAAAAAAAAAAAAAAAAAAAAAAAAAAAAAAAAAAAAAAAAAAAAAAA/AAAAAAAAAKCGAQAAAAAAAAAAAAAAAAAMAAAAAQAAAAAAAAAAAAAAAAAAAB8AAABUAAAA////Bf///wEAAAAAAAAAAAAAAAAAAAAAAAAAAAAAAAAAAAAAAAAAAAZJjAJ/f38AlpaWA8zMzADAwP8Af39/AAAAAAAAAAAAAAAAAAAAAAAAAAAAIQAAABgAAAAUAAAAwAMAALABAABARwAAuAgAABAAAAAmAAAACAAAAAAAAAAAAAAA"/>
               </a:ext>
             </a:extLst>
           </p:cNvSpPr>
@@ -2014,7 +2009,6 @@
           <a:bodyPr/>
           <a:lstStyle/>
           <a:p>
-            <a:pPr/>
             <a:r>
               <a:t>Click to edit Master title style</a:t>
             </a:r>
@@ -2028,7 +2022,7 @@
             <a:spLocks noGrp="1" noChangeArrowheads="1"/>
             <a:extLst>
               <a:ext uri="smNativeData">
-                <pr:smNativeData xmlns:pr="smNativeData" xmlns="smNativeData" val="SMDATA_15_Uo0YYxMAAAAlAAAAZAAAAA8BAAAAkAAAAEgAAACQAAAASAAAAAAAAAABAAAAAAAAAAEAAABQAAAAAAAAAAAA4D8AAAAAAADgPwAAAAAAAOA/AAAAAAAA4D8AAAAAAADgPwAAAAAAAOA/AAAAAAAA4D8AAAAAAADgPwAAAAAAAOA/AAAAAAAA4D8CAAAAjAAAAAAAAAAAAAAA////DP///wgAAAAAAAAAAAAAAAAAAAAAAAAAAAAAAAAAAAAAZAAAAAEAAABAAAAAAAAAAAAAAAAAAAAAAAAAAAAAAAAAAAAAAAAAAAAAAAAAAAAAAAAAAAAAAAAAAAAAAAAAAAAAAAAAAAAAAAAAAAAAAAAAAAAAAAAAAAAAAAAAAAAAFAAAADwAAAAAAAAAAAAAAAZJjAkUAAAAAQAAABQAAAAUAAAAFAAAAAEAAAAAAAAAZAAAAGQAAAAAAAAAZAAAAGQAAAAVAAAAYAAAAAAAAAAAAAAADwAAACADAAAAAAAAAAAAAAEAAACgMgAAVgcAAKr4//8BAAAAf39/AAEAAABkAAAAAAAAABQAAABAHwAAAAAAACYAAAAAAAAAwOD//wAAAAAmAAAAZAAAABYAAABMAAAAAAAAAAAAAAAEAAAAAAAAAAEAAACWlpYKAAAAACgAAAAoAAAAZAAAAGQAAAAAAAAAzMzMAAAAAABQAAAAUAAAAGQAAABkAAAAAAAAABcAAAAUAAAAAAAAAAAAAAD/fwAA/38AAAAAAAAJAAAABAAAAF42AAAeAAAAaAAAAAAAAAAAAAAAAAAAAAAAAAAAAAAAECcAABAnAAAAAAAAAAAAAAAAAAAAAAAAAAAAAAAAAAAAAAAAAAAAABQAAAAAAAAAwMD/AAAAAABkAAAAMgAAAAAAAABkAAAAAAAAAH9/fwAKAAAAIgAAABgAAAAAAAAAAAAAAAAAAAAAAAAAAAAAAAAAAAAkAAAAJAAAAAAAAAAHAAAAAAAAAAAAAAAAAAAAAAAAAAAAAAAAAAAAf39/ACUAAABYAAAAAAAAAAAAAAAAAAAAAAAAAAAAAAAAAAAAAAAAAAAAAAAAAAAAAAAAAAAAAAA/AAAAAAAAAKCGAQAAAAAAAAAAAAAAAAAMAAAAAQAAAAAAAAAAAAAAAAAAAB8AAABUAAAA////Bf///wEAAAAAAAAAAAAAAAAAAAAAAAAAAAAAAAAAAAAAAAAAAAZJjAJ/f38AlpaWA8zMzADAwP8Af39/AAAAAAAAAAAAAAAAAAAAAAAAAAAAIQAAABgAAAAUAAAAwAMAABsnAABAFQAAWSkAABAAAAAmAAAACAAAAAAAAAAAAAAA"/>
+                <pr:smNativeData xmlns="smNativeData" xmlns:pr="smNativeData" xmlns:p15="http://schemas.microsoft.com/office/powerpoint/2012/main" xmlns:p14="http://schemas.microsoft.com/office/powerpoint/2010/main" xmlns:mc="http://schemas.openxmlformats.org/markup-compatibility/2006" val="SMDATA_15_Uo0YYxMAAAAlAAAAZAAAAA8BAAAAkAAAAEgAAACQAAAASAAAAAAAAAABAAAAAAAAAAEAAABQAAAAAAAAAAAA4D8AAAAAAADgPwAAAAAAAOA/AAAAAAAA4D8AAAAAAADgPwAAAAAAAOA/AAAAAAAA4D8AAAAAAADgPwAAAAAAAOA/AAAAAAAA4D8CAAAAjAAAAAAAAAAAAAAA////DP///wgAAAAAAAAAAAAAAAAAAAAAAAAAAAAAAAAAAAAAZAAAAAEAAABAAAAAAAAAAAAAAAAAAAAAAAAAAAAAAAAAAAAAAAAAAAAAAAAAAAAAAAAAAAAAAAAAAAAAAAAAAAAAAAAAAAAAAAAAAAAAAAAAAAAAAAAAAAAAAAAAAAAAFAAAADwAAAAAAAAAAAAAAAZJjAkUAAAAAQAAABQAAAAUAAAAFAAAAAEAAAAAAAAAZAAAAGQAAAAAAAAAZAAAAGQAAAAVAAAAYAAAAAAAAAAAAAAADwAAACADAAAAAAAAAAAAAAEAAACgMgAAVgcAAKr4//8BAAAAf39/AAEAAABkAAAAAAAAABQAAABAHwAAAAAAACYAAAAAAAAAwOD//wAAAAAmAAAAZAAAABYAAABMAAAAAAAAAAAAAAAEAAAAAAAAAAEAAACWlpYKAAAAACgAAAAoAAAAZAAAAGQAAAAAAAAAzMzMAAAAAABQAAAAUAAAAGQAAABkAAAAAAAAABcAAAAUAAAAAAAAAAAAAAD/fwAA/38AAAAAAAAJAAAABAAAAF42AAAeAAAAaAAAAAAAAAAAAAAAAAAAAAAAAAAAAAAAECcAABAnAAAAAAAAAAAAAAAAAAAAAAAAAAAAAAAAAAAAAAAAAAAAABQAAAAAAAAAwMD/AAAAAABkAAAAMgAAAAAAAABkAAAAAAAAAH9/fwAKAAAAIgAAABgAAAAAAAAAAAAAAAAAAAAAAAAAAAAAAAAAAAAkAAAAJAAAAAAAAAAHAAAAAAAAAAAAAAAAAAAAAAAAAAAAAAAAAAAAf39/ACUAAABYAAAAAAAAAAAAAAAAAAAAAAAAAAAAAAAAAAAAAAAAAAAAAAAAAAAAAAAAAAAAAAA/AAAAAAAAAKCGAQAAAAAAAAAAAAAAAAAMAAAAAQAAAAAAAAAAAAAAAAAAAB8AAABUAAAA////Bf///wEAAAAAAAAAAAAAAAAAAAAAAAAAAAAAAAAAAAAAAAAAAAZJjAJ/f38AlpaWA8zMzADAwP8Af39/AAAAAAAAAAAAAAAAAAAAAAAAAAAAIQAAABgAAAAUAAAAwAMAABsnAABAFQAAWSkAABAAAAAmAAAACAAAAAAAAAAAAAAA"/>
               </a:ext>
             </a:extLst>
           </p:cNvSpPr>
@@ -2041,10 +2035,10 @@
           <a:bodyPr/>
           <a:lstStyle/>
           <a:p>
-            <a:pPr/>
             <a:fld id="{1687B877-39FB-D24E-B53F-CF1BF671439A}" type="datetime1">
-              <a:t>{Date/Time}</a:t>
+              <a:t>9/7/2022</a:t>
             </a:fld>
+            <a:endParaRPr/>
           </a:p>
         </p:txBody>
       </p:sp>
@@ -2055,7 +2049,7 @@
             <a:spLocks noGrp="1" noChangeArrowheads="1"/>
             <a:extLst>
               <a:ext uri="smNativeData">
-                <pr:smNativeData xmlns:pr="smNativeData" xmlns="smNativeData" val="SMDATA_15_Uo0YYxMAAAAlAAAAZAAAAA8BAAAAkAAAAEgAAACQAAAASAAAAAAAAAABAAAAAAAAAAEAAABQAAAAAAAAAAAA4D8AAAAAAADgPwAAAAAAAOA/AAAAAAAA4D8AAAAAAADgPwAAAAAAAOA/AAAAAAAA4D8AAAAAAADgPwAAAAAAAOA/AAAAAAAA4D8CAAAAjAAAAAAAAAAAAAAA////DP///wgAAAAAAAAAAAAAAAAAAAAAAAAAAAAAAAAAAAAAZAAAAAEAAABAAAAAAAAAAAAAAAAAAAAAAAAAAAAAAAAAAAAAAAAAAAAAAAAAAAAAAAAAAAAAAAAAAAAAAAAAAAAAAAAAAAAAAAAAAAAAAAAAAAAAAAAAAAAAAAAAAAAAFAAAADwAAAAAAAAAAAAAAAZJjAkUAAAAAQAAABQAAAAUAAAAFAAAAAEAAAAAAAAAZAAAAGQAAAAAAAAAZAAAAGQAAAAVAAAAYAAAAAAAAAAAAAAADwAAACADAAAAAAAAAAAAAAEAAACgMgAAVgcAAKr4//8BAAAAf39/AAEAAABkAAAAAAAAABQAAABAHwAAAAAAACYAAAAAAAAAwOD//wAAAAAmAAAAZAAAABYAAABMAAAAAAAAAAAAAAAEAAAAAAAAAAEAAACWlpYKAAAAACgAAAAoAAAAZAAAAGQAAAAAAAAAzMzMAAAAAABQAAAAUAAAAGQAAABkAAAAAAAAABcAAAAUAAAAAAAAAAAAAAD/fwAA/38AAAAAAAAJAAAABAAAAAICAgIeAAAAaAAAAAAAAAAAAAAAAAAAAAAAAAAAAAAAECcAABAnAAAAAAAAAAAAAAAAAAAAAAAAAAAAAAAAAAAAAAAAAAAAABQAAAAAAAAAwMD/AAAAAABkAAAAMgAAAAAAAABkAAAAAAAAAH9/fwAKAAAAIgAAABgAAAAAAAAAAAAAAAAAAAAAAAAAAAAAAAAAAAAkAAAAJAAAAAAAAAAHAAAAAAAAAAAAAAAAAAAAAAAAAAAAAAAAAAAAf39/ACUAAABYAAAAAAAAAAAAAAAAAAAAAAAAAAAAAAAAAAAAAAAAAAAAAAAAAAAAAAAAAAAAAAA/AAAAAAAAAKCGAQAAAAAAAAAAAAAAAAAMAAAAAQAAAAAAAAAAAAAAAAAAAB8AAABUAAAA////Bf///wEAAAAAAAAAAAAAAAAAAAAAAAAAAAAAAAAAAAAAAAAAAAZJjAJ/f38AlpaWA8zMzADAwP8Af39/AAAAAAAAAAAAAAAAAAAAAAAAAAAAIQAAABgAAAAUAAAAoBkAABsnAABgMQAAWSkAABAAAAAmAAAACAAAAAAAAAAAAAAA"/>
+                <pr:smNativeData xmlns="smNativeData" xmlns:pr="smNativeData" xmlns:p15="http://schemas.microsoft.com/office/powerpoint/2012/main" xmlns:p14="http://schemas.microsoft.com/office/powerpoint/2010/main" xmlns:mc="http://schemas.openxmlformats.org/markup-compatibility/2006" val="SMDATA_15_Uo0YYxMAAAAlAAAAZAAAAA8BAAAAkAAAAEgAAACQAAAASAAAAAAAAAABAAAAAAAAAAEAAABQAAAAAAAAAAAA4D8AAAAAAADgPwAAAAAAAOA/AAAAAAAA4D8AAAAAAADgPwAAAAAAAOA/AAAAAAAA4D8AAAAAAADgPwAAAAAAAOA/AAAAAAAA4D8CAAAAjAAAAAAAAAAAAAAA////DP///wgAAAAAAAAAAAAAAAAAAAAAAAAAAAAAAAAAAAAAZAAAAAEAAABAAAAAAAAAAAAAAAAAAAAAAAAAAAAAAAAAAAAAAAAAAAAAAAAAAAAAAAAAAAAAAAAAAAAAAAAAAAAAAAAAAAAAAAAAAAAAAAAAAAAAAAAAAAAAAAAAAAAAFAAAADwAAAAAAAAAAAAAAAZJjAkUAAAAAQAAABQAAAAUAAAAFAAAAAEAAAAAAAAAZAAAAGQAAAAAAAAAZAAAAGQAAAAVAAAAYAAAAAAAAAAAAAAADwAAACADAAAAAAAAAAAAAAEAAACgMgAAVgcAAKr4//8BAAAAf39/AAEAAABkAAAAAAAAABQAAABAHwAAAAAAACYAAAAAAAAAwOD//wAAAAAmAAAAZAAAABYAAABMAAAAAAAAAAAAAAAEAAAAAAAAAAEAAACWlpYKAAAAACgAAAAoAAAAZAAAAGQAAAAAAAAAzMzMAAAAAABQAAAAUAAAAGQAAABkAAAAAAAAABcAAAAUAAAAAAAAAAAAAAD/fwAA/38AAAAAAAAJAAAABAAAAAICAgIeAAAAaAAAAAAAAAAAAAAAAAAAAAAAAAAAAAAAECcAABAnAAAAAAAAAAAAAAAAAAAAAAAAAAAAAAAAAAAAAAAAAAAAABQAAAAAAAAAwMD/AAAAAABkAAAAMgAAAAAAAABkAAAAAAAAAH9/fwAKAAAAIgAAABgAAAAAAAAAAAAAAAAAAAAAAAAAAAAAAAAAAAAkAAAAJAAAAAAAAAAHAAAAAAAAAAAAAAAAAAAAAAAAAAAAAAAAAAAAf39/ACUAAABYAAAAAAAAAAAAAAAAAAAAAAAAAAAAAAAAAAAAAAAAAAAAAAAAAAAAAAAAAAAAAAA/AAAAAAAAAKCGAQAAAAAAAAAAAAAAAAAMAAAAAQAAAAAAAAAAAAAAAAAAAB8AAABUAAAA////Bf///wEAAAAAAAAAAAAAAAAAAAAAAAAAAAAAAAAAAAAAAAAAAAZJjAJ/f38AlpaWA8zMzADAwP8Af39/AAAAAAAAAAAAAAAAAAAAAAAAAAAAIQAAABgAAAAUAAAAoBkAABsnAABgMQAAWSkAABAAAAAmAAAACAAAAAAAAAAAAAAA"/>
               </a:ext>
             </a:extLst>
           </p:cNvSpPr>
@@ -2068,7 +2062,6 @@
           <a:bodyPr/>
           <a:lstStyle/>
           <a:p>
-            <a:pPr/>
             <a:r>
               <a:t>{Footer}</a:t>
             </a:r>
@@ -2082,7 +2075,7 @@
             <a:spLocks noGrp="1" noChangeArrowheads="1"/>
             <a:extLst>
               <a:ext uri="smNativeData">
-                <pr:smNativeData xmlns:pr="smNativeData" xmlns="smNativeData" val="SMDATA_15_Uo0YYxMAAAAlAAAAZAAAAA8BAAAAkAAAAEgAAACQAAAASAAAAAAAAAABAAAAAAAAAAEAAABQAAAAAAAAAAAA4D8AAAAAAADgPwAAAAAAAOA/AAAAAAAA4D8AAAAAAADgPwAAAAAAAOA/AAAAAAAA4D8AAAAAAADgPwAAAAAAAOA/AAAAAAAA4D8CAAAAjAAAAAAAAAAAAAAA////DP///wgAAAAAAAAAAAAAAAAAAAAAAAAAAAAAAAAAAAAAZAAAAAEAAABAAAAAAAAAAAAAAAAAAAAAAAAAAAAAAAAAAAAAAAAAAAAAAAAAAAAAAAAAAAAAAAAAAAAAAAAAAAAAAAAAAAAAAAAAAAAAAAAAAAAAAAAAAAAAAAAAAAAAFAAAADwAAAAAAAAAAAAAAAZJjAkUAAAAAQAAABQAAAAUAAAAFAAAAAEAAAAAAAAAZAAAAGQAAAAAAAAAZAAAAGQAAAAVAAAAYAAAAAAAAAAAAAAADwAAACADAAAAAAAAAAAAAAEAAACgMgAAVgcAAKr4//8BAAAAf39/AAEAAABkAAAAAAAAABQAAABAHwAAAAAAACYAAAAAAAAAwOD//wAAAAAmAAAAZAAAABYAAABMAAAAAAAAAAAAAAAEAAAAAAAAAAEAAACWlpYKAAAAACgAAAAoAAAAZAAAAGQAAAAAAAAAzMzMAAAAAABQAAAAUAAAAGQAAABkAAAAAAAAABcAAAAUAAAAAAAAAAAAAAD/fwAA/38AAAAAAAAJAAAABAAAAI4nAAAeAAAAaAAAAAAAAAAAAAAAAAAAAAAAAAAAAAAAECcAABAnAAAAAAAAAAAAAAAAAAAAAAAAAAAAAAAAAAAAAAAAAAAAABQAAAAAAAAAwMD/AAAAAABkAAAAMgAAAAAAAABkAAAAAAAAAH9/fwAKAAAAIgAAABgAAAAAAAAAAAAAAAAAAAAAAAAAAAAAAAAAAAAkAAAAJAAAAAAAAAAHAAAAAAAAAAAAAAAAAAAAAAAAAAAAAAAAAAAAf39/ACUAAABYAAAAAAAAAAAAAAAAAAAAAAAAAAAAAAAAAAAAAAAAAAAAAAAAAAAAAAAAAAAAAAA/AAAAAAAAAKCGAQAAAAAAAAAAAAAAAAAMAAAAAQAAAAAAAAAAAAAAAAAAAB8AAABUAAAA////Bf///wEAAAAAAAAAAAAAAAAAAAAAAAAAAAAAAAAAAAAAAAAAAAZJjAJ/f38AlpaWA8zMzADAwP8Af39/AAAAAAAAAAAAAAAAAAAAAAAAAAAAIQAAABgAAAAUAAAAwDUAABsnAABARwAAWSkAABAAAAAmAAAACAAAAAAAAAAAAAAA"/>
+                <pr:smNativeData xmlns="smNativeData" xmlns:pr="smNativeData" xmlns:p15="http://schemas.microsoft.com/office/powerpoint/2012/main" xmlns:p14="http://schemas.microsoft.com/office/powerpoint/2010/main" xmlns:mc="http://schemas.openxmlformats.org/markup-compatibility/2006" val="SMDATA_15_Uo0YYxMAAAAlAAAAZAAAAA8BAAAAkAAAAEgAAACQAAAASAAAAAAAAAABAAAAAAAAAAEAAABQAAAAAAAAAAAA4D8AAAAAAADgPwAAAAAAAOA/AAAAAAAA4D8AAAAAAADgPwAAAAAAAOA/AAAAAAAA4D8AAAAAAADgPwAAAAAAAOA/AAAAAAAA4D8CAAAAjAAAAAAAAAAAAAAA////DP///wgAAAAAAAAAAAAAAAAAAAAAAAAAAAAAAAAAAAAAZAAAAAEAAABAAAAAAAAAAAAAAAAAAAAAAAAAAAAAAAAAAAAAAAAAAAAAAAAAAAAAAAAAAAAAAAAAAAAAAAAAAAAAAAAAAAAAAAAAAAAAAAAAAAAAAAAAAAAAAAAAAAAAFAAAADwAAAAAAAAAAAAAAAZJjAkUAAAAAQAAABQAAAAUAAAAFAAAAAEAAAAAAAAAZAAAAGQAAAAAAAAAZAAAAGQAAAAVAAAAYAAAAAAAAAAAAAAADwAAACADAAAAAAAAAAAAAAEAAACgMgAAVgcAAKr4//8BAAAAf39/AAEAAABkAAAAAAAAABQAAABAHwAAAAAAACYAAAAAAAAAwOD//wAAAAAmAAAAZAAAABYAAABMAAAAAAAAAAAAAAAEAAAAAAAAAAEAAACWlpYKAAAAACgAAAAoAAAAZAAAAGQAAAAAAAAAzMzMAAAAAABQAAAAUAAAAGQAAABkAAAAAAAAABcAAAAUAAAAAAAAAAAAAAD/fwAA/38AAAAAAAAJAAAABAAAAI4nAAAeAAAAaAAAAAAAAAAAAAAAAAAAAAAAAAAAAAAAECcAABAnAAAAAAAAAAAAAAAAAAAAAAAAAAAAAAAAAAAAAAAAAAAAABQAAAAAAAAAwMD/AAAAAABkAAAAMgAAAAAAAABkAAAAAAAAAH9/fwAKAAAAIgAAABgAAAAAAAAAAAAAAAAAAAAAAAAAAAAAAAAAAAAkAAAAJAAAAAAAAAAHAAAAAAAAAAAAAAAAAAAAAAAAAAAAAAAAAAAAf39/ACUAAABYAAAAAAAAAAAAAAAAAAAAAAAAAAAAAAAAAAAAAAAAAAAAAAAAAAAAAAAAAAAAAAA/AAAAAAAAAKCGAQAAAAAAAAAAAAAAAAAMAAAAAQAAAAAAAAAAAAAAAAAAAB8AAABUAAAA////Bf///wEAAAAAAAAAAAAAAAAAAAAAAAAAAAAAAAAAAAAAAAAAAAZJjAJ/f38AlpaWA8zMzADAwP8Af39/AAAAAAAAAAAAAAAAAAAAAAAAAAAAIQAAABgAAAAUAAAAwDUAABsnAABARwAAWSkAABAAAAAmAAAACAAAAAAAAAAAAAAA"/>
               </a:ext>
             </a:extLst>
           </p:cNvSpPr>
@@ -2095,10 +2088,10 @@
           <a:bodyPr/>
           <a:lstStyle/>
           <a:p>
-            <a:pPr/>
             <a:fld id="{6A721B7C-3287-27ED-C9CA-C4B855843F91}" type="slidenum">
-              <a:t>{Nr.}</a:t>
+              <a:t>‹#›</a:t>
             </a:fld>
+            <a:endParaRPr/>
           </a:p>
         </p:txBody>
       </p:sp>
@@ -2112,7 +2105,7 @@
 </file>
 
 <file path=ppt/slideLayouts/slideLayout7.xml><?xml version="1.0" encoding="utf-8"?>
-<p:sldLayout xmlns:p="http://schemas.openxmlformats.org/presentationml/2006/main" xmlns:mc="http://schemas.openxmlformats.org/markup-compatibility/2006" xmlns:p14="http://schemas.microsoft.com/office/powerpoint/2010/main" xmlns:p15="http://schemas.microsoft.com/office/powerpoint/2012/main" xmlns:r="http://schemas.openxmlformats.org/officeDocument/2006/relationships" xmlns:a="http://schemas.openxmlformats.org/drawingml/2006/main" type="blank">
+<p:sldLayout xmlns:a="http://schemas.openxmlformats.org/drawingml/2006/main" xmlns:r="http://schemas.openxmlformats.org/officeDocument/2006/relationships" xmlns:p="http://schemas.openxmlformats.org/presentationml/2006/main" type="blank">
   <p:cSld name="Blank">
     <p:spTree>
       <p:nvGrpSpPr>
@@ -2135,7 +2128,7 @@
             <a:spLocks noGrp="1" noChangeArrowheads="1"/>
             <a:extLst>
               <a:ext uri="smNativeData">
-                <pr:smNativeData xmlns:pr="smNativeData" xmlns="smNativeData" val="SMDATA_15_Uo0YYxMAAAAlAAAAZAAAAA8BAAAAkAAAAEgAAACQAAAASAAAAAAAAAABAAAAAAAAAAEAAABQAAAAAAAAAAAA4D8AAAAAAADgPwAAAAAAAOA/AAAAAAAA4D8AAAAAAADgPwAAAAAAAOA/AAAAAAAA4D8AAAAAAADgPwAAAAAAAOA/AAAAAAAA4D8CAAAAjAAAAAAAAAAAAAAA////DP///wgAAAAAAAAAAAAAAAAAAAAAAAAAAAAAAAAAAAAAZAAAAAEAAABAAAAAAAAAAAAAAAAAAAAAAAAAAAAAAAAAAAAAAAAAAAAAAAAAAAAAAAAAAAAAAAAAAAAAAAAAAAAAAAAAAAAAAAAAAAAAAAAAAAAAAAAAAAAAAAAAAAAAFAAAADwAAAAAAAAAAAAAAAZJjAkUAAAAAQAAABQAAAAUAAAAFAAAAAEAAAAAAAAAZAAAAGQAAAAAAAAAZAAAAGQAAAAVAAAAYAAAAAAAAAAAAAAADwAAACADAAAAAAAAAAAAAAEAAACgMgAAVgcAAKr4//8BAAAAf39/AAEAAABkAAAAAAAAABQAAABAHwAAAAAAACYAAAAAAAAAwOD//wAAAAAmAAAAZAAAABYAAABMAAAAAAAAAAAAAAAEAAAAAAAAAAEAAACWlpYKAAAAACgAAAAoAAAAZAAAAGQAAAAAAAAAzMzMAAAAAABQAAAAUAAAAGQAAABkAAAAAAAAABcAAAAUAAAAAAAAAAAAAAD/fwAA/38AAAAAAAAJAAAABAAAAEosAAAeAAAAaAAAAAAAAAAAAAAAAAAAAAAAAAAAAAAAECcAABAnAAAAAAAAAAAAAAAAAAAAAAAAAAAAAAAAAAAAAAAAAAAAABQAAAAAAAAAwMD/AAAAAABkAAAAMgAAAAAAAABkAAAAAAAAAH9/fwAKAAAAIgAAABgAAAAAAAAAAAAAAAAAAAAAAAAAAAAAAAAAAAAkAAAAJAAAAAAAAAAHAAAAAAAAAAAAAAAAAAAAAAAAAAAAAAAAAAAAf39/ACUAAABYAAAAAAAAAAAAAAAAAAAAAAAAAAAAAAAAAAAAAAAAAAAAAAAAAAAAAAAAAAAAAAA/AAAAAAAAAKCGAQAAAAAAAAAAAAAAAAAMAAAAAQAAAAAAAAAAAAAAAAAAAB8AAABUAAAA////Bf///wEAAAAAAAAAAAAAAAAAAAAAAAAAAAAAAAAAAAAAAAAAAAZJjAJ/f38AlpaWA8zMzADAwP8Af39/AAAAAAAAAAAAAAAAAAAAAAAAAAAAIQAAABgAAAAUAAAAwAMAABsnAABAFQAAWSkAABAAAAAmAAAACAAAAAAAAAAAAAAA"/>
+                <pr:smNativeData xmlns="smNativeData" xmlns:pr="smNativeData" xmlns:p15="http://schemas.microsoft.com/office/powerpoint/2012/main" xmlns:p14="http://schemas.microsoft.com/office/powerpoint/2010/main" xmlns:mc="http://schemas.openxmlformats.org/markup-compatibility/2006" val="SMDATA_15_Uo0YYxMAAAAlAAAAZAAAAA8BAAAAkAAAAEgAAACQAAAASAAAAAAAAAABAAAAAAAAAAEAAABQAAAAAAAAAAAA4D8AAAAAAADgPwAAAAAAAOA/AAAAAAAA4D8AAAAAAADgPwAAAAAAAOA/AAAAAAAA4D8AAAAAAADgPwAAAAAAAOA/AAAAAAAA4D8CAAAAjAAAAAAAAAAAAAAA////DP///wgAAAAAAAAAAAAAAAAAAAAAAAAAAAAAAAAAAAAAZAAAAAEAAABAAAAAAAAAAAAAAAAAAAAAAAAAAAAAAAAAAAAAAAAAAAAAAAAAAAAAAAAAAAAAAAAAAAAAAAAAAAAAAAAAAAAAAAAAAAAAAAAAAAAAAAAAAAAAAAAAAAAAFAAAADwAAAAAAAAAAAAAAAZJjAkUAAAAAQAAABQAAAAUAAAAFAAAAAEAAAAAAAAAZAAAAGQAAAAAAAAAZAAAAGQAAAAVAAAAYAAAAAAAAAAAAAAADwAAACADAAAAAAAAAAAAAAEAAACgMgAAVgcAAKr4//8BAAAAf39/AAEAAABkAAAAAAAAABQAAABAHwAAAAAAACYAAAAAAAAAwOD//wAAAAAmAAAAZAAAABYAAABMAAAAAAAAAAAAAAAEAAAAAAAAAAEAAACWlpYKAAAAACgAAAAoAAAAZAAAAGQAAAAAAAAAzMzMAAAAAABQAAAAUAAAAGQAAABkAAAAAAAAABcAAAAUAAAAAAAAAAAAAAD/fwAA/38AAAAAAAAJAAAABAAAAEosAAAeAAAAaAAAAAAAAAAAAAAAAAAAAAAAAAAAAAAAECcAABAnAAAAAAAAAAAAAAAAAAAAAAAAAAAAAAAAAAAAAAAAAAAAABQAAAAAAAAAwMD/AAAAAABkAAAAMgAAAAAAAABkAAAAAAAAAH9/fwAKAAAAIgAAABgAAAAAAAAAAAAAAAAAAAAAAAAAAAAAAAAAAAAkAAAAJAAAAAAAAAAHAAAAAAAAAAAAAAAAAAAAAAAAAAAAAAAAAAAAf39/ACUAAABYAAAAAAAAAAAAAAAAAAAAAAAAAAAAAAAAAAAAAAAAAAAAAAAAAAAAAAAAAAAAAAA/AAAAAAAAAKCGAQAAAAAAAAAAAAAAAAAMAAAAAQAAAAAAAAAAAAAAAAAAAB8AAABUAAAA////Bf///wEAAAAAAAAAAAAAAAAAAAAAAAAAAAAAAAAAAAAAAAAAAAZJjAJ/f38AlpaWA8zMzADAwP8Af39/AAAAAAAAAAAAAAAAAAAAAAAAAAAAIQAAABgAAAAUAAAAwAMAABsnAABAFQAAWSkAABAAAAAmAAAACAAAAAAAAAAAAAAA"/>
               </a:ext>
             </a:extLst>
           </p:cNvSpPr>
@@ -2148,10 +2141,10 @@
           <a:bodyPr/>
           <a:lstStyle/>
           <a:p>
-            <a:pPr/>
             <a:fld id="{3BB9353A-74D6-ECC3-9801-82967B4F6ED7}" type="datetime1">
-              <a:t/>
+              <a:t>9/7/2022</a:t>
             </a:fld>
+            <a:endParaRPr/>
           </a:p>
         </p:txBody>
       </p:sp>
@@ -2162,7 +2155,7 @@
             <a:spLocks noGrp="1" noChangeArrowheads="1"/>
             <a:extLst>
               <a:ext uri="smNativeData">
-                <pr:smNativeData xmlns:pr="smNativeData" xmlns="smNativeData" val="SMDATA_15_Uo0YYxMAAAAlAAAAZAAAAA8BAAAAkAAAAEgAAACQAAAASAAAAAAAAAABAAAAAAAAAAEAAABQAAAAAAAAAAAA4D8AAAAAAADgPwAAAAAAAOA/AAAAAAAA4D8AAAAAAADgPwAAAAAAAOA/AAAAAAAA4D8AAAAAAADgPwAAAAAAAOA/AAAAAAAA4D8CAAAAjAAAAAAAAAAAAAAA////DP///wgAAAAAAAAAAAAAAAAAAAAAAAAAAAAAAAAAAAAAZAAAAAEAAABAAAAAAAAAAAAAAAAAAAAAAAAAAAAAAAAAAAAAAAAAAAAAAAAAAAAAAAAAAAAAAAAAAAAAAAAAAAAAAAAAAAAAAAAAAAAAAAAAAAAAAAAAAAAAAAAAAAAAFAAAADwAAAAAAAAAAAAAAAZJjAkUAAAAAQAAABQAAAAUAAAAFAAAAAEAAAAAAAAAZAAAAGQAAAAAAAAAZAAAAGQAAAAVAAAAYAAAAAAAAAAAAAAADwAAACADAAAAAAAAAAAAAAEAAACgMgAAVgcAAKr4//8BAAAAf39/AAEAAABkAAAAAAAAABQAAABAHwAAAAAAACYAAAAAAAAAwOD//wAAAAAmAAAAZAAAABYAAABMAAAAAAAAAAAAAAAEAAAAAAAAAAEAAACWlpYKAAAAACgAAAAoAAAAZAAAAGQAAAAAAAAAzMzMAAAAAABQAAAAUAAAAGQAAABkAAAAAAAAABcAAAAUAAAAAAAAAAAAAAD/fwAA/38AAAAAAAAJAAAABAAAAND///8eAAAAaAAAAAAAAAAAAAAAAAAAAAAAAAAAAAAAECcAABAnAAAAAAAAAAAAAAAAAAAAAAAAAAAAAAAAAAAAAAAAAAAAABQAAAAAAAAAwMD/AAAAAABkAAAAMgAAAAAAAABkAAAAAAAAAH9/fwAKAAAAIgAAABgAAAAAAAAAAAAAAAAAAAAAAAAAAAAAAAAAAAAkAAAAJAAAAAAAAAAHAAAAAAAAAAAAAAAAAAAAAAAAAAAAAAAAAAAAf39/ACUAAABYAAAAAAAAAAAAAAAAAAAAAAAAAAAAAAAAAAAAAAAAAAAAAAAAAAAAAAAAAAAAAAA/AAAAAAAAAKCGAQAAAAAAAAAAAAAAAAAMAAAAAQAAAAAAAAAAAAAAAAAAAB8AAABUAAAA////Bf///wEAAAAAAAAAAAAAAAAAAAAAAAAAAAAAAAAAAAAAAAAAAAZJjAJ/f38AlpaWA8zMzADAwP8Af39/AAAAAAAAAAAAAAAAAAAAAAAAAAAAIQAAABgAAAAUAAAAoBkAABsnAABgMQAAWSkAABAAAAAmAAAACAAAAAAAAAAAAAAA"/>
+                <pr:smNativeData xmlns="smNativeData" xmlns:pr="smNativeData" xmlns:p15="http://schemas.microsoft.com/office/powerpoint/2012/main" xmlns:p14="http://schemas.microsoft.com/office/powerpoint/2010/main" xmlns:mc="http://schemas.openxmlformats.org/markup-compatibility/2006" val="SMDATA_15_Uo0YYxMAAAAlAAAAZAAAAA8BAAAAkAAAAEgAAACQAAAASAAAAAAAAAABAAAAAAAAAAEAAABQAAAAAAAAAAAA4D8AAAAAAADgPwAAAAAAAOA/AAAAAAAA4D8AAAAAAADgPwAAAAAAAOA/AAAAAAAA4D8AAAAAAADgPwAAAAAAAOA/AAAAAAAA4D8CAAAAjAAAAAAAAAAAAAAA////DP///wgAAAAAAAAAAAAAAAAAAAAAAAAAAAAAAAAAAAAAZAAAAAEAAABAAAAAAAAAAAAAAAAAAAAAAAAAAAAAAAAAAAAAAAAAAAAAAAAAAAAAAAAAAAAAAAAAAAAAAAAAAAAAAAAAAAAAAAAAAAAAAAAAAAAAAAAAAAAAAAAAAAAAFAAAADwAAAAAAAAAAAAAAAZJjAkUAAAAAQAAABQAAAAUAAAAFAAAAAEAAAAAAAAAZAAAAGQAAAAAAAAAZAAAAGQAAAAVAAAAYAAAAAAAAAAAAAAADwAAACADAAAAAAAAAAAAAAEAAACgMgAAVgcAAKr4//8BAAAAf39/AAEAAABkAAAAAAAAABQAAABAHwAAAAAAACYAAAAAAAAAwOD//wAAAAAmAAAAZAAAABYAAABMAAAAAAAAAAAAAAAEAAAAAAAAAAEAAACWlpYKAAAAACgAAAAoAAAAZAAAAGQAAAAAAAAAzMzMAAAAAABQAAAAUAAAAGQAAABkAAAAAAAAABcAAAAUAAAAAAAAAAAAAAD/fwAA/38AAAAAAAAJAAAABAAAAND///8eAAAAaAAAAAAAAAAAAAAAAAAAAAAAAAAAAAAAECcAABAnAAAAAAAAAAAAAAAAAAAAAAAAAAAAAAAAAAAAAAAAAAAAABQAAAAAAAAAwMD/AAAAAABkAAAAMgAAAAAAAABkAAAAAAAAAH9/fwAKAAAAIgAAABgAAAAAAAAAAAAAAAAAAAAAAAAAAAAAAAAAAAAkAAAAJAAAAAAAAAAHAAAAAAAAAAAAAAAAAAAAAAAAAAAAAAAAAAAAf39/ACUAAABYAAAAAAAAAAAAAAAAAAAAAAAAAAAAAAAAAAAAAAAAAAAAAAAAAAAAAAAAAAAAAAA/AAAAAAAAAKCGAQAAAAAAAAAAAAAAAAAMAAAAAQAAAAAAAAAAAAAAAAAAAB8AAABUAAAA////Bf///wEAAAAAAAAAAAAAAAAAAAAAAAAAAAAAAAAAAAAAAAAAAAZJjAJ/f38AlpaWA8zMzADAwP8Af39/AAAAAAAAAAAAAAAAAAAAAAAAAAAAIQAAABgAAAAUAAAAoBkAABsnAABgMQAAWSkAABAAAAAmAAAACAAAAAAAAAAAAAAA"/>
               </a:ext>
             </a:extLst>
           </p:cNvSpPr>
@@ -2175,7 +2168,7 @@
           <a:bodyPr/>
           <a:lstStyle/>
           <a:p>
-            <a:pPr/>
+            <a:endParaRPr/>
           </a:p>
         </p:txBody>
       </p:sp>
@@ -2186,7 +2179,7 @@
             <a:spLocks noGrp="1" noChangeArrowheads="1"/>
             <a:extLst>
               <a:ext uri="smNativeData">
-                <pr:smNativeData xmlns:pr="smNativeData" xmlns="smNativeData" val="SMDATA_15_Uo0YYxMAAAAlAAAAZAAAAA8BAAAAkAAAAEgAAACQAAAASAAAAAAAAAABAAAAAAAAAAEAAABQAAAAAAAAAAAA4D8AAAAAAADgPwAAAAAAAOA/AAAAAAAA4D8AAAAAAADgPwAAAAAAAOA/AAAAAAAA4D8AAAAAAADgPwAAAAAAAOA/AAAAAAAA4D8CAAAAjAAAAAAAAAAAAAAA////DP///wgAAAAAAAAAAAAAAAAAAAAAAAAAAAAAAAAAAAAAZAAAAAEAAABAAAAAAAAAAAAAAAAAAAAAAAAAAAAAAAAAAAAAAAAAAAAAAAAAAAAAAAAAAAAAAAAAAAAAAAAAAAAAAAAAAAAAAAAAAAAAAAAAAAAAAAAAAAAAAAAAAAAAFAAAADwAAAAAAAAAAAAAAAZJjAkUAAAAAQAAABQAAAAUAAAAFAAAAAEAAAAAAAAAZAAAAGQAAAAAAAAAZAAAAGQAAAAVAAAAYAAAAAAAAAAAAAAADwAAACADAAAAAAAAAAAAAAEAAACgMgAAVgcAAKr4//8BAAAAf39/AAEAAABkAAAAAAAAABQAAABAHwAAAAAAACYAAAAAAAAAwOD//wAAAAAmAAAAZAAAABYAAABMAAAAAAAAAAAAAAAEAAAAAAAAAAEAAACWlpYKAAAAACgAAAAoAAAAZAAAAGQAAAAAAAAAzMzMAAAAAABQAAAAUAAAAGQAAABkAAAAAAAAABcAAAAUAAAAAAAAAAAAAAD/fwAA/38AAAAAAAAJAAAABAAAAP8A/wAeAAAAaAAAAAAAAAAAAAAAAAAAAAAAAAAAAAAAECcAABAnAAAAAAAAAAAAAAAAAAAAAAAAAAAAAAAAAAAAAAAAAAAAABQAAAAAAAAAwMD/AAAAAABkAAAAMgAAAAAAAABkAAAAAAAAAH9/fwAKAAAAIgAAABgAAAAAAAAAAAAAAAAAAAAAAAAAAAAAAAAAAAAkAAAAJAAAAAAAAAAHAAAAAAAAAAAAAAAAAAAAAAAAAAAAAAAAAAAAf39/ACUAAABYAAAAAAAAAAAAAAAAAAAAAAAAAAAAAAAAAAAAAAAAAAAAAAAAAAAAAAAAAAAAAAA/AAAAAAAAAKCGAQAAAAAAAAAAAAAAAAAMAAAAAQAAAAAAAAAAAAAAAAAAAB8AAABUAAAA////Bf///wEAAAAAAAAAAAAAAAAAAAAAAAAAAAAAAAAAAAAAAAAAAAZJjAJ/f38AlpaWA8zMzADAwP8Af39/AAAAAAAAAAAAAAAAAAAAAAAAAAAAIQAAABgAAAAUAAAAwDUAABsnAABARwAAWSkAABAAAAAmAAAACAAAAAAAAAAAAAAA"/>
+                <pr:smNativeData xmlns="smNativeData" xmlns:pr="smNativeData" xmlns:p15="http://schemas.microsoft.com/office/powerpoint/2012/main" xmlns:p14="http://schemas.microsoft.com/office/powerpoint/2010/main" xmlns:mc="http://schemas.openxmlformats.org/markup-compatibility/2006" val="SMDATA_15_Uo0YYxMAAAAlAAAAZAAAAA8BAAAAkAAAAEgAAACQAAAASAAAAAAAAAABAAAAAAAAAAEAAABQAAAAAAAAAAAA4D8AAAAAAADgPwAAAAAAAOA/AAAAAAAA4D8AAAAAAADgPwAAAAAAAOA/AAAAAAAA4D8AAAAAAADgPwAAAAAAAOA/AAAAAAAA4D8CAAAAjAAAAAAAAAAAAAAA////DP///wgAAAAAAAAAAAAAAAAAAAAAAAAAAAAAAAAAAAAAZAAAAAEAAABAAAAAAAAAAAAAAAAAAAAAAAAAAAAAAAAAAAAAAAAAAAAAAAAAAAAAAAAAAAAAAAAAAAAAAAAAAAAAAAAAAAAAAAAAAAAAAAAAAAAAAAAAAAAAAAAAAAAAFAAAADwAAAAAAAAAAAAAAAZJjAkUAAAAAQAAABQAAAAUAAAAFAAAAAEAAAAAAAAAZAAAAGQAAAAAAAAAZAAAAGQAAAAVAAAAYAAAAAAAAAAAAAAADwAAACADAAAAAAAAAAAAAAEAAACgMgAAVgcAAKr4//8BAAAAf39/AAEAAABkAAAAAAAAABQAAABAHwAAAAAAACYAAAAAAAAAwOD//wAAAAAmAAAAZAAAABYAAABMAAAAAAAAAAAAAAAEAAAAAAAAAAEAAACWlpYKAAAAACgAAAAoAAAAZAAAAGQAAAAAAAAAzMzMAAAAAABQAAAAUAAAAGQAAABkAAAAAAAAABcAAAAUAAAAAAAAAAAAAAD/fwAA/38AAAAAAAAJAAAABAAAAP8A/wAeAAAAaAAAAAAAAAAAAAAAAAAAAAAAAAAAAAAAECcAABAnAAAAAAAAAAAAAAAAAAAAAAAAAAAAAAAAAAAAAAAAAAAAABQAAAAAAAAAwMD/AAAAAABkAAAAMgAAAAAAAABkAAAAAAAAAH9/fwAKAAAAIgAAABgAAAAAAAAAAAAAAAAAAAAAAAAAAAAAAAAAAAAkAAAAJAAAAAAAAAAHAAAAAAAAAAAAAAAAAAAAAAAAAAAAAAAAAAAAf39/ACUAAABYAAAAAAAAAAAAAAAAAAAAAAAAAAAAAAAAAAAAAAAAAAAAAAAAAAAAAAAAAAAAAAA/AAAAAAAAAKCGAQAAAAAAAAAAAAAAAAAMAAAAAQAAAAAAAAAAAAAAAAAAAB8AAABUAAAA////Bf///wEAAAAAAAAAAAAAAAAAAAAAAAAAAAAAAAAAAAAAAAAAAAZJjAJ/f38AlpaWA8zMzADAwP8Af39/AAAAAAAAAAAAAAAAAAAAAAAAAAAAIQAAABgAAAAUAAAAwDUAABsnAABARwAAWSkAABAAAAAmAAAACAAAAAAAAAAAAAAA"/>
               </a:ext>
             </a:extLst>
           </p:cNvSpPr>
@@ -2199,10 +2192,10 @@
           <a:bodyPr/>
           <a:lstStyle/>
           <a:p>
-            <a:pPr/>
             <a:fld id="{1A7E789A-D4F7-2B8E-B9C6-22DB36884F77}" type="slidenum">
-              <a:t/>
+              <a:t>‹#›</a:t>
             </a:fld>
+            <a:endParaRPr/>
           </a:p>
         </p:txBody>
       </p:sp>
@@ -2216,7 +2209,7 @@
 </file>
 
 <file path=ppt/slideLayouts/slideLayout8.xml><?xml version="1.0" encoding="utf-8"?>
-<p:sldLayout xmlns:p="http://schemas.openxmlformats.org/presentationml/2006/main" xmlns:mc="http://schemas.openxmlformats.org/markup-compatibility/2006" xmlns:p14="http://schemas.microsoft.com/office/powerpoint/2010/main" xmlns:p15="http://schemas.microsoft.com/office/powerpoint/2012/main" xmlns:r="http://schemas.openxmlformats.org/officeDocument/2006/relationships" xmlns:a="http://schemas.openxmlformats.org/drawingml/2006/main" type="objTx">
+<p:sldLayout xmlns:a="http://schemas.openxmlformats.org/drawingml/2006/main" xmlns:r="http://schemas.openxmlformats.org/officeDocument/2006/relationships" xmlns:p="http://schemas.openxmlformats.org/presentationml/2006/main" type="objTx">
   <p:cSld name="Content with caption">
     <p:spTree>
       <p:nvGrpSpPr>
@@ -2239,7 +2232,7 @@
             <a:spLocks noGrp="1" noChangeArrowheads="1"/>
             <a:extLst>
               <a:ext uri="smNativeData">
-                <pr:smNativeData xmlns:pr="smNativeData" xmlns="smNativeData" val="SMDATA_15_Uo0YYxMAAAAlAAAAZAAAAA8BAAAAkAAAAEgAAACQAAAASAAAAAAAAAACAAAAAAAAAAEAAABQAAAAAAAAAAAA4D8AAAAAAADgPwAAAAAAAOA/AAAAAAAA4D8AAAAAAADgPwAAAAAAAOA/AAAAAAAA4D8AAAAAAADgPwAAAAAAAOA/AAAAAAAA4D8CAAAAjAAAAAEAAAAAAAAA////DP///whQAAAAAAAAAAAAAAAAAAAAAAAAAAAAAAAAAAAAZAAAAAEAAABAAAAAAAAAAAAAAAAAAAAAAAAAAAAAAAAAAAAAAAAAAAAAAAAAAAAAAAAAAAAAAAAAAAAAAAAAAAAAAAAAAAAAAAAAAAAAAAAAAAAAAAAAAAAAAAAAAAAAFAAAADwAAAAAAAAAAAAAAAZJjAkUAAAAAQAAABQAAAAUAAAAFAAAAAEAAAAAAAAAZAAAAGQAAAAAAAAAZAAAAGQAAAAVAAAAYAAAAAAAAAAAAAAADwAAACADAAAAAAAAAAAAAAEAAACgMgAAAAAAAAAAAAABAAAAf39/AAEAAABkAAAAAAAAABQAAABAHwAAAAAAACYAAAAAAAAAwOD//wAAAAAmAAAAZAAAABYAAABMAAAAAAAAAAAAAAAEAAAAAAAAAAEAAACWlpYKAAAAACgAAAAoAAAAZAAAAGQAAAAAAAAAzMzMAAAAAABQAAAAUAAAAGQAAABkAAAAAAAAABcAAAAUAAAAAAAAAAAAAAD/fwAA/38AAAAAAAAJAAAABAAAAAAAAAAeAAAAaAAAAAAAAAAAAAAAAAAAAAAAAAAAAAAAECcAABAnAAAAAAAAAAAAAAAAAAAAAAAAAAAAAAAAAAAAAAAAAAAAABQAAAAAAAAAwMD/AAAAAABkAAAAMgAAAAAAAABkAAAAAAAAAH9/fwAKAAAAIgAAABgAAAAAAAAAAAAAAAAAAAAAAAAAAAAAAAAAAAAkAAAAJAAAAAAAAAAHAAAAAAAAAAAAAAAAAAAAAAAAAAAAAAAAAAAAf39/ACUAAABYAAAAAAAAAAAAAAAAAAAAAAAAAAAAAAAAAAAAAAAAAAAAAAAAAAAAAAAAAAAAAAA/AAAAAAAAAKCGAQAAAAAAAAAAAAAAAAAMAAAAAQAAAAAAAAAAAAAAAAAAAB8AAABUAAAA////Bf///wEAAAAAAAAAAAAAAAAAAAAAAAAAAAAAAAAAAAAAAAAAAAZJjAJ/f38AlpaWA8zMzADAwP8Af39/AAAAAAAAAAAAAAAAAAAAAAAAAAAAIQAAABgAAAAUAAAAwAMAAK4BAABtHAAA1AgAABAAAAAmAAAACAAAAIGAAAAAAAAA"/>
+                <pr:smNativeData xmlns="smNativeData" xmlns:pr="smNativeData" xmlns:p15="http://schemas.microsoft.com/office/powerpoint/2012/main" xmlns:p14="http://schemas.microsoft.com/office/powerpoint/2010/main" xmlns:mc="http://schemas.openxmlformats.org/markup-compatibility/2006" val="SMDATA_15_Uo0YYxMAAAAlAAAAZAAAAA8BAAAAkAAAAEgAAACQAAAASAAAAAAAAAACAAAAAAAAAAEAAABQAAAAAAAAAAAA4D8AAAAAAADgPwAAAAAAAOA/AAAAAAAA4D8AAAAAAADgPwAAAAAAAOA/AAAAAAAA4D8AAAAAAADgPwAAAAAAAOA/AAAAAAAA4D8CAAAAjAAAAAEAAAAAAAAA////DP///whQAAAAAAAAAAAAAAAAAAAAAAAAAAAAAAAAAAAAZAAAAAEAAABAAAAAAAAAAAAAAAAAAAAAAAAAAAAAAAAAAAAAAAAAAAAAAAAAAAAAAAAAAAAAAAAAAAAAAAAAAAAAAAAAAAAAAAAAAAAAAAAAAAAAAAAAAAAAAAAAAAAAFAAAADwAAAAAAAAAAAAAAAZJjAkUAAAAAQAAABQAAAAUAAAAFAAAAAEAAAAAAAAAZAAAAGQAAAAAAAAAZAAAAGQAAAAVAAAAYAAAAAAAAAAAAAAADwAAACADAAAAAAAAAAAAAAEAAACgMgAAAAAAAAAAAAABAAAAf39/AAEAAABkAAAAAAAAABQAAABAHwAAAAAAACYAAAAAAAAAwOD//wAAAAAmAAAAZAAAABYAAABMAAAAAAAAAAAAAAAEAAAAAAAAAAEAAACWlpYKAAAAACgAAAAoAAAAZAAAAGQAAAAAAAAAzMzMAAAAAABQAAAAUAAAAGQAAABkAAAAAAAAABcAAAAUAAAAAAAAAAAAAAD/fwAA/38AAAAAAAAJAAAABAAAAAAAAAAeAAAAaAAAAAAAAAAAAAAAAAAAAAAAAAAAAAAAECcAABAnAAAAAAAAAAAAAAAAAAAAAAAAAAAAAAAAAAAAAAAAAAAAABQAAAAAAAAAwMD/AAAAAABkAAAAMgAAAAAAAABkAAAAAAAAAH9/fwAKAAAAIgAAABgAAAAAAAAAAAAAAAAAAAAAAAAAAAAAAAAAAAAkAAAAJAAAAAAAAAAHAAAAAAAAAAAAAAAAAAAAAAAAAAAAAAAAAAAAf39/ACUAAABYAAAAAAAAAAAAAAAAAAAAAAAAAAAAAAAAAAAAAAAAAAAAAAAAAAAAAAAAAAAAAAA/AAAAAAAAAKCGAQAAAAAAAAAAAAAAAAAMAAAAAQAAAAAAAAAAAAAAAAAAAB8AAABUAAAA////Bf///wEAAAAAAAAAAAAAAAAAAAAAAAAAAAAAAAAAAAAAAAAAAAZJjAJ/f38AlpaWA8zMzADAwP8Af39/AAAAAAAAAAAAAAAAAAAAAAAAAAAAIQAAABgAAAAUAAAAwAMAAK4BAABtHAAA1AgAABAAAAAmAAAACAAAAIGAAAAAAAAA"/>
               </a:ext>
             </a:extLst>
           </p:cNvSpPr>
@@ -2265,7 +2258,6 @@
             </a:lvl1pPr>
           </a:lstStyle>
           <a:p>
-            <a:pPr/>
             <a:r>
               <a:t>Click to edit Master title style</a:t>
             </a:r>
@@ -2279,7 +2271,7 @@
             <a:spLocks noGrp="1" noChangeArrowheads="1"/>
             <a:extLst>
               <a:ext uri="smNativeData">
-                <pr:smNativeData xmlns:pr="smNativeData" xmlns="smNativeData" val="SMDATA_15_Uo0YYxMAAAAlAAAAZAAAAA8BAAAAkAAAAEgAAACQAAAASAAAAAAAAAAAAAAAAAAAAAEAAABQAAAAAAAAAAAA4D8AAAAAAADgPwAAAAAAAOA/AAAAAAAA4D8AAAAAAADgPwAAAAAAAOA/AAAAAAAA4D8AAAAAAADgPwAAAAAAAOA/AAAAAAAA4D8CAAAAjAAAAAEAAAAAAAAA////DP///whQAAAAAAAAAAAAAAAAAAAAAAAAAAAAAAAAAAAAZAAAAAEAAABAAAAAAAAAAAAAAAAAAAAAAAAAAAAAAAAAAAAAAAAAAAAAAAAAAAAAAAAAAAAAAAAAAAAAAAAAAAAAAAAAAAAAAAAAAAAAAAAAAAAAAAAAAAAAAAAAAAAAFAAAADwAAAAAAAAAAAAAAAZJjAkUAAAAAQAAABQAAAAUAAAAFAAAAAEAAAAAAAAAZAAAAGQAAAAAAAAAZAAAAGQAAAAVAAAAYAAAAAAAAAAAAAAADwAAACADAAAAAAAAAAAAAAEAAACgMgAAAAAAAAAAAAABAAAAf39/AAEAAABkAAAAAAAAABQAAABAHwAAAAAAACYAAAAAAAAAwOD//wAAAAAmAAAAZAAAABYAAABMAAAAAAAAAAAAAAAEAAAAAAAAAAEAAACWlpYKAAAAACgAAAAoAAAAZAAAAGQAAAAAAAAAzMzMAAAAAABQAAAAUAAAAGQAAABkAAAAAAAAABcAAAAUAAAAAAAAAAAAAAD/fwAA/38AAAAAAAAJAAAABAAAAMIBAAAeAAAAaAAAAAAAAAAAAAAAAAAAAAAAAAAAAAAAECcAABAnAAAAAAAAAAAAAAAAAAAAAAAAAAAAAAAAAAAAAAAAAAAAABQAAAAAAAAAwMD/AAAAAABkAAAAMgAAAAAAAABkAAAAAAAAAH9/fwAKAAAAIgAAABgAAAAAAAAAAAAAAAAAAAAAAAAAAAAAAAAAAAAkAAAAJAAAAAAAAAAHAAAAAAAAAAAAAAAAAAAAAAAAAAAAAAAAAAAAf39/ACUAAABYAAAAAAAAAAAAAAAAAAAAAAAAAAAAAAAAAAAAAAAAAAAAAAAAAAAAAAAAAAAAAAA/AAAAAAAAAKCGAQAAAAAAAAAAAAAAAAAMAAAAAQAAAAAAAAAAAAAAAAAAAB8AAABUAAAA////Bf///wEAAAAAAAAAAAAAAAAAAAAAAAAAAAAAAAAAAAAAAAAAAAZJjAJ/f38AlpaWA8zMzADAwP8Af39/AAAAAAAAAAAAAAAAAAAAAAAAAAAAIQAAABgAAAAUAAAAUh0AAK4BAABARwAAsCUAABAAAAAmAAAACAAAAAGAAAAAAAAA"/>
+                <pr:smNativeData xmlns="smNativeData" xmlns:pr="smNativeData" xmlns:p15="http://schemas.microsoft.com/office/powerpoint/2012/main" xmlns:p14="http://schemas.microsoft.com/office/powerpoint/2010/main" xmlns:mc="http://schemas.openxmlformats.org/markup-compatibility/2006" val="SMDATA_15_Uo0YYxMAAAAlAAAAZAAAAA8BAAAAkAAAAEgAAACQAAAASAAAAAAAAAAAAAAAAAAAAAEAAABQAAAAAAAAAAAA4D8AAAAAAADgPwAAAAAAAOA/AAAAAAAA4D8AAAAAAADgPwAAAAAAAOA/AAAAAAAA4D8AAAAAAADgPwAAAAAAAOA/AAAAAAAA4D8CAAAAjAAAAAEAAAAAAAAA////DP///whQAAAAAAAAAAAAAAAAAAAAAAAAAAAAAAAAAAAAZAAAAAEAAABAAAAAAAAAAAAAAAAAAAAAAAAAAAAAAAAAAAAAAAAAAAAAAAAAAAAAAAAAAAAAAAAAAAAAAAAAAAAAAAAAAAAAAAAAAAAAAAAAAAAAAAAAAAAAAAAAAAAAFAAAADwAAAAAAAAAAAAAAAZJjAkUAAAAAQAAABQAAAAUAAAAFAAAAAEAAAAAAAAAZAAAAGQAAAAAAAAAZAAAAGQAAAAVAAAAYAAAAAAAAAAAAAAADwAAACADAAAAAAAAAAAAAAEAAACgMgAAAAAAAAAAAAABAAAAf39/AAEAAABkAAAAAAAAABQAAABAHwAAAAAAACYAAAAAAAAAwOD//wAAAAAmAAAAZAAAABYAAABMAAAAAAAAAAAAAAAEAAAAAAAAAAEAAACWlpYKAAAAACgAAAAoAAAAZAAAAGQAAAAAAAAAzMzMAAAAAABQAAAAUAAAAGQAAABkAAAAAAAAABcAAAAUAAAAAAAAAAAAAAD/fwAA/38AAAAAAAAJAAAABAAAAMIBAAAeAAAAaAAAAAAAAAAAAAAAAAAAAAAAAAAAAAAAECcAABAnAAAAAAAAAAAAAAAAAAAAAAAAAAAAAAAAAAAAAAAAAAAAABQAAAAAAAAAwMD/AAAAAABkAAAAMgAAAAAAAABkAAAAAAAAAH9/fwAKAAAAIgAAABgAAAAAAAAAAAAAAAAAAAAAAAAAAAAAAAAAAAAkAAAAJAAAAAAAAAAHAAAAAAAAAAAAAAAAAAAAAAAAAAAAAAAAAAAAf39/ACUAAABYAAAAAAAAAAAAAAAAAAAAAAAAAAAAAAAAAAAAAAAAAAAAAAAAAAAAAAAAAAAAAAA/AAAAAAAAAKCGAQAAAAAAAAAAAAAAAAAMAAAAAQAAAAAAAAAAAAAAAAAAAB8AAABUAAAA////Bf///wEAAAAAAAAAAAAAAAAAAAAAAAAAAAAAAAAAAAAAAAAAAAZJjAJ/f38AlpaWA8zMzADAwP8Af39/AAAAAAAAAAAAAAAAAAAAAAAAAAAAIQAAABgAAAAUAAAAUh0AAK4BAABARwAAsCUAABAAAAAmAAAACAAAAAGAAAAAAAAA"/>
               </a:ext>
             </a:extLst>
           </p:cNvSpPr>
@@ -2325,7 +2317,6 @@
             </a:lvl9pPr>
           </a:lstStyle>
           <a:p>
-            <a:pPr/>
             <a:r>
               <a:t>Click to edit Master text styles</a:t>
             </a:r>
@@ -2363,7 +2354,7 @@
             <a:spLocks noGrp="1" noChangeArrowheads="1"/>
             <a:extLst>
               <a:ext uri="smNativeData">
-                <pr:smNativeData xmlns:pr="smNativeData" xmlns="smNativeData" val="SMDATA_15_Uo0YYxMAAAAlAAAAZAAAAA8BAAAAkAAAAEgAAACQAAAASAAAAAAAAAAAAAAAAAAAAAEAAABQAAAAAAAAAAAA4D8AAAAAAADgPwAAAAAAAOA/AAAAAAAA4D8AAAAAAADgPwAAAAAAAOA/AAAAAAAA4D8AAAAAAADgPwAAAAAAAOA/AAAAAAAA4D8CAAAAjAAAAAEAAAAAAAAA////DP///whQAAAAAAAAAAAAAAAAAAAAAAAAAAAAAAAAAAAAZAAAAAEAAABAAAAAAAAAAAAAAAAAAAAAAAAAAAAAAAAAAAAAAAAAAAAAAAAAAAAAAAAAAAAAAAAAAAAAAAAAAAAAAAAAAAAAAAAAAAAAAAAAAAAAAAAAAAAAAAAAAAAAFAAAADwAAAAAAAAAAAAAAAZJjAkUAAAAAQAAABQAAAAUAAAAFAAAAAEAAAAAAAAAZAAAAGQAAAAAAAAAZAAAAGQAAAAVAAAAYAAAAAAAAAAAAAAADwAAACADAAAAAAAAAAAAAAEAAACgMgAAAAAAAAAAAAABAAAAf39/AAEAAABkAAAAAAAAABQAAABAHwAAAAAAACYAAAAAAAAAwOD//wAAAAAmAAAAZAAAABYAAABMAAAAAAAAAAAAAAAEAAAAAAAAAAEAAACWlpYKAAAAACgAAAAoAAAAZAAAAGQAAAAAAAAAzMzMAAAAAABQAAAAUAAAAGQAAABkAAAAAAAAABcAAAAUAAAAAAAAAAAAAAD/fwAA/38AAAAAAAAJAAAABAAAAEIOAAAeAAAAaAAAAAAAAAAAAAAAAAAAAAAAAAAAAAAAECcAABAnAAAAAAAAAAAAAAAAAAAAAAAAAAAAAAAAAAAAAAAAAAAAABQAAAAAAAAAwMD/AAAAAABkAAAAMgAAAAAAAABkAAAAAAAAAH9/fwAKAAAAIgAAABgAAAAAAAAAAAAAAAAAAAAAAAAAAAAAAAAAAAAkAAAAJAAAAAAAAAAHAAAAAAAAAAAAAAAAAAAAAAAAAAAAAAAAAAAAf39/ACUAAABYAAAAAAAAAAAAAAAAAAAAAAAAAAAAAAAAAAAAAAAAAAAAAAAAAAAAAAAAAAAAAAA/AAAAAAAAAKCGAQAAAAAAAAAAAAAAAAAMAAAAAQAAAAAAAAAAAAAAAAAAAB8AAABUAAAA////Bf///wEAAAAAAAAAAAAAAAAAAAAAAAAAAAAAAAAAAAAAAAAAAAZJjAJ/f38AlpaWA8zMzADAwP8Af39/AAAAAAAAAAAAAAAAAAAAAAAAAAAAIQAAABgAAAAUAAAAwAMAANQIAABtHAAAsCUAABAAAAAmAAAACAAAAAGAAAAAAAAA"/>
+                <pr:smNativeData xmlns="smNativeData" xmlns:pr="smNativeData" xmlns:p15="http://schemas.microsoft.com/office/powerpoint/2012/main" xmlns:p14="http://schemas.microsoft.com/office/powerpoint/2010/main" xmlns:mc="http://schemas.openxmlformats.org/markup-compatibility/2006" val="SMDATA_15_Uo0YYxMAAAAlAAAAZAAAAA8BAAAAkAAAAEgAAACQAAAASAAAAAAAAAAAAAAAAAAAAAEAAABQAAAAAAAAAAAA4D8AAAAAAADgPwAAAAAAAOA/AAAAAAAA4D8AAAAAAADgPwAAAAAAAOA/AAAAAAAA4D8AAAAAAADgPwAAAAAAAOA/AAAAAAAA4D8CAAAAjAAAAAEAAAAAAAAA////DP///whQAAAAAAAAAAAAAAAAAAAAAAAAAAAAAAAAAAAAZAAAAAEAAABAAAAAAAAAAAAAAAAAAAAAAAAAAAAAAAAAAAAAAAAAAAAAAAAAAAAAAAAAAAAAAAAAAAAAAAAAAAAAAAAAAAAAAAAAAAAAAAAAAAAAAAAAAAAAAAAAAAAAFAAAADwAAAAAAAAAAAAAAAZJjAkUAAAAAQAAABQAAAAUAAAAFAAAAAEAAAAAAAAAZAAAAGQAAAAAAAAAZAAAAGQAAAAVAAAAYAAAAAAAAAAAAAAADwAAACADAAAAAAAAAAAAAAEAAACgMgAAAAAAAAAAAAABAAAAf39/AAEAAABkAAAAAAAAABQAAABAHwAAAAAAACYAAAAAAAAAwOD//wAAAAAmAAAAZAAAABYAAABMAAAAAAAAAAAAAAAEAAAAAAAAAAEAAACWlpYKAAAAACgAAAAoAAAAZAAAAGQAAAAAAAAAzMzMAAAAAABQAAAAUAAAAGQAAABkAAAAAAAAABcAAAAUAAAAAAAAAAAAAAD/fwAA/38AAAAAAAAJAAAABAAAAEIOAAAeAAAAaAAAAAAAAAAAAAAAAAAAAAAAAAAAAAAAECcAABAnAAAAAAAAAAAAAAAAAAAAAAAAAAAAAAAAAAAAAAAAAAAAABQAAAAAAAAAwMD/AAAAAABkAAAAMgAAAAAAAABkAAAAAAAAAH9/fwAKAAAAIgAAABgAAAAAAAAAAAAAAAAAAAAAAAAAAAAAAAAAAAAkAAAAJAAAAAAAAAAHAAAAAAAAAAAAAAAAAAAAAAAAAAAAAAAAAAAAf39/ACUAAABYAAAAAAAAAAAAAAAAAAAAAAAAAAAAAAAAAAAAAAAAAAAAAAAAAAAAAAAAAAAAAAA/AAAAAAAAAKCGAQAAAAAAAAAAAAAAAAAMAAAAAQAAAAAAAAAAAAAAAAAAAB8AAABUAAAA////Bf///wEAAAAAAAAAAAAAAAAAAAAAAAAAAAAAAAAAAAAAAAAAAAZJjAJ/f38AlpaWA8zMzADAwP8Af39/AAAAAAAAAAAAAAAAAAAAAAAAAAAAIQAAABgAAAAUAAAAwAMAANQIAABtHAAAsCUAABAAAAAmAAAACAAAAAGAAAAAAAAA"/>
               </a:ext>
             </a:extLst>
           </p:cNvSpPr>
@@ -2418,7 +2409,6 @@
             </a:lvl9pPr>
           </a:lstStyle>
           <a:p>
-            <a:pPr/>
             <a:r>
               <a:t>Click to edit Master text styles</a:t>
             </a:r>
@@ -2432,7 +2422,7 @@
             <a:spLocks noGrp="1" noChangeArrowheads="1"/>
             <a:extLst>
               <a:ext uri="smNativeData">
-                <pr:smNativeData xmlns:pr="smNativeData" xmlns="smNativeData" val="SMDATA_15_Uo0YYxMAAAAlAAAAZAAAAA8BAAAAkAAAAEgAAACQAAAASAAAAAAAAAABAAAAAAAAAAEAAABQAAAAAAAAAAAA4D8AAAAAAADgPwAAAAAAAOA/AAAAAAAA4D8AAAAAAADgPwAAAAAAAOA/AAAAAAAA4D8AAAAAAADgPwAAAAAAAOA/AAAAAAAA4D8CAAAAjAAAAAAAAAAAAAAA////DP///wgAAAAAAAAAAAAAAAAAAAAAAAAAAAAAAAAAAAAAZAAAAAEAAABAAAAAAAAAAAAAAAAAAAAAAAAAAAAAAAAAAAAAAAAAAAAAAAAAAAAAAAAAAAAAAAAAAAAAAAAAAAAAAAAAAAAAAAAAAAAAAAAAAAAAAAAAAAAAAAAAAAAAFAAAADwAAAAAAAAAAAAAAAZJjAkUAAAAAQAAABQAAAAUAAAAFAAAAAEAAAAAAAAAZAAAAGQAAAAAAAAAZAAAAGQAAAAVAAAAYAAAAAAAAAAAAAAADwAAACADAAAAAAAAAAAAAAEAAACgMgAAVgcAAKr4//8BAAAAf39/AAEAAABkAAAAAAAAABQAAABAHwAAAAAAACYAAAAAAAAAwOD//wAAAAAmAAAAZAAAABYAAABMAAAAAAAAAAAAAAAEAAAAAAAAAAEAAACWlpYKAAAAACgAAAAoAAAAZAAAAGQAAAAAAAAAzMzMAAAAAABQAAAAUAAAAGQAAABkAAAAAAAAABcAAAAUAAAAAAAAAAAAAAD/fwAA/38AAAAAAAAJAAAABAAAAP4UAAAeAAAAaAAAAAAAAAAAAAAAAAAAAAAAAAAAAAAAECcAABAnAAAAAAAAAAAAAAAAAAAAAAAAAAAAAAAAAAAAAAAAAAAAABQAAAAAAAAAwMD/AAAAAABkAAAAMgAAAAAAAABkAAAAAAAAAH9/fwAKAAAAIgAAABgAAAAAAAAAAAAAAAAAAAAAAAAAAAAAAAAAAAAkAAAAJAAAAAAAAAAHAAAAAAAAAAAAAAAAAAAAAAAAAAAAAAAAAAAAf39/ACUAAABYAAAAAAAAAAAAAAAAAAAAAAAAAAAAAAAAAAAAAAAAAAAAAAAAAAAAAAAAAAAAAAA/AAAAAAAAAKCGAQAAAAAAAAAAAAAAAAAMAAAAAQAAAAAAAAAAAAAAAAAAAB8AAABUAAAA////Bf///wEAAAAAAAAAAAAAAAAAAAAAAAAAAAAAAAAAAAAAAAAAAAZJjAJ/f38AlpaWA8zMzADAwP8Af39/AAAAAAAAAAAAAAAAAAAAAAAAAAAAIQAAABgAAAAUAAAAwAMAABsnAABAFQAAWSkAABAAAAAmAAAACAAAAAAAAAAAAAAA"/>
+                <pr:smNativeData xmlns="smNativeData" xmlns:pr="smNativeData" xmlns:p15="http://schemas.microsoft.com/office/powerpoint/2012/main" xmlns:p14="http://schemas.microsoft.com/office/powerpoint/2010/main" xmlns:mc="http://schemas.openxmlformats.org/markup-compatibility/2006" val="SMDATA_15_Uo0YYxMAAAAlAAAAZAAAAA8BAAAAkAAAAEgAAACQAAAASAAAAAAAAAABAAAAAAAAAAEAAABQAAAAAAAAAAAA4D8AAAAAAADgPwAAAAAAAOA/AAAAAAAA4D8AAAAAAADgPwAAAAAAAOA/AAAAAAAA4D8AAAAAAADgPwAAAAAAAOA/AAAAAAAA4D8CAAAAjAAAAAAAAAAAAAAA////DP///wgAAAAAAAAAAAAAAAAAAAAAAAAAAAAAAAAAAAAAZAAAAAEAAABAAAAAAAAAAAAAAAAAAAAAAAAAAAAAAAAAAAAAAAAAAAAAAAAAAAAAAAAAAAAAAAAAAAAAAAAAAAAAAAAAAAAAAAAAAAAAAAAAAAAAAAAAAAAAAAAAAAAAFAAAADwAAAAAAAAAAAAAAAZJjAkUAAAAAQAAABQAAAAUAAAAFAAAAAEAAAAAAAAAZAAAAGQAAAAAAAAAZAAAAGQAAAAVAAAAYAAAAAAAAAAAAAAADwAAACADAAAAAAAAAAAAAAEAAACgMgAAVgcAAKr4//8BAAAAf39/AAEAAABkAAAAAAAAABQAAABAHwAAAAAAACYAAAAAAAAAwOD//wAAAAAmAAAAZAAAABYAAABMAAAAAAAAAAAAAAAEAAAAAAAAAAEAAACWlpYKAAAAACgAAAAoAAAAZAAAAGQAAAAAAAAAzMzMAAAAAABQAAAAUAAAAGQAAABkAAAAAAAAABcAAAAUAAAAAAAAAAAAAAD/fwAA/38AAAAAAAAJAAAABAAAAP4UAAAeAAAAaAAAAAAAAAAAAAAAAAAAAAAAAAAAAAAAECcAABAnAAAAAAAAAAAAAAAAAAAAAAAAAAAAAAAAAAAAAAAAAAAAABQAAAAAAAAAwMD/AAAAAABkAAAAMgAAAAAAAABkAAAAAAAAAH9/fwAKAAAAIgAAABgAAAAAAAAAAAAAAAAAAAAAAAAAAAAAAAAAAAAkAAAAJAAAAAAAAAAHAAAAAAAAAAAAAAAAAAAAAAAAAAAAAAAAAAAAf39/ACUAAABYAAAAAAAAAAAAAAAAAAAAAAAAAAAAAAAAAAAAAAAAAAAAAAAAAAAAAAAAAAAAAAA/AAAAAAAAAKCGAQAAAAAAAAAAAAAAAAAMAAAAAQAAAAAAAAAAAAAAAAAAAB8AAABUAAAA////Bf///wEAAAAAAAAAAAAAAAAAAAAAAAAAAAAAAAAAAAAAAAAAAAZJjAJ/f38AlpaWA8zMzADAwP8Af39/AAAAAAAAAAAAAAAAAAAAAAAAAAAAIQAAABgAAAAUAAAAwAMAABsnAABAFQAAWSkAABAAAAAmAAAACAAAAAAAAAAAAAAA"/>
               </a:ext>
             </a:extLst>
           </p:cNvSpPr>
@@ -2445,10 +2435,10 @@
           <a:bodyPr/>
           <a:lstStyle/>
           <a:p>
-            <a:pPr/>
             <a:fld id="{79B5B275-3B94-E044-DA0D-CD11FC432C98}" type="datetime1">
-              <a:t>{Date/Time}</a:t>
+              <a:t>9/7/2022</a:t>
             </a:fld>
+            <a:endParaRPr/>
           </a:p>
         </p:txBody>
       </p:sp>
@@ -2459,7 +2449,7 @@
             <a:spLocks noGrp="1" noChangeArrowheads="1"/>
             <a:extLst>
               <a:ext uri="smNativeData">
-                <pr:smNativeData xmlns:pr="smNativeData" xmlns="smNativeData" val="SMDATA_15_Uo0YYxMAAAAlAAAAZAAAAA8BAAAAkAAAAEgAAACQAAAASAAAAAAAAAABAAAAAAAAAAEAAABQAAAAAAAAAAAA4D8AAAAAAADgPwAAAAAAAOA/AAAAAAAA4D8AAAAAAADgPwAAAAAAAOA/AAAAAAAA4D8AAAAAAADgPwAAAAAAAOA/AAAAAAAA4D8CAAAAjAAAAAAAAAAAAAAA////DP///wgAAAAAAAAAAAAAAAAAAAAAAAAAAAAAAAAAAAAAZAAAAAEAAABAAAAAAAAAAAAAAAAAAAAAAAAAAAAAAAAAAAAAAAAAAAAAAAAAAAAAAAAAAAAAAAAAAAAAAAAAAAAAAAAAAAAAAAAAAAAAAAAAAAAAAAAAAAAAAAAAAAAAFAAAADwAAAAAAAAAAAAAAAZJjAkUAAAAAQAAABQAAAAUAAAAFAAAAAEAAAAAAAAAZAAAAGQAAAAAAAAAZAAAAGQAAAAVAAAAYAAAAAAAAAAAAAAADwAAACADAAAAAAAAAAAAAAEAAACgMgAAVgcAAKr4//8BAAAAf39/AAEAAABkAAAAAAAAABQAAABAHwAAAAAAACYAAAAAAAAAwOD//wAAAAAmAAAAZAAAABYAAABMAAAAAAAAAAAAAAAEAAAAAAAAAAEAAACWlpYKAAAAACgAAAAoAAAAZAAAAGQAAAAAAAAAzMzMAAAAAABQAAAAUAAAAGQAAABkAAAAAAAAABcAAAAUAAAAAAAAAAAAAAD/fwAA/38AAAAAAAAJAAAABAAAAP8A/wAeAAAAaAAAAAAAAAAAAAAAAAAAAAAAAAAAAAAAECcAABAnAAAAAAAAAAAAAAAAAAAAAAAAAAAAAAAAAAAAAAAAAAAAABQAAAAAAAAAwMD/AAAAAABkAAAAMgAAAAAAAABkAAAAAAAAAH9/fwAKAAAAIgAAABgAAAAAAAAAAAAAAAAAAAAAAAAAAAAAAAAAAAAkAAAAJAAAAAAAAAAHAAAAAAAAAAAAAAAAAAAAAAAAAAAAAAAAAAAAf39/ACUAAABYAAAAAAAAAAAAAAAAAAAAAAAAAAAAAAAAAAAAAAAAAAAAAAAAAAAAAAAAAAAAAAA/AAAAAAAAAKCGAQAAAAAAAAAAAAAAAAAMAAAAAQAAAAAAAAAAAAAAAAAAAB8AAABUAAAA////Bf///wEAAAAAAAAAAAAAAAAAAAAAAAAAAAAAAAAAAAAAAAAAAAZJjAJ/f38AlpaWA8zMzADAwP8Af39/AAAAAAAAAAAAAAAAAAAAAAAAAAAAIQAAABgAAAAUAAAAoBkAABsnAABgMQAAWSkAABAAAAAmAAAACAAAAAAAAAAAAAAA"/>
+                <pr:smNativeData xmlns="smNativeData" xmlns:pr="smNativeData" xmlns:p15="http://schemas.microsoft.com/office/powerpoint/2012/main" xmlns:p14="http://schemas.microsoft.com/office/powerpoint/2010/main" xmlns:mc="http://schemas.openxmlformats.org/markup-compatibility/2006" val="SMDATA_15_Uo0YYxMAAAAlAAAAZAAAAA8BAAAAkAAAAEgAAACQAAAASAAAAAAAAAABAAAAAAAAAAEAAABQAAAAAAAAAAAA4D8AAAAAAADgPwAAAAAAAOA/AAAAAAAA4D8AAAAAAADgPwAAAAAAAOA/AAAAAAAA4D8AAAAAAADgPwAAAAAAAOA/AAAAAAAA4D8CAAAAjAAAAAAAAAAAAAAA////DP///wgAAAAAAAAAAAAAAAAAAAAAAAAAAAAAAAAAAAAAZAAAAAEAAABAAAAAAAAAAAAAAAAAAAAAAAAAAAAAAAAAAAAAAAAAAAAAAAAAAAAAAAAAAAAAAAAAAAAAAAAAAAAAAAAAAAAAAAAAAAAAAAAAAAAAAAAAAAAAAAAAAAAAFAAAADwAAAAAAAAAAAAAAAZJjAkUAAAAAQAAABQAAAAUAAAAFAAAAAEAAAAAAAAAZAAAAGQAAAAAAAAAZAAAAGQAAAAVAAAAYAAAAAAAAAAAAAAADwAAACADAAAAAAAAAAAAAAEAAACgMgAAVgcAAKr4//8BAAAAf39/AAEAAABkAAAAAAAAABQAAABAHwAAAAAAACYAAAAAAAAAwOD//wAAAAAmAAAAZAAAABYAAABMAAAAAAAAAAAAAAAEAAAAAAAAAAEAAACWlpYKAAAAACgAAAAoAAAAZAAAAGQAAAAAAAAAzMzMAAAAAABQAAAAUAAAAGQAAABkAAAAAAAAABcAAAAUAAAAAAAAAAAAAAD/fwAA/38AAAAAAAAJAAAABAAAAP8A/wAeAAAAaAAAAAAAAAAAAAAAAAAAAAAAAAAAAAAAECcAABAnAAAAAAAAAAAAAAAAAAAAAAAAAAAAAAAAAAAAAAAAAAAAABQAAAAAAAAAwMD/AAAAAABkAAAAMgAAAAAAAABkAAAAAAAAAH9/fwAKAAAAIgAAABgAAAAAAAAAAAAAAAAAAAAAAAAAAAAAAAAAAAAkAAAAJAAAAAAAAAAHAAAAAAAAAAAAAAAAAAAAAAAAAAAAAAAAAAAAf39/ACUAAABYAAAAAAAAAAAAAAAAAAAAAAAAAAAAAAAAAAAAAAAAAAAAAAAAAAAAAAAAAAAAAAA/AAAAAAAAAKCGAQAAAAAAAAAAAAAAAAAMAAAAAQAAAAAAAAAAAAAAAAAAAB8AAABUAAAA////Bf///wEAAAAAAAAAAAAAAAAAAAAAAAAAAAAAAAAAAAAAAAAAAAZJjAJ/f38AlpaWA8zMzADAwP8Af39/AAAAAAAAAAAAAAAAAAAAAAAAAAAAIQAAABgAAAAUAAAAoBkAABsnAABgMQAAWSkAABAAAAAmAAAACAAAAAAAAAAAAAAA"/>
               </a:ext>
             </a:extLst>
           </p:cNvSpPr>
@@ -2472,7 +2462,6 @@
           <a:bodyPr/>
           <a:lstStyle/>
           <a:p>
-            <a:pPr/>
             <a:r>
               <a:t>{Footer}</a:t>
             </a:r>
@@ -2486,7 +2475,7 @@
             <a:spLocks noGrp="1" noChangeArrowheads="1"/>
             <a:extLst>
               <a:ext uri="smNativeData">
-                <pr:smNativeData xmlns:pr="smNativeData" xmlns="smNativeData" val="SMDATA_15_Uo0YYxMAAAAlAAAAZAAAAA8BAAAAkAAAAEgAAACQAAAASAAAAAAAAAABAAAAAAAAAAEAAABQAAAAAAAAAAAA4D8AAAAAAADgPwAAAAAAAOA/AAAAAAAA4D8AAAAAAADgPwAAAAAAAOA/AAAAAAAA4D8AAAAAAADgPwAAAAAAAOA/AAAAAAAA4D8CAAAAjAAAAAAAAAAAAAAA////DP///wgAAAAAAAAAAAAAAAAAAAAAAAAAAAAAAAAAAAAAZAAAAAEAAABAAAAAAAAAAAAAAAAAAAAAAAAAAAAAAAAAAAAAAAAAAAAAAAAAAAAAAAAAAAAAAAAAAAAAAAAAAAAAAAAAAAAAAAAAAAAAAAAAAAAAAAAAAAAAAAAAAAAAFAAAADwAAAAAAAAAAAAAAAZJjAkUAAAAAQAAABQAAAAUAAAAFAAAAAEAAAAAAAAAZAAAAGQAAAAAAAAAZAAAAGQAAAAVAAAAYAAAAAAAAAAAAAAADwAAACADAAAAAAAAAAAAAAEAAACgMgAAVgcAAKr4//8BAAAAf39/AAEAAABkAAAAAAAAABQAAABAHwAAAAAAACYAAAAAAAAAwOD//wAAAAAmAAAAZAAAABYAAABMAAAAAAAAAAAAAAAEAAAAAAAAAAEAAACWlpYKAAAAACgAAAAoAAAAZAAAAGQAAAAAAAAAzMzMAAAAAABQAAAAUAAAAGQAAABkAAAAAAAAABcAAAAUAAAAAAAAAAAAAAD/fwAA/38AAAAAAAAJAAAABAAAAAcqAAAeAAAAaAAAAAAAAAAAAAAAAAAAAAAAAAAAAAAAECcAABAnAAAAAAAAAAAAAAAAAAAAAAAAAAAAAAAAAAAAAAAAAAAAABQAAAAAAAAAwMD/AAAAAABkAAAAMgAAAAAAAABkAAAAAAAAAH9/fwAKAAAAIgAAABgAAAAAAAAAAAAAAAAAAAAAAAAAAAAAAAAAAAAkAAAAJAAAAAAAAAAHAAAAAAAAAAAAAAAAAAAAAAAAAAAAAAAAAAAAf39/ACUAAABYAAAAAAAAAAAAAAAAAAAAAAAAAAAAAAAAAAAAAAAAAAAAAAAAAAAAAAAAAAAAAAA/AAAAAAAAAKCGAQAAAAAAAAAAAAAAAAAMAAAAAQAAAAAAAAAAAAAAAAAAAB8AAABUAAAA////Bf///wEAAAAAAAAAAAAAAAAAAAAAAAAAAAAAAAAAAAAAAAAAAAZJjAJ/f38AlpaWA8zMzADAwP8Af39/AAAAAAAAAAAAAAAAAAAAAAAAAAAAIQAAABgAAAAUAAAAwDUAABsnAABARwAAWSkAABAAAAAmAAAACAAAAAAAAAAAAAAA"/>
+                <pr:smNativeData xmlns="smNativeData" xmlns:pr="smNativeData" xmlns:p15="http://schemas.microsoft.com/office/powerpoint/2012/main" xmlns:p14="http://schemas.microsoft.com/office/powerpoint/2010/main" xmlns:mc="http://schemas.openxmlformats.org/markup-compatibility/2006" val="SMDATA_15_Uo0YYxMAAAAlAAAAZAAAAA8BAAAAkAAAAEgAAACQAAAASAAAAAAAAAABAAAAAAAAAAEAAABQAAAAAAAAAAAA4D8AAAAAAADgPwAAAAAAAOA/AAAAAAAA4D8AAAAAAADgPwAAAAAAAOA/AAAAAAAA4D8AAAAAAADgPwAAAAAAAOA/AAAAAAAA4D8CAAAAjAAAAAAAAAAAAAAA////DP///wgAAAAAAAAAAAAAAAAAAAAAAAAAAAAAAAAAAAAAZAAAAAEAAABAAAAAAAAAAAAAAAAAAAAAAAAAAAAAAAAAAAAAAAAAAAAAAAAAAAAAAAAAAAAAAAAAAAAAAAAAAAAAAAAAAAAAAAAAAAAAAAAAAAAAAAAAAAAAAAAAAAAAFAAAADwAAAAAAAAAAAAAAAZJjAkUAAAAAQAAABQAAAAUAAAAFAAAAAEAAAAAAAAAZAAAAGQAAAAAAAAAZAAAAGQAAAAVAAAAYAAAAAAAAAAAAAAADwAAACADAAAAAAAAAAAAAAEAAACgMgAAVgcAAKr4//8BAAAAf39/AAEAAABkAAAAAAAAABQAAABAHwAAAAAAACYAAAAAAAAAwOD//wAAAAAmAAAAZAAAABYAAABMAAAAAAAAAAAAAAAEAAAAAAAAAAEAAACWlpYKAAAAACgAAAAoAAAAZAAAAGQAAAAAAAAAzMzMAAAAAABQAAAAUAAAAGQAAABkAAAAAAAAABcAAAAUAAAAAAAAAAAAAAD/fwAA/38AAAAAAAAJAAAABAAAAAcqAAAeAAAAaAAAAAAAAAAAAAAAAAAAAAAAAAAAAAAAECcAABAnAAAAAAAAAAAAAAAAAAAAAAAAAAAAAAAAAAAAAAAAAAAAABQAAAAAAAAAwMD/AAAAAABkAAAAMgAAAAAAAABkAAAAAAAAAH9/fwAKAAAAIgAAABgAAAAAAAAAAAAAAAAAAAAAAAAAAAAAAAAAAAAkAAAAJAAAAAAAAAAHAAAAAAAAAAAAAAAAAAAAAAAAAAAAAAAAAAAAf39/ACUAAABYAAAAAAAAAAAAAAAAAAAAAAAAAAAAAAAAAAAAAAAAAAAAAAAAAAAAAAAAAAAAAAA/AAAAAAAAAKCGAQAAAAAAAAAAAAAAAAAMAAAAAQAAAAAAAAAAAAAAAAAAAB8AAABUAAAA////Bf///wEAAAAAAAAAAAAAAAAAAAAAAAAAAAAAAAAAAAAAAAAAAAZJjAJ/f38AlpaWA8zMzADAwP8Af39/AAAAAAAAAAAAAAAAAAAAAAAAAAAAIQAAABgAAAAUAAAAwDUAABsnAABARwAAWSkAABAAAAAmAAAACAAAAAAAAAAAAAAA"/>
               </a:ext>
             </a:extLst>
           </p:cNvSpPr>
@@ -2499,10 +2488,10 @@
           <a:bodyPr/>
           <a:lstStyle/>
           <a:p>
-            <a:pPr/>
             <a:fld id="{190E1A63-2DF4-5BEC-BAB6-DBB954F84C8E}" type="slidenum">
-              <a:t>{Nr.}</a:t>
+              <a:t>‹#›</a:t>
             </a:fld>
+            <a:endParaRPr/>
           </a:p>
         </p:txBody>
       </p:sp>
@@ -2516,7 +2505,7 @@
 </file>
 
 <file path=ppt/slideLayouts/slideLayout9.xml><?xml version="1.0" encoding="utf-8"?>
-<p:sldLayout xmlns:p="http://schemas.openxmlformats.org/presentationml/2006/main" xmlns:mc="http://schemas.openxmlformats.org/markup-compatibility/2006" xmlns:p14="http://schemas.microsoft.com/office/powerpoint/2010/main" xmlns:p15="http://schemas.microsoft.com/office/powerpoint/2012/main" xmlns:r="http://schemas.openxmlformats.org/officeDocument/2006/relationships" xmlns:a="http://schemas.openxmlformats.org/drawingml/2006/main" type="picTx">
+<p:sldLayout xmlns:a="http://schemas.openxmlformats.org/drawingml/2006/main" xmlns:r="http://schemas.openxmlformats.org/officeDocument/2006/relationships" xmlns:p="http://schemas.openxmlformats.org/presentationml/2006/main" type="picTx">
   <p:cSld name="Picture with caption">
     <p:spTree>
       <p:nvGrpSpPr>
@@ -2539,7 +2528,7 @@
             <a:spLocks noGrp="1" noChangeArrowheads="1"/>
             <a:extLst>
               <a:ext uri="smNativeData">
-                <pr:smNativeData xmlns:pr="smNativeData" xmlns="smNativeData" val="SMDATA_15_Uo0YYxMAAAAlAAAAZAAAAA8BAAAAkAAAAEgAAACQAAAASAAAAAAAAAACAAAAAAAAAAEAAABQAAAAAAAAAAAA4D8AAAAAAADgPwAAAAAAAOA/AAAAAAAA4D8AAAAAAADgPwAAAAAAAOA/AAAAAAAA4D8AAAAAAADgPwAAAAAAAOA/AAAAAAAA4D8CAAAAjAAAAAEAAAAAAAAA////DP///whQAAAAAAAAAAAAAAAAAAAAAAAAAAAAAAAAAAAAZAAAAAEAAABAAAAAAAAAAAAAAAAAAAAAAAAAAAAAAAAAAAAAAAAAAAAAAAAAAAAAAAAAAAAAAAAAAAAAAAAAAAAAAAAAAAAAAAAAAAAAAAAAAAAAAAAAAAAAAAAAAAAAFAAAADwAAAAAAAAAAAAAAAZJjAkUAAAAAQAAABQAAAAUAAAAFAAAAAEAAAAAAAAAZAAAAGQAAAAAAAAAZAAAAGQAAAAVAAAAYAAAAAAAAAAAAAAADwAAACADAAAAAAAAAAAAAAEAAACgMgAAAAAAAAAAAAABAAAAf39/AAEAAABkAAAAAAAAABQAAABAHwAAAAAAACYAAAAAAAAAwOD//wAAAAAmAAAAZAAAABYAAABMAAAAAAAAAAAAAAAEAAAAAAAAAAEAAACWlpYKAAAAACgAAAAoAAAAZAAAAGQAAAAAAAAAzMzMAAAAAABQAAAAUAAAAGQAAABkAAAAAAAAABcAAAAUAAAAAAAAAAAAAAD/fwAA/38AAAAAAAAJAAAABAAAAP8AnQAeAAAAaAAAAAAAAAAAAAAAAAAAAAAAAAAAAAAAECcAABAnAAAAAAAAAAAAAAAAAAAAAAAAAAAAAAAAAAAAAAAAAAAAABQAAAAAAAAAwMD/AAAAAABkAAAAMgAAAAAAAABkAAAAAAAAAH9/fwAKAAAAIgAAABgAAAAAAAAAAAAAAAAAAAAAAAAAAAAAAAAAAAAkAAAAJAAAAAAAAAAHAAAAAAAAAAAAAAAAAAAAAAAAAAAAAAAAAAAAf39/ACUAAABYAAAAAAAAAAAAAAAAAAAAAAAAAAAAAAAAAAAAAAAAAAAAAAAAAAAAAAAAAAAAAAA/AAAAAAAAAKCGAQAAAAAAAAAAAAAAAAAMAAAAAQAAAAAAAAAAAAAAAAAAAB8AAABUAAAA////Bf///wEAAAAAAAAAAAAAAAAAAAAAAAAAAAAAAAAAAAAAAAAAAAZJjAJ/f38AlpaWA8zMzADAwP8Af39/AAAAAAAAAAAAAAAAAAAAAAAAAAAAIQAAABgAAAAUAAAAsg4AAIgdAACyOwAABCEAABAAAAAmAAAACAAAAIGAAAAAAAAA"/>
+                <pr:smNativeData xmlns="smNativeData" xmlns:pr="smNativeData" xmlns:p15="http://schemas.microsoft.com/office/powerpoint/2012/main" xmlns:p14="http://schemas.microsoft.com/office/powerpoint/2010/main" xmlns:mc="http://schemas.openxmlformats.org/markup-compatibility/2006" val="SMDATA_15_Uo0YYxMAAAAlAAAAZAAAAA8BAAAAkAAAAEgAAACQAAAASAAAAAAAAAACAAAAAAAAAAEAAABQAAAAAAAAAAAA4D8AAAAAAADgPwAAAAAAAOA/AAAAAAAA4D8AAAAAAADgPwAAAAAAAOA/AAAAAAAA4D8AAAAAAADgPwAAAAAAAOA/AAAAAAAA4D8CAAAAjAAAAAEAAAAAAAAA////DP///whQAAAAAAAAAAAAAAAAAAAAAAAAAAAAAAAAAAAAZAAAAAEAAABAAAAAAAAAAAAAAAAAAAAAAAAAAAAAAAAAAAAAAAAAAAAAAAAAAAAAAAAAAAAAAAAAAAAAAAAAAAAAAAAAAAAAAAAAAAAAAAAAAAAAAAAAAAAAAAAAAAAAFAAAADwAAAAAAAAAAAAAAAZJjAkUAAAAAQAAABQAAAAUAAAAFAAAAAEAAAAAAAAAZAAAAGQAAAAAAAAAZAAAAGQAAAAVAAAAYAAAAAAAAAAAAAAADwAAACADAAAAAAAAAAAAAAEAAACgMgAAAAAAAAAAAAABAAAAf39/AAEAAABkAAAAAAAAABQAAABAHwAAAAAAACYAAAAAAAAAwOD//wAAAAAmAAAAZAAAABYAAABMAAAAAAAAAAAAAAAEAAAAAAAAAAEAAACWlpYKAAAAACgAAAAoAAAAZAAAAGQAAAAAAAAAzMzMAAAAAABQAAAAUAAAAGQAAABkAAAAAAAAABcAAAAUAAAAAAAAAAAAAAD/fwAA/38AAAAAAAAJAAAABAAAAP8AnQAeAAAAaAAAAAAAAAAAAAAAAAAAAAAAAAAAAAAAECcAABAnAAAAAAAAAAAAAAAAAAAAAAAAAAAAAAAAAAAAAAAAAAAAABQAAAAAAAAAwMD/AAAAAABkAAAAMgAAAAAAAABkAAAAAAAAAH9/fwAKAAAAIgAAABgAAAAAAAAAAAAAAAAAAAAAAAAAAAAAAAAAAAAkAAAAJAAAAAAAAAAHAAAAAAAAAAAAAAAAAAAAAAAAAAAAAAAAAAAAf39/ACUAAABYAAAAAAAAAAAAAAAAAAAAAAAAAAAAAAAAAAAAAAAAAAAAAAAAAAAAAAAAAAAAAAA/AAAAAAAAAKCGAQAAAAAAAAAAAAAAAAAMAAAAAQAAAAAAAAAAAAAAAAAAAB8AAABUAAAA////Bf///wEAAAAAAAAAAAAAAAAAAAAAAAAAAAAAAAAAAAAAAAAAAAZJjAJ/f38AlpaWA8zMzADAwP8Af39/AAAAAAAAAAAAAAAAAAAAAAAAAAAAIQAAABgAAAAUAAAAsg4AAIgdAACyOwAABCEAABAAAAAmAAAACAAAAIGAAAAAAAAA"/>
               </a:ext>
             </a:extLst>
           </p:cNvSpPr>
@@ -2565,7 +2554,6 @@
             </a:lvl1pPr>
           </a:lstStyle>
           <a:p>
-            <a:pPr/>
             <a:r>
               <a:t>Click to edit Master title style</a:t>
             </a:r>
@@ -2579,7 +2567,7 @@
             <a:spLocks noGrp="1" noChangeArrowheads="1"/>
             <a:extLst>
               <a:ext uri="smNativeData">
-                <pr:smNativeData xmlns:pr="smNativeData" xmlns="smNativeData" val="SMDATA_15_Uo0YYxMAAAAlAAAAZAAAAA8BAAAAkAAAAEgAAACQAAAASAAAAAAAAAAAAAAAAAAAAAEAAABQAAAAAAAAAAAA4D8AAAAAAADgPwAAAAAAAOA/AAAAAAAA4D8AAAAAAADgPwAAAAAAAOA/AAAAAAAA4D8AAAAAAADgPwAAAAAAAOA/AAAAAAAA4D8CAAAAjAAAAAEAAAAAAAAA////DP///whQAAAAAAAAAAAAAAAAAAAAAAAAAAAAAAAAAAAAZAAAAAEAAABAAAAAAAAAAAAAAAAAAAAAAAAAAAAAAAAAAAAAAAAAAAAAAAAAAAAAAAAAAAAAAAAAAAAAAAAAAAAAAAAAAAAAAAAAAAAAAAAAAAAAAAAAAAAAAAAAAAAAFAAAADwAAAAAAAAAAAAAAAZJjAkUAAAAAQAAABQAAAAUAAAAFAAAAAEAAAAAAAAAZAAAAGQAAAAAAAAAZAAAAGQAAAAVAAAAYAAAAAAAAAAAAAAADwAAACADAAAAAAAAAAAAAAEAAACgMgAAAAAAAAAAAAABAAAAf39/AAEAAABkAAAAAAAAABQAAABAHwAAAAAAACYAAAAAAAAAwOD//wAAAAAmAAAAZAAAABYAAABMAAAAAAAAAAAAAAAEAAAAAAAAAAEAAACWlpYKAAAAACgAAAAoAAAAZAAAAGQAAAAAAAAAzMzMAAAAAABQAAAAUAAAAGQAAABkAAAAAAAAABcAAAAUAAAAAAAAAAAAAAD/fwAA/38AAAAAAAAJAAAABAAAAFsvAAAeAAAAaAAAAAAAAAAAAAAAAAAAAAAAAAAAAAAAECcAABAnAAAAAAAAAAAAAAAAAAAAAAAAAAAAAAAAAAAAAAAAAAAAABQAAAAAAAAAwMD/AAAAAABkAAAAMgAAAAAAAABkAAAAAAAAAH9/fwAKAAAAIgAAABgAAAAAAAAAAAAAAAAAAAAAAAAAAAAAAAAAAAAkAAAAJAAAAAAAAAAHAAAAAAAAAAAAAAAAAAAAAAAAAAAAAAAAAAAAf39/ACUAAABYAAAAAAAAAAAAAAAAAAAAAAAAAAAAAAAAAAAAAAAAAAAAAAAAAAAAAAAAAAAAAAA/AAAAAAAAAKCGAQAAAAAAAAAAAAAAAAAMAAAAAQAAAAAAAAAAAAAAAAAAAB8AAABUAAAA////Bf///wEAAAAAAAAAAAAAAAAAAAAAAAAAAAAAAAAAAAAAAAAAAAZJjAJ/f38AlpaWA8zMzADAwP8Af39/AAAAAAAAAAAAAAAAAAAAAAAAAAAAIQAAABgAAAAUAAAAsg4AAMYDAACyOwAAFh0AABAAAAAmAAAACAAAAAGAAAAAAAAA"/>
+                <pr:smNativeData xmlns="smNativeData" xmlns:pr="smNativeData" xmlns:p15="http://schemas.microsoft.com/office/powerpoint/2012/main" xmlns:p14="http://schemas.microsoft.com/office/powerpoint/2010/main" xmlns:mc="http://schemas.openxmlformats.org/markup-compatibility/2006" val="SMDATA_15_Uo0YYxMAAAAlAAAAZAAAAA8BAAAAkAAAAEgAAACQAAAASAAAAAAAAAAAAAAAAAAAAAEAAABQAAAAAAAAAAAA4D8AAAAAAADgPwAAAAAAAOA/AAAAAAAA4D8AAAAAAADgPwAAAAAAAOA/AAAAAAAA4D8AAAAAAADgPwAAAAAAAOA/AAAAAAAA4D8CAAAAjAAAAAEAAAAAAAAA////DP///whQAAAAAAAAAAAAAAAAAAAAAAAAAAAAAAAAAAAAZAAAAAEAAABAAAAAAAAAAAAAAAAAAAAAAAAAAAAAAAAAAAAAAAAAAAAAAAAAAAAAAAAAAAAAAAAAAAAAAAAAAAAAAAAAAAAAAAAAAAAAAAAAAAAAAAAAAAAAAAAAAAAAFAAAADwAAAAAAAAAAAAAAAZJjAkUAAAAAQAAABQAAAAUAAAAFAAAAAEAAAAAAAAAZAAAAGQAAAAAAAAAZAAAAGQAAAAVAAAAYAAAAAAAAAAAAAAADwAAACADAAAAAAAAAAAAAAEAAACgMgAAAAAAAAAAAAABAAAAf39/AAEAAABkAAAAAAAAABQAAABAHwAAAAAAACYAAAAAAAAAwOD//wAAAAAmAAAAZAAAABYAAABMAAAAAAAAAAAAAAAEAAAAAAAAAAEAAACWlpYKAAAAACgAAAAoAAAAZAAAAGQAAAAAAAAAzMzMAAAAAABQAAAAUAAAAGQAAABkAAAAAAAAABcAAAAUAAAAAAAAAAAAAAD/fwAA/38AAAAAAAAJAAAABAAAAFsvAAAeAAAAaAAAAAAAAAAAAAAAAAAAAAAAAAAAAAAAECcAABAnAAAAAAAAAAAAAAAAAAAAAAAAAAAAAAAAAAAAAAAAAAAAABQAAAAAAAAAwMD/AAAAAABkAAAAMgAAAAAAAABkAAAAAAAAAH9/fwAKAAAAIgAAABgAAAAAAAAAAAAAAAAAAAAAAAAAAAAAAAAAAAAkAAAAJAAAAAAAAAAHAAAAAAAAAAAAAAAAAAAAAAAAAAAAAAAAAAAAf39/ACUAAABYAAAAAAAAAAAAAAAAAAAAAAAAAAAAAAAAAAAAAAAAAAAAAAAAAAAAAAAAAAAAAAA/AAAAAAAAAKCGAQAAAAAAAAAAAAAAAAAMAAAAAQAAAAAAAAAAAAAAAAAAAB8AAABUAAAA////Bf///wEAAAAAAAAAAAAAAAAAAAAAAAAAAAAAAAAAAAAAAAAAAAZJjAJ/f38AlpaWA8zMzADAwP8Af39/AAAAAAAAAAAAAAAAAAAAAAAAAAAAIQAAABgAAAAUAAAAsg4AAMYDAACyOwAAFh0AABAAAAAmAAAACAAAAAGAAAAAAAAA"/>
               </a:ext>
             </a:extLst>
           </p:cNvSpPr>
@@ -2634,7 +2622,6 @@
             </a:lvl9pPr>
           </a:lstStyle>
           <a:p>
-            <a:pPr/>
             <a:r>
               <a:t>Click to edit Master text styles</a:t>
             </a:r>
@@ -2648,7 +2635,7 @@
             <a:spLocks noGrp="1" noChangeArrowheads="1"/>
             <a:extLst>
               <a:ext uri="smNativeData">
-                <pr:smNativeData xmlns:pr="smNativeData" xmlns="smNativeData" val="SMDATA_15_Uo0YYxMAAAAlAAAAZAAAAA8BAAAAkAAAAEgAAACQAAAASAAAAAAAAAAAAAAAAAAAAAEAAABQAAAAAAAAAAAA4D8AAAAAAADgPwAAAAAAAOA/AAAAAAAA4D8AAAAAAADgPwAAAAAAAOA/AAAAAAAA4D8AAAAAAADgPwAAAAAAAOA/AAAAAAAA4D8CAAAAjAAAAAEAAAAAAAAA////DP///whQAAAAAAAAAAAAAAAAAAAAAAAAAAAAAAAAAAAAZAAAAAEAAABAAAAAAAAAAAAAAAAAAAAAAAAAAAAAAAAAAAAAAAAAAAAAAAAAAAAAAAAAAAAAAAAAAAAAAAAAAAAAAAAAAAAAAAAAAAAAAAAAAAAAAAAAAAAAAAAAAAAAFAAAADwAAAAAAAAAAAAAAAZJjAkUAAAAAQAAABQAAAAUAAAAFAAAAAEAAAAAAAAAZAAAAGQAAAAAAAAAZAAAAGQAAAAVAAAAYAAAAAAAAAAAAAAADwAAACADAAAAAAAAAAAAAAEAAACgMgAAAAAAAAAAAAABAAAAf39/AAEAAABkAAAAAAAAABQAAABAHwAAAAAAACYAAAAAAAAAwOD//wAAAAAmAAAAZAAAABYAAABMAAAAAAAAAAAAAAAEAAAAAAAAAAEAAACWlpYKAAAAACgAAAAoAAAAZAAAAGQAAAAAAAAAzMzMAAAAAABQAAAAUAAAAGQAAABkAAAAAAAAABcAAAAUAAAAAAAAAAAAAAD/fwAA/38AAAAAAAAJAAAABAAAACwVAAAeAAAAaAAAAAAAAAAAAAAAAAAAAAAAAAAAAAAAECcAABAnAAAAAAAAAAAAAAAAAAAAAAAAAAAAAAAAAAAAAAAAAAAAABQAAAAAAAAAwMD/AAAAAABkAAAAMgAAAAAAAABkAAAAAAAAAH9/fwAKAAAAIgAAABgAAAAAAAAAAAAAAAAAAAAAAAAAAAAAAAAAAAAkAAAAJAAAAAAAAAAHAAAAAAAAAAAAAAAAAAAAAAAAAAAAAAAAAAAAf39/ACUAAABYAAAAAAAAAAAAAAAAAAAAAAAAAAAAAAAAAAAAAAAAAAAAAAAAAAAAAAAAAAAAAAA/AAAAAAAAAKCGAQAAAAAAAAAAAAAAAAAMAAAAAQAAAAAAAAAAAAAAAAAAAB8AAABUAAAA////Bf///wEAAAAAAAAAAAAAAAAAAAAAAAAAAAAAAAAAAAAAAAAAAAZJjAJ/f38AlpaWA8zMzADAwP8Af39/AAAAAAAAAAAAAAAAAAAAAAAAAAAAIQAAABgAAAAUAAAAsg4AAAQhAACyOwAA+CUAABAAAAAmAAAACAAAAAGAAAAAAAAA"/>
+                <pr:smNativeData xmlns="smNativeData" xmlns:pr="smNativeData" xmlns:p15="http://schemas.microsoft.com/office/powerpoint/2012/main" xmlns:p14="http://schemas.microsoft.com/office/powerpoint/2010/main" xmlns:mc="http://schemas.openxmlformats.org/markup-compatibility/2006" val="SMDATA_15_Uo0YYxMAAAAlAAAAZAAAAA8BAAAAkAAAAEgAAACQAAAASAAAAAAAAAAAAAAAAAAAAAEAAABQAAAAAAAAAAAA4D8AAAAAAADgPwAAAAAAAOA/AAAAAAAA4D8AAAAAAADgPwAAAAAAAOA/AAAAAAAA4D8AAAAAAADgPwAAAAAAAOA/AAAAAAAA4D8CAAAAjAAAAAEAAAAAAAAA////DP///whQAAAAAAAAAAAAAAAAAAAAAAAAAAAAAAAAAAAAZAAAAAEAAABAAAAAAAAAAAAAAAAAAAAAAAAAAAAAAAAAAAAAAAAAAAAAAAAAAAAAAAAAAAAAAAAAAAAAAAAAAAAAAAAAAAAAAAAAAAAAAAAAAAAAAAAAAAAAAAAAAAAAFAAAADwAAAAAAAAAAAAAAAZJjAkUAAAAAQAAABQAAAAUAAAAFAAAAAEAAAAAAAAAZAAAAGQAAAAAAAAAZAAAAGQAAAAVAAAAYAAAAAAAAAAAAAAADwAAACADAAAAAAAAAAAAAAEAAACgMgAAAAAAAAAAAAABAAAAf39/AAEAAABkAAAAAAAAABQAAABAHwAAAAAAACYAAAAAAAAAwOD//wAAAAAmAAAAZAAAABYAAABMAAAAAAAAAAAAAAAEAAAAAAAAAAEAAACWlpYKAAAAACgAAAAoAAAAZAAAAGQAAAAAAAAAzMzMAAAAAABQAAAAUAAAAGQAAABkAAAAAAAAABcAAAAUAAAAAAAAAAAAAAD/fwAA/38AAAAAAAAJAAAABAAAACwVAAAeAAAAaAAAAAAAAAAAAAAAAAAAAAAAAAAAAAAAECcAABAnAAAAAAAAAAAAAAAAAAAAAAAAAAAAAAAAAAAAAAAAAAAAABQAAAAAAAAAwMD/AAAAAABkAAAAMgAAAAAAAABkAAAAAAAAAH9/fwAKAAAAIgAAABgAAAAAAAAAAAAAAAAAAAAAAAAAAAAAAAAAAAAkAAAAJAAAAAAAAAAHAAAAAAAAAAAAAAAAAAAAAAAAAAAAAAAAAAAAf39/ACUAAABYAAAAAAAAAAAAAAAAAAAAAAAAAAAAAAAAAAAAAAAAAAAAAAAAAAAAAAAAAAAAAAA/AAAAAAAAAKCGAQAAAAAAAAAAAAAAAAAMAAAAAQAAAAAAAAAAAAAAAAAAAB8AAABUAAAA////Bf///wEAAAAAAAAAAAAAAAAAAAAAAAAAAAAAAAAAAAAAAAAAAAZJjAJ/f38AlpaWA8zMzADAwP8Af39/AAAAAAAAAAAAAAAAAAAAAAAAAAAAIQAAABgAAAAUAAAAsg4AAAQhAACyOwAA+CUAABAAAAAmAAAACAAAAAGAAAAAAAAA"/>
               </a:ext>
             </a:extLst>
           </p:cNvSpPr>
@@ -2703,7 +2690,6 @@
             </a:lvl9pPr>
           </a:lstStyle>
           <a:p>
-            <a:pPr/>
             <a:r>
               <a:t>Click to edit Master text styles</a:t>
             </a:r>
@@ -2717,7 +2703,7 @@
             <a:spLocks noGrp="1" noChangeArrowheads="1"/>
             <a:extLst>
               <a:ext uri="smNativeData">
-                <pr:smNativeData xmlns:pr="smNativeData" xmlns="smNativeData" val="SMDATA_15_Uo0YYxMAAAAlAAAAZAAAAA8BAAAAkAAAAEgAAACQAAAASAAAAAAAAAABAAAAAAAAAAEAAABQAAAAAAAAAAAA4D8AAAAAAADgPwAAAAAAAOA/AAAAAAAA4D8AAAAAAADgPwAAAAAAAOA/AAAAAAAA4D8AAAAAAADgPwAAAAAAAOA/AAAAAAAA4D8CAAAAjAAAAAAAAAAAAAAA////DP///wgAAAAAAAAAAAAAAAAAAAAAAAAAAAAAAAAAAAAAZAAAAAEAAABAAAAAAAAAAAAAAAAAAAAAAAAAAAAAAAAAAAAAAAAAAAAAAAAAAAAAAAAAAAAAAAAAAAAAAAAAAAAAAAAAAAAAAAAAAAAAAAAAAAAAAAAAAAAAAAAAAAAAFAAAADwAAAAAAAAAAAAAAAZJjAkUAAAAAQAAABQAAAAUAAAAFAAAAAEAAAAAAAAAZAAAAGQAAAAAAAAAZAAAAGQAAAAVAAAAYAAAAAAAAAAAAAAADwAAACADAAAAAAAAAAAAAAEAAACgMgAAVgcAAKr4//8BAAAAf39/AAEAAABkAAAAAAAAABQAAABAHwAAAAAAACYAAAAAAAAAwOD//wAAAAAmAAAAZAAAABYAAABMAAAAAAAAAAAAAAAEAAAAAAAAAAEAAACWlpYKAAAAACgAAAAoAAAAZAAAAGQAAAAAAAAAzMzMAAAAAABQAAAAUAAAAGQAAABkAAAAAAAAABcAAAAUAAAAAAAAAAAAAAD/fwAA/38AAAAAAAAJAAAABAAAAEUPAAAeAAAAaAAAAAAAAAAAAAAAAAAAAAAAAAAAAAAAECcAABAnAAAAAAAAAAAAAAAAAAAAAAAAAAAAAAAAAAAAAAAAAAAAABQAAAAAAAAAwMD/AAAAAABkAAAAMgAAAAAAAABkAAAAAAAAAH9/fwAKAAAAIgAAABgAAAAAAAAAAAAAAAAAAAAAAAAAAAAAAAAAAAAkAAAAJAAAAAAAAAAHAAAAAAAAAAAAAAAAAAAAAAAAAAAAAAAAAAAAf39/ACUAAABYAAAAAAAAAAAAAAAAAAAAAAAAAAAAAAAAAAAAAAAAAAAAAAAAAAAAAAAAAAAAAAA/AAAAAAAAAKCGAQAAAAAAAAAAAAAAAAAMAAAAAQAAAAAAAAAAAAAAAAAAAB8AAABUAAAA////Bf///wEAAAAAAAAAAAAAAAAAAAAAAAAAAAAAAAAAAAAAAAAAAAZJjAJ/f38AlpaWA8zMzADAwP8Af39/AAAAAAAAAAAAAAAAAAAAAAAAAAAAIQAAABgAAAAUAAAAwAMAABsnAABAFQAAWSkAABAAAAAmAAAACAAAAAAAAAAAAAAA"/>
+                <pr:smNativeData xmlns="smNativeData" xmlns:pr="smNativeData" xmlns:p15="http://schemas.microsoft.com/office/powerpoint/2012/main" xmlns:p14="http://schemas.microsoft.com/office/powerpoint/2010/main" xmlns:mc="http://schemas.openxmlformats.org/markup-compatibility/2006" val="SMDATA_15_Uo0YYxMAAAAlAAAAZAAAAA8BAAAAkAAAAEgAAACQAAAASAAAAAAAAAABAAAAAAAAAAEAAABQAAAAAAAAAAAA4D8AAAAAAADgPwAAAAAAAOA/AAAAAAAA4D8AAAAAAADgPwAAAAAAAOA/AAAAAAAA4D8AAAAAAADgPwAAAAAAAOA/AAAAAAAA4D8CAAAAjAAAAAAAAAAAAAAA////DP///wgAAAAAAAAAAAAAAAAAAAAAAAAAAAAAAAAAAAAAZAAAAAEAAABAAAAAAAAAAAAAAAAAAAAAAAAAAAAAAAAAAAAAAAAAAAAAAAAAAAAAAAAAAAAAAAAAAAAAAAAAAAAAAAAAAAAAAAAAAAAAAAAAAAAAAAAAAAAAAAAAAAAAFAAAADwAAAAAAAAAAAAAAAZJjAkUAAAAAQAAABQAAAAUAAAAFAAAAAEAAAAAAAAAZAAAAGQAAAAAAAAAZAAAAGQAAAAVAAAAYAAAAAAAAAAAAAAADwAAACADAAAAAAAAAAAAAAEAAACgMgAAVgcAAKr4//8BAAAAf39/AAEAAABkAAAAAAAAABQAAABAHwAAAAAAACYAAAAAAAAAwOD//wAAAAAmAAAAZAAAABYAAABMAAAAAAAAAAAAAAAEAAAAAAAAAAEAAACWlpYKAAAAACgAAAAoAAAAZAAAAGQAAAAAAAAAzMzMAAAAAABQAAAAUAAAAGQAAABkAAAAAAAAABcAAAAUAAAAAAAAAAAAAAD/fwAA/38AAAAAAAAJAAAABAAAAEUPAAAeAAAAaAAAAAAAAAAAAAAAAAAAAAAAAAAAAAAAECcAABAnAAAAAAAAAAAAAAAAAAAAAAAAAAAAAAAAAAAAAAAAAAAAABQAAAAAAAAAwMD/AAAAAABkAAAAMgAAAAAAAABkAAAAAAAAAH9/fwAKAAAAIgAAABgAAAAAAAAAAAAAAAAAAAAAAAAAAAAAAAAAAAAkAAAAJAAAAAAAAAAHAAAAAAAAAAAAAAAAAAAAAAAAAAAAAAAAAAAAf39/ACUAAABYAAAAAAAAAAAAAAAAAAAAAAAAAAAAAAAAAAAAAAAAAAAAAAAAAAAAAAAAAAAAAAA/AAAAAAAAAKCGAQAAAAAAAAAAAAAAAAAMAAAAAQAAAAAAAAAAAAAAAAAAAB8AAABUAAAA////Bf///wEAAAAAAAAAAAAAAAAAAAAAAAAAAAAAAAAAAAAAAAAAAAZJjAJ/f38AlpaWA8zMzADAwP8Af39/AAAAAAAAAAAAAAAAAAAAAAAAAAAAIQAAABgAAAAUAAAAwAMAABsnAABAFQAAWSkAABAAAAAmAAAACAAAAAAAAAAAAAAA"/>
               </a:ext>
             </a:extLst>
           </p:cNvSpPr>
@@ -2730,10 +2716,10 @@
           <a:bodyPr/>
           <a:lstStyle/>
           <a:p>
-            <a:pPr/>
             <a:fld id="{664B1E38-768B-1EE8-C5F3-80BD50BD33D5}" type="datetime1">
-              <a:t>{Date/Time}</a:t>
+              <a:t>9/7/2022</a:t>
             </a:fld>
+            <a:endParaRPr/>
           </a:p>
         </p:txBody>
       </p:sp>
@@ -2744,7 +2730,7 @@
             <a:spLocks noGrp="1" noChangeArrowheads="1"/>
             <a:extLst>
               <a:ext uri="smNativeData">
-                <pr:smNativeData xmlns:pr="smNativeData" xmlns="smNativeData" val="SMDATA_15_Uo0YYxMAAAAlAAAAZAAAAA8BAAAAkAAAAEgAAACQAAAASAAAAAAAAAABAAAAAAAAAAEAAABQAAAAAAAAAAAA4D8AAAAAAADgPwAAAAAAAOA/AAAAAAAA4D8AAAAAAADgPwAAAAAAAOA/AAAAAAAA4D8AAAAAAADgPwAAAAAAAOA/AAAAAAAA4D8CAAAAjAAAAAAAAAAAAAAA////DP///wgAAAAAAAAAAAAAAAAAAAAAAAAAAAAAAAAAAAAAZAAAAAEAAABAAAAAAAAAAAAAAAAAAAAAAAAAAAAAAAAAAAAAAAAAAAAAAAAAAAAAAAAAAAAAAAAAAAAAAAAAAAAAAAAAAAAAAAAAAAAAAAAAAAAAAAAAAAAAAAAAAAAAFAAAADwAAAAAAAAAAAAAAAZJjAkUAAAAAQAAABQAAAAUAAAAFAAAAAEAAAAAAAAAZAAAAGQAAAAAAAAAZAAAAGQAAAAVAAAAYAAAAAAAAAAAAAAADwAAACADAAAAAAAAAAAAAAEAAACgMgAAVgcAAKr4//8BAAAAf39/AAEAAABkAAAAAAAAABQAAABAHwAAAAAAACYAAAAAAAAAwOD//wAAAAAmAAAAZAAAABYAAABMAAAAAAAAAAAAAAAEAAAAAAAAAAEAAACWlpYKAAAAACgAAAAoAAAAZAAAAGQAAAAAAAAAzMzMAAAAAABQAAAAUAAAAGQAAABkAAAAAAAAABcAAAAUAAAAAAAAAAAAAAD/fwAA/38AAAAAAAAJAAAABAAAADoSAAAeAAAAaAAAAAAAAAAAAAAAAAAAAAAAAAAAAAAAECcAABAnAAAAAAAAAAAAAAAAAAAAAAAAAAAAAAAAAAAAAAAAAAAAABQAAAAAAAAAwMD/AAAAAABkAAAAMgAAAAAAAABkAAAAAAAAAH9/fwAKAAAAIgAAABgAAAAAAAAAAAAAAAAAAAAAAAAAAAAAAAAAAAAkAAAAJAAAAAAAAAAHAAAAAAAAAAAAAAAAAAAAAAAAAAAAAAAAAAAAf39/ACUAAABYAAAAAAAAAAAAAAAAAAAAAAAAAAAAAAAAAAAAAAAAAAAAAAAAAAAAAAAAAAAAAAA/AAAAAAAAAKCGAQAAAAAAAAAAAAAAAAAMAAAAAQAAAAAAAAAAAAAAAAAAAB8AAABUAAAA////Bf///wEAAAAAAAAAAAAAAAAAAAAAAAAAAAAAAAAAAAAAAAAAAAZJjAJ/f38AlpaWA8zMzADAwP8Af39/AAAAAAAAAAAAAAAAAAAAAAAAAAAAIQAAABgAAAAUAAAAoBkAABsnAABgMQAAWSkAABAAAAAmAAAACAAAAAAAAAAAAAAA"/>
+                <pr:smNativeData xmlns="smNativeData" xmlns:pr="smNativeData" xmlns:p15="http://schemas.microsoft.com/office/powerpoint/2012/main" xmlns:p14="http://schemas.microsoft.com/office/powerpoint/2010/main" xmlns:mc="http://schemas.openxmlformats.org/markup-compatibility/2006" val="SMDATA_15_Uo0YYxMAAAAlAAAAZAAAAA8BAAAAkAAAAEgAAACQAAAASAAAAAAAAAABAAAAAAAAAAEAAABQAAAAAAAAAAAA4D8AAAAAAADgPwAAAAAAAOA/AAAAAAAA4D8AAAAAAADgPwAAAAAAAOA/AAAAAAAA4D8AAAAAAADgPwAAAAAAAOA/AAAAAAAA4D8CAAAAjAAAAAAAAAAAAAAA////DP///wgAAAAAAAAAAAAAAAAAAAAAAAAAAAAAAAAAAAAAZAAAAAEAAABAAAAAAAAAAAAAAAAAAAAAAAAAAAAAAAAAAAAAAAAAAAAAAAAAAAAAAAAAAAAAAAAAAAAAAAAAAAAAAAAAAAAAAAAAAAAAAAAAAAAAAAAAAAAAAAAAAAAAFAAAADwAAAAAAAAAAAAAAAZJjAkUAAAAAQAAABQAAAAUAAAAFAAAAAEAAAAAAAAAZAAAAGQAAAAAAAAAZAAAAGQAAAAVAAAAYAAAAAAAAAAAAAAADwAAACADAAAAAAAAAAAAAAEAAACgMgAAVgcAAKr4//8BAAAAf39/AAEAAABkAAAAAAAAABQAAABAHwAAAAAAACYAAAAAAAAAwOD//wAAAAAmAAAAZAAAABYAAABMAAAAAAAAAAAAAAAEAAAAAAAAAAEAAACWlpYKAAAAACgAAAAoAAAAZAAAAGQAAAAAAAAAzMzMAAAAAABQAAAAUAAAAGQAAABkAAAAAAAAABcAAAAUAAAAAAAAAAAAAAD/fwAA/38AAAAAAAAJAAAABAAAADoSAAAeAAAAaAAAAAAAAAAAAAAAAAAAAAAAAAAAAAAAECcAABAnAAAAAAAAAAAAAAAAAAAAAAAAAAAAAAAAAAAAAAAAAAAAABQAAAAAAAAAwMD/AAAAAABkAAAAMgAAAAAAAABkAAAAAAAAAH9/fwAKAAAAIgAAABgAAAAAAAAAAAAAAAAAAAAAAAAAAAAAAAAAAAAkAAAAJAAAAAAAAAAHAAAAAAAAAAAAAAAAAAAAAAAAAAAAAAAAAAAAf39/ACUAAABYAAAAAAAAAAAAAAAAAAAAAAAAAAAAAAAAAAAAAAAAAAAAAAAAAAAAAAAAAAAAAAA/AAAAAAAAAKCGAQAAAAAAAAAAAAAAAAAMAAAAAQAAAAAAAAAAAAAAAAAAAB8AAABUAAAA////Bf///wEAAAAAAAAAAAAAAAAAAAAAAAAAAAAAAAAAAAAAAAAAAAZJjAJ/f38AlpaWA8zMzADAwP8Af39/AAAAAAAAAAAAAAAAAAAAAAAAAAAAIQAAABgAAAAUAAAAoBkAABsnAABgMQAAWSkAABAAAAAmAAAACAAAAAAAAAAAAAAA"/>
               </a:ext>
             </a:extLst>
           </p:cNvSpPr>
@@ -2757,7 +2743,6 @@
           <a:bodyPr/>
           <a:lstStyle/>
           <a:p>
-            <a:pPr/>
             <a:r>
               <a:t>{Footer}</a:t>
             </a:r>
@@ -2771,7 +2756,7 @@
             <a:spLocks noGrp="1" noChangeArrowheads="1"/>
             <a:extLst>
               <a:ext uri="smNativeData">
-                <pr:smNativeData xmlns:pr="smNativeData" xmlns="smNativeData" val="SMDATA_15_Uo0YYxMAAAAlAAAAZAAAAA8BAAAAkAAAAEgAAACQAAAASAAAAAAAAAABAAAAAAAAAAEAAABQAAAAAAAAAAAA4D8AAAAAAADgPwAAAAAAAOA/AAAAAAAA4D8AAAAAAADgPwAAAAAAAOA/AAAAAAAA4D8AAAAAAADgPwAAAAAAAOA/AAAAAAAA4D8CAAAAjAAAAAAAAAAAAAAA////DP///wgAAAAAAAAAAAAAAAAAAAAAAAAAAAAAAAAAAAAAZAAAAAEAAABAAAAAAAAAAAAAAAAAAAAAAAAAAAAAAAAAAAAAAAAAAAAAAAAAAAAAAAAAAAAAAAAAAAAAAAAAAAAAAAAAAAAAAAAAAAAAAAAAAAAAAAAAAAAAAAAAAAAAFAAAADwAAAAAAAAAAAAAAAZJjAkUAAAAAQAAABQAAAAUAAAAFAAAAAEAAAAAAAAAZAAAAGQAAAAAAAAAZAAAAGQAAAAVAAAAYAAAAAAAAAAAAAAADwAAACADAAAAAAAAAAAAAAEAAACgMgAAVgcAAKr4//8BAAAAf39/AAEAAABkAAAAAAAAABQAAABAHwAAAAAAACYAAAAAAAAAwOD//wAAAAAmAAAAZAAAABYAAABMAAAAAAAAAAAAAAAEAAAAAAAAAAEAAACWlpYKAAAAACgAAAAoAAAAZAAAAGQAAAAAAAAAzMzMAAAAAABQAAAAUAAAAGQAAABkAAAAAAAAABcAAAAUAAAAAAAAAAAAAAD/fwAA/38AAAAAAAAJAAAABAAAAAgEAAAeAAAAaAAAAAAAAAAAAAAAAAAAAAAAAAAAAAAAECcAABAnAAAAAAAAAAAAAAAAAAAAAAAAAAAAAAAAAAAAAAAAAAAAABQAAAAAAAAAwMD/AAAAAABkAAAAMgAAAAAAAABkAAAAAAAAAH9/fwAKAAAAIgAAABgAAAAAAAAAAAAAAAAAAAAAAAAAAAAAAAAAAAAkAAAAJAAAAAAAAAAHAAAAAAAAAAAAAAAAAAAAAAAAAAAAAAAAAAAAf39/ACUAAABYAAAAAAAAAAAAAAAAAAAAAAAAAAAAAAAAAAAAAAAAAAAAAAAAAAAAAAAAAAAAAAA/AAAAAAAAAKCGAQAAAAAAAAAAAAAAAAAMAAAAAQAAAAAAAAAAAAAAAAAAAB8AAABUAAAA////Bf///wEAAAAAAAAAAAAAAAAAAAAAAAAAAAAAAAAAAAAAAAAAAAZJjAJ/f38AlpaWA8zMzADAwP8Af39/AAAAAAAAAAAAAAAAAAAAAAAAAAAAIQAAABgAAAAUAAAAwDUAABsnAABARwAAWSkAABAAAAAmAAAACAAAAAAAAAAAAAAA"/>
+                <pr:smNativeData xmlns="smNativeData" xmlns:pr="smNativeData" xmlns:p15="http://schemas.microsoft.com/office/powerpoint/2012/main" xmlns:p14="http://schemas.microsoft.com/office/powerpoint/2010/main" xmlns:mc="http://schemas.openxmlformats.org/markup-compatibility/2006" val="SMDATA_15_Uo0YYxMAAAAlAAAAZAAAAA8BAAAAkAAAAEgAAACQAAAASAAAAAAAAAABAAAAAAAAAAEAAABQAAAAAAAAAAAA4D8AAAAAAADgPwAAAAAAAOA/AAAAAAAA4D8AAAAAAADgPwAAAAAAAOA/AAAAAAAA4D8AAAAAAADgPwAAAAAAAOA/AAAAAAAA4D8CAAAAjAAAAAAAAAAAAAAA////DP///wgAAAAAAAAAAAAAAAAAAAAAAAAAAAAAAAAAAAAAZAAAAAEAAABAAAAAAAAAAAAAAAAAAAAAAAAAAAAAAAAAAAAAAAAAAAAAAAAAAAAAAAAAAAAAAAAAAAAAAAAAAAAAAAAAAAAAAAAAAAAAAAAAAAAAAAAAAAAAAAAAAAAAFAAAADwAAAAAAAAAAAAAAAZJjAkUAAAAAQAAABQAAAAUAAAAFAAAAAEAAAAAAAAAZAAAAGQAAAAAAAAAZAAAAGQAAAAVAAAAYAAAAAAAAAAAAAAADwAAACADAAAAAAAAAAAAAAEAAACgMgAAVgcAAKr4//8BAAAAf39/AAEAAABkAAAAAAAAABQAAABAHwAAAAAAACYAAAAAAAAAwOD//wAAAAAmAAAAZAAAABYAAABMAAAAAAAAAAAAAAAEAAAAAAAAAAEAAACWlpYKAAAAACgAAAAoAAAAZAAAAGQAAAAAAAAAzMzMAAAAAABQAAAAUAAAAGQAAABkAAAAAAAAABcAAAAUAAAAAAAAAAAAAAD/fwAA/38AAAAAAAAJAAAABAAAAAgEAAAeAAAAaAAAAAAAAAAAAAAAAAAAAAAAAAAAAAAAECcAABAnAAAAAAAAAAAAAAAAAAAAAAAAAAAAAAAAAAAAAAAAAAAAABQAAAAAAAAAwMD/AAAAAABkAAAAMgAAAAAAAABkAAAAAAAAAH9/fwAKAAAAIgAAABgAAAAAAAAAAAAAAAAAAAAAAAAAAAAAAAAAAAAkAAAAJAAAAAAAAAAHAAAAAAAAAAAAAAAAAAAAAAAAAAAAAAAAAAAAf39/ACUAAABYAAAAAAAAAAAAAAAAAAAAAAAAAAAAAAAAAAAAAAAAAAAAAAAAAAAAAAAAAAAAAAA/AAAAAAAAAKCGAQAAAAAAAAAAAAAAAAAMAAAAAQAAAAAAAAAAAAAAAAAAAB8AAABUAAAA////Bf///wEAAAAAAAAAAAAAAAAAAAAAAAAAAAAAAAAAAAAAAAAAAAZJjAJ/f38AlpaWA8zMzADAwP8Af39/AAAAAAAAAAAAAAAAAAAAAAAAAAAAIQAAABgAAAAUAAAAwDUAABsnAABARwAAWSkAABAAAAAmAAAACAAAAAAAAAAAAAAA"/>
               </a:ext>
             </a:extLst>
           </p:cNvSpPr>
@@ -2784,10 +2769,10 @@
           <a:bodyPr/>
           <a:lstStyle/>
           <a:p>
-            <a:pPr/>
             <a:fld id="{5463FE0F-41B9-3608-F7DB-B75DB09501E2}" type="slidenum">
-              <a:t>{Nr.}</a:t>
+              <a:t>‹#›</a:t>
             </a:fld>
+            <a:endParaRPr/>
           </a:p>
         </p:txBody>
       </p:sp>
@@ -2801,12 +2786,12 @@
 </file>
 
 <file path=ppt/slideMasters/slideMaster1.xml><?xml version="1.0" encoding="utf-8"?>
-<p:sldMaster xmlns:p="http://schemas.openxmlformats.org/presentationml/2006/main" xmlns:mc="http://schemas.openxmlformats.org/markup-compatibility/2006" xmlns:p14="http://schemas.microsoft.com/office/powerpoint/2010/main" xmlns:p15="http://schemas.microsoft.com/office/powerpoint/2012/main" xmlns:r="http://schemas.openxmlformats.org/officeDocument/2006/relationships" xmlns:a="http://schemas.openxmlformats.org/drawingml/2006/main">
+<p:sldMaster xmlns:a="http://schemas.openxmlformats.org/drawingml/2006/main" xmlns:r="http://schemas.openxmlformats.org/officeDocument/2006/relationships" xmlns:p="http://schemas.openxmlformats.org/presentationml/2006/main">
   <p:cSld name="Blue sky">
     <p:bg>
       <p:bgPr>
         <a:blipFill>
-          <a:blip r:embed="rId1"/>
+          <a:blip r:embed="rId13"/>
           <a:srcRect/>
           <a:stretch/>
         </a:blipFill>
@@ -2834,7 +2819,7 @@
             <a:spLocks noGrp="1" noChangeArrowheads="1"/>
             <a:extLst>
               <a:ext uri="smNativeData">
-                <pr:smNativeData xmlns:pr="smNativeData" xmlns="smNativeData" val="SMDATA_15_Uo0YYxMAAAAlAAAAZAAAAA8BAAAAkAAAAEgAAACQAAAASAAAAAAAAAABAAAAAAAAAAEAAABQAAAAAAAAAAAA4D8AAAAAAADgPwAAAAAAAOA/AAAAAAAA4D8AAAAAAADgPwAAAAAAAOA/AAAAAAAA4D8AAAAAAADgPwAAAAAAAOA/AAAAAAAA4D8CAAAAjAAAAAEAAAAAAAAA////DP///whQAAAAAAAAAAAAAAAAAAAAAAAAAAAAAAAAAAAAZAAAAAEAAABAAAAAAAAAAAAAAAAAAAAAAAAAAAAAAAAAAAAAAAAAAAAAAAAAAAAAAAAAAAAAAAAAAAAAAAAAAAAAAAAAAAAAAAAAAAAAAAAAAAAAAAAAAAAAAAAAAAAAFAAAADwAAAAAAAAAAAAAAAZJjAkUAAAAAQAAABQAAAAUAAAAFAAAAAEAAAAAAAAAZAAAAGQAAAAAAAAAZAAAAGQAAAAVAAAAYAAAAAAAAAAAAAAADwAAACADAAAAAAAAAAAAAAEAAACgMgAAAAAAAAAAAAABAAAAf39/AAEAAABkAAAAAAAAABQAAABAHwAAAAAAACYAAAAAAAAAwOD//wAAAAAmAAAAZAAAABYAAABMAAAAAAAAAAAAAAAEAAAAAAAAAAEAAACWlpYKAAAAACgAAAAoAAAAZAAAAGQAAAAAAAAAzMzMAAAAAABQAAAAUAAAAGQAAABkAAAAAAAAABcAAAAUAAAAAAAAAAAAAAD/fwAA/38AAAAAAAAJAAAABAAAAAICAgIeAAAAaAAAAAAAAAAAAAAAAAAAAAAAAAAAAAAAECcAABAnAAAAAAAAAAAAAAAAAAAAAAAAAAAAAAAAAAAAAAAAAAAAABQAAAAAAAAAwMD/AAAAAABkAAAAMgAAAAAAAABkAAAAAAAAAH9/fwAKAAAAIgAAABgAAAAAAAAAAAAAAAAAAAAAAAAAAAAAAAAAAAAkAAAAJAAAAAAAAAAHAAAAAAAAAAAAAAAAAAAAAAAAAAAAAAAAAAAAf39/ACUAAABYAAAAAAAAAAAAAAAAAAAAAAAAAAAAAAAAAAAAAAAAAAAAAAAAAAAAAAAAAAAAAAA/AAAAAAAAAKCGAQAAAAAAAAAAAAAAAAAMAAAAAQAAAAAAAAAAAAAAAAAAAB8AAABUAAAA////Bf///wEAAAAAAAAAAAAAAAAAAAAAAAAAAAAAAAAAAAAAAAAAAAZJjAJ/f38AlpaWA8zMzADAwP8Af39/AAAAAAAAAAAAAAAAAAAAAAAAAAAAIQAAABgAAAAUAAAAwAMAALABAABARwAAuAgAABAAAAAmAAAACAAAAP//////////"/>
+                <pr:smNativeData xmlns="smNativeData" xmlns:pr="smNativeData" xmlns:p15="http://schemas.microsoft.com/office/powerpoint/2012/main" xmlns:p14="http://schemas.microsoft.com/office/powerpoint/2010/main" xmlns:mc="http://schemas.openxmlformats.org/markup-compatibility/2006" val="SMDATA_15_Uo0YYxMAAAAlAAAAZAAAAA8BAAAAkAAAAEgAAACQAAAASAAAAAAAAAABAAAAAAAAAAEAAABQAAAAAAAAAAAA4D8AAAAAAADgPwAAAAAAAOA/AAAAAAAA4D8AAAAAAADgPwAAAAAAAOA/AAAAAAAA4D8AAAAAAADgPwAAAAAAAOA/AAAAAAAA4D8CAAAAjAAAAAEAAAAAAAAA////DP///whQAAAAAAAAAAAAAAAAAAAAAAAAAAAAAAAAAAAAZAAAAAEAAABAAAAAAAAAAAAAAAAAAAAAAAAAAAAAAAAAAAAAAAAAAAAAAAAAAAAAAAAAAAAAAAAAAAAAAAAAAAAAAAAAAAAAAAAAAAAAAAAAAAAAAAAAAAAAAAAAAAAAFAAAADwAAAAAAAAAAAAAAAZJjAkUAAAAAQAAABQAAAAUAAAAFAAAAAEAAAAAAAAAZAAAAGQAAAAAAAAAZAAAAGQAAAAVAAAAYAAAAAAAAAAAAAAADwAAACADAAAAAAAAAAAAAAEAAACgMgAAAAAAAAAAAAABAAAAf39/AAEAAABkAAAAAAAAABQAAABAHwAAAAAAACYAAAAAAAAAwOD//wAAAAAmAAAAZAAAABYAAABMAAAAAAAAAAAAAAAEAAAAAAAAAAEAAACWlpYKAAAAACgAAAAoAAAAZAAAAGQAAAAAAAAAzMzMAAAAAABQAAAAUAAAAGQAAABkAAAAAAAAABcAAAAUAAAAAAAAAAAAAAD/fwAA/38AAAAAAAAJAAAABAAAAAICAgIeAAAAaAAAAAAAAAAAAAAAAAAAAAAAAAAAAAAAECcAABAnAAAAAAAAAAAAAAAAAAAAAAAAAAAAAAAAAAAAAAAAAAAAABQAAAAAAAAAwMD/AAAAAABkAAAAMgAAAAAAAABkAAAAAAAAAH9/fwAKAAAAIgAAABgAAAAAAAAAAAAAAAAAAAAAAAAAAAAAAAAAAAAkAAAAJAAAAAAAAAAHAAAAAAAAAAAAAAAAAAAAAAAAAAAAAAAAAAAAf39/ACUAAABYAAAAAAAAAAAAAAAAAAAAAAAAAAAAAAAAAAAAAAAAAAAAAAAAAAAAAAAAAAAAAAA/AAAAAAAAAKCGAQAAAAAAAAAAAAAAAAAMAAAAAQAAAAAAAAAAAAAAAAAAAB8AAABUAAAA////Bf///wEAAAAAAAAAAAAAAAAAAAAAAAAAAAAAAAAAAAAAAAAAAAZJjAJ/f38AlpaWA8zMzADAwP8Af39/AAAAAAAAAAAAAAAAAAAAAAAAAAAAIQAAABgAAAAUAAAAwAMAALABAABARwAAuAgAABAAAAAmAAAACAAAAP//////////"/>
               </a:ext>
             </a:extLst>
           </p:cNvSpPr>
@@ -2868,7 +2853,6 @@
           </a:bodyPr>
           <a:lstStyle/>
           <a:p>
-            <a:pPr/>
             <a:r>
               <a:t>Click to edit Master title style</a:t>
             </a:r>
@@ -2882,7 +2866,7 @@
             <a:spLocks noGrp="1" noChangeArrowheads="1"/>
             <a:extLst>
               <a:ext uri="smNativeData">
-                <pr:smNativeData xmlns:pr="smNativeData" xmlns="smNativeData" val="SMDATA_15_Uo0YYxMAAAAlAAAAZAAAAA8BAAAAkAAAAEgAAACQAAAASAAAAAAAAAAAAAAAAAAAAAEAAABQAAAAAAAAAAAA4D8AAAAAAADgPwAAAAAAAOA/AAAAAAAA4D8AAAAAAADgPwAAAAAAAOA/AAAAAAAA4D8AAAAAAADgPwAAAAAAAOA/AAAAAAAA4D8CAAAAjAAAAAEAAAAAAAAA////DP///whQAAAAAAAAAAAAAAAAAAAAAAAAAAAAAAAAAAAAZAAAAAEAAABAAAAAAAAAAAAAAAAAAAAAAAAAAAAAAAAAAAAAAAAAAAAAAAAAAAAAAAAAAAAAAAAAAAAAAAAAAAAAAAAAAAAAAAAAAAAAAAAAAAAAAAAAAAAAAAAAAAAAFAAAADwAAAAAAAAAAAAAAAZJjAkUAAAAAQAAABQAAAAUAAAAFAAAAAEAAAAAAAAAZAAAAGQAAAAAAAAAZAAAAGQAAAAVAAAAYAAAAAAAAAAAAAAADwAAACADAAAAAAAAAAAAAAEAAACgMgAAAAAAAAAAAAABAAAAf39/AAEAAABkAAAAAAAAABQAAABAHwAAAAAAACYAAAAAAAAAwOD//wAAAAAmAAAAZAAAABYAAABMAAAAAAAAAAAAAAAEAAAAAAAAAAEAAACWlpYKAAAAACgAAAAoAAAAZAAAAGQAAAAAAAAAzMzMAAAAAABQAAAAUAAAAGQAAABkAAAAAAAAABcAAAAUAAAAAAAAAAAAAAD/fwAA/38AAAAAAAAJAAAABAAAAP8A/wAeAAAAaAAAAAAAAAAAAAAAAAAAAAAAAAAAAAAAECcAABAnAAAAAAAAAAAAAAAAAAAAAAAAAAAAAAAAAAAAAAAAAAAAABQAAAAAAAAAwMD/AAAAAABkAAAAMgAAAAAAAABkAAAAAAAAAH9/fwAKAAAAIgAAABgAAAAAAAAAAAAAAAAAAAAAAAAAAAAAAAAAAAAkAAAAJAAAAAAAAAAHAAAAAAAAAAAAAAAAAAAAAAAAAAAAAAAAAAAAf39/ACUAAABYAAAAAAAAAAAAAAAAAAAAAAAAAAAAAAAAAAAAAAAAAAAAAAAAAAAAAAAAAAAAAAA/AAAAAAAAAKCGAQAAAAAAAAAAAAAAAAAMAAAAAQAAAAAAAAAAAAAAAAAAAB8AAABUAAAA////Bf///wEAAAAAAAAAAAAAAAAAAAAAAAAAAAAAAAAAAAAAAAAAAAZJjAJ/f38AlpaWA8zMzADAwP8Af39/AAAAAAAAAAAAAAAAAAAAAAAAAAAAIQAAABgAAAAUAAAAwAMAANgJAABARwAAsCUAABAAAAAmAAAACAAAAP//////////"/>
+                <pr:smNativeData xmlns="smNativeData" xmlns:pr="smNativeData" xmlns:p15="http://schemas.microsoft.com/office/powerpoint/2012/main" xmlns:p14="http://schemas.microsoft.com/office/powerpoint/2010/main" xmlns:mc="http://schemas.openxmlformats.org/markup-compatibility/2006" val="SMDATA_15_Uo0YYxMAAAAlAAAAZAAAAA8BAAAAkAAAAEgAAACQAAAASAAAAAAAAAAAAAAAAAAAAAEAAABQAAAAAAAAAAAA4D8AAAAAAADgPwAAAAAAAOA/AAAAAAAA4D8AAAAAAADgPwAAAAAAAOA/AAAAAAAA4D8AAAAAAADgPwAAAAAAAOA/AAAAAAAA4D8CAAAAjAAAAAEAAAAAAAAA////DP///whQAAAAAAAAAAAAAAAAAAAAAAAAAAAAAAAAAAAAZAAAAAEAAABAAAAAAAAAAAAAAAAAAAAAAAAAAAAAAAAAAAAAAAAAAAAAAAAAAAAAAAAAAAAAAAAAAAAAAAAAAAAAAAAAAAAAAAAAAAAAAAAAAAAAAAAAAAAAAAAAAAAAFAAAADwAAAAAAAAAAAAAAAZJjAkUAAAAAQAAABQAAAAUAAAAFAAAAAEAAAAAAAAAZAAAAGQAAAAAAAAAZAAAAGQAAAAVAAAAYAAAAAAAAAAAAAAADwAAACADAAAAAAAAAAAAAAEAAACgMgAAAAAAAAAAAAABAAAAf39/AAEAAABkAAAAAAAAABQAAABAHwAAAAAAACYAAAAAAAAAwOD//wAAAAAmAAAAZAAAABYAAABMAAAAAAAAAAAAAAAEAAAAAAAAAAEAAACWlpYKAAAAACgAAAAoAAAAZAAAAGQAAAAAAAAAzMzMAAAAAABQAAAAUAAAAGQAAABkAAAAAAAAABcAAAAUAAAAAAAAAAAAAAD/fwAA/38AAAAAAAAJAAAABAAAAP8A/wAeAAAAaAAAAAAAAAAAAAAAAAAAAAAAAAAAAAAAECcAABAnAAAAAAAAAAAAAAAAAAAAAAAAAAAAAAAAAAAAAAAAAAAAABQAAAAAAAAAwMD/AAAAAABkAAAAMgAAAAAAAABkAAAAAAAAAH9/fwAKAAAAIgAAABgAAAAAAAAAAAAAAAAAAAAAAAAAAAAAAAAAAAAkAAAAJAAAAAAAAAAHAAAAAAAAAAAAAAAAAAAAAAAAAAAAAAAAAAAAf39/ACUAAABYAAAAAAAAAAAAAAAAAAAAAAAAAAAAAAAAAAAAAAAAAAAAAAAAAAAAAAAAAAAAAAA/AAAAAAAAAKCGAQAAAAAAAAAAAAAAAAAMAAAAAQAAAAAAAAAAAAAAAAAAAB8AAABUAAAA////Bf///wEAAAAAAAAAAAAAAAAAAAAAAAAAAAAAAAAAAAAAAAAAAAZJjAJ/f38AlpaWA8zMzADAwP8Af39/AAAAAAAAAAAAAAAAAAAAAAAAAAAAIQAAABgAAAAUAAAAwAMAANgJAABARwAAsCUAABAAAAAmAAAACAAAAP//////////"/>
               </a:ext>
             </a:extLst>
           </p:cNvSpPr>
@@ -2916,7 +2900,6 @@
           </a:bodyPr>
           <a:lstStyle/>
           <a:p>
-            <a:pPr/>
             <a:r>
               <a:t>Click to edit Master text styles</a:t>
             </a:r>
@@ -2954,7 +2937,7 @@
             <a:spLocks noGrp="1" noChangeArrowheads="1"/>
             <a:extLst>
               <a:ext uri="smNativeData">
-                <pr:smNativeData xmlns:pr="smNativeData" xmlns="smNativeData" val="SMDATA_15_Uo0YYxMAAAAlAAAAZAAAAA8BAAAAkAAAAEgAAACQAAAASAAAAAAAAAABAAAAAAAAAAEAAABQAAAAAAAAAAAA4D8AAAAAAADgPwAAAAAAAOA/AAAAAAAA4D8AAAAAAADgPwAAAAAAAOA/AAAAAAAA4D8AAAAAAADgPwAAAAAAAOA/AAAAAAAA4D8CAAAAjAAAAAAAAAAAAAAA////DP///wgAAAAAAAAAAAAAAAAAAAAAAAAAAAAAAAAAAAAAZAAAAAEAAABAAAAAAAAAAAAAAAAAAAAAAAAAAAAAAAAAAAAAAAAAAAAAAAAAAAAAAAAAAAAAAAAAAAAAAAAAAAAAAAAAAAAAAAAAAAAAAAAAAAAAAAAAAAAAAAAAAAAAFAAAADwAAAAAAAAAAAAAAAZJjAkUAAAAAQAAABQAAAAUAAAAFAAAAAEAAAAAAAAAZAAAAGQAAAAAAAAAZAAAAGQAAAAVAAAAYAAAAAAAAAAAAAAADwAAACADAAAAAAAAAAAAAAEAAACgMgAAVgcAAKr4//8BAAAAf39/AAEAAABkAAAAAAAAABQAAABAHwAAAAAAACYAAAAAAAAAwOD//wAAAAAmAAAAZAAAABYAAABMAAAAAAAAAAAAAAAEAAAAAAAAAAEAAACWlpYKAAAAACgAAAAoAAAAZAAAAGQAAAAAAAAAzMzMAAAAAABQAAAAUAAAAGQAAABkAAAAAAAAABcAAAAUAAAAAAAAAAAAAAD/fwAA/38AAAAAAAAJAAAABAAAAAAAAAAeAAAAaAAAAAAAAAAAAAAAAAAAAAAAAAAAAAAAECcAABAnAAAAAAAAAAAAAAAAAAAAAAAAAAAAAAAAAAAAAAAAAAAAABQAAAAAAAAAwMD/AAAAAABkAAAAMgAAAAAAAABkAAAAAAAAAH9/fwAKAAAAIgAAABgAAAAAAAAAAAAAAAAAAAAAAAAAAAAAAAAAAAAkAAAAJAAAAAAAAAAHAAAAAAAAAAAAAAAAAAAAAAAAAAAAAAAAAAAAf39/ACUAAABYAAAAAAAAAAAAAAAAAAAAAAAAAAAAAAAAAAAAAAAAAAAAAAAAAAAAAAAAAAAAAAA/AAAAAAAAAKCGAQAAAAAAAAAAAAAAAAAMAAAAAQAAAAAAAAAAAAAAAAAAAB8AAABUAAAA////Bf///wEAAAAAAAAAAAAAAAAAAAAAAAAAAAAAAAAAAAAAAAAAAAZJjAJ/f38AlpaWA8zMzADAwP8Af39/AAAAAAAAAAAAAAAAAAAAAAAAAAAAIQAAABgAAAAUAAAAwAMAABsnAABAFQAAWSkAABAAAAAmAAAACAAAAP//////////"/>
+                <pr:smNativeData xmlns="smNativeData" xmlns:pr="smNativeData" xmlns:p15="http://schemas.microsoft.com/office/powerpoint/2012/main" xmlns:p14="http://schemas.microsoft.com/office/powerpoint/2010/main" xmlns:mc="http://schemas.openxmlformats.org/markup-compatibility/2006" val="SMDATA_15_Uo0YYxMAAAAlAAAAZAAAAA8BAAAAkAAAAEgAAACQAAAASAAAAAAAAAABAAAAAAAAAAEAAABQAAAAAAAAAAAA4D8AAAAAAADgPwAAAAAAAOA/AAAAAAAA4D8AAAAAAADgPwAAAAAAAOA/AAAAAAAA4D8AAAAAAADgPwAAAAAAAOA/AAAAAAAA4D8CAAAAjAAAAAAAAAAAAAAA////DP///wgAAAAAAAAAAAAAAAAAAAAAAAAAAAAAAAAAAAAAZAAAAAEAAABAAAAAAAAAAAAAAAAAAAAAAAAAAAAAAAAAAAAAAAAAAAAAAAAAAAAAAAAAAAAAAAAAAAAAAAAAAAAAAAAAAAAAAAAAAAAAAAAAAAAAAAAAAAAAAAAAAAAAFAAAADwAAAAAAAAAAAAAAAZJjAkUAAAAAQAAABQAAAAUAAAAFAAAAAEAAAAAAAAAZAAAAGQAAAAAAAAAZAAAAGQAAAAVAAAAYAAAAAAAAAAAAAAADwAAACADAAAAAAAAAAAAAAEAAACgMgAAVgcAAKr4//8BAAAAf39/AAEAAABkAAAAAAAAABQAAABAHwAAAAAAACYAAAAAAAAAwOD//wAAAAAmAAAAZAAAABYAAABMAAAAAAAAAAAAAAAEAAAAAAAAAAEAAACWlpYKAAAAACgAAAAoAAAAZAAAAGQAAAAAAAAAzMzMAAAAAABQAAAAUAAAAGQAAABkAAAAAAAAABcAAAAUAAAAAAAAAAAAAAD/fwAA/38AAAAAAAAJAAAABAAAAAAAAAAeAAAAaAAAAAAAAAAAAAAAAAAAAAAAAAAAAAAAECcAABAnAAAAAAAAAAAAAAAAAAAAAAAAAAAAAAAAAAAAAAAAAAAAABQAAAAAAAAAwMD/AAAAAABkAAAAMgAAAAAAAABkAAAAAAAAAH9/fwAKAAAAIgAAABgAAAAAAAAAAAAAAAAAAAAAAAAAAAAAAAAAAAAkAAAAJAAAAAAAAAAHAAAAAAAAAAAAAAAAAAAAAAAAAAAAAAAAAAAAf39/ACUAAABYAAAAAAAAAAAAAAAAAAAAAAAAAAAAAAAAAAAAAAAAAAAAAAAAAAAAAAAAAAAAAAA/AAAAAAAAAKCGAQAAAAAAAAAAAAAAAAAMAAAAAQAAAAAAAAAAAAAAAAAAAB8AAABUAAAA////Bf///wEAAAAAAAAAAAAAAAAAAAAAAAAAAAAAAAAAAAAAAAAAAAZJjAJ/f38AlpaWA8zMzADAwP8Af39/AAAAAAAAAAAAAAAAAAAAAAAAAAAAIQAAABgAAAAUAAAAwAMAABsnAABAFQAAWSkAABAAAAAmAAAACAAAAP//////////"/>
               </a:ext>
             </a:extLst>
           </p:cNvSpPr>
@@ -2988,10 +2971,10 @@
             </a:lvl1pPr>
           </a:lstStyle>
           <a:p>
-            <a:pPr/>
             <a:fld id="{6528643C-7288-7D92-C690-84C72ADE30D1}" type="datetime1">
-              <a:t/>
+              <a:t>9/7/2022</a:t>
             </a:fld>
+            <a:endParaRPr/>
           </a:p>
         </p:txBody>
       </p:sp>
@@ -3002,7 +2985,7 @@
             <a:spLocks noGrp="1" noChangeArrowheads="1"/>
             <a:extLst>
               <a:ext uri="smNativeData">
-                <pr:smNativeData xmlns:pr="smNativeData" xmlns="smNativeData" val="SMDATA_15_Uo0YYxMAAAAlAAAAZAAAAA8BAAAAkAAAAEgAAACQAAAASAAAAAAAAAABAAAAAAAAAAEAAABQAAAAAAAAAAAA4D8AAAAAAADgPwAAAAAAAOA/AAAAAAAA4D8AAAAAAADgPwAAAAAAAOA/AAAAAAAA4D8AAAAAAADgPwAAAAAAAOA/AAAAAAAA4D8CAAAAjAAAAAAAAAAAAAAA////DP///wgAAAAAAAAAAAAAAAAAAAAAAAAAAAAAAAAAAAAAZAAAAAEAAABAAAAAAAAAAAAAAAAAAAAAAAAAAAAAAAAAAAAAAAAAAAAAAAAAAAAAAAAAAAAAAAAAAAAAAAAAAAAAAAAAAAAAAAAAAAAAAAAAAAAAAAAAAAAAAAAAAAAAFAAAADwAAAAAAAAAAAAAAAZJjAkUAAAAAQAAABQAAAAUAAAAFAAAAAEAAAAAAAAAZAAAAGQAAAAAAAAAZAAAAGQAAAAVAAAAYAAAAAAAAAAAAAAADwAAACADAAAAAAAAAAAAAAEAAACgMgAAVgcAAKr4//8BAAAAf39/AAEAAABkAAAAAAAAABQAAABAHwAAAAAAACYAAAAAAAAAwOD//wAAAAAmAAAAZAAAABYAAABMAAAAAAAAAAAAAAAEAAAAAAAAAAEAAACWlpYKAAAAACgAAAAoAAAAZAAAAGQAAAAAAAAAzMzMAAAAAABQAAAAUAAAAGQAAABkAAAAAAAAABcAAAAUAAAAAAAAAAAAAAD/fwAA/38AAAAAAAAJAAAABAAAAKQPAAAeAAAAaAAAAAAAAAAAAAAAAAAAAAAAAAAAAAAAECcAABAnAAAAAAAAAAAAAAAAAAAAAAAAAAAAAAAAAAAAAAAAAAAAABQAAAAAAAAAwMD/AAAAAABkAAAAMgAAAAAAAABkAAAAAAAAAH9/fwAKAAAAIgAAABgAAAAAAAAAAAAAAAAAAAAAAAAAAAAAAAAAAAAkAAAAJAAAAAAAAAAHAAAAAAAAAAAAAAAAAAAAAAAAAAAAAAAAAAAAf39/ACUAAABYAAAAAAAAAAAAAAAAAAAAAAAAAAAAAAAAAAAAAAAAAAAAAAAAAAAAAAAAAAAAAAA/AAAAAAAAAKCGAQAAAAAAAAAAAAAAAAAMAAAAAQAAAAAAAAAAAAAAAAAAAB8AAABUAAAA////Bf///wEAAAAAAAAAAAAAAAAAAAAAAAAAAAAAAAAAAAAAAAAAAAZJjAJ/f38AlpaWA8zMzADAwP8Af39/AAAAAAAAAAAAAAAAAAAAAAAAAAAAIQAAABgAAAAUAAAAoBkAABsnAABgMQAAWSkAABAAAAAmAAAACAAAAP//////////"/>
+                <pr:smNativeData xmlns="smNativeData" xmlns:pr="smNativeData" xmlns:p15="http://schemas.microsoft.com/office/powerpoint/2012/main" xmlns:p14="http://schemas.microsoft.com/office/powerpoint/2010/main" xmlns:mc="http://schemas.openxmlformats.org/markup-compatibility/2006" val="SMDATA_15_Uo0YYxMAAAAlAAAAZAAAAA8BAAAAkAAAAEgAAACQAAAASAAAAAAAAAABAAAAAAAAAAEAAABQAAAAAAAAAAAA4D8AAAAAAADgPwAAAAAAAOA/AAAAAAAA4D8AAAAAAADgPwAAAAAAAOA/AAAAAAAA4D8AAAAAAADgPwAAAAAAAOA/AAAAAAAA4D8CAAAAjAAAAAAAAAAAAAAA////DP///wgAAAAAAAAAAAAAAAAAAAAAAAAAAAAAAAAAAAAAZAAAAAEAAABAAAAAAAAAAAAAAAAAAAAAAAAAAAAAAAAAAAAAAAAAAAAAAAAAAAAAAAAAAAAAAAAAAAAAAAAAAAAAAAAAAAAAAAAAAAAAAAAAAAAAAAAAAAAAAAAAAAAAFAAAADwAAAAAAAAAAAAAAAZJjAkUAAAAAQAAABQAAAAUAAAAFAAAAAEAAAAAAAAAZAAAAGQAAAAAAAAAZAAAAGQAAAAVAAAAYAAAAAAAAAAAAAAADwAAACADAAAAAAAAAAAAAAEAAACgMgAAVgcAAKr4//8BAAAAf39/AAEAAABkAAAAAAAAABQAAABAHwAAAAAAACYAAAAAAAAAwOD//wAAAAAmAAAAZAAAABYAAABMAAAAAAAAAAAAAAAEAAAAAAAAAAEAAACWlpYKAAAAACgAAAAoAAAAZAAAAGQAAAAAAAAAzMzMAAAAAABQAAAAUAAAAGQAAABkAAAAAAAAABcAAAAUAAAAAAAAAAAAAAD/fwAA/38AAAAAAAAJAAAABAAAAKQPAAAeAAAAaAAAAAAAAAAAAAAAAAAAAAAAAAAAAAAAECcAABAnAAAAAAAAAAAAAAAAAAAAAAAAAAAAAAAAAAAAAAAAAAAAABQAAAAAAAAAwMD/AAAAAABkAAAAMgAAAAAAAABkAAAAAAAAAH9/fwAKAAAAIgAAABgAAAAAAAAAAAAAAAAAAAAAAAAAAAAAAAAAAAAkAAAAJAAAAAAAAAAHAAAAAAAAAAAAAAAAAAAAAAAAAAAAAAAAAAAAf39/ACUAAABYAAAAAAAAAAAAAAAAAAAAAAAAAAAAAAAAAAAAAAAAAAAAAAAAAAAAAAAAAAAAAAA/AAAAAAAAAKCGAQAAAAAAAAAAAAAAAAAMAAAAAQAAAAAAAAAAAAAAAAAAAB8AAABUAAAA////Bf///wEAAAAAAAAAAAAAAAAAAAAAAAAAAAAAAAAAAAAAAAAAAAZJjAJ/f38AlpaWA8zMzADAwP8Af39/AAAAAAAAAAAAAAAAAAAAAAAAAAAAIQAAABgAAAAUAAAAoBkAABsnAABgMQAAWSkAABAAAAAmAAAACAAAAP//////////"/>
               </a:ext>
             </a:extLst>
           </p:cNvSpPr>
@@ -3036,7 +3019,7 @@
             </a:lvl1pPr>
           </a:lstStyle>
           <a:p>
-            <a:pPr/>
+            <a:endParaRPr/>
           </a:p>
         </p:txBody>
       </p:sp>
@@ -3047,7 +3030,7 @@
             <a:spLocks noGrp="1" noChangeArrowheads="1"/>
             <a:extLst>
               <a:ext uri="smNativeData">
-                <pr:smNativeData xmlns:pr="smNativeData" xmlns="smNativeData" val="SMDATA_15_Uo0YYxMAAAAlAAAAZAAAAA8BAAAAkAAAAEgAAACQAAAASAAAAAAAAAABAAAAAAAAAAEAAABQAAAAAAAAAAAA4D8AAAAAAADgPwAAAAAAAOA/AAAAAAAA4D8AAAAAAADgPwAAAAAAAOA/AAAAAAAA4D8AAAAAAADgPwAAAAAAAOA/AAAAAAAA4D8CAAAAjAAAAAAAAAAAAAAA////DP///wgAAAAAAAAAAAAAAAAAAAAAAAAAAAAAAAAAAAAAZAAAAAEAAABAAAAAAAAAAAAAAAAAAAAAAAAAAAAAAAAAAAAAAAAAAAAAAAAAAAAAAAAAAAAAAAAAAAAAAAAAAAAAAAAAAAAAAAAAAAAAAAAAAAAAAAAAAAAAAAAAAAAAFAAAADwAAAAAAAAAAAAAAAZJjAkUAAAAAQAAABQAAAAUAAAAFAAAAAEAAAAAAAAAZAAAAGQAAAAAAAAAZAAAAGQAAAAVAAAAYAAAAAAAAAAAAAAADwAAACADAAAAAAAAAAAAAAEAAACgMgAAVgcAAKr4//8BAAAAf39/AAEAAABkAAAAAAAAABQAAABAHwAAAAAAACYAAAAAAAAAwOD//wAAAAAmAAAAZAAAABYAAABMAAAAAAAAAAAAAAAEAAAAAAAAAAEAAACWlpYKAAAAACgAAAAoAAAAZAAAAGQAAAAAAAAAzMzMAAAAAABQAAAAUAAAAGQAAABkAAAAAAAAABcAAAAUAAAAAAAAAAAAAAD/fwAA/38AAAAAAAAJAAAABAAAALIAsgAeAAAAaAAAAAAAAAAAAAAAAAAAAAAAAAAAAAAAECcAABAnAAAAAAAAAAAAAAAAAAAAAAAAAAAAAAAAAAAAAAAAAAAAABQAAAAAAAAAwMD/AAAAAABkAAAAMgAAAAAAAABkAAAAAAAAAH9/fwAKAAAAIgAAABgAAAAAAAAAAAAAAAAAAAAAAAAAAAAAAAAAAAAkAAAAJAAAAAAAAAAHAAAAAAAAAAAAAAAAAAAAAAAAAAAAAAAAAAAAf39/ACUAAABYAAAAAAAAAAAAAAAAAAAAAAAAAAAAAAAAAAAAAAAAAAAAAAAAAAAAAAAAAAAAAAA/AAAAAAAAAKCGAQAAAAAAAAAAAAAAAAAMAAAAAQAAAAAAAAAAAAAAAAAAAB8AAABUAAAA////Bf///wEAAAAAAAAAAAAAAAAAAAAAAAAAAAAAAAAAAAAAAAAAAAZJjAJ/f38AlpaWA8zMzADAwP8Af39/AAAAAAAAAAAAAAAAAAAAAAAAAAAAIQAAABgAAAAUAAAAwDUAABsnAABARwAAWSkAABAAAAAmAAAACAAAAP//////////"/>
+                <pr:smNativeData xmlns="smNativeData" xmlns:pr="smNativeData" xmlns:p15="http://schemas.microsoft.com/office/powerpoint/2012/main" xmlns:p14="http://schemas.microsoft.com/office/powerpoint/2010/main" xmlns:mc="http://schemas.openxmlformats.org/markup-compatibility/2006" val="SMDATA_15_Uo0YYxMAAAAlAAAAZAAAAA8BAAAAkAAAAEgAAACQAAAASAAAAAAAAAABAAAAAAAAAAEAAABQAAAAAAAAAAAA4D8AAAAAAADgPwAAAAAAAOA/AAAAAAAA4D8AAAAAAADgPwAAAAAAAOA/AAAAAAAA4D8AAAAAAADgPwAAAAAAAOA/AAAAAAAA4D8CAAAAjAAAAAAAAAAAAAAA////DP///wgAAAAAAAAAAAAAAAAAAAAAAAAAAAAAAAAAAAAAZAAAAAEAAABAAAAAAAAAAAAAAAAAAAAAAAAAAAAAAAAAAAAAAAAAAAAAAAAAAAAAAAAAAAAAAAAAAAAAAAAAAAAAAAAAAAAAAAAAAAAAAAAAAAAAAAAAAAAAAAAAAAAAFAAAADwAAAAAAAAAAAAAAAZJjAkUAAAAAQAAABQAAAAUAAAAFAAAAAEAAAAAAAAAZAAAAGQAAAAAAAAAZAAAAGQAAAAVAAAAYAAAAAAAAAAAAAAADwAAACADAAAAAAAAAAAAAAEAAACgMgAAVgcAAKr4//8BAAAAf39/AAEAAABkAAAAAAAAABQAAABAHwAAAAAAACYAAAAAAAAAwOD//wAAAAAmAAAAZAAAABYAAABMAAAAAAAAAAAAAAAEAAAAAAAAAAEAAACWlpYKAAAAACgAAAAoAAAAZAAAAGQAAAAAAAAAzMzMAAAAAABQAAAAUAAAAGQAAABkAAAAAAAAABcAAAAUAAAAAAAAAAAAAAD/fwAA/38AAAAAAAAJAAAABAAAALIAsgAeAAAAaAAAAAAAAAAAAAAAAAAAAAAAAAAAAAAAECcAABAnAAAAAAAAAAAAAAAAAAAAAAAAAAAAAAAAAAAAAAAAAAAAABQAAAAAAAAAwMD/AAAAAABkAAAAMgAAAAAAAABkAAAAAAAAAH9/fwAKAAAAIgAAABgAAAAAAAAAAAAAAAAAAAAAAAAAAAAAAAAAAAAkAAAAJAAAAAAAAAAHAAAAAAAAAAAAAAAAAAAAAAAAAAAAAAAAAAAAf39/ACUAAABYAAAAAAAAAAAAAAAAAAAAAAAAAAAAAAAAAAAAAAAAAAAAAAAAAAAAAAAAAAAAAAA/AAAAAAAAAKCGAQAAAAAAAAAAAAAAAAAMAAAAAQAAAAAAAAAAAAAAAAAAAB8AAABUAAAA////Bf///wEAAAAAAAAAAAAAAAAAAAAAAAAAAAAAAAAAAAAAAAAAAAZJjAJ/f38AlpaWA8zMzADAwP8Af39/AAAAAAAAAAAAAAAAAAAAAAAAAAAAIQAAABgAAAAUAAAAwDUAABsnAABARwAAWSkAABAAAAAmAAAACAAAAP//////////"/>
               </a:ext>
             </a:extLst>
           </p:cNvSpPr>
@@ -3081,10 +3064,10 @@
             </a:lvl1pPr>
           </a:lstStyle>
           <a:p>
-            <a:pPr/>
             <a:fld id="{21BE3771-3FCC-EBC1-8206-C9947948749C}" type="slidenum">
-              <a:t/>
+              <a:t>‹#›</a:t>
             </a:fld>
+            <a:endParaRPr/>
           </a:p>
         </p:txBody>
       </p:sp>
@@ -3092,17 +3075,17 @@
   </p:cSld>
   <p:clrMap bg1="lt1" tx1="dk1" bg2="lt2" tx2="dk2" accent1="accent1" accent2="accent2" accent3="accent3" accent4="accent4" accent5="accent5" accent6="accent6" hlink="hlink" folHlink="folHlink"/>
   <p:sldLayoutIdLst>
-    <p:sldLayoutId id="2147483649" r:id="rId2"/>
-    <p:sldLayoutId id="2147483650" r:id="rId3"/>
-    <p:sldLayoutId id="2147483651" r:id="rId4"/>
-    <p:sldLayoutId id="2147483652" r:id="rId5"/>
-    <p:sldLayoutId id="2147483653" r:id="rId6"/>
-    <p:sldLayoutId id="2147483654" r:id="rId7"/>
-    <p:sldLayoutId id="2147483655" r:id="rId8"/>
-    <p:sldLayoutId id="2147483656" r:id="rId9"/>
-    <p:sldLayoutId id="2147483657" r:id="rId10"/>
-    <p:sldLayoutId id="2147483658" r:id="rId11"/>
-    <p:sldLayoutId id="2147483659" r:id="rId12"/>
+    <p:sldLayoutId id="2147483649" r:id="rId1"/>
+    <p:sldLayoutId id="2147483650" r:id="rId2"/>
+    <p:sldLayoutId id="2147483651" r:id="rId3"/>
+    <p:sldLayoutId id="2147483652" r:id="rId4"/>
+    <p:sldLayoutId id="2147483653" r:id="rId5"/>
+    <p:sldLayoutId id="2147483654" r:id="rId6"/>
+    <p:sldLayoutId id="2147483655" r:id="rId7"/>
+    <p:sldLayoutId id="2147483656" r:id="rId8"/>
+    <p:sldLayoutId id="2147483657" r:id="rId9"/>
+    <p:sldLayoutId id="2147483658" r:id="rId10"/>
+    <p:sldLayoutId id="2147483659" r:id="rId11"/>
   </p:sldLayoutIdLst>
   <p:hf sldNum="0" hdr="0" ftr="0" dt="0"/>
   <p:txStyles>
@@ -3125,7 +3108,7 @@
           </a:solidFill>
           <a:effectLst/>
           <a:latin typeface="Calibri" pitchFamily="2" charset="0"/>
-          <a:ea typeface="SimSun" pitchFamily="0" charset="0"/>
+          <a:ea typeface="SimSun" charset="0"/>
           <a:cs typeface="Times New Roman" pitchFamily="1" charset="0"/>
         </a:defRPr>
       </a:lvl1pPr>
@@ -3147,7 +3130,7 @@
           </a:solidFill>
           <a:effectLst/>
           <a:latin typeface="Calibri" pitchFamily="2" charset="0"/>
-          <a:ea typeface="SimSun" pitchFamily="0" charset="0"/>
+          <a:ea typeface="SimSun" charset="0"/>
           <a:cs typeface="Times New Roman" pitchFamily="1" charset="0"/>
         </a:defRPr>
       </a:lvl2pPr>
@@ -3169,7 +3152,7 @@
           </a:solidFill>
           <a:effectLst/>
           <a:latin typeface="Calibri" pitchFamily="2" charset="0"/>
-          <a:ea typeface="SimSun" pitchFamily="0" charset="0"/>
+          <a:ea typeface="SimSun" charset="0"/>
           <a:cs typeface="Times New Roman" pitchFamily="1" charset="0"/>
         </a:defRPr>
       </a:lvl3pPr>
@@ -3191,7 +3174,7 @@
           </a:solidFill>
           <a:effectLst/>
           <a:latin typeface="Calibri" pitchFamily="2" charset="0"/>
-          <a:ea typeface="SimSun" pitchFamily="0" charset="0"/>
+          <a:ea typeface="SimSun" charset="0"/>
           <a:cs typeface="Times New Roman" pitchFamily="1" charset="0"/>
         </a:defRPr>
       </a:lvl4pPr>
@@ -3213,7 +3196,7 @@
           </a:solidFill>
           <a:effectLst/>
           <a:latin typeface="Calibri" pitchFamily="2" charset="0"/>
-          <a:ea typeface="SimSun" pitchFamily="0" charset="0"/>
+          <a:ea typeface="SimSun" charset="0"/>
           <a:cs typeface="Times New Roman" pitchFamily="1" charset="0"/>
         </a:defRPr>
       </a:lvl5pPr>
@@ -3235,7 +3218,7 @@
           </a:solidFill>
           <a:effectLst/>
           <a:latin typeface="Calibri" pitchFamily="2" charset="0"/>
-          <a:ea typeface="SimSun" pitchFamily="0" charset="0"/>
+          <a:ea typeface="SimSun" charset="0"/>
           <a:cs typeface="Times New Roman" pitchFamily="1" charset="0"/>
         </a:defRPr>
       </a:lvl6pPr>
@@ -3257,7 +3240,7 @@
           </a:solidFill>
           <a:effectLst/>
           <a:latin typeface="Calibri" pitchFamily="2" charset="0"/>
-          <a:ea typeface="SimSun" pitchFamily="0" charset="0"/>
+          <a:ea typeface="SimSun" charset="0"/>
           <a:cs typeface="Times New Roman" pitchFamily="1" charset="0"/>
         </a:defRPr>
       </a:lvl7pPr>
@@ -3279,7 +3262,7 @@
           </a:solidFill>
           <a:effectLst/>
           <a:latin typeface="Calibri" pitchFamily="2" charset="0"/>
-          <a:ea typeface="SimSun" pitchFamily="0" charset="0"/>
+          <a:ea typeface="SimSun" charset="0"/>
           <a:cs typeface="Times New Roman" pitchFamily="1" charset="0"/>
         </a:defRPr>
       </a:lvl8pPr>
@@ -3301,7 +3284,7 @@
           </a:solidFill>
           <a:effectLst/>
           <a:latin typeface="Calibri" pitchFamily="2" charset="0"/>
-          <a:ea typeface="SimSun" pitchFamily="0" charset="0"/>
+          <a:ea typeface="SimSun" charset="0"/>
           <a:cs typeface="Times New Roman" pitchFamily="1" charset="0"/>
         </a:defRPr>
       </a:lvl9pPr>
@@ -3328,7 +3311,7 @@
           </a:solidFill>
           <a:effectLst/>
           <a:latin typeface="Calibri" pitchFamily="2" charset="0"/>
-          <a:ea typeface="SimSun" pitchFamily="0" charset="0"/>
+          <a:ea typeface="SimSun" charset="0"/>
           <a:cs typeface="Times New Roman" pitchFamily="1" charset="0"/>
         </a:defRPr>
       </a:lvl1pPr>
@@ -3353,7 +3336,7 @@
           </a:solidFill>
           <a:effectLst/>
           <a:latin typeface="Calibri" pitchFamily="2" charset="0"/>
-          <a:ea typeface="SimSun" pitchFamily="0" charset="0"/>
+          <a:ea typeface="SimSun" charset="0"/>
           <a:cs typeface="Times New Roman" pitchFamily="1" charset="0"/>
         </a:defRPr>
       </a:lvl2pPr>
@@ -3378,7 +3361,7 @@
           </a:solidFill>
           <a:effectLst/>
           <a:latin typeface="Calibri" pitchFamily="2" charset="0"/>
-          <a:ea typeface="SimSun" pitchFamily="0" charset="0"/>
+          <a:ea typeface="SimSun" charset="0"/>
           <a:cs typeface="Times New Roman" pitchFamily="1" charset="0"/>
         </a:defRPr>
       </a:lvl3pPr>
@@ -3403,7 +3386,7 @@
           </a:solidFill>
           <a:effectLst/>
           <a:latin typeface="Calibri" pitchFamily="2" charset="0"/>
-          <a:ea typeface="SimSun" pitchFamily="0" charset="0"/>
+          <a:ea typeface="SimSun" charset="0"/>
           <a:cs typeface="Times New Roman" pitchFamily="1" charset="0"/>
         </a:defRPr>
       </a:lvl4pPr>
@@ -3428,7 +3411,7 @@
           </a:solidFill>
           <a:effectLst/>
           <a:latin typeface="Calibri" pitchFamily="2" charset="0"/>
-          <a:ea typeface="SimSun" pitchFamily="0" charset="0"/>
+          <a:ea typeface="SimSun" charset="0"/>
           <a:cs typeface="Times New Roman" pitchFamily="1" charset="0"/>
         </a:defRPr>
       </a:lvl5pPr>
@@ -3453,7 +3436,7 @@
           </a:solidFill>
           <a:effectLst/>
           <a:latin typeface="Calibri" pitchFamily="2" charset="0"/>
-          <a:ea typeface="SimSun" pitchFamily="0" charset="0"/>
+          <a:ea typeface="SimSun" charset="0"/>
           <a:cs typeface="Times New Roman" pitchFamily="1" charset="0"/>
         </a:defRPr>
       </a:lvl6pPr>
@@ -3478,7 +3461,7 @@
           </a:solidFill>
           <a:effectLst/>
           <a:latin typeface="Calibri" pitchFamily="2" charset="0"/>
-          <a:ea typeface="SimSun" pitchFamily="0" charset="0"/>
+          <a:ea typeface="SimSun" charset="0"/>
           <a:cs typeface="Times New Roman" pitchFamily="1" charset="0"/>
         </a:defRPr>
       </a:lvl7pPr>
@@ -3503,7 +3486,7 @@
           </a:solidFill>
           <a:effectLst/>
           <a:latin typeface="Calibri" pitchFamily="2" charset="0"/>
-          <a:ea typeface="SimSun" pitchFamily="0" charset="0"/>
+          <a:ea typeface="SimSun" charset="0"/>
           <a:cs typeface="Times New Roman" pitchFamily="1" charset="0"/>
         </a:defRPr>
       </a:lvl8pPr>
@@ -3528,7 +3511,7 @@
           </a:solidFill>
           <a:effectLst/>
           <a:latin typeface="Calibri" pitchFamily="2" charset="0"/>
-          <a:ea typeface="SimSun" pitchFamily="0" charset="0"/>
+          <a:ea typeface="SimSun" charset="0"/>
           <a:cs typeface="Times New Roman" pitchFamily="1" charset="0"/>
         </a:defRPr>
       </a:lvl9pPr>
@@ -3552,7 +3535,7 @@
           </a:solidFill>
           <a:effectLst/>
           <a:latin typeface="Calibri" pitchFamily="2" charset="0"/>
-          <a:ea typeface="SimSun" pitchFamily="0" charset="0"/>
+          <a:ea typeface="SimSun" charset="0"/>
           <a:cs typeface="Times New Roman" pitchFamily="1" charset="0"/>
         </a:defRPr>
       </a:lvl1pPr>
@@ -3574,7 +3557,7 @@
           </a:solidFill>
           <a:effectLst/>
           <a:latin typeface="Calibri" pitchFamily="2" charset="0"/>
-          <a:ea typeface="SimSun" pitchFamily="0" charset="0"/>
+          <a:ea typeface="SimSun" charset="0"/>
           <a:cs typeface="Times New Roman" pitchFamily="1" charset="0"/>
         </a:defRPr>
       </a:lvl2pPr>
@@ -3596,7 +3579,7 @@
           </a:solidFill>
           <a:effectLst/>
           <a:latin typeface="Calibri" pitchFamily="2" charset="0"/>
-          <a:ea typeface="SimSun" pitchFamily="0" charset="0"/>
+          <a:ea typeface="SimSun" charset="0"/>
           <a:cs typeface="Times New Roman" pitchFamily="1" charset="0"/>
         </a:defRPr>
       </a:lvl3pPr>
@@ -3618,7 +3601,7 @@
           </a:solidFill>
           <a:effectLst/>
           <a:latin typeface="Calibri" pitchFamily="2" charset="0"/>
-          <a:ea typeface="SimSun" pitchFamily="0" charset="0"/>
+          <a:ea typeface="SimSun" charset="0"/>
           <a:cs typeface="Times New Roman" pitchFamily="1" charset="0"/>
         </a:defRPr>
       </a:lvl4pPr>
@@ -3640,7 +3623,7 @@
           </a:solidFill>
           <a:effectLst/>
           <a:latin typeface="Calibri" pitchFamily="2" charset="0"/>
-          <a:ea typeface="SimSun" pitchFamily="0" charset="0"/>
+          <a:ea typeface="SimSun" charset="0"/>
           <a:cs typeface="Times New Roman" pitchFamily="1" charset="0"/>
         </a:defRPr>
       </a:lvl5pPr>
@@ -3662,7 +3645,7 @@
           </a:solidFill>
           <a:effectLst/>
           <a:latin typeface="Calibri" pitchFamily="2" charset="0"/>
-          <a:ea typeface="SimSun" pitchFamily="0" charset="0"/>
+          <a:ea typeface="SimSun" charset="0"/>
           <a:cs typeface="Times New Roman" pitchFamily="1" charset="0"/>
         </a:defRPr>
       </a:lvl6pPr>
@@ -3684,7 +3667,7 @@
           </a:solidFill>
           <a:effectLst/>
           <a:latin typeface="Calibri" pitchFamily="2" charset="0"/>
-          <a:ea typeface="SimSun" pitchFamily="0" charset="0"/>
+          <a:ea typeface="SimSun" charset="0"/>
           <a:cs typeface="Times New Roman" pitchFamily="1" charset="0"/>
         </a:defRPr>
       </a:lvl7pPr>
@@ -3706,7 +3689,7 @@
           </a:solidFill>
           <a:effectLst/>
           <a:latin typeface="Calibri" pitchFamily="2" charset="0"/>
-          <a:ea typeface="SimSun" pitchFamily="0" charset="0"/>
+          <a:ea typeface="SimSun" charset="0"/>
           <a:cs typeface="Times New Roman" pitchFamily="1" charset="0"/>
         </a:defRPr>
       </a:lvl8pPr>
@@ -3728,7 +3711,7 @@
           </a:solidFill>
           <a:effectLst/>
           <a:latin typeface="Calibri" pitchFamily="2" charset="0"/>
-          <a:ea typeface="SimSun" pitchFamily="0" charset="0"/>
+          <a:ea typeface="SimSun" charset="0"/>
           <a:cs typeface="Times New Roman" pitchFamily="1" charset="0"/>
         </a:defRPr>
       </a:lvl9pPr>
@@ -3738,7 +3721,7 @@
 </file>
 
 <file path=ppt/slides/slide1.xml><?xml version="1.0" encoding="utf-8"?>
-<p:sld xmlns:p="http://schemas.openxmlformats.org/presentationml/2006/main" xmlns:mc="http://schemas.openxmlformats.org/markup-compatibility/2006" xmlns:p14="http://schemas.microsoft.com/office/powerpoint/2010/main" xmlns:p15="http://schemas.microsoft.com/office/powerpoint/2012/main" xmlns:r="http://schemas.openxmlformats.org/officeDocument/2006/relationships" xmlns:a="http://schemas.openxmlformats.org/drawingml/2006/main" mc:Ignorable="p14">
+<p:sld xmlns:a="http://schemas.openxmlformats.org/drawingml/2006/main" xmlns:r="http://schemas.openxmlformats.org/officeDocument/2006/relationships" xmlns:p="http://schemas.openxmlformats.org/presentationml/2006/main">
   <p:cSld>
     <p:spTree>
       <p:nvGrpSpPr>
@@ -3760,7 +3743,7 @@
           <p:cNvSpPr txBox="1">
             <a:extLst>
               <a:ext uri="smNativeData">
-                <pr:smNativeData xmlns:pr="smNativeData" xmlns="smNativeData" val="SMDATA_15_Uo0YYxMAAAAlAAAAEgAAAA8BAAAAkAAAAEgAAACQAAAASAAAAAAAAAAAAAAAAAAAAAEAAABQAAAAAAAAAAAA4D8AAAAAAADgPwAAAAAAAOA/AAAAAAAA4D8AAAAAAADgPwAAAAAAAOA/AAAAAAAA4D8AAAAAAADgPwAAAAAAAOA/AAAAAAAA4D8CAAAAjAAAAAAAAAAAAAAA////DP///wgAAAAAAAAAAAAAAAAAAAAAAAAAAAAAAAAAAAAAZAAAAAEAAABAAAAAAAAAAAAAAAAAAAAAAAAAAAAAAAAAAAAAAAAAAAAAAAAAAAAAAAAAAAAAAAAAAAAAAAAAAAAAAAAAAAAAAAAAAAAAAAAAAAAAAAAAAAAAAAAAAAAAFAAAADwAAAAAAAAAAAAAAAZJjAkUAAAAAQAAABQAAAAUAAAAFAAAAAEAAAAAAAAAZAAAAGQAAAAAAAAAZAAAAGQAAAAVAAAAYAAAAAAAAAAAAAAADwAAACADAAAAAAAAAAAAAAEAAACgMgAAVgcAAKr4//8BAAAAf39/AAEAAABkAAAAAAAAABQAAABAHwAAAAAAACYAAAAAAAAAwOD//wAAAAAmAAAAZAAAABYAAABMAAAAAAAAAAAAAAAEAAAAAAAAAAEAAACWlpYKAAAAACgAAAAoAAAAZAAAAGQAAAAAAAAAzMzMAAAAAABQAAAAUAAAAGQAAABkAAAAAAAAABcAAAAUAAAAAAAAANwIAAD/fwAA/38AAAAAAAAJAAAABAAAABVjb20eAAAAaAAAAAAAAAAAAAAAAAAAAAAAAAAAAAAAECcAABAnAAAAAAAAAAAAAAAAAAAAAAAAAAAAAAAAAAAAAAAAAAAAABQAAAAAAAAAwMD/AAAAAABkAAAAMgAAAAAAAABkAAAAAAAAAH9/fwAKAAAAIgAAABgAAAAAAAAAAAAAAAAAAAAAAAAAAAAAAAAAAAAkAAAAJAAAAAAAAAAHAAAAAAAAAAAAAAAAAAAAAAAAAAAAAAAAAAAAf39/ACUAAABYAAAAAAAAAAAAAAAAAAAAAAAAAAAAAAAAAAAAAAAAAAAAAAAAAAAAAAAAAAAAAAA/AAAAAAAAAKCGAQAAAAAAAAAAAAAAAAAMAAAAAQAAAAAAAAAAAAAAAAAAAB8AAABUAAAA////Bf///wEAAAAAAAAAAAAAAAAAAAAAAAAAAAAAAAAAAAAAAAAAAAZJjAJ/f38AlpaWA8zMzADAwP8Af39/AAAAAAAAAAAAAAAAAAAAAAAAAAAAIQAAABgAAAAUAAAAVRAAAKgRAADaNQAAZRcAABAAAAAmAAAACAAAAP//////////"/>
+                <pr:smNativeData xmlns="smNativeData" xmlns:pr="smNativeData" xmlns:p15="http://schemas.microsoft.com/office/powerpoint/2012/main" xmlns:p14="http://schemas.microsoft.com/office/powerpoint/2010/main" xmlns:mc="http://schemas.openxmlformats.org/markup-compatibility/2006" val="SMDATA_15_Uo0YYxMAAAAlAAAAEgAAAA8BAAAAkAAAAEgAAACQAAAASAAAAAAAAAAAAAAAAAAAAAEAAABQAAAAAAAAAAAA4D8AAAAAAADgPwAAAAAAAOA/AAAAAAAA4D8AAAAAAADgPwAAAAAAAOA/AAAAAAAA4D8AAAAAAADgPwAAAAAAAOA/AAAAAAAA4D8CAAAAjAAAAAAAAAAAAAAA////DP///wgAAAAAAAAAAAAAAAAAAAAAAAAAAAAAAAAAAAAAZAAAAAEAAABAAAAAAAAAAAAAAAAAAAAAAAAAAAAAAAAAAAAAAAAAAAAAAAAAAAAAAAAAAAAAAAAAAAAAAAAAAAAAAAAAAAAAAAAAAAAAAAAAAAAAAAAAAAAAAAAAAAAAFAAAADwAAAAAAAAAAAAAAAZJjAkUAAAAAQAAABQAAAAUAAAAFAAAAAEAAAAAAAAAZAAAAGQAAAAAAAAAZAAAAGQAAAAVAAAAYAAAAAAAAAAAAAAADwAAACADAAAAAAAAAAAAAAEAAACgMgAAVgcAAKr4//8BAAAAf39/AAEAAABkAAAAAAAAABQAAABAHwAAAAAAACYAAAAAAAAAwOD//wAAAAAmAAAAZAAAABYAAABMAAAAAAAAAAAAAAAEAAAAAAAAAAEAAACWlpYKAAAAACgAAAAoAAAAZAAAAGQAAAAAAAAAzMzMAAAAAABQAAAAUAAAAGQAAABkAAAAAAAAABcAAAAUAAAAAAAAANwIAAD/fwAA/38AAAAAAAAJAAAABAAAABVjb20eAAAAaAAAAAAAAAAAAAAAAAAAAAAAAAAAAAAAECcAABAnAAAAAAAAAAAAAAAAAAAAAAAAAAAAAAAAAAAAAAAAAAAAABQAAAAAAAAAwMD/AAAAAABkAAAAMgAAAAAAAABkAAAAAAAAAH9/fwAKAAAAIgAAABgAAAAAAAAAAAAAAAAAAAAAAAAAAAAAAAAAAAAkAAAAJAAAAAAAAAAHAAAAAAAAAAAAAAAAAAAAAAAAAAAAAAAAAAAAf39/ACUAAABYAAAAAAAAAAAAAAAAAAAAAAAAAAAAAAAAAAAAAAAAAAAAAAAAAAAAAAAAAAAAAAA/AAAAAAAAAKCGAQAAAAAAAAAAAAAAAAAMAAAAAQAAAAAAAAAAAAAAAAAAAB8AAABUAAAA////Bf///wEAAAAAAAAAAAAAAAAAAAAAAAAAAAAAAAAAAAAAAAAAAAZJjAJ/f38AlpaWA8zMzADAwP8Af39/AAAAAAAAAAAAAAAAAAAAAAAAAAAAIQAAABgAAAAUAAAAVRAAAKgRAADaNQAAZRcAABAAAAAmAAAACAAAAP//////////"/>
               </a:ext>
             </a:extLst>
           </p:cNvSpPr>
@@ -3798,18 +3781,11 @@
   <p:clrMapOvr>
     <a:masterClrMapping/>
   </p:clrMapOvr>
-  <p:timing>
-    <p:tnLst>
-      <p:par>
-        <p:cTn id="1" dur="indefinite" restart="never" nodeType="tmRoot"/>
-      </p:par>
-    </p:tnLst>
-  </p:timing>
 </p:sld>
 </file>
 
 <file path=ppt/slides/slide10.xml><?xml version="1.0" encoding="utf-8"?>
-<p:sld xmlns:p="http://schemas.openxmlformats.org/presentationml/2006/main" xmlns:mc="http://schemas.openxmlformats.org/markup-compatibility/2006" xmlns:p14="http://schemas.microsoft.com/office/powerpoint/2010/main" xmlns:p15="http://schemas.microsoft.com/office/powerpoint/2012/main" xmlns:r="http://schemas.openxmlformats.org/officeDocument/2006/relationships" xmlns:a="http://schemas.openxmlformats.org/drawingml/2006/main" mc:Ignorable="p14">
+<p:sld xmlns:a="http://schemas.openxmlformats.org/drawingml/2006/main" xmlns:r="http://schemas.openxmlformats.org/officeDocument/2006/relationships" xmlns:p="http://schemas.openxmlformats.org/presentationml/2006/main">
   <p:cSld>
     <p:spTree>
       <p:nvGrpSpPr>
@@ -3832,7 +3808,7 @@
             <a:picLocks noChangeAspect="1"/>
             <a:extLst>
               <a:ext uri="smNativeData">
-                <pr:smNativeData xmlns:pr="smNativeData" xmlns="smNativeData" val="SMDATA_17_Uo0YYxMAAAAlAAAAEQAAAC8BAAAAkAAAAEgAAACQAAAASAAAAAAAAAAAAAAAAAAAAAEAAABQAAAAAAAAAAAA4D8AAAAAAADgPwAAAAAAAOA/AAAAAAAA4D8AAAAAAADgPwAAAAAAAOA/AAAAAAAA4D8AAAAAAADgPwAAAAAAAOA/AAAAAAAA4D8CAAAAjAAAAAAAAAAAAAAA////DP///wgAAAAAAAAAAAAAAAAAAAAAAAAAAAAAAAAAAAAAZAAAAAEAAABAAAAAAAAAAAAAAAAAAAAAAAAAAAAAAAAAAAAAAAAAAAAAAAAAAAAAAAAAAAAAAAAAAAAAAAAAAAAAAAAAAAAAAAAAAAAAAAAAAAAAAAAAAAAAAAAAAAAAFAAAADwAAAAAAAAAAAAAAAZJjAkUAAAAAQAAABQAAAAUAAAAFAAAAAEAAAAAAAAAZAAAAGQAAAAAAAAAZAAAAGQAAAAVAAAAYAAAAAAAAAAAAAAADwAAACADAAAAAAAAAAAAAAEAAACgMgAAVgcAAKr4//8BAAAAf39/AAEAAABkAAAAAAAAABQAAABAHwAAAAAAACYAAAAAAAAAwOD//wAAAAAmAAAAZAAAABYAAABMAAAAAAAAAAAAAAAEAAAAAAAAAAEAAACWlpYKAAAAACgAAAAoAAAAZAAAAGQAAAAAAAAAzMzMAAAAAABQAAAAUAAAAGQAAABkAAAAAAAAAAcAAAA4AAAAAAAAAAAAAAAAAAAA////AAAAAAAAAAAAAAAAAAAAAAAAAAAAAAAAAAAAAABkAAAAZAAAAAAAAAAjAAAABAAAAGQAAAAXAAAAFAAAAAAAAAAAAAAA/38AAP9/AAAAAAAACQAAAAQAAAAAAAAAHgAAAGgAAAAAAAAAAAAAAAAAAAAAAAAAAAAAABAnAAAQJwAAAAAAAAAAAAAAAAAAAAAAAAAAAAAAAAAAAAAAAAAAAAAUAAAAAAAAAMDA/wAAAAAAZAAAADIAAAAAAAAAZAAAAAAAAAB/f38ACgAAACIAAAAYAAAAAAAAAAAAAAAAAAAAAAAAAAAAAAAAAAAAJAAAACQAAAAAAAAABwAAAAAAAAAAAAAAAAAAAAAAAAAAAAAAAAAAAH9/fwAlAAAAWAAAAAAAAAAAAAAAAAAAAAAAAAAAAAAAAAAAAAAAAAAAAAAAAAAAAAAAAAAAAAAAPwAAAAAAAACghgEAAAAAAAAAAAAAAAAADAAAAAEAAAAAAAAAAAAAAAAAAAAfAAAAVAAAAP///wX///8BAAAAAAAAAAAAAAAAAAAAAAAAAAAAAAAAAAAAAAAAAAAGSYwCf39/AJaWlgPMzMwAwMD/AH9/fwAAAAAAAAAAAAAAAAD///8AAAAAACEAAAAYAAAAFAAAAHwAAABvAgAAO0oAAP0hAAAQAAAAJgAAAAgAAAD//////////w=="/>
+                <pr:smNativeData xmlns="smNativeData" xmlns:pr="smNativeData" xmlns:p15="http://schemas.microsoft.com/office/powerpoint/2012/main" xmlns:p14="http://schemas.microsoft.com/office/powerpoint/2010/main" xmlns:mc="http://schemas.openxmlformats.org/markup-compatibility/2006" val="SMDATA_17_Uo0YYxMAAAAlAAAAEQAAAC8BAAAAkAAAAEgAAACQAAAASAAAAAAAAAAAAAAAAAAAAAEAAABQAAAAAAAAAAAA4D8AAAAAAADgPwAAAAAAAOA/AAAAAAAA4D8AAAAAAADgPwAAAAAAAOA/AAAAAAAA4D8AAAAAAADgPwAAAAAAAOA/AAAAAAAA4D8CAAAAjAAAAAAAAAAAAAAA////DP///wgAAAAAAAAAAAAAAAAAAAAAAAAAAAAAAAAAAAAAZAAAAAEAAABAAAAAAAAAAAAAAAAAAAAAAAAAAAAAAAAAAAAAAAAAAAAAAAAAAAAAAAAAAAAAAAAAAAAAAAAAAAAAAAAAAAAAAAAAAAAAAAAAAAAAAAAAAAAAAAAAAAAAFAAAADwAAAAAAAAAAAAAAAZJjAkUAAAAAQAAABQAAAAUAAAAFAAAAAEAAAAAAAAAZAAAAGQAAAAAAAAAZAAAAGQAAAAVAAAAYAAAAAAAAAAAAAAADwAAACADAAAAAAAAAAAAAAEAAACgMgAAVgcAAKr4//8BAAAAf39/AAEAAABkAAAAAAAAABQAAABAHwAAAAAAACYAAAAAAAAAwOD//wAAAAAmAAAAZAAAABYAAABMAAAAAAAAAAAAAAAEAAAAAAAAAAEAAACWlpYKAAAAACgAAAAoAAAAZAAAAGQAAAAAAAAAzMzMAAAAAABQAAAAUAAAAGQAAABkAAAAAAAAAAcAAAA4AAAAAAAAAAAAAAAAAAAA////AAAAAAAAAAAAAAAAAAAAAAAAAAAAAAAAAAAAAABkAAAAZAAAAAAAAAAjAAAABAAAAGQAAAAXAAAAFAAAAAAAAAAAAAAA/38AAP9/AAAAAAAACQAAAAQAAAAAAAAAHgAAAGgAAAAAAAAAAAAAAAAAAAAAAAAAAAAAABAnAAAQJwAAAAAAAAAAAAAAAAAAAAAAAAAAAAAAAAAAAAAAAAAAAAAUAAAAAAAAAMDA/wAAAAAAZAAAADIAAAAAAAAAZAAAAAAAAAB/f38ACgAAACIAAAAYAAAAAAAAAAAAAAAAAAAAAAAAAAAAAAAAAAAAJAAAACQAAAAAAAAABwAAAAAAAAAAAAAAAAAAAAAAAAAAAAAAAAAAAH9/fwAlAAAAWAAAAAAAAAAAAAAAAAAAAAAAAAAAAAAAAAAAAAAAAAAAAAAAAAAAAAAAAAAAAAAAPwAAAAAAAACghgEAAAAAAAAAAAAAAAAADAAAAAEAAAAAAAAAAAAAAAAAAAAfAAAAVAAAAP///wX///8BAAAAAAAAAAAAAAAAAAAAAAAAAAAAAAAAAAAAAAAAAAAGSYwCf39/AJaWlgPMzMwAwMD/AH9/fwAAAAAAAAAAAAAAAAD///8AAAAAACEAAAAYAAAAFAAAAHwAAABvAgAAO0oAAP0hAAAQAAAAJgAAAAgAAAD//////////w=="/>
               </a:ext>
             </a:extLst>
           </p:cNvPicPr>
@@ -3864,18 +3840,11 @@
   <p:clrMapOvr>
     <a:masterClrMapping/>
   </p:clrMapOvr>
-  <p:timing>
-    <p:tnLst>
-      <p:par>
-        <p:cTn id="1" dur="indefinite" restart="never" nodeType="tmRoot"/>
-      </p:par>
-    </p:tnLst>
-  </p:timing>
 </p:sld>
 </file>
 
 <file path=ppt/slides/slide11.xml><?xml version="1.0" encoding="utf-8"?>
-<p:sld xmlns:p="http://schemas.openxmlformats.org/presentationml/2006/main" xmlns:mc="http://schemas.openxmlformats.org/markup-compatibility/2006" xmlns:p14="http://schemas.microsoft.com/office/powerpoint/2010/main" xmlns:p15="http://schemas.microsoft.com/office/powerpoint/2012/main" xmlns:r="http://schemas.openxmlformats.org/officeDocument/2006/relationships" xmlns:a="http://schemas.openxmlformats.org/drawingml/2006/main" mc:Ignorable="p14">
+<p:sld xmlns:a="http://schemas.openxmlformats.org/drawingml/2006/main" xmlns:r="http://schemas.openxmlformats.org/officeDocument/2006/relationships" xmlns:p="http://schemas.openxmlformats.org/presentationml/2006/main">
   <p:cSld>
     <p:spTree>
       <p:nvGrpSpPr>
@@ -3898,7 +3867,7 @@
             <a:picLocks noChangeAspect="1"/>
             <a:extLst>
               <a:ext uri="smNativeData">
-                <pr:smNativeData xmlns:pr="smNativeData" xmlns="smNativeData" val="SMDATA_17_Uo0YYxMAAAAlAAAAEQAAAC8BAAAAkAAAAEgAAACQAAAASAAAAAAAAAAAAAAAAAAAAAEAAABQAAAAAAAAAAAA4D8AAAAAAADgPwAAAAAAAOA/AAAAAAAA4D8AAAAAAADgPwAAAAAAAOA/AAAAAAAA4D8AAAAAAADgPwAAAAAAAOA/AAAAAAAA4D8CAAAAjAAAAAAAAAAAAAAA////DP///wgAAAAAAAAAAAAAAAAAAAAAAAAAAAAAAAAAAAAAZAAAAAEAAABAAAAAAAAAAAAAAAAAAAAAAAAAAAAAAAAAAAAAAAAAAAAAAAAAAAAAAAAAAAAAAAAAAAAAAAAAAAAAAAAAAAAAAAAAAAAAAAAAAAAAAAAAAAAAAAAAAAAAFAAAADwAAAAAAAAAAAAAAAZJjAkUAAAAAQAAABQAAAAUAAAAFAAAAAEAAAAAAAAAZAAAAGQAAAAAAAAAZAAAAGQAAAAVAAAAYAAAAAAAAAAAAAAADwAAACADAAAAAAAAAAAAAAEAAACgMgAAVgcAAKr4//8BAAAAf39/AAEAAABkAAAAAAAAABQAAABAHwAAAAAAACYAAAAAAAAAwOD//wAAAAAmAAAAZAAAABYAAABMAAAAAAAAAAAAAAAEAAAAAAAAAAEAAACWlpYKAAAAACgAAAAoAAAAZAAAAGQAAAAAAAAAzMzMAAAAAABQAAAAUAAAAGQAAABkAAAAAAAAAAcAAAA4AAAAAAAAAAAAAAAAAAAA////AAAAAAAAAAAAAAAAAAAAAAAAAAAAAAAAAAAAAABkAAAAZAAAAAAAAAAjAAAABAAAAGQAAAAXAAAAFAAAAAAAAAAAAAAA/38AAP9/AAAAAAAACQAAAAQAAAAlAAAAHgAAAGgAAAAAAAAAAAAAAAAAAAAAAAAAAAAAABAnAAAQJwAAAAAAAAAAAAAAAAAAAAAAAAAAAAAAAAAAAAAAAAAAAAAUAAAAAAAAAMDA/wAAAAAAZAAAADIAAAAAAAAAZAAAAAAAAAB/f38ACgAAACIAAAAYAAAAAAAAAAAAAAAAAAAAAAAAAAAAAAAAAAAAJAAAACQAAAAAAAAABwAAAAAAAAAAAAAAAAAAAAAAAAAAAAAAAAAAAH9/fwAlAAAAWAAAAAAAAAAAAAAAAAAAAAAAAAAAAAAAAAAAAAAAAAAAAAAAAAAAAAAAAAAAAAAAPwAAAAAAAACghgEAAAAAAAAAAAAAAAAADAAAAAEAAAAAAAAAAAAAAAAAAAAfAAAAVAAAAP///wX///8BAAAAAAAAAAAAAAAAAAAAAAAAAAAAAAAAAAAAAAAAAAAGSYwCf39/AJaWlgPMzMwAwMD/AH9/fwAAAAAAAAAAAAAAAAD///8AAAAAACEAAAAYAAAAFAAAAAAAAAAuBgAAEEoAAOAlAAAQAAAAJgAAAAgAAAD//////////w=="/>
+                <pr:smNativeData xmlns="smNativeData" xmlns:pr="smNativeData" xmlns:p15="http://schemas.microsoft.com/office/powerpoint/2012/main" xmlns:p14="http://schemas.microsoft.com/office/powerpoint/2010/main" xmlns:mc="http://schemas.openxmlformats.org/markup-compatibility/2006" val="SMDATA_17_Uo0YYxMAAAAlAAAAEQAAAC8BAAAAkAAAAEgAAACQAAAASAAAAAAAAAAAAAAAAAAAAAEAAABQAAAAAAAAAAAA4D8AAAAAAADgPwAAAAAAAOA/AAAAAAAA4D8AAAAAAADgPwAAAAAAAOA/AAAAAAAA4D8AAAAAAADgPwAAAAAAAOA/AAAAAAAA4D8CAAAAjAAAAAAAAAAAAAAA////DP///wgAAAAAAAAAAAAAAAAAAAAAAAAAAAAAAAAAAAAAZAAAAAEAAABAAAAAAAAAAAAAAAAAAAAAAAAAAAAAAAAAAAAAAAAAAAAAAAAAAAAAAAAAAAAAAAAAAAAAAAAAAAAAAAAAAAAAAAAAAAAAAAAAAAAAAAAAAAAAAAAAAAAAFAAAADwAAAAAAAAAAAAAAAZJjAkUAAAAAQAAABQAAAAUAAAAFAAAAAEAAAAAAAAAZAAAAGQAAAAAAAAAZAAAAGQAAAAVAAAAYAAAAAAAAAAAAAAADwAAACADAAAAAAAAAAAAAAEAAACgMgAAVgcAAKr4//8BAAAAf39/AAEAAABkAAAAAAAAABQAAABAHwAAAAAAACYAAAAAAAAAwOD//wAAAAAmAAAAZAAAABYAAABMAAAAAAAAAAAAAAAEAAAAAAAAAAEAAACWlpYKAAAAACgAAAAoAAAAZAAAAGQAAAAAAAAAzMzMAAAAAABQAAAAUAAAAGQAAABkAAAAAAAAAAcAAAA4AAAAAAAAAAAAAAAAAAAA////AAAAAAAAAAAAAAAAAAAAAAAAAAAAAAAAAAAAAABkAAAAZAAAAAAAAAAjAAAABAAAAGQAAAAXAAAAFAAAAAAAAAAAAAAA/38AAP9/AAAAAAAACQAAAAQAAAAlAAAAHgAAAGgAAAAAAAAAAAAAAAAAAAAAAAAAAAAAABAnAAAQJwAAAAAAAAAAAAAAAAAAAAAAAAAAAAAAAAAAAAAAAAAAAAAUAAAAAAAAAMDA/wAAAAAAZAAAADIAAAAAAAAAZAAAAAAAAAB/f38ACgAAACIAAAAYAAAAAAAAAAAAAAAAAAAAAAAAAAAAAAAAAAAAJAAAACQAAAAAAAAABwAAAAAAAAAAAAAAAAAAAAAAAAAAAAAAAAAAAH9/fwAlAAAAWAAAAAAAAAAAAAAAAAAAAAAAAAAAAAAAAAAAAAAAAAAAAAAAAAAAAAAAAAAAAAAAPwAAAAAAAACghgEAAAAAAAAAAAAAAAAADAAAAAEAAAAAAAAAAAAAAAAAAAAfAAAAVAAAAP///wX///8BAAAAAAAAAAAAAAAAAAAAAAAAAAAAAAAAAAAAAAAAAAAGSYwCf39/AJaWlgPMzMwAwMD/AH9/fwAAAAAAAAAAAAAAAAD///8AAAAAACEAAAAYAAAAFAAAAAAAAAAuBgAAEEoAAOAlAAAQAAAAJgAAAAgAAAD//////////w=="/>
               </a:ext>
             </a:extLst>
           </p:cNvPicPr>
@@ -3930,18 +3899,11 @@
   <p:clrMapOvr>
     <a:masterClrMapping/>
   </p:clrMapOvr>
-  <p:timing>
-    <p:tnLst>
-      <p:par>
-        <p:cTn id="1" dur="indefinite" restart="never" nodeType="tmRoot"/>
-      </p:par>
-    </p:tnLst>
-  </p:timing>
 </p:sld>
 </file>
 
 <file path=ppt/slides/slide2.xml><?xml version="1.0" encoding="utf-8"?>
-<p:sld xmlns:p="http://schemas.openxmlformats.org/presentationml/2006/main" xmlns:mc="http://schemas.openxmlformats.org/markup-compatibility/2006" xmlns:p14="http://schemas.microsoft.com/office/powerpoint/2010/main" xmlns:p15="http://schemas.microsoft.com/office/powerpoint/2012/main" xmlns:r="http://schemas.openxmlformats.org/officeDocument/2006/relationships" xmlns:a="http://schemas.openxmlformats.org/drawingml/2006/main" mc:Ignorable="p14">
+<p:sld xmlns:a="http://schemas.openxmlformats.org/drawingml/2006/main" xmlns:r="http://schemas.openxmlformats.org/officeDocument/2006/relationships" xmlns:p="http://schemas.openxmlformats.org/presentationml/2006/main">
   <p:cSld>
     <p:spTree>
       <p:nvGrpSpPr>
@@ -3963,7 +3925,7 @@
           <p:cNvSpPr txBox="1">
             <a:extLst>
               <a:ext uri="smNativeData">
-                <pr:smNativeData xmlns:pr="smNativeData" xmlns="smNativeData" val="SMDATA_15_Uo0YYxMAAAAlAAAAEgAAAA8BAAAAkAAAAEgAAACQAAAASAAAAAAAAAAAAAAAAAAAAAEAAABQAAAAAAAAAAAA4D8AAAAAAADgPwAAAAAAAOA/AAAAAAAA4D8AAAAAAADgPwAAAAAAAOA/AAAAAAAA4D8AAAAAAADgPwAAAAAAAOA/AAAAAAAA4D8CAAAAjAAAAAAAAAAAAAAA////DP///wgAAAAAAAAAAAAAAAAAAAAAAAAAAAAAAAAAAAAAZAAAAAEAAABAAAAAAAAAAAAAAAAAAAAAAAAAAAAAAAAAAAAAAAAAAAAAAAAAAAAAAAAAAAAAAAAAAAAAAAAAAAAAAAAAAAAAAAAAAAAAAAAAAAAAAAAAAAAAAAAAAAAAFAAAADwAAAAAAAAAAAAAAAZJjAkUAAAAAQAAABQAAAAUAAAAFAAAAAEAAAAAAAAAZAAAAGQAAAAAAAAAZAAAAGQAAAAVAAAAYAAAAAAAAAAAAAAADwAAACADAAAAAAAAAAAAAAEAAACgMgAAVgcAAKr4//8BAAAAf39/AAEAAABkAAAAAAAAABQAAABAHwAAAAAAACYAAAAAAAAAwOD//wAAAAAmAAAAZAAAABYAAABMAAAAAAAAAAAAAAAEAAAAAAAAAAEAAACWlpYKAAAAACgAAAAoAAAAZAAAAGQAAAAAAAAAzMzMAAAAAABQAAAAUAAAAGQAAABkAAAAAAAAABcAAAAUAAAAAAAAAAAAAAD/fwAA/38AAAAAAAAJAAAABAAAAAAAAAAeAAAAaAAAAAAAAAAAAAAAAAAAAAAAAAAAAAAAECcAABAnAAAAAAAAAAAAAAAAAAAAAAAAAAAAAAAAAAAAAAAAAAAAABQAAAAAAAAAwMD/AAAAAABkAAAAMgAAAAAAAABkAAAAAAAAAH9/fwAKAAAAIgAAABgAAAAAAAAAAAAAAAAAAAAAAAAAAAAAAAAAAAAkAAAAJAAAAAAAAAAHAAAAAAAAAAAAAAAAAAAAAAAAAAAAAAAAAAAAf39/ACUAAABYAAAAAAAAAAAAAAAAAAAAAAAAAAAAAAAAAAAAAAAAAAAAAAAAAAAAAAAAAAAAAAA/AAAAAAAAAKCGAQAAAAAAAAAAAAAAAAAMAAAAAQAAAAAAAAAAAAAAAAAAAB8AAABUAAAA////Bf///wEAAAAAAAAAAAAAAAAAAAAAAAAAAAAAAAAAAAAAAAAAAAZJjAJ/f38AlpaWA8zMzADAwP8Af39/AAAAAAAAAAAAAAAAAAAAAAAAAAAAIQAAABgAAAAUAAAAxAEAAIEHAACsLwAAGBUAABAAAAAmAAAACAAAAP//////////"/>
+                <pr:smNativeData xmlns="smNativeData" xmlns:pr="smNativeData" xmlns:p15="http://schemas.microsoft.com/office/powerpoint/2012/main" xmlns:p14="http://schemas.microsoft.com/office/powerpoint/2010/main" xmlns:mc="http://schemas.openxmlformats.org/markup-compatibility/2006" val="SMDATA_15_Uo0YYxMAAAAlAAAAEgAAAA8BAAAAkAAAAEgAAACQAAAASAAAAAAAAAAAAAAAAAAAAAEAAABQAAAAAAAAAAAA4D8AAAAAAADgPwAAAAAAAOA/AAAAAAAA4D8AAAAAAADgPwAAAAAAAOA/AAAAAAAA4D8AAAAAAADgPwAAAAAAAOA/AAAAAAAA4D8CAAAAjAAAAAAAAAAAAAAA////DP///wgAAAAAAAAAAAAAAAAAAAAAAAAAAAAAAAAAAAAAZAAAAAEAAABAAAAAAAAAAAAAAAAAAAAAAAAAAAAAAAAAAAAAAAAAAAAAAAAAAAAAAAAAAAAAAAAAAAAAAAAAAAAAAAAAAAAAAAAAAAAAAAAAAAAAAAAAAAAAAAAAAAAAFAAAADwAAAAAAAAAAAAAAAZJjAkUAAAAAQAAABQAAAAUAAAAFAAAAAEAAAAAAAAAZAAAAGQAAAAAAAAAZAAAAGQAAAAVAAAAYAAAAAAAAAAAAAAADwAAACADAAAAAAAAAAAAAAEAAACgMgAAVgcAAKr4//8BAAAAf39/AAEAAABkAAAAAAAAABQAAABAHwAAAAAAACYAAAAAAAAAwOD//wAAAAAmAAAAZAAAABYAAABMAAAAAAAAAAAAAAAEAAAAAAAAAAEAAACWlpYKAAAAACgAAAAoAAAAZAAAAGQAAAAAAAAAzMzMAAAAAABQAAAAUAAAAGQAAABkAAAAAAAAABcAAAAUAAAAAAAAAAAAAAD/fwAA/38AAAAAAAAJAAAABAAAAAAAAAAeAAAAaAAAAAAAAAAAAAAAAAAAAAAAAAAAAAAAECcAABAnAAAAAAAAAAAAAAAAAAAAAAAAAAAAAAAAAAAAAAAAAAAAABQAAAAAAAAAwMD/AAAAAABkAAAAMgAAAAAAAABkAAAAAAAAAH9/fwAKAAAAIgAAABgAAAAAAAAAAAAAAAAAAAAAAAAAAAAAAAAAAAAkAAAAJAAAAAAAAAAHAAAAAAAAAAAAAAAAAAAAAAAAAAAAAAAAAAAAf39/ACUAAABYAAAAAAAAAAAAAAAAAAAAAAAAAAAAAAAAAAAAAAAAAAAAAAAAAAAAAAAAAAAAAAA/AAAAAAAAAKCGAQAAAAAAAAAAAAAAAAAMAAAAAQAAAAAAAAAAAAAAAAAAAB8AAABUAAAA////Bf///wEAAAAAAAAAAAAAAAAAAAAAAAAAAAAAAAAAAAAAAAAAAAZJjAJ/f38AlpaWA8zMzADAwP8Af39/AAAAAAAAAAAAAAAAAAAAAAAAAAAAIQAAABgAAAAUAAAAxAEAAIEHAACsLwAAGBUAABAAAAAmAAAACAAAAP//////////"/>
               </a:ext>
             </a:extLst>
           </p:cNvSpPr>
@@ -4019,7 +3981,7 @@
             <a:picLocks noChangeAspect="1"/>
             <a:extLst>
               <a:ext uri="smNativeData">
-                <pr:smNativeData xmlns:pr="smNativeData" xmlns="smNativeData" val="SMDATA_17_Uo0YYxMAAAAlAAAAEQAAAC8BAAAAkAAAAEgAAACQAAAASAAAAAAAAAAAAAAAAAAAAAEAAABQAAAAAAAAAAAA4D8AAAAAAADgPwAAAAAAAOA/AAAAAAAA4D8AAAAAAADgPwAAAAAAAOA/AAAAAAAA4D8AAAAAAADgPwAAAAAAAOA/AAAAAAAA4D8CAAAAjAAAAAAAAAAAAAAA////DP///wgAAAAAAAAAAAAAAAAAAAAAAAAAAAAAAAAAAAAAZAAAAAEAAABAAAAAAAAAAAAAAAAAAAAAAAAAAAAAAAAAAAAAAAAAAAAAAAAAAAAAAAAAAAAAAAAAAAAAAAAAAAAAAAAAAAAAAAAAAAAAAAAAAAAAAAAAAAAAAAAAAAAAFAAAADwAAAAAAAAAAAAAAAZJjAkUAAAAAQAAABQAAAAUAAAAFAAAAAEAAAAAAAAAZAAAAGQAAAAAAAAAZAAAAGQAAAAVAAAAYAAAAAAAAAAAAAAADwAAACADAAAAAAAAAAAAAAEAAACgMgAAVgcAAKr4//8BAAAAf39/AAEAAABkAAAAAAAAABQAAABAHwAAAAAAACYAAAAAAAAAwOD//wAAAAAmAAAAZAAAABYAAABMAAAAAAAAAAAAAAAEAAAAAAAAAAEAAACWlpYKAAAAACgAAAAoAAAAZAAAAGQAAAAAAAAAzMzMAAAAAABQAAAAUAAAAGQAAABkAAAAAAAAAAcAAAA4AAAAAAAAAAAAAAAAAAAA////AAAAAAAAAAAAAAAAAAAAAAAAAAAAAAAAAAAAAABkAAAAZAAAAAAAAAAjAAAABAAAAGQAAAAXAAAAFAAAAAAAAAAAAAAA/38AAP9/AAAAAAAACQAAAAQAAAAVY29tHgAAAGgAAAAAAAAAAAAAAAAAAAAAAAAAAAAAABAnAAAQJwAAAAAAAAAAAAAAAAAAAAAAAAAAAAAAAAAAAAAAAAAAAAAUAAAAAAAAAMDA/wAAAAAAZAAAADIAAAAAAAAAZAAAAAAAAAB/f38ACgAAACIAAAAYAAAAAAAAAAAAAAAAAAAAAAAAAAAAAAAAAAAAJAAAACQAAAAAAAAABwAAAAAAAAAAAAAAAAAAAAAAAAAAAAAAAAAAAH9/fwAlAAAAWAAAAAAAAAAAAAAAAAAAAAAAAAAAAAAAAAAAAAAAAAAAAAAAAAAAAAAAAAAAAAAAPwAAAAAAAACghgEAAAAAAAAAAAAAAAAADAAAAAEAAAAAAAAAAAAAAAAAAAAfAAAAVAAAAP///wX///8BAAAAAAAAAAAAAAAAAAAAAAAAAAAAAAAAAAAAAAAAAAAGSYwCf39/AJaWlgPMzMwAwMD/AH9/fwAAAAAAAAAAAAAAAAD///8AAAAAACEAAAAYAAAAFAAAAPMzAACIAwAAg0UAABgVAAAQAAAAJgAAAAgAAAD//////////w=="/>
+                <pr:smNativeData xmlns="smNativeData" xmlns:pr="smNativeData" xmlns:p15="http://schemas.microsoft.com/office/powerpoint/2012/main" xmlns:p14="http://schemas.microsoft.com/office/powerpoint/2010/main" xmlns:mc="http://schemas.openxmlformats.org/markup-compatibility/2006" val="SMDATA_17_Uo0YYxMAAAAlAAAAEQAAAC8BAAAAkAAAAEgAAACQAAAASAAAAAAAAAAAAAAAAAAAAAEAAABQAAAAAAAAAAAA4D8AAAAAAADgPwAAAAAAAOA/AAAAAAAA4D8AAAAAAADgPwAAAAAAAOA/AAAAAAAA4D8AAAAAAADgPwAAAAAAAOA/AAAAAAAA4D8CAAAAjAAAAAAAAAAAAAAA////DP///wgAAAAAAAAAAAAAAAAAAAAAAAAAAAAAAAAAAAAAZAAAAAEAAABAAAAAAAAAAAAAAAAAAAAAAAAAAAAAAAAAAAAAAAAAAAAAAAAAAAAAAAAAAAAAAAAAAAAAAAAAAAAAAAAAAAAAAAAAAAAAAAAAAAAAAAAAAAAAAAAAAAAAFAAAADwAAAAAAAAAAAAAAAZJjAkUAAAAAQAAABQAAAAUAAAAFAAAAAEAAAAAAAAAZAAAAGQAAAAAAAAAZAAAAGQAAAAVAAAAYAAAAAAAAAAAAAAADwAAACADAAAAAAAAAAAAAAEAAACgMgAAVgcAAKr4//8BAAAAf39/AAEAAABkAAAAAAAAABQAAABAHwAAAAAAACYAAAAAAAAAwOD//wAAAAAmAAAAZAAAABYAAABMAAAAAAAAAAAAAAAEAAAAAAAAAAEAAACWlpYKAAAAACgAAAAoAAAAZAAAAGQAAAAAAAAAzMzMAAAAAABQAAAAUAAAAGQAAABkAAAAAAAAAAcAAAA4AAAAAAAAAAAAAAAAAAAA////AAAAAAAAAAAAAAAAAAAAAAAAAAAAAAAAAAAAAABkAAAAZAAAAAAAAAAjAAAABAAAAGQAAAAXAAAAFAAAAAAAAAAAAAAA/38AAP9/AAAAAAAACQAAAAQAAAAVY29tHgAAAGgAAAAAAAAAAAAAAAAAAAAAAAAAAAAAABAnAAAQJwAAAAAAAAAAAAAAAAAAAAAAAAAAAAAAAAAAAAAAAAAAAAAUAAAAAAAAAMDA/wAAAAAAZAAAADIAAAAAAAAAZAAAAAAAAAB/f38ACgAAACIAAAAYAAAAAAAAAAAAAAAAAAAAAAAAAAAAAAAAAAAAJAAAACQAAAAAAAAABwAAAAAAAAAAAAAAAAAAAAAAAAAAAAAAAAAAAH9/fwAlAAAAWAAAAAAAAAAAAAAAAAAAAAAAAAAAAAAAAAAAAAAAAAAAAAAAAAAAAAAAAAAAAAAAPwAAAAAAAACghgEAAAAAAAAAAAAAAAAADAAAAAEAAAAAAAAAAAAAAAAAAAAfAAAAVAAAAP///wX///8BAAAAAAAAAAAAAAAAAAAAAAAAAAAAAAAAAAAAAAAAAAAGSYwCf39/AJaWlgPMzMwAwMD/AH9/fwAAAAAAAAAAAAAAAAD///8AAAAAACEAAAAYAAAAFAAAAPMzAACIAwAAg0UAABgVAAAQAAAAJgAAAAgAAAD//////////w=="/>
               </a:ext>
             </a:extLst>
           </p:cNvPicPr>
@@ -4052,7 +4014,7 @@
           <p:cNvSpPr txBox="1">
             <a:extLst>
               <a:ext uri="smNativeData">
-                <pr:smNativeData xmlns:pr="smNativeData" xmlns="smNativeData" val="SMDATA_15_Uo0YYxMAAAAlAAAAEgAAAA8BAAAAkAAAAEgAAACQAAAASAAAAAAAAAAAAAAAAAAAAAEAAABQAAAAAAAAAAAA4D8AAAAAAADgPwAAAAAAAOA/AAAAAAAA4D8AAAAAAADgPwAAAAAAAOA/AAAAAAAA4D8AAAAAAADgPwAAAAAAAOA/AAAAAAAA4D8CAAAAjAAAAAAAAAAAAAAA////DP///wgAAAAAAAAAAAAAAAAAAAAAAAAAAAAAAAAAAAAAZAAAAAEAAABAAAAAAAAAAAAAAAAAAAAAAAAAAAAAAAAAAAAAAAAAAAAAAAAAAAAAAAAAAAAAAAAAAAAAAAAAAAAAAAAAAAAAAAAAAAAAAAAAAAAAAAAAAAAAAAAAAAAAFAAAADwAAAAAAAAAAAAAAAZJjAkUAAAAAQAAABQAAAAUAAAAFAAAAAEAAAAAAAAAZAAAAGQAAAAAAAAAZAAAAGQAAAAVAAAAYAAAAAAAAAAAAAAADwAAACADAAAAAAAAAAAAAAEAAACgMgAAVgcAAKr4//8BAAAAf39/AAEAAABkAAAAAAAAABQAAABAHwAAAAAAACYAAAAAAAAAwOD//wAAAAAmAAAAZAAAABYAAABMAAAAAAAAAAAAAAAEAAAAAAAAAAEAAACWlpYKAAAAACgAAAAoAAAAZAAAAGQAAAAAAAAAzMzMAAAAAABQAAAAUAAAAGQAAABkAAAAAAAAABcAAAAUAAAAAAAAAAAAAAD/fwAA/38AAAAAAAAJAAAABAAAACBzbGkeAAAAaAAAAAAAAAAAAAAAAAAAAAAAAAAAAAAAECcAABAnAAAAAAAAAAAAAAAAAAAAAAAAAAAAAAAAAAAAAAAAAAAAABQAAAAAAAAAwMD/AAAAAABkAAAAMgAAAAAAAABkAAAAAAAAAH9/fwAKAAAAIgAAABgAAAAAAAAAAAAAAAAAAAAAAAAAAAAAAAAAAAAkAAAAJAAAAAAAAAAHAAAAAAAAAAAAAAAAAAAAAAAAAAAAAAAAAAAAf39/ACUAAABYAAAAAAAAAAAAAAAAAAAAAAAAAAAAAAAAAAAAAAAAAAAAAAAAAAAAAAAAAAAAAAA/AAAAAAAAAKCGAQAAAAAAAAAAAAAAAAAMAAAAAQAAAAAAAAAAAAAAAAAAAB8AAABUAAAA////Bf///wEAAAAAAAAAAAAAAAAAAAAAAAAAAAAAAAAAAAAAAAAAAAZJjAJ/f38AlpaWA8zMzADAwP8Af39/AAAAAAAAAAAAAAAAAAAAAAAAAAAAIQAAABgAAAAUAAAA4QIAAAQeAACsLwAAlyEAABAAAAAmAAAACAAAAP//////////"/>
+                <pr:smNativeData xmlns="smNativeData" xmlns:pr="smNativeData" xmlns:p15="http://schemas.microsoft.com/office/powerpoint/2012/main" xmlns:p14="http://schemas.microsoft.com/office/powerpoint/2010/main" xmlns:mc="http://schemas.openxmlformats.org/markup-compatibility/2006" val="SMDATA_15_Uo0YYxMAAAAlAAAAEgAAAA8BAAAAkAAAAEgAAACQAAAASAAAAAAAAAAAAAAAAAAAAAEAAABQAAAAAAAAAAAA4D8AAAAAAADgPwAAAAAAAOA/AAAAAAAA4D8AAAAAAADgPwAAAAAAAOA/AAAAAAAA4D8AAAAAAADgPwAAAAAAAOA/AAAAAAAA4D8CAAAAjAAAAAAAAAAAAAAA////DP///wgAAAAAAAAAAAAAAAAAAAAAAAAAAAAAAAAAAAAAZAAAAAEAAABAAAAAAAAAAAAAAAAAAAAAAAAAAAAAAAAAAAAAAAAAAAAAAAAAAAAAAAAAAAAAAAAAAAAAAAAAAAAAAAAAAAAAAAAAAAAAAAAAAAAAAAAAAAAAAAAAAAAAFAAAADwAAAAAAAAAAAAAAAZJjAkUAAAAAQAAABQAAAAUAAAAFAAAAAEAAAAAAAAAZAAAAGQAAAAAAAAAZAAAAGQAAAAVAAAAYAAAAAAAAAAAAAAADwAAACADAAAAAAAAAAAAAAEAAACgMgAAVgcAAKr4//8BAAAAf39/AAEAAABkAAAAAAAAABQAAABAHwAAAAAAACYAAAAAAAAAwOD//wAAAAAmAAAAZAAAABYAAABMAAAAAAAAAAAAAAAEAAAAAAAAAAEAAACWlpYKAAAAACgAAAAoAAAAZAAAAGQAAAAAAAAAzMzMAAAAAABQAAAAUAAAAGQAAABkAAAAAAAAABcAAAAUAAAAAAAAAAAAAAD/fwAA/38AAAAAAAAJAAAABAAAACBzbGkeAAAAaAAAAAAAAAAAAAAAAAAAAAAAAAAAAAAAECcAABAnAAAAAAAAAAAAAAAAAAAAAAAAAAAAAAAAAAAAAAAAAAAAABQAAAAAAAAAwMD/AAAAAABkAAAAMgAAAAAAAABkAAAAAAAAAH9/fwAKAAAAIgAAABgAAAAAAAAAAAAAAAAAAAAAAAAAAAAAAAAAAAAkAAAAJAAAAAAAAAAHAAAAAAAAAAAAAAAAAAAAAAAAAAAAAAAAAAAAf39/ACUAAABYAAAAAAAAAAAAAAAAAAAAAAAAAAAAAAAAAAAAAAAAAAAAAAAAAAAAAAAAAAAAAAA/AAAAAAAAAKCGAQAAAAAAAAAAAAAAAAAMAAAAAQAAAAAAAAAAAAAAAAAAAB8AAABUAAAA////Bf///wEAAAAAAAAAAAAAAAAAAAAAAAAAAAAAAAAAAAAAAAAAAAZJjAJ/f38AlpaWA8zMzADAwP8Af39/AAAAAAAAAAAAAAAAAAAAAAAAAAAAIQAAABgAAAAUAAAA4QIAAAQeAACsLwAAlyEAABAAAAAmAAAACAAAAP//////////"/>
               </a:ext>
             </a:extLst>
           </p:cNvSpPr>
@@ -4091,7 +4053,7 @@
           <p:cNvSpPr txBox="1">
             <a:extLst>
               <a:ext uri="smNativeData">
-                <pr:smNativeData xmlns:pr="smNativeData" xmlns="smNativeData" val="SMDATA_15_Uo0YYxMAAAAlAAAAEgAAAA8BAAAAkAAAAEgAAACQAAAASAAAAAAAAAAAAAAAAAAAAAEAAABQAAAAAAAAAAAA4D8AAAAAAADgPwAAAAAAAOA/AAAAAAAA4D8AAAAAAADgPwAAAAAAAOA/AAAAAAAA4D8AAAAAAADgPwAAAAAAAOA/AAAAAAAA4D8CAAAAjAAAAAAAAAAAAAAA////DP///wgAAAAAAAAAAAAAAAAAAAAAAAAAAAAAAAAAAAAAZAAAAAEAAABAAAAAAAAAAAAAAAAAAAAAAAAAAAAAAAAAAAAAAAAAAAAAAAAAAAAAAAAAAAAAAAAAAAAAAAAAAAAAAAAAAAAAAAAAAAAAAAAAAAAAAAAAAAAAAAAAAAAAFAAAADwAAAAAAAAAAAAAAAZJjAkUAAAAAQAAABQAAAAUAAAAFAAAAAEAAAAAAAAAZAAAAGQAAAAAAAAAZAAAAGQAAAAVAAAAYAAAAAAAAAAAAAAADwAAACADAAAAAAAAAAAAAAEAAACgMgAAVgcAAKr4//8BAAAAf39/AAEAAABkAAAAAAAAABQAAABAHwAAAAAAACYAAAAAAAAAwOD//wAAAAAmAAAAZAAAABYAAABMAAAAAAAAAAAAAAAEAAAAAAAAAAEAAACWlpYKAAAAACgAAAAoAAAAZAAAAGQAAAAAAAAAzMzMAAAAAABQAAAAUAAAAGQAAABkAAAAAAAAABcAAAAUAAAAAAAAAAAAAAD/fwAA/38AAAAAAAAJAAAABAAAAAAAAAAeAAAAaAAAAAAAAAAAAAAAAAAAAAAAAAAAAAAAECcAABAnAAAAAAAAAAAAAAAAAAAAAAAAAAAAAAAAAAAAAAAAAAAAABQAAAAAAAAAwMD/AAAAAABkAAAAMgAAAAAAAABkAAAAAAAAAH9/fwAKAAAAIgAAABgAAAAAAAAAAAAAAAAAAAAAAAAAAAAAAAAAAAAkAAAAJAAAAAAAAAAHAAAAAAAAAAAAAAAAAAAAAAAAAAAAAAAAAAAAf39/ACUAAABYAAAAAAAAAAAAAAAAAAAAAAAAAAAAAAAAAAAAAAAAAAAAAAAAAAAAAAAAAAAAAAA/AAAAAAAAAKCGAQAAAAAAAAAAAAAAAAAMAAAAAQAAAAAAAAAAAAAAAAAAAB8AAABUAAAA////Bf///wEAAAAAAAAAAAAAAAAAAAAAAAAAAAAAAAAAAAAAAAAAAAZJjAJ/f38AlpaWA8zMzADAwP8Af39/AAAAAAAAAAAAAAAAAAAAAAAAAAAAIQAAABgAAAAUAAAA4QIAAK0YAACsLwAAkx0AABAAAAAmAAAACAAAAP//////////"/>
+                <pr:smNativeData xmlns="smNativeData" xmlns:pr="smNativeData" xmlns:p15="http://schemas.microsoft.com/office/powerpoint/2012/main" xmlns:p14="http://schemas.microsoft.com/office/powerpoint/2010/main" xmlns:mc="http://schemas.openxmlformats.org/markup-compatibility/2006" val="SMDATA_15_Uo0YYxMAAAAlAAAAEgAAAA8BAAAAkAAAAEgAAACQAAAASAAAAAAAAAAAAAAAAAAAAAEAAABQAAAAAAAAAAAA4D8AAAAAAADgPwAAAAAAAOA/AAAAAAAA4D8AAAAAAADgPwAAAAAAAOA/AAAAAAAA4D8AAAAAAADgPwAAAAAAAOA/AAAAAAAA4D8CAAAAjAAAAAAAAAAAAAAA////DP///wgAAAAAAAAAAAAAAAAAAAAAAAAAAAAAAAAAAAAAZAAAAAEAAABAAAAAAAAAAAAAAAAAAAAAAAAAAAAAAAAAAAAAAAAAAAAAAAAAAAAAAAAAAAAAAAAAAAAAAAAAAAAAAAAAAAAAAAAAAAAAAAAAAAAAAAAAAAAAAAAAAAAAFAAAADwAAAAAAAAAAAAAAAZJjAkUAAAAAQAAABQAAAAUAAAAFAAAAAEAAAAAAAAAZAAAAGQAAAAAAAAAZAAAAGQAAAAVAAAAYAAAAAAAAAAAAAAADwAAACADAAAAAAAAAAAAAAEAAACgMgAAVgcAAKr4//8BAAAAf39/AAEAAABkAAAAAAAAABQAAABAHwAAAAAAACYAAAAAAAAAwOD//wAAAAAmAAAAZAAAABYAAABMAAAAAAAAAAAAAAAEAAAAAAAAAAEAAACWlpYKAAAAACgAAAAoAAAAZAAAAGQAAAAAAAAAzMzMAAAAAABQAAAAUAAAAGQAAABkAAAAAAAAABcAAAAUAAAAAAAAAAAAAAD/fwAA/38AAAAAAAAJAAAABAAAAAAAAAAeAAAAaAAAAAAAAAAAAAAAAAAAAAAAAAAAAAAAECcAABAnAAAAAAAAAAAAAAAAAAAAAAAAAAAAAAAAAAAAAAAAAAAAABQAAAAAAAAAwMD/AAAAAABkAAAAMgAAAAAAAABkAAAAAAAAAH9/fwAKAAAAIgAAABgAAAAAAAAAAAAAAAAAAAAAAAAAAAAAAAAAAAAkAAAAJAAAAAAAAAAHAAAAAAAAAAAAAAAAAAAAAAAAAAAAAAAAAAAAf39/ACUAAABYAAAAAAAAAAAAAAAAAAAAAAAAAAAAAAAAAAAAAAAAAAAAAAAAAAAAAAAAAAAAAAA/AAAAAAAAAKCGAQAAAAAAAAAAAAAAAAAMAAAAAQAAAAAAAAAAAAAAAAAAAB8AAABUAAAA////Bf///wEAAAAAAAAAAAAAAAAAAAAAAAAAAAAAAAAAAAAAAAAAAAZJjAJ/f38AlpaWA8zMzADAwP8Af39/AAAAAAAAAAAAAAAAAAAAAAAAAAAAIQAAABgAAAAUAAAA4QIAAK0YAACsLwAAkx0AABAAAAAmAAAACAAAAP//////////"/>
               </a:ext>
             </a:extLst>
           </p:cNvSpPr>
@@ -4129,18 +4091,11 @@
   <p:clrMapOvr>
     <a:masterClrMapping/>
   </p:clrMapOvr>
-  <p:timing>
-    <p:tnLst>
-      <p:par>
-        <p:cTn id="1" dur="indefinite" restart="never" nodeType="tmRoot"/>
-      </p:par>
-    </p:tnLst>
-  </p:timing>
 </p:sld>
 </file>
 
 <file path=ppt/slides/slide3.xml><?xml version="1.0" encoding="utf-8"?>
-<p:sld xmlns:p="http://schemas.openxmlformats.org/presentationml/2006/main" xmlns:mc="http://schemas.openxmlformats.org/markup-compatibility/2006" xmlns:p14="http://schemas.microsoft.com/office/powerpoint/2010/main" xmlns:p15="http://schemas.microsoft.com/office/powerpoint/2012/main" xmlns:r="http://schemas.openxmlformats.org/officeDocument/2006/relationships" xmlns:a="http://schemas.openxmlformats.org/drawingml/2006/main" mc:Ignorable="p14">
+<p:sld xmlns:a="http://schemas.openxmlformats.org/drawingml/2006/main" xmlns:r="http://schemas.openxmlformats.org/officeDocument/2006/relationships" xmlns:p="http://schemas.openxmlformats.org/presentationml/2006/main">
   <p:cSld>
     <p:spTree>
       <p:nvGrpSpPr>
@@ -4162,7 +4117,7 @@
           <p:cNvSpPr txBox="1">
             <a:extLst>
               <a:ext uri="smNativeData">
-                <pr:smNativeData xmlns:pr="smNativeData" xmlns="smNativeData" val="SMDATA_15_Uo0YYxMAAAAlAAAAEgAAAA8BAAAAkAAAAEgAAACQAAAASAAAAAAAAAAAAAAAAAAAAAEAAABQAAAAAAAAAAAA4D8AAAAAAADgPwAAAAAAAOA/AAAAAAAA4D8AAAAAAADgPwAAAAAAAOA/AAAAAAAA4D8AAAAAAADgPwAAAAAAAOA/AAAAAAAA4D8CAAAAjAAAAAAAAAAAAAAA////DP///wgAAAAAAAAAAAAAAAAAAAAAAAAAAAAAAAAAAAAAZAAAAAEAAABAAAAAAAAAAAAAAAAAAAAAAAAAAAAAAAAAAAAAAAAAAAAAAAAAAAAAAAAAAAAAAAAAAAAAAAAAAAAAAAAAAAAAAAAAAAAAAAAAAAAAAAAAAAAAAAAAAAAAFAAAADwAAAAAAAAAAAAAAAZJjAkUAAAAAQAAABQAAAAUAAAAFAAAAAEAAAAAAAAAZAAAAGQAAAAAAAAAZAAAAGQAAAAVAAAAYAAAAAAAAAAAAAAADwAAACADAAAAAAAAAAAAAAEAAACgMgAAVgcAAKr4//8BAAAAf39/AAEAAABkAAAAAAAAABQAAABAHwAAAAAAACYAAAAAAAAAwOD//wAAAAAmAAAAZAAAABYAAABMAAAAAAAAAAAAAAAEAAAAAAAAAAEAAACWlpYKAAAAACgAAAAoAAAAZAAAAGQAAAAAAAAAzMzMAAAAAABQAAAAUAAAAGQAAABkAAAAAAAAABcAAAAUAAAAAAAAAAAAAAD/fwAA/38AAAAAAAAJAAAABAAAAGUAIAAeAAAAaAAAAAAAAAAAAAAAAAAAAAAAAAAAAAAAECcAABAnAAAAAAAAAAAAAAAAAAAAAAAAAAAAAAAAAAAAAAAAAAAAABQAAAAAAAAAwMD/AAAAAABkAAAAMgAAAAAAAABkAAAAAAAAAH9/fwAKAAAAIgAAABgAAAAAAAAAAAAAAAAAAAAAAAAAAAAAAAAAAAAkAAAAJAAAAAAAAAAHAAAAAAAAAAAAAAAAAAAAAAAAAAAAAAAAAAAAf39/ACUAAABYAAAAAAAAAAAAAAAAAAAAAAAAAAAAAAAAAAAAAAAAAAAAAAAAAAAAAAAAAAAAAAA/AAAAAAAAAKCGAQAAAAAAAAAAAAAAAAAMAAAAAQAAAAAAAAAAAAAAAAAAAB8AAABUAAAA////Bf///wEAAAAAAAAAAAAAAAAAAAAAAAAAAAAAAAAAAAAAAAAAAAZJjAJ/f38AlpaWA8zMzADAwP8Af39/AAAAAAAAAAAAAAAAAAAAAAAAAAAAIQAAABgAAAAUAAAAUwEAANQIAACtRwAAUCMAABAAAAAmAAAACAAAAP//////////"/>
+                <pr:smNativeData xmlns="smNativeData" xmlns:pr="smNativeData" xmlns:p15="http://schemas.microsoft.com/office/powerpoint/2012/main" xmlns:p14="http://schemas.microsoft.com/office/powerpoint/2010/main" xmlns:mc="http://schemas.openxmlformats.org/markup-compatibility/2006" val="SMDATA_15_Uo0YYxMAAAAlAAAAEgAAAA8BAAAAkAAAAEgAAACQAAAASAAAAAAAAAAAAAAAAAAAAAEAAABQAAAAAAAAAAAA4D8AAAAAAADgPwAAAAAAAOA/AAAAAAAA4D8AAAAAAADgPwAAAAAAAOA/AAAAAAAA4D8AAAAAAADgPwAAAAAAAOA/AAAAAAAA4D8CAAAAjAAAAAAAAAAAAAAA////DP///wgAAAAAAAAAAAAAAAAAAAAAAAAAAAAAAAAAAAAAZAAAAAEAAABAAAAAAAAAAAAAAAAAAAAAAAAAAAAAAAAAAAAAAAAAAAAAAAAAAAAAAAAAAAAAAAAAAAAAAAAAAAAAAAAAAAAAAAAAAAAAAAAAAAAAAAAAAAAAAAAAAAAAFAAAADwAAAAAAAAAAAAAAAZJjAkUAAAAAQAAABQAAAAUAAAAFAAAAAEAAAAAAAAAZAAAAGQAAAAAAAAAZAAAAGQAAAAVAAAAYAAAAAAAAAAAAAAADwAAACADAAAAAAAAAAAAAAEAAACgMgAAVgcAAKr4//8BAAAAf39/AAEAAABkAAAAAAAAABQAAABAHwAAAAAAACYAAAAAAAAAwOD//wAAAAAmAAAAZAAAABYAAABMAAAAAAAAAAAAAAAEAAAAAAAAAAEAAACWlpYKAAAAACgAAAAoAAAAZAAAAGQAAAAAAAAAzMzMAAAAAABQAAAAUAAAAGQAAABkAAAAAAAAABcAAAAUAAAAAAAAAAAAAAD/fwAA/38AAAAAAAAJAAAABAAAAGUAIAAeAAAAaAAAAAAAAAAAAAAAAAAAAAAAAAAAAAAAECcAABAnAAAAAAAAAAAAAAAAAAAAAAAAAAAAAAAAAAAAAAAAAAAAABQAAAAAAAAAwMD/AAAAAABkAAAAMgAAAAAAAABkAAAAAAAAAH9/fwAKAAAAIgAAABgAAAAAAAAAAAAAAAAAAAAAAAAAAAAAAAAAAAAkAAAAJAAAAAAAAAAHAAAAAAAAAAAAAAAAAAAAAAAAAAAAAAAAAAAAf39/ACUAAABYAAAAAAAAAAAAAAAAAAAAAAAAAAAAAAAAAAAAAAAAAAAAAAAAAAAAAAAAAAAAAAA/AAAAAAAAAKCGAQAAAAAAAAAAAAAAAAAMAAAAAQAAAAAAAAAAAAAAAAAAAB8AAABUAAAA////Bf///wEAAAAAAAAAAAAAAAAAAAAAAAAAAAAAAAAAAAAAAAAAAAZJjAJ/f38AlpaWA8zMzADAwP8Af39/AAAAAAAAAAAAAAAAAAAAAAAAAAAAIQAAABgAAAAUAAAAUwEAANQIAACtRwAAUCMAABAAAAAmAAAACAAAAP//////////"/>
               </a:ext>
             </a:extLst>
           </p:cNvSpPr>
@@ -4197,6 +4152,7 @@
             <a:pPr>
               <a:defRPr sz="2800" cap="none"/>
             </a:pPr>
+            <a:endParaRPr/>
           </a:p>
           <a:p>
             <a:pPr>
@@ -4216,14 +4172,6 @@
               </a:rPr>
               <a:t>–  git config --global user.name "Bugs Bunny"</a:t>
             </a:r>
-            <a:endParaRPr cap="none">
-              <a:solidFill>
-                <a:schemeClr val="folHlink"/>
-              </a:solidFill>
-              <a:latin typeface="Basic Roman" pitchFamily="1" charset="0"/>
-              <a:ea typeface="Basic Roman" pitchFamily="1" charset="0"/>
-              <a:cs typeface="Basic Roman" pitchFamily="1" charset="0"/>
-            </a:endParaRPr>
           </a:p>
           <a:p>
             <a:pPr>
@@ -4251,11 +4199,6 @@
               </a:rPr>
               <a:t> </a:t>
             </a:r>
-            <a:endParaRPr cap="none">
-              <a:latin typeface="American Typewriter" pitchFamily="1" charset="0"/>
-              <a:ea typeface="American Typewriter" pitchFamily="1" charset="0"/>
-              <a:cs typeface="American Typewriter" pitchFamily="1" charset="0"/>
-            </a:endParaRPr>
           </a:p>
           <a:p>
             <a:pPr>
@@ -4265,6 +4208,11 @@
                 <a:cs typeface="American Typewriter" pitchFamily="1" charset="0"/>
               </a:defRPr>
             </a:pPr>
+            <a:endParaRPr cap="none">
+              <a:latin typeface="American Typewriter" pitchFamily="1" charset="0"/>
+              <a:ea typeface="American Typewriter" pitchFamily="1" charset="0"/>
+              <a:cs typeface="American Typewriter" pitchFamily="1" charset="0"/>
+            </a:endParaRPr>
           </a:p>
           <a:p>
             <a:pPr>
@@ -4292,6 +4240,11 @@
               </a:rPr>
               <a:t> -  git config –list </a:t>
             </a:r>
+          </a:p>
+          <a:p>
+            <a:pPr>
+              <a:defRPr sz="2800" cap="none"/>
+            </a:pPr>
             <a:endParaRPr cap="none">
               <a:solidFill>
                 <a:schemeClr val="folHlink"/>
@@ -4300,11 +4253,6 @@
               <a:ea typeface="Basic Roman" pitchFamily="1" charset="0"/>
               <a:cs typeface="Basic Roman" pitchFamily="1" charset="0"/>
             </a:endParaRPr>
-          </a:p>
-          <a:p>
-            <a:pPr>
-              <a:defRPr sz="2800" cap="none"/>
-            </a:pPr>
           </a:p>
           <a:p>
             <a:pPr>
@@ -4344,7 +4292,7 @@
           <p:cNvSpPr txBox="1">
             <a:extLst>
               <a:ext uri="smNativeData">
-                <pr:smNativeData xmlns:pr="smNativeData" xmlns="smNativeData" val="SMDATA_15_Uo0YYxMAAAAlAAAAEgAAAA8BAAAAkAAAAEgAAACQAAAASAAAAAAAAAAAAAAAAAAAAAEAAABQAAAAAAAAAAAA4D8AAAAAAADgPwAAAAAAAOA/AAAAAAAA4D8AAAAAAADgPwAAAAAAAOA/AAAAAAAA4D8AAAAAAADgPwAAAAAAAOA/AAAAAAAA4D8CAAAAjAAAAAAAAAAAAAAA////DP///wgAAAAAAAAAAAAAAAAAAAAAAAAAAAAAAAAAAAAAZAAAAAEAAABAAAAAAAAAAAAAAAAAAAAAAAAAAAAAAAAAAAAAAAAAAAAAAAAAAAAAAAAAAAAAAAAAAAAAAAAAAAAAAAAAAAAAAAAAAAAAAAAAAAAAAAAAAAAAAAAAAAAAFAAAADwAAAAAAAAAAAAAAAZJjAkUAAAAAQAAABQAAAAUAAAAFAAAAAEAAAAAAAAAZAAAAGQAAAAAAAAAZAAAAGQAAAAVAAAAYAAAAAAAAAAAAAAADwAAACADAAAAAAAAAAAAAAEAAACgMgAAVgcAAKr4//8BAAAAf39/AAEAAABkAAAAAAAAABQAAABAHwAAAAAAACYAAAAAAAAAwOD//wAAAAAmAAAAZAAAABYAAABMAAAAAAAAAAAAAAAEAAAAAAAAAAEAAACWlpYKAAAAACgAAAAoAAAAZAAAAGQAAAAAAAAAzMzMAAAAAABQAAAAUAAAAGQAAABkAAAAAAAAABcAAAAUAAAAAAAAAAAAAAD/fwAA/38AAAAAAAAJAAAABAAAACBzbGkeAAAAaAAAAAAAAAAAAAAAAAAAAAAAAAAAAAAAECcAABAnAAAAAAAAAAAAAAAAAAAAAAAAAAAAAAAAAAAAAAAAAAAAABQAAAAAAAAAwMD/AAAAAABkAAAAMgAAAAAAAABkAAAAAAAAAH9/fwAKAAAAIgAAABgAAAAAAAAAAAAAAAAAAAAAAAAAAAAAAAAAAAAkAAAAJAAAAAAAAAAHAAAAAAAAAAAAAAAAAAAAAAAAAAAAAAAAAAAAf39/ACUAAABYAAAAAAAAAAAAAAAAAAAAAAAAAAAAAAAAAAAAAAAAAAAAAAAAAAAAAAAAAAAAAAA/AAAAAAAAAKCGAQAAAAAAAAAAAAAAAAAMAAAAAQAAAAAAAAAAAAAAAAAAAB8AAABUAAAA////Bf///wEAAAAAAAAAAAAAAAAAAAAAAAAAAAAAAAAAAAAAAAAAAAZJjAJ/f38AlpaWA8zMzADAwP8Af39/AAAAAAAAAAAAAAAAAAAAAAAAAAAAIQAAABgAAAAUAAAAGRIAAKYCAABwMQAAvQUAABAAAAAmAAAACAAAAP//////////"/>
+                <pr:smNativeData xmlns="smNativeData" xmlns:pr="smNativeData" xmlns:p15="http://schemas.microsoft.com/office/powerpoint/2012/main" xmlns:p14="http://schemas.microsoft.com/office/powerpoint/2010/main" xmlns:mc="http://schemas.openxmlformats.org/markup-compatibility/2006" val="SMDATA_15_Uo0YYxMAAAAlAAAAEgAAAA8BAAAAkAAAAEgAAACQAAAASAAAAAAAAAAAAAAAAAAAAAEAAABQAAAAAAAAAAAA4D8AAAAAAADgPwAAAAAAAOA/AAAAAAAA4D8AAAAAAADgPwAAAAAAAOA/AAAAAAAA4D8AAAAAAADgPwAAAAAAAOA/AAAAAAAA4D8CAAAAjAAAAAAAAAAAAAAA////DP///wgAAAAAAAAAAAAAAAAAAAAAAAAAAAAAAAAAAAAAZAAAAAEAAABAAAAAAAAAAAAAAAAAAAAAAAAAAAAAAAAAAAAAAAAAAAAAAAAAAAAAAAAAAAAAAAAAAAAAAAAAAAAAAAAAAAAAAAAAAAAAAAAAAAAAAAAAAAAAAAAAAAAAFAAAADwAAAAAAAAAAAAAAAZJjAkUAAAAAQAAABQAAAAUAAAAFAAAAAEAAAAAAAAAZAAAAGQAAAAAAAAAZAAAAGQAAAAVAAAAYAAAAAAAAAAAAAAADwAAACADAAAAAAAAAAAAAAEAAACgMgAAVgcAAKr4//8BAAAAf39/AAEAAABkAAAAAAAAABQAAABAHwAAAAAAACYAAAAAAAAAwOD//wAAAAAmAAAAZAAAABYAAABMAAAAAAAAAAAAAAAEAAAAAAAAAAEAAACWlpYKAAAAACgAAAAoAAAAZAAAAGQAAAAAAAAAzMzMAAAAAABQAAAAUAAAAGQAAABkAAAAAAAAABcAAAAUAAAAAAAAAAAAAAD/fwAA/38AAAAAAAAJAAAABAAAACBzbGkeAAAAaAAAAAAAAAAAAAAAAAAAAAAAAAAAAAAAECcAABAnAAAAAAAAAAAAAAAAAAAAAAAAAAAAAAAAAAAAAAAAAAAAABQAAAAAAAAAwMD/AAAAAABkAAAAMgAAAAAAAABkAAAAAAAAAH9/fwAKAAAAIgAAABgAAAAAAAAAAAAAAAAAAAAAAAAAAAAAAAAAAAAkAAAAJAAAAAAAAAAHAAAAAAAAAAAAAAAAAAAAAAAAAAAAAAAAAAAAf39/ACUAAABYAAAAAAAAAAAAAAAAAAAAAAAAAAAAAAAAAAAAAAAAAAAAAAAAAAAAAAAAAAAAAAA/AAAAAAAAAKCGAQAAAAAAAAAAAAAAAAAMAAAAAQAAAAAAAAAAAAAAAAAAAB8AAABUAAAA////Bf///wEAAAAAAAAAAAAAAAAAAAAAAAAAAAAAAAAAAAAAAAAAAAZJjAJ/f38AlpaWA8zMzADAwP8Af39/AAAAAAAAAAAAAAAAAAAAAAAAAAAAIQAAABgAAAAUAAAAGRIAAKYCAABwMQAAvQUAABAAAAAmAAAACAAAAP//////////"/>
               </a:ext>
             </a:extLst>
           </p:cNvSpPr>
@@ -4382,18 +4330,11 @@
   <p:clrMapOvr>
     <a:masterClrMapping/>
   </p:clrMapOvr>
-  <p:timing>
-    <p:tnLst>
-      <p:par>
-        <p:cTn id="1" dur="indefinite" restart="never" nodeType="tmRoot"/>
-      </p:par>
-    </p:tnLst>
-  </p:timing>
 </p:sld>
 </file>
 
 <file path=ppt/slides/slide4.xml><?xml version="1.0" encoding="utf-8"?>
-<p:sld xmlns:p="http://schemas.openxmlformats.org/presentationml/2006/main" xmlns:mc="http://schemas.openxmlformats.org/markup-compatibility/2006" xmlns:p14="http://schemas.microsoft.com/office/powerpoint/2010/main" xmlns:p15="http://schemas.microsoft.com/office/powerpoint/2012/main" xmlns:r="http://schemas.openxmlformats.org/officeDocument/2006/relationships" xmlns:a="http://schemas.openxmlformats.org/drawingml/2006/main" mc:Ignorable="p14">
+<p:sld xmlns:a="http://schemas.openxmlformats.org/drawingml/2006/main" xmlns:r="http://schemas.openxmlformats.org/officeDocument/2006/relationships" xmlns:p="http://schemas.openxmlformats.org/presentationml/2006/main">
   <p:cSld>
     <p:spTree>
       <p:nvGrpSpPr>
@@ -4415,7 +4356,7 @@
           <p:cNvSpPr txBox="1">
             <a:extLst>
               <a:ext uri="smNativeData">
-                <pr:smNativeData xmlns:pr="smNativeData" xmlns="smNativeData" val="SMDATA_15_Uo0YYxMAAAAlAAAAEgAAAA8BAAAAkAAAAEgAAACQAAAASAAAAAAAAAAAAAAAAAAAAAEAAABQAAAAAAAAAAAA4D8AAAAAAADgPwAAAAAAAOA/AAAAAAAA4D8AAAAAAADgPwAAAAAAAOA/AAAAAAAA4D8AAAAAAADgPwAAAAAAAOA/AAAAAAAA4D8CAAAAjAAAAAAAAAAAAAAA////DP///wgAAAAAAAAAAAAAAAAAAAAAAAAAAAAAAAAAAAAAZAAAAAEAAABAAAAAAAAAAAAAAAAAAAAAAAAAAAAAAAAAAAAAAAAAAAAAAAAAAAAAAAAAAAAAAAAAAAAAAAAAAAAAAAAAAAAAAAAAAAAAAAAAAAAAAAAAAAAAAAAAAAAAFAAAADwAAAAAAAAAAAAAAAZJjAkUAAAAAQAAABQAAAAUAAAAFAAAAAEAAAAAAAAAZAAAAGQAAAAAAAAAZAAAAGQAAAAVAAAAYAAAAAAAAAAAAAAADwAAACADAAAAAAAAAAAAAAEAAACgMgAAVgcAAKr4//8BAAAAf39/AAEAAABkAAAAAAAAABQAAABAHwAAAAAAACYAAAAAAAAAwOD//wAAAAAmAAAAZAAAABYAAABMAAAAAAAAAAAAAAAEAAAAAAAAAAEAAACWlpYKAAAAACgAAAAoAAAAZAAAAGQAAAAAAAAAzMzMAAAAAABQAAAAUAAAAGQAAABkAAAAAAAAABcAAAAUAAAAAAAAAAAAAAD/fwAA/38AAAAAAAAJAAAABAAAAFRBXzEeAAAAaAAAAAAAAAAAAAAAAAAAAAAAAAAAAAAAECcAABAnAAAAAAAAAAAAAAAAAAAAAAAAAAAAAAAAAAAAAAAAAAAAABQAAAAAAAAAwMD/AAAAAABkAAAAMgAAAAAAAABkAAAAAAAAAH9/fwAKAAAAIgAAABgAAAAAAAAAAAAAAAAAAAAAAAAAAAAAAAAAAAAkAAAAJAAAAAAAAAAHAAAAAAAAAAAAAAAAAAAAAAAAAAAAAAAAAAAAf39/ACUAAABYAAAAAAAAAAAAAAAAAAAAAAAAAAAAAAAAAAAAAAAAAAAAAAAAAAAAAAAAAAAAAAA/AAAAAAAAAKCGAQAAAAAAAAAAAAAAAAAMAAAAAQAAAAAAAAAAAAAAAAAAAB8AAABUAAAA////Bf///wEAAAAAAAAAAAAAAAAAAAAAAAAAAAAAAAAAAAAAAAAAAAZJjAJ/f38AlpaWA8zMzADAwP8Af39/AAAAAAAAAAAAAAAAAAAAAAAAAAAAIQAAABgAAAAUAAAAixgAAOIAAAAdMAAAVgUAABAAAAAmAAAACAAAAP//////////"/>
+                <pr:smNativeData xmlns="smNativeData" xmlns:pr="smNativeData" xmlns:p15="http://schemas.microsoft.com/office/powerpoint/2012/main" xmlns:p14="http://schemas.microsoft.com/office/powerpoint/2010/main" xmlns:mc="http://schemas.openxmlformats.org/markup-compatibility/2006" val="SMDATA_15_Uo0YYxMAAAAlAAAAEgAAAA8BAAAAkAAAAEgAAACQAAAASAAAAAAAAAAAAAAAAAAAAAEAAABQAAAAAAAAAAAA4D8AAAAAAADgPwAAAAAAAOA/AAAAAAAA4D8AAAAAAADgPwAAAAAAAOA/AAAAAAAA4D8AAAAAAADgPwAAAAAAAOA/AAAAAAAA4D8CAAAAjAAAAAAAAAAAAAAA////DP///wgAAAAAAAAAAAAAAAAAAAAAAAAAAAAAAAAAAAAAZAAAAAEAAABAAAAAAAAAAAAAAAAAAAAAAAAAAAAAAAAAAAAAAAAAAAAAAAAAAAAAAAAAAAAAAAAAAAAAAAAAAAAAAAAAAAAAAAAAAAAAAAAAAAAAAAAAAAAAAAAAAAAAFAAAADwAAAAAAAAAAAAAAAZJjAkUAAAAAQAAABQAAAAUAAAAFAAAAAEAAAAAAAAAZAAAAGQAAAAAAAAAZAAAAGQAAAAVAAAAYAAAAAAAAAAAAAAADwAAACADAAAAAAAAAAAAAAEAAACgMgAAVgcAAKr4//8BAAAAf39/AAEAAABkAAAAAAAAABQAAABAHwAAAAAAACYAAAAAAAAAwOD//wAAAAAmAAAAZAAAABYAAABMAAAAAAAAAAAAAAAEAAAAAAAAAAEAAACWlpYKAAAAACgAAAAoAAAAZAAAAGQAAAAAAAAAzMzMAAAAAABQAAAAUAAAAGQAAABkAAAAAAAAABcAAAAUAAAAAAAAAAAAAAD/fwAA/38AAAAAAAAJAAAABAAAAFRBXzEeAAAAaAAAAAAAAAAAAAAAAAAAAAAAAAAAAAAAECcAABAnAAAAAAAAAAAAAAAAAAAAAAAAAAAAAAAAAAAAAAAAAAAAABQAAAAAAAAAwMD/AAAAAABkAAAAMgAAAAAAAABkAAAAAAAAAH9/fwAKAAAAIgAAABgAAAAAAAAAAAAAAAAAAAAAAAAAAAAAAAAAAAAkAAAAJAAAAAAAAAAHAAAAAAAAAAAAAAAAAAAAAAAAAAAAAAAAAAAAf39/ACUAAABYAAAAAAAAAAAAAAAAAAAAAAAAAAAAAAAAAAAAAAAAAAAAAAAAAAAAAAAAAAAAAAA/AAAAAAAAAKCGAQAAAAAAAAAAAAAAAAAMAAAAAQAAAAAAAAAAAAAAAAAAAB8AAABUAAAA////Bf///wEAAAAAAAAAAAAAAAAAAAAAAAAAAAAAAAAAAAAAAAAAAAZJjAJ/f38AlpaWA8zMzADAwP8Af39/AAAAAAAAAAAAAAAAAAAAAAAAAAAAIQAAABgAAAAUAAAAixgAAOIAAAAdMAAAVgUAABAAAAAmAAAACAAAAP//////////"/>
               </a:ext>
             </a:extLst>
           </p:cNvSpPr>
@@ -4454,7 +4395,7 @@
           <p:cNvSpPr txBox="1">
             <a:extLst>
               <a:ext uri="smNativeData">
-                <pr:smNativeData xmlns:pr="smNativeData" xmlns="smNativeData" val="SMDATA_15_Uo0YYxMAAAAlAAAAEgAAAA8BAAAAkAAAAEgAAACQAAAASAAAAAAAAAAAAAAAAAAAAAEAAABQAAAAAAAAAAAA4D8AAAAAAADgPwAAAAAAAOA/AAAAAAAA4D8AAAAAAADgPwAAAAAAAOA/AAAAAAAA4D8AAAAAAADgPwAAAAAAAOA/AAAAAAAA4D8CAAAAjAAAAAAAAAAAAAAA////DP///wgAAAAAAAAAAAAAAAAAAAAAAAAAAAAAAAAAAAAAZAAAAAEAAABAAAAAAAAAAAAAAAAAAAAAAAAAAAAAAAAAAAAAAAAAAAAAAAAAAAAAAAAAAAAAAAAAAAAAAAAAAAAAAAAAAAAAAAAAAAAAAAAAAAAAAAAAAAAAAAAAAAAAFAAAADwAAAAAAAAAAAAAAAZJjAkUAAAAAQAAABQAAAAUAAAAFAAAAAEAAAAAAAAAZAAAAGQAAAAAAAAAZAAAAGQAAAAVAAAAYAAAAAAAAAAAAAAADwAAACADAAAAAAAAAAAAAAEAAACgMgAAVgcAAKr4//8BAAAAf39/AAEAAABkAAAAAAAAABQAAABAHwAAAAAAACYAAAAAAAAAwOD//wAAAAAmAAAAZAAAABYAAABMAAAAAAAAAAAAAAAEAAAAAAAAAAEAAACWlpYKAAAAACgAAAAoAAAAZAAAAGQAAAAAAAAAzMzMAAAAAABQAAAAUAAAAGQAAABkAAAAAAAAABcAAAAUAAAAAAAAAAAAAAD/fwAA/38AAAAAAAAJAAAABAAAAHQAbwAeAAAAaAAAAAAAAAAAAAAAAAAAAAAAAAAAAAAAECcAABAnAAAAAAAAAAAAAAAAAAAAAAAAAAAAAAAAAAAAAAAAAAAAABQAAAAAAAAAwMD/AAAAAABkAAAAMgAAAAAAAABkAAAAAAAAAH9/fwAKAAAAIgAAABgAAAAAAAAAAAAAAAAAAAAAAAAAAAAAAAAAAAAkAAAAJAAAAAAAAAAHAAAAAAAAAAAAAAAAAAAAAAAAAAAAAAAAAAAAf39/ACUAAABYAAAAAAAAAAAAAAAAAAAAAAAAAAAAAAAAAAAAAAAAAAAAAAAAAAAAAAAAAAAAAAA/AAAAAAAAAKCGAQAAAAAAAAAAAAAAAAAMAAAAAQAAAAAAAAAAAAAAAAAAAB8AAABUAAAA////Bf///wEAAAAAAAAAAAAAAAAAAAAAAAAAAAAAAAAAAAAAAAAAAAZJjAJ/f38AlpaWA8zMzADAwP8Af39/AAAAAAAAAAAAAAAAAAAAAAAAAAAAIQAAABgAAAAUAAAAcAAAAIEHAAC3SQAAKygAABAAAAAmAAAACAAAAP//////////"/>
+                <pr:smNativeData xmlns="smNativeData" xmlns:pr="smNativeData" xmlns:p15="http://schemas.microsoft.com/office/powerpoint/2012/main" xmlns:p14="http://schemas.microsoft.com/office/powerpoint/2010/main" xmlns:mc="http://schemas.openxmlformats.org/markup-compatibility/2006" val="SMDATA_15_Uo0YYxMAAAAlAAAAEgAAAA8BAAAAkAAAAEgAAACQAAAASAAAAAAAAAAAAAAAAAAAAAEAAABQAAAAAAAAAAAA4D8AAAAAAADgPwAAAAAAAOA/AAAAAAAA4D8AAAAAAADgPwAAAAAAAOA/AAAAAAAA4D8AAAAAAADgPwAAAAAAAOA/AAAAAAAA4D8CAAAAjAAAAAAAAAAAAAAA////DP///wgAAAAAAAAAAAAAAAAAAAAAAAAAAAAAAAAAAAAAZAAAAAEAAABAAAAAAAAAAAAAAAAAAAAAAAAAAAAAAAAAAAAAAAAAAAAAAAAAAAAAAAAAAAAAAAAAAAAAAAAAAAAAAAAAAAAAAAAAAAAAAAAAAAAAAAAAAAAAAAAAAAAAFAAAADwAAAAAAAAAAAAAAAZJjAkUAAAAAQAAABQAAAAUAAAAFAAAAAEAAAAAAAAAZAAAAGQAAAAAAAAAZAAAAGQAAAAVAAAAYAAAAAAAAAAAAAAADwAAACADAAAAAAAAAAAAAAEAAACgMgAAVgcAAKr4//8BAAAAf39/AAEAAABkAAAAAAAAABQAAABAHwAAAAAAACYAAAAAAAAAwOD//wAAAAAmAAAAZAAAABYAAABMAAAAAAAAAAAAAAAEAAAAAAAAAAEAAACWlpYKAAAAACgAAAAoAAAAZAAAAGQAAAAAAAAAzMzMAAAAAABQAAAAUAAAAGQAAABkAAAAAAAAABcAAAAUAAAAAAAAAAAAAAD/fwAA/38AAAAAAAAJAAAABAAAAHQAbwAeAAAAaAAAAAAAAAAAAAAAAAAAAAAAAAAAAAAAECcAABAnAAAAAAAAAAAAAAAAAAAAAAAAAAAAAAAAAAAAAAAAAAAAABQAAAAAAAAAwMD/AAAAAABkAAAAMgAAAAAAAABkAAAAAAAAAH9/fwAKAAAAIgAAABgAAAAAAAAAAAAAAAAAAAAAAAAAAAAAAAAAAAAkAAAAJAAAAAAAAAAHAAAAAAAAAAAAAAAAAAAAAAAAAAAAAAAAAAAAf39/ACUAAABYAAAAAAAAAAAAAAAAAAAAAAAAAAAAAAAAAAAAAAAAAAAAAAAAAAAAAAAAAAAAAAA/AAAAAAAAAKCGAQAAAAAAAAAAAAAAAAAMAAAAAQAAAAAAAAAAAAAAAAAAAB8AAABUAAAA////Bf///wEAAAAAAAAAAAAAAAAAAAAAAAAAAAAAAAAAAAAAAAAAAAZJjAJ/f38AlpaWA8zMzADAwP8Af39/AAAAAAAAAAAAAAAAAAAAAAAAAAAAIQAAABgAAAAUAAAAcAAAAIEHAAC3SQAAKygAABAAAAAmAAAACAAAAP//////////"/>
               </a:ext>
             </a:extLst>
           </p:cNvSpPr>
@@ -4514,14 +4455,6 @@
               </a:rPr>
               <a:t> –  git init</a:t>
             </a:r>
-            <a:endParaRPr cap="none">
-              <a:solidFill>
-                <a:schemeClr val="folHlink"/>
-              </a:solidFill>
-              <a:latin typeface="Basic Roman" pitchFamily="1" charset="0"/>
-              <a:ea typeface="Basic Roman" pitchFamily="1" charset="0"/>
-              <a:cs typeface="Basic Roman" pitchFamily="1" charset="0"/>
-            </a:endParaRPr>
           </a:p>
           <a:p>
             <a:pPr>
@@ -4561,14 +4494,6 @@
               </a:rPr>
               <a:t>–  git add filename</a:t>
             </a:r>
-            <a:endParaRPr cap="none">
-              <a:solidFill>
-                <a:schemeClr val="folHlink"/>
-              </a:solidFill>
-              <a:latin typeface="Basic Roman" pitchFamily="1" charset="0"/>
-              <a:ea typeface="Basic Roman" pitchFamily="1" charset="0"/>
-              <a:cs typeface="Basic Roman" pitchFamily="1" charset="0"/>
-            </a:endParaRPr>
           </a:p>
           <a:p>
             <a:pPr>
@@ -4592,6 +4517,15 @@
               </a:rPr>
               <a:t>–  git commit –m "commit message"</a:t>
             </a:r>
+          </a:p>
+          <a:p>
+            <a:pPr>
+              <a:defRPr sz="2800" cap="none">
+                <a:latin typeface="American Typewriter Semibold" pitchFamily="1" charset="0"/>
+                <a:ea typeface="American Typewriter Semibold" pitchFamily="1" charset="0"/>
+                <a:cs typeface="American Typewriter Semibold" pitchFamily="1" charset="0"/>
+              </a:defRPr>
+            </a:pPr>
             <a:endParaRPr cap="none">
               <a:solidFill>
                 <a:schemeClr val="folHlink"/>
@@ -4603,15 +4537,6 @@
           </a:p>
           <a:p>
             <a:pPr>
-              <a:defRPr sz="2800" cap="none">
-                <a:latin typeface="American Typewriter Semibold" pitchFamily="1" charset="0"/>
-                <a:ea typeface="American Typewriter Semibold" pitchFamily="1" charset="0"/>
-                <a:cs typeface="American Typewriter Semibold" pitchFamily="1" charset="0"/>
-              </a:defRPr>
-            </a:pPr>
-          </a:p>
-          <a:p>
-            <a:pPr>
               <a:defRPr sz="2800" cap="none"/>
             </a:pPr>
             <a:r>
@@ -4629,7 +4554,6 @@
               <a:rPr sz="2400" cap="none"/>
               <a:t> to your current directory: </a:t>
             </a:r>
-            <a:endParaRPr sz="2400" cap="none"/>
           </a:p>
           <a:p>
             <a:pPr>
@@ -4664,11 +4588,6 @@
               </a:rPr>
               <a:t>( important command)</a:t>
             </a:r>
-            <a:endParaRPr cap="none">
-              <a:solidFill>
-                <a:srgbClr val="FF0000"/>
-              </a:solidFill>
-            </a:endParaRPr>
           </a:p>
           <a:p>
             <a:pPr>
@@ -4678,6 +4597,11 @@
                 <a:cs typeface="American Typewriter Semibold" pitchFamily="1" charset="0"/>
               </a:defRPr>
             </a:pPr>
+            <a:endParaRPr cap="none">
+              <a:solidFill>
+                <a:srgbClr val="FF0000"/>
+              </a:solidFill>
+            </a:endParaRPr>
           </a:p>
           <a:p>
             <a:pPr>
@@ -4694,18 +4618,11 @@
   <p:clrMapOvr>
     <a:masterClrMapping/>
   </p:clrMapOvr>
-  <p:timing>
-    <p:tnLst>
-      <p:par>
-        <p:cTn id="1" dur="indefinite" restart="never" nodeType="tmRoot"/>
-      </p:par>
-    </p:tnLst>
-  </p:timing>
 </p:sld>
 </file>
 
 <file path=ppt/slides/slide5.xml><?xml version="1.0" encoding="utf-8"?>
-<p:sld xmlns:p="http://schemas.openxmlformats.org/presentationml/2006/main" xmlns:mc="http://schemas.openxmlformats.org/markup-compatibility/2006" xmlns:p14="http://schemas.microsoft.com/office/powerpoint/2010/main" xmlns:p15="http://schemas.microsoft.com/office/powerpoint/2012/main" xmlns:r="http://schemas.openxmlformats.org/officeDocument/2006/relationships" xmlns:a="http://schemas.openxmlformats.org/drawingml/2006/main" mc:Ignorable="p14">
+<p:sld xmlns:a="http://schemas.openxmlformats.org/drawingml/2006/main" xmlns:r="http://schemas.openxmlformats.org/officeDocument/2006/relationships" xmlns:p="http://schemas.openxmlformats.org/presentationml/2006/main">
   <p:cSld>
     <p:spTree>
       <p:nvGrpSpPr>
@@ -4727,7 +4644,7 @@
           <p:cNvSpPr txBox="1">
             <a:extLst>
               <a:ext uri="smNativeData">
-                <pr:smNativeData xmlns:pr="smNativeData" xmlns="smNativeData" val="SMDATA_15_Uo0YYxMAAAAlAAAAEgAAAA8BAAAAkAAAAEgAAACQAAAASAAAAAAAAAAAAAAAAAAAAAEAAABQAAAAAAAAAAAA4D8AAAAAAADgPwAAAAAAAOA/AAAAAAAA4D8AAAAAAADgPwAAAAAAAOA/AAAAAAAA4D8AAAAAAADgPwAAAAAAAOA/AAAAAAAA4D8CAAAAjAAAAAAAAAAAAAAA////DP///wgAAAAAAAAAAAAAAAAAAAAAAAAAAAAAAAAAAAAAZAAAAAEAAABAAAAAAAAAAAAAAAAAAAAAAAAAAAAAAAAAAAAAAAAAAAAAAAAAAAAAAAAAAAAAAAAAAAAAAAAAAAAAAAAAAAAAAAAAAAAAAAAAAAAAAAAAAAAAAAAAAAAAFAAAADwAAAAAAAAAAAAAAAZJjAkUAAAAAQAAABQAAAAUAAAAFAAAAAEAAAAAAAAAZAAAAGQAAAAAAAAAZAAAAGQAAAAVAAAAYAAAAAAAAAAAAAAADwAAACADAAAAAAAAAAAAAAEAAACgMgAAVgcAAKr4//8BAAAAf39/AAEAAABkAAAAAAAAABQAAABAHwAAAAAAACYAAAAAAAAAwOD//wAAAAAmAAAAZAAAABYAAABMAAAAAAAAAAAAAAAEAAAAAAAAAAEAAACWlpYKAAAAACgAAAAoAAAAZAAAAGQAAAAAAAAAzMzMAAAAAABQAAAAUAAAAGQAAABkAAAAAAAAABcAAAAUAAAAAAAAAAAAAAD/fwAA/38AAAAAAAAJAAAABAAAACBzbGkeAAAAaAAAAAAAAAAAAAAAAAAAAAAAAAAAAAAAECcAABAnAAAAAAAAAAAAAAAAAAAAAAAAAAAAAAAAAAAAAAAAAAAAABQAAAAAAAAAwMD/AAAAAABkAAAAMgAAAAAAAABkAAAAAAAAAH9/fwAKAAAAIgAAABgAAAAAAAAAAAAAAAAAAAAAAAAAAAAAAAAAAAAkAAAAJAAAAAAAAAAHAAAAAAAAAAAAAAAAAAAAAAAAAAAAAAAAAAAAf39/ACUAAABYAAAAAAAAAAAAAAAAAAAAAAAAAAAAAAAAAAAAAAAAAAAAAAAAAAAAAAAAAAAAAAA/AAAAAAAAAKCGAQAAAAAAAAAAAAAAAAAMAAAAAQAAAAAAAAAAAAAAAAAAAB8AAABUAAAA////Bf///wEAAAAAAAAAAAAAAAAAAAAAAAAAAAAAAAAAAAAAAAAAAAZJjAJ/f38AlpaWA8zMzADAwP8Af39/AAAAAAAAAAAAAAAAAAAAAAAAAAAAIQAAABgAAAAUAAAAuBgAAHEAAABCKwAAagQAABAAAAAmAAAACAAAAP//////////"/>
+                <pr:smNativeData xmlns="smNativeData" xmlns:pr="smNativeData" xmlns:p15="http://schemas.microsoft.com/office/powerpoint/2012/main" xmlns:p14="http://schemas.microsoft.com/office/powerpoint/2010/main" xmlns:mc="http://schemas.openxmlformats.org/markup-compatibility/2006" val="SMDATA_15_Uo0YYxMAAAAlAAAAEgAAAA8BAAAAkAAAAEgAAACQAAAASAAAAAAAAAAAAAAAAAAAAAEAAABQAAAAAAAAAAAA4D8AAAAAAADgPwAAAAAAAOA/AAAAAAAA4D8AAAAAAADgPwAAAAAAAOA/AAAAAAAA4D8AAAAAAADgPwAAAAAAAOA/AAAAAAAA4D8CAAAAjAAAAAAAAAAAAAAA////DP///wgAAAAAAAAAAAAAAAAAAAAAAAAAAAAAAAAAAAAAZAAAAAEAAABAAAAAAAAAAAAAAAAAAAAAAAAAAAAAAAAAAAAAAAAAAAAAAAAAAAAAAAAAAAAAAAAAAAAAAAAAAAAAAAAAAAAAAAAAAAAAAAAAAAAAAAAAAAAAAAAAAAAAFAAAADwAAAAAAAAAAAAAAAZJjAkUAAAAAQAAABQAAAAUAAAAFAAAAAEAAAAAAAAAZAAAAGQAAAAAAAAAZAAAAGQAAAAVAAAAYAAAAAAAAAAAAAAADwAAACADAAAAAAAAAAAAAAEAAACgMgAAVgcAAKr4//8BAAAAf39/AAEAAABkAAAAAAAAABQAAABAHwAAAAAAACYAAAAAAAAAwOD//wAAAAAmAAAAZAAAABYAAABMAAAAAAAAAAAAAAAEAAAAAAAAAAEAAACWlpYKAAAAACgAAAAoAAAAZAAAAGQAAAAAAAAAzMzMAAAAAABQAAAAUAAAAGQAAABkAAAAAAAAABcAAAAUAAAAAAAAAAAAAAD/fwAA/38AAAAAAAAJAAAABAAAACBzbGkeAAAAaAAAAAAAAAAAAAAAAAAAAAAAAAAAAAAAECcAABAnAAAAAAAAAAAAAAAAAAAAAAAAAAAAAAAAAAAAAAAAAAAAABQAAAAAAAAAwMD/AAAAAABkAAAAMgAAAAAAAABkAAAAAAAAAH9/fwAKAAAAIgAAABgAAAAAAAAAAAAAAAAAAAAAAAAAAAAAAAAAAAAkAAAAJAAAAAAAAAAHAAAAAAAAAAAAAAAAAAAAAAAAAAAAAAAAAAAAf39/ACUAAABYAAAAAAAAAAAAAAAAAAAAAAAAAAAAAAAAAAAAAAAAAAAAAAAAAAAAAAAAAAAAAAA/AAAAAAAAAKCGAQAAAAAAAAAAAAAAAAAMAAAAAQAAAAAAAAAAAAAAAAAAAB8AAABUAAAA////Bf///wEAAAAAAAAAAAAAAAAAAAAAAAAAAAAAAAAAAAAAAAAAAAZJjAJ/f38AlpaWA8zMzADAwP8Af39/AAAAAAAAAAAAAAAAAAAAAAAAAAAAIQAAABgAAAAUAAAAuBgAAHEAAABCKwAAagQAABAAAAAmAAAACAAAAP//////////"/>
               </a:ext>
             </a:extLst>
           </p:cNvSpPr>
@@ -4767,7 +4684,7 @@
             <a:picLocks noChangeAspect="1"/>
             <a:extLst>
               <a:ext uri="smNativeData">
-                <pr:smNativeData xmlns:pr="smNativeData" xmlns="smNativeData" val="SMDATA_17_Uo0YYxMAAAAlAAAAEQAAAC8BAAAAkAAAAEgAAACQAAAASAAAAAAAAAAAAAAAAAAAAAEAAABQAAAAAAAAAAAA4D8AAAAAAADgPwAAAAAAAOA/AAAAAAAA4D8AAAAAAADgPwAAAAAAAOA/AAAAAAAA4D8AAAAAAADgPwAAAAAAAOA/AAAAAAAA4D8CAAAAjAAAAAAAAAAAAAAA////DP///wgAAAAAAAAAAAAAAAAAAAAAAAAAAAAAAAAAAAAAZAAAAAEAAABAAAAAAAAAAAAAAAAAAAAAAAAAAAAAAAAAAAAAAAAAAAAAAAAAAAAAAAAAAAAAAAAAAAAAAAAAAAAAAAAAAAAAAAAAAAAAAAAAAAAAAAAAAAAAAAAAAAAAFAAAADwAAAAAAAAAAAAAAAZJjAkUAAAAAQAAABQAAAAUAAAAFAAAAAEAAAAAAAAAZAAAAGQAAAAAAAAAZAAAAGQAAAAVAAAAYAAAAAAAAAAAAAAADwAAACADAAAAAAAAAAAAAAEAAACgMgAAVgcAAKr4//8BAAAAf39/AAEAAABkAAAAAAAAABQAAABAHwAAAAAAACYAAAAAAAAAwOD//wAAAAAmAAAAZAAAABYAAABMAAAAAAAAAAAAAAAEAAAAAAAAAAEAAACWlpYKAAAAACgAAAAoAAAAZAAAAGQAAAAAAAAAzMzMAAAAAABQAAAAUAAAAGQAAABkAAAAAAAAAAcAAAA4AAAAAAAAAAAAAAAAAAAA////AAAAAAAAAAAAAAAAAAAAAAAAAAAAAAAAAAAAAABkAAAAZAAAAAAAAAAjAAAABAAAAGQAAAAXAAAAFAAAAAAAAAAAAAAA/38AAP9/AAAAAAAACQAAAAQAAAAVY29tHgAAAGgAAAAAAAAAAAAAAAAAAAAAAAAAAAAAABAnAAAQJwAAAAAAAAAAAAAAAAAAAAAAAAAAAAAAAAAAAAAAAAAAAAAUAAAAAAAAAMDA/wAAAAAAZAAAADIAAAAAAAAAZAAAAAAAAAB/f38ACgAAACIAAAAYAAAAAAAAAAAAAAAAAAAAAAAAAAAAAAAAAAAAJAAAACQAAAAAAAAABwAAAAAAAAAAAAAAAAAAAAAAAAAAAAAAAAAAAH9/fwAlAAAAWAAAAAAAAAAAAAAAAAAAAAAAAAAAAAAAAAAAAAAAAAAAAAAAAAAAAAAAAAAAAAAAPwAAAAAAAACghgEAAAAAAAAAAAAAAAAADAAAAAEAAAAAAAAAAAAAAAAAAAAfAAAAVAAAAP///wX///8BAAAAAAAAAAAAAAAAAAAAAAAAAAAAAAAAAAAAAAAAAAAGSYwCf39/AJaWlgPMzMwAwMD/AH9/fwAAAAAAAAAAAAAAAAD///8AAAAAACEAAAAYAAAAFAAAAC4GAAAIBQAAp0IAAJwoAAAQAAAAJgAAAAgAAAD//////////w=="/>
+                <pr:smNativeData xmlns="smNativeData" xmlns:pr="smNativeData" xmlns:p15="http://schemas.microsoft.com/office/powerpoint/2012/main" xmlns:p14="http://schemas.microsoft.com/office/powerpoint/2010/main" xmlns:mc="http://schemas.openxmlformats.org/markup-compatibility/2006" val="SMDATA_17_Uo0YYxMAAAAlAAAAEQAAAC8BAAAAkAAAAEgAAACQAAAASAAAAAAAAAAAAAAAAAAAAAEAAABQAAAAAAAAAAAA4D8AAAAAAADgPwAAAAAAAOA/AAAAAAAA4D8AAAAAAADgPwAAAAAAAOA/AAAAAAAA4D8AAAAAAADgPwAAAAAAAOA/AAAAAAAA4D8CAAAAjAAAAAAAAAAAAAAA////DP///wgAAAAAAAAAAAAAAAAAAAAAAAAAAAAAAAAAAAAAZAAAAAEAAABAAAAAAAAAAAAAAAAAAAAAAAAAAAAAAAAAAAAAAAAAAAAAAAAAAAAAAAAAAAAAAAAAAAAAAAAAAAAAAAAAAAAAAAAAAAAAAAAAAAAAAAAAAAAAAAAAAAAAFAAAADwAAAAAAAAAAAAAAAZJjAkUAAAAAQAAABQAAAAUAAAAFAAAAAEAAAAAAAAAZAAAAGQAAAAAAAAAZAAAAGQAAAAVAAAAYAAAAAAAAAAAAAAADwAAACADAAAAAAAAAAAAAAEAAACgMgAAVgcAAKr4//8BAAAAf39/AAEAAABkAAAAAAAAABQAAABAHwAAAAAAACYAAAAAAAAAwOD//wAAAAAmAAAAZAAAABYAAABMAAAAAAAAAAAAAAAEAAAAAAAAAAEAAACWlpYKAAAAACgAAAAoAAAAZAAAAGQAAAAAAAAAzMzMAAAAAABQAAAAUAAAAGQAAABkAAAAAAAAAAcAAAA4AAAAAAAAAAAAAAAAAAAA////AAAAAAAAAAAAAAAAAAAAAAAAAAAAAAAAAAAAAABkAAAAZAAAAAAAAAAjAAAABAAAAGQAAAAXAAAAFAAAAAAAAAAAAAAA/38AAP9/AAAAAAAACQAAAAQAAAAVY29tHgAAAGgAAAAAAAAAAAAAAAAAAAAAAAAAAAAAABAnAAAQJwAAAAAAAAAAAAAAAAAAAAAAAAAAAAAAAAAAAAAAAAAAAAAUAAAAAAAAAMDA/wAAAAAAZAAAADIAAAAAAAAAZAAAAAAAAAB/f38ACgAAACIAAAAYAAAAAAAAAAAAAAAAAAAAAAAAAAAAAAAAAAAAJAAAACQAAAAAAAAABwAAAAAAAAAAAAAAAAAAAAAAAAAAAAAAAAAAAH9/fwAlAAAAWAAAAAAAAAAAAAAAAAAAAAAAAAAAAAAAAAAAAAAAAAAAAAAAAAAAAAAAAAAAAAAAPwAAAAAAAACghgEAAAAAAAAAAAAAAAAADAAAAAEAAAAAAAAAAAAAAAAAAAAfAAAAVAAAAP///wX///8BAAAAAAAAAAAAAAAAAAAAAAAAAAAAAAAAAAAAAAAAAAAGSYwCf39/AJaWlgPMzMwAwMD/AH9/fwAAAAAAAAAAAAAAAAD///8AAAAAACEAAAAYAAAAFAAAAC4GAAAIBQAAp0IAAJwoAAAQAAAAJgAAAAgAAAD//////////w=="/>
               </a:ext>
             </a:extLst>
           </p:cNvPicPr>
@@ -4799,18 +4716,11 @@
   <p:clrMapOvr>
     <a:masterClrMapping/>
   </p:clrMapOvr>
-  <p:timing>
-    <p:tnLst>
-      <p:par>
-        <p:cTn id="1" dur="indefinite" restart="never" nodeType="tmRoot"/>
-      </p:par>
-    </p:tnLst>
-  </p:timing>
 </p:sld>
 </file>
 
 <file path=ppt/slides/slide6.xml><?xml version="1.0" encoding="utf-8"?>
-<p:sld xmlns:p="http://schemas.openxmlformats.org/presentationml/2006/main" xmlns:mc="http://schemas.openxmlformats.org/markup-compatibility/2006" xmlns:p14="http://schemas.microsoft.com/office/powerpoint/2010/main" xmlns:p15="http://schemas.microsoft.com/office/powerpoint/2012/main" xmlns:r="http://schemas.openxmlformats.org/officeDocument/2006/relationships" xmlns:a="http://schemas.openxmlformats.org/drawingml/2006/main" mc:Ignorable="p14">
+<p:sld xmlns:a="http://schemas.openxmlformats.org/drawingml/2006/main" xmlns:r="http://schemas.openxmlformats.org/officeDocument/2006/relationships" xmlns:p="http://schemas.openxmlformats.org/presentationml/2006/main">
   <p:cSld>
     <p:spTree>
       <p:nvGrpSpPr>
@@ -4832,7 +4742,7 @@
           <p:cNvSpPr txBox="1">
             <a:extLst>
               <a:ext uri="smNativeData">
-                <pr:smNativeData xmlns:pr="smNativeData" xmlns="smNativeData" val="SMDATA_15_Uo0YYxMAAAAlAAAAEgAAAA8BAAAAkAAAAEgAAACQAAAASAAAAAAAAAAAAAAAAAAAAAEAAABQAAAAAAAAAAAA4D8AAAAAAADgPwAAAAAAAOA/AAAAAAAA4D8AAAAAAADgPwAAAAAAAOA/AAAAAAAA4D8AAAAAAADgPwAAAAAAAOA/AAAAAAAA4D8CAAAAjAAAAAAAAAAAAAAA////DP///wgAAAAAAAAAAAAAAAAAAAAAAAAAAAAAAAAAAAAAZAAAAAEAAABAAAAAAAAAAAAAAAAAAAAAAAAAAAAAAAAAAAAAAAAAAAAAAAAAAAAAAAAAAAAAAAAAAAAAAAAAAAAAAAAAAAAAAAAAAAAAAAAAAAAAAAAAAAAAAAAAAAAAFAAAADwAAAAAAAAAAAAAAAZJjAkUAAAAAQAAABQAAAAUAAAAFAAAAAEAAAAAAAAAZAAAAGQAAAAAAAAAZAAAAGQAAAAVAAAAYAAAAAAAAAAAAAAADwAAACADAAAAAAAAAAAAAAEAAACgMgAAVgcAAKr4//8BAAAAf39/AAEAAABkAAAAAAAAABQAAABAHwAAAAAAACYAAAAAAAAAwOD//wAAAAAmAAAAZAAAABYAAABMAAAAAAAAAAAAAAAEAAAAAAAAAAEAAACWlpYKAAAAACgAAAAoAAAAZAAAAGQAAAAAAAAAzMzMAAAAAABQAAAAUAAAAGQAAABkAAAAAAAAABcAAAAUAAAAAAAAAAAAAAD/fwAA/38AAAAAAAAJAAAABAAAACBzbGkeAAAAaAAAAAAAAAAAAAAAAAAAAAAAAAAAAAAAECcAABAnAAAAAAAAAAAAAAAAAAAAAAAAAAAAAAAAAAAAAAAAAAAAABQAAAAAAAAAwMD/AAAAAABkAAAAMgAAAAAAAABkAAAAAAAAAH9/fwAKAAAAIgAAABgAAAAAAAAAAAAAAAAAAAAAAAAAAAAAAAAAAAAkAAAAJAAAAAAAAAAHAAAAAAAAAAAAAAAAAAAAAAAAAAAAAAAAAAAAf39/ACUAAABYAAAAAAAAAAAAAAAAAAAAAAAAAAAAAAAAAAAAAAAAAAAAAAAAAAAAAAAAAAAAAAA/AAAAAAAAAKCGAQAAAAAAAAAAAAAAAAAMAAAAAQAAAAAAAAAAAAAAAAAAAB8AAABUAAAA////Bf///wEAAAAAAAAAAAAAAAAAAAAAAAAAAAAAAAAAAAAAAAAAAAZJjAJ/f38AlpaWA8zMzADAwP8Af39/AAAAAAAAAAAAAAAAAAAAAAAAAAAAIQAAABgAAAAUAAAAcw8AAFMBAADqPAAAnwYAABAAAAAmAAAACAAAAP//////////"/>
+                <pr:smNativeData xmlns="smNativeData" xmlns:pr="smNativeData" xmlns:p15="http://schemas.microsoft.com/office/powerpoint/2012/main" xmlns:p14="http://schemas.microsoft.com/office/powerpoint/2010/main" xmlns:mc="http://schemas.openxmlformats.org/markup-compatibility/2006" val="SMDATA_15_Uo0YYxMAAAAlAAAAEgAAAA8BAAAAkAAAAEgAAACQAAAASAAAAAAAAAAAAAAAAAAAAAEAAABQAAAAAAAAAAAA4D8AAAAAAADgPwAAAAAAAOA/AAAAAAAA4D8AAAAAAADgPwAAAAAAAOA/AAAAAAAA4D8AAAAAAADgPwAAAAAAAOA/AAAAAAAA4D8CAAAAjAAAAAAAAAAAAAAA////DP///wgAAAAAAAAAAAAAAAAAAAAAAAAAAAAAAAAAAAAAZAAAAAEAAABAAAAAAAAAAAAAAAAAAAAAAAAAAAAAAAAAAAAAAAAAAAAAAAAAAAAAAAAAAAAAAAAAAAAAAAAAAAAAAAAAAAAAAAAAAAAAAAAAAAAAAAAAAAAAAAAAAAAAFAAAADwAAAAAAAAAAAAAAAZJjAkUAAAAAQAAABQAAAAUAAAAFAAAAAEAAAAAAAAAZAAAAGQAAAAAAAAAZAAAAGQAAAAVAAAAYAAAAAAAAAAAAAAADwAAACADAAAAAAAAAAAAAAEAAACgMgAAVgcAAKr4//8BAAAAf39/AAEAAABkAAAAAAAAABQAAABAHwAAAAAAACYAAAAAAAAAwOD//wAAAAAmAAAAZAAAABYAAABMAAAAAAAAAAAAAAAEAAAAAAAAAAEAAACWlpYKAAAAACgAAAAoAAAAZAAAAGQAAAAAAAAAzMzMAAAAAABQAAAAUAAAAGQAAABkAAAAAAAAABcAAAAUAAAAAAAAAAAAAAD/fwAA/38AAAAAAAAJAAAABAAAACBzbGkeAAAAaAAAAAAAAAAAAAAAAAAAAAAAAAAAAAAAECcAABAnAAAAAAAAAAAAAAAAAAAAAAAAAAAAAAAAAAAAAAAAAAAAABQAAAAAAAAAwMD/AAAAAABkAAAAMgAAAAAAAABkAAAAAAAAAH9/fwAKAAAAIgAAABgAAAAAAAAAAAAAAAAAAAAAAAAAAAAAAAAAAAAkAAAAJAAAAAAAAAAHAAAAAAAAAAAAAAAAAAAAAAAAAAAAAAAAAAAAf39/ACUAAABYAAAAAAAAAAAAAAAAAAAAAAAAAAAAAAAAAAAAAAAAAAAAAAAAAAAAAAAAAAAAAAA/AAAAAAAAAKCGAQAAAAAAAAAAAAAAAAAMAAAAAQAAAAAAAAAAAAAAAAAAAB8AAABUAAAA////Bf///wEAAAAAAAAAAAAAAAAAAAAAAAAAAAAAAAAAAAAAAAAAAAZJjAJ/f38AlpaWA8zMzADAwP8Af39/AAAAAAAAAAAAAAAAAAAAAAAAAAAAIQAAABgAAAAUAAAAcw8AAFMBAADqPAAAnwYAABAAAAAmAAAACAAAAP//////////"/>
               </a:ext>
             </a:extLst>
           </p:cNvSpPr>
@@ -4861,9 +4771,9 @@
                 <a:solidFill>
                   <a:srgbClr val="000000"/>
                 </a:solidFill>
-                <a:latin typeface="Tahoma-Bold" pitchFamily="0" charset="0"/>
-                <a:ea typeface="Tahoma-Bold" pitchFamily="0" charset="0"/>
-                <a:cs typeface="Tahoma-Bold" pitchFamily="0" charset="0"/>
+                <a:latin typeface="Tahoma-Bold" charset="0"/>
+                <a:ea typeface="Tahoma-Bold" charset="0"/>
+                <a:cs typeface="Tahoma-Bold" charset="0"/>
               </a:defRPr>
             </a:pPr>
             <a:r>
@@ -4878,7 +4788,7 @@
           <p:cNvSpPr txBox="1">
             <a:extLst>
               <a:ext uri="smNativeData">
-                <pr:smNativeData xmlns:pr="smNativeData" xmlns="smNativeData" val="SMDATA_15_Uo0YYxMAAAAlAAAAEgAAAA8BAAAAkAAAAEgAAACQAAAASAAAAAAAAAAAAAAAAAAAAAEAAABQAAAAAAAAAAAA4D8AAAAAAADgPwAAAAAAAOA/AAAAAAAA4D8AAAAAAADgPwAAAAAAAOA/AAAAAAAA4D8AAAAAAADgPwAAAAAAAOA/AAAAAAAA4D8CAAAAjAAAAAAAAAAAAAAA////DP///wgAAAAAAAAAAAAAAAAAAAAAAAAAAAAAAAAAAAAAZAAAAAEAAABAAAAAAAAAAAAAAAAAAAAAAAAAAAAAAAAAAAAAAAAAAAAAAAAAAAAAAAAAAAAAAAAAAAAAAAAAAAAAAAAAAAAAAAAAAAAAAAAAAAAAAAAAAAAAAAAAAAAAFAAAADwAAAAAAAAAAAAAAAZJjAkUAAAAAQAAABQAAAAUAAAAFAAAAAEAAAAAAAAAZAAAAGQAAAAAAAAAZAAAAGQAAAAVAAAAYAAAAAAAAAAAAAAADwAAACADAAAAAAAAAAAAAAEAAACgMgAAVgcAAKr4//8BAAAAf39/AAEAAABkAAAAAAAAABQAAABAHwAAAAAAACYAAAAAAAAAwOD//wAAAAAmAAAAZAAAABYAAABMAAAAAAAAAAAAAAAEAAAAAAAAAAEAAACWlpYKAAAAACgAAAAoAAAAZAAAAGQAAAAAAAAAzMzMAAAAAABQAAAAUAAAAGQAAABkAAAAAAAAABcAAAAUAAAAAAAAAAAAAAD/fwAA/38AAAAAAAAJAAAABAAAACAAdAAeAAAAaAAAAAAAAAAAAAAAAAAAAAAAAAAAAAAAECcAABAnAAAAAAAAAAAAAAAAAAAAAAAAAAAAAAAAAAAAAAAAAAAAABQAAAAAAAAAwMD/AAAAAABkAAAAMgAAAAAAAABkAAAAAAAAAH9/fwAKAAAAIgAAABgAAAAAAAAAAAAAAAAAAAAAAAAAAAAAAAAAAAAkAAAAJAAAAAAAAAAHAAAAAAAAAAAAAAAAAAAAAAAAAAAAAAAAAAAAf39/ACUAAABYAAAAAAAAAAAAAAAAAAAAAAAAAAAAAAAAAAAAAAAAAAAAAAAAAAAAAAAAAAAAAAA/AAAAAAAAAKCGAQAAAAAAAAAAAAAAAAAMAAAAAQAAAAAAAAAAAAAAAAAAAB8AAABUAAAA////Bf///wEAAAAAAAAAAAAAAAAAAAAAAAAAAAAAAAAAAAAAAAAAAAZJjAJ/f38AlpaWA8zMzADAwP8Af39/AAAAAAAAAAAAAAAAAAAAAAAAAAAAIQAAABgAAAAUAAAARQIAABAHAADWSAAA9iUAABAAAAAmAAAACAAAAP//////////"/>
+                <pr:smNativeData xmlns="smNativeData" xmlns:pr="smNativeData" xmlns:p15="http://schemas.microsoft.com/office/powerpoint/2012/main" xmlns:p14="http://schemas.microsoft.com/office/powerpoint/2010/main" xmlns:mc="http://schemas.openxmlformats.org/markup-compatibility/2006" val="SMDATA_15_Uo0YYxMAAAAlAAAAEgAAAA8BAAAAkAAAAEgAAACQAAAASAAAAAAAAAAAAAAAAAAAAAEAAABQAAAAAAAAAAAA4D8AAAAAAADgPwAAAAAAAOA/AAAAAAAA4D8AAAAAAADgPwAAAAAAAOA/AAAAAAAA4D8AAAAAAADgPwAAAAAAAOA/AAAAAAAA4D8CAAAAjAAAAAAAAAAAAAAA////DP///wgAAAAAAAAAAAAAAAAAAAAAAAAAAAAAAAAAAAAAZAAAAAEAAABAAAAAAAAAAAAAAAAAAAAAAAAAAAAAAAAAAAAAAAAAAAAAAAAAAAAAAAAAAAAAAAAAAAAAAAAAAAAAAAAAAAAAAAAAAAAAAAAAAAAAAAAAAAAAAAAAAAAAFAAAADwAAAAAAAAAAAAAAAZJjAkUAAAAAQAAABQAAAAUAAAAFAAAAAEAAAAAAAAAZAAAAGQAAAAAAAAAZAAAAGQAAAAVAAAAYAAAAAAAAAAAAAAADwAAACADAAAAAAAAAAAAAAEAAACgMgAAVgcAAKr4//8BAAAAf39/AAEAAABkAAAAAAAAABQAAABAHwAAAAAAACYAAAAAAAAAwOD//wAAAAAmAAAAZAAAABYAAABMAAAAAAAAAAAAAAAEAAAAAAAAAAEAAACWlpYKAAAAACgAAAAoAAAAZAAAAGQAAAAAAAAAzMzMAAAAAABQAAAAUAAAAGQAAABkAAAAAAAAABcAAAAUAAAAAAAAAAAAAAD/fwAA/38AAAAAAAAJAAAABAAAACAAdAAeAAAAaAAAAAAAAAAAAAAAAAAAAAAAAAAAAAAAECcAABAnAAAAAAAAAAAAAAAAAAAAAAAAAAAAAAAAAAAAAAAAAAAAABQAAAAAAAAAwMD/AAAAAABkAAAAMgAAAAAAAABkAAAAAAAAAH9/fwAKAAAAIgAAABgAAAAAAAAAAAAAAAAAAAAAAAAAAAAAAAAAAAAkAAAAJAAAAAAAAAAHAAAAAAAAAAAAAAAAAAAAAAAAAAAAAAAAAAAAf39/ACUAAABYAAAAAAAAAAAAAAAAAAAAAAAAAAAAAAAAAAAAAAAAAAAAAAAAAAAAAAAAAAAAAAA/AAAAAAAAAKCGAQAAAAAAAAAAAAAAAAAMAAAAAQAAAAAAAAAAAAAAAAAAAB8AAABUAAAA////Bf///wEAAAAAAAAAAAAAAAAAAAAAAAAAAAAAAAAAAAAAAAAAAAZJjAJ/f38AlpaWA8zMzADAwP8Af39/AAAAAAAAAAAAAAAAAAAAAAAAAAAAIQAAABgAAAAUAAAARQIAABAHAADWSAAA9iUAABAAAAAmAAAACAAAAP//////////"/>
               </a:ext>
             </a:extLst>
           </p:cNvSpPr>
@@ -4910,7 +4820,6 @@
             </a:r>
           </a:p>
           <a:p>
-            <a:pPr/>
             <a:r>
               <a:t>                </a:t>
             </a:r>
@@ -4922,11 +4831,6 @@
               </a:rPr>
               <a:t>–  git add Hello.java Goodbye.java</a:t>
             </a:r>
-            <a:endParaRPr sz="2800" cap="none">
-              <a:solidFill>
-                <a:schemeClr val="folHlink"/>
-              </a:solidFill>
-            </a:endParaRPr>
           </a:p>
           <a:p>
             <a:pPr>
@@ -4961,7 +4865,6 @@
             </a:r>
           </a:p>
           <a:p>
-            <a:pPr/>
             <a:r>
               <a:t>               </a:t>
             </a:r>
@@ -4973,11 +4876,6 @@
               </a:rPr>
               <a:t>–  git commit –m "Fixing bug #22"</a:t>
             </a:r>
-            <a:endParaRPr sz="2800" cap="none">
-              <a:solidFill>
-                <a:schemeClr val="folHlink"/>
-              </a:solidFill>
-            </a:endParaRPr>
           </a:p>
           <a:p>
             <a:pPr>
@@ -4988,7 +4886,6 @@
             </a:r>
           </a:p>
           <a:p>
-            <a:pPr/>
             <a:r>
               <a:rPr sz="2800" cap="none">
                 <a:solidFill>
@@ -5004,10 +4901,8 @@
               <a:rPr sz="2400" cap="none"/>
               <a:t>(unstages the file)</a:t>
             </a:r>
-            <a:endParaRPr sz="2400" cap="none"/>
-          </a:p>
-          <a:p>
-            <a:pPr/>
+          </a:p>
+          <a:p>
             <a:r>
               <a:rPr sz="2800" cap="none">
                 <a:solidFill>
@@ -5020,15 +4915,12 @@
               <a:rPr sz="2400" cap="none"/>
               <a:t>(undoes your changes) </a:t>
             </a:r>
-            <a:endParaRPr sz="2400" cap="none"/>
-          </a:p>
-          <a:p>
-            <a:pPr/>
+          </a:p>
+          <a:p>
             <a:r>
               <a:rPr sz="2400" cap="none"/>
               <a:t>           –  All these commands are acting on your local version of repo.</a:t>
             </a:r>
-            <a:endParaRPr sz="2400" cap="none"/>
           </a:p>
         </p:txBody>
       </p:sp>
@@ -5037,18 +4929,11 @@
   <p:clrMapOvr>
     <a:masterClrMapping/>
   </p:clrMapOvr>
-  <p:timing>
-    <p:tnLst>
-      <p:par>
-        <p:cTn id="1" dur="indefinite" restart="never" nodeType="tmRoot"/>
-      </p:par>
-    </p:tnLst>
-  </p:timing>
 </p:sld>
 </file>
 
 <file path=ppt/slides/slide7.xml><?xml version="1.0" encoding="utf-8"?>
-<p:sld xmlns:p="http://schemas.openxmlformats.org/presentationml/2006/main" xmlns:mc="http://schemas.openxmlformats.org/markup-compatibility/2006" xmlns:p14="http://schemas.microsoft.com/office/powerpoint/2010/main" xmlns:p15="http://schemas.microsoft.com/office/powerpoint/2012/main" xmlns:r="http://schemas.openxmlformats.org/officeDocument/2006/relationships" xmlns:a="http://schemas.openxmlformats.org/drawingml/2006/main" mc:Ignorable="p14">
+<p:sld xmlns:a="http://schemas.openxmlformats.org/drawingml/2006/main" xmlns:r="http://schemas.openxmlformats.org/officeDocument/2006/relationships" xmlns:p="http://schemas.openxmlformats.org/presentationml/2006/main">
   <p:cSld>
     <p:spTree>
       <p:nvGrpSpPr>
@@ -5070,7 +4955,7 @@
           <p:cNvSpPr txBox="1">
             <a:extLst>
               <a:ext uri="smNativeData">
-                <pr:smNativeData xmlns:pr="smNativeData" xmlns="smNativeData" val="SMDATA_15_Uo0YYxMAAAAlAAAAEgAAAA8BAAAAkAAAAEgAAACQAAAASAAAAAAAAAAAAAAAAAAAAAEAAABQAAAAAAAAAAAA4D8AAAAAAADgPwAAAAAAAOA/AAAAAAAA4D8AAAAAAADgPwAAAAAAAOA/AAAAAAAA4D8AAAAAAADgPwAAAAAAAOA/AAAAAAAA4D8CAAAAjAAAAAAAAAAAAAAA////DP///wgAAAAAAAAAAAAAAAAAAAAAAAAAAAAAAAAAAAAAZAAAAAEAAABAAAAAAAAAAAAAAAAAAAAAAAAAAAAAAAAAAAAAAAAAAAAAAAAAAAAAAAAAAAAAAAAAAAAAAAAAAAAAAAAAAAAAAAAAAAAAAAAAAAAAAAAAAAAAAAAAAAAAFAAAADwAAAAAAAAAAAAAAAZJjAkUAAAAAQAAABQAAAAUAAAAFAAAAAEAAAAAAAAAZAAAAGQAAAAAAAAAZAAAAGQAAAAVAAAAYAAAAAAAAAAAAAAADwAAACADAAAAAAAAAAAAAAEAAACgMgAAVgcAAKr4//8BAAAAf39/AAEAAABkAAAAAAAAABQAAABAHwAAAAAAACYAAAAAAAAAwOD//wAAAAAmAAAAZAAAABYAAABMAAAAAAAAAAAAAAAEAAAAAAAAAAEAAACWlpYKAAAAACgAAAAoAAAAZAAAAGQAAAAAAAAAzMzMAAAAAABQAAAAUAAAAGQAAABkAAAAAAAAABcAAAAUAAAAAAAAAAAAAAD/fwAA/38AAAAAAAAJAAAABAAAAAAAAAAeAAAAaAAAAAAAAAAAAAAAAAAAAAAAAAAAAAAAECcAABAnAAAAAAAAAAAAAAAAAAAAAAAAAAAAAAAAAAAAAAAAAAAAABQAAAAAAAAAwMD/AAAAAABkAAAAMgAAAAAAAABkAAAAAAAAAH9/fwAKAAAAIgAAABgAAAAAAAAAAAAAAAAAAAAAAAAAAAAAAAAAAAAkAAAAJAAAAAAAAAAHAAAAAAAAAAAAAAAAAAAAAAAAAAAAAAAAAAAAf39/ACUAAABYAAAAAAAAAAAAAAAAAAAAAAAAAAAAAAAAAAAAAAAAAAAAAAAAAAAAAAAAAAAAAAA/AAAAAAAAAKCGAQAAAAAAAAAAAAAAAAAMAAAAAQAAAAAAAAAAAAAAAAAAAB8AAABUAAAA////Bf///wEAAAAAAAAAAAAAAAAAAAAAAAAAAAAAAAAAAAAAAAAAAAZJjAJ/f38AlpaWA8zMzADAwP8Af39/AAAAAAAAAAAAAAAAAAAAAAAAAAAAIQAAABgAAAAUAAAAcw8AANcAAAAfPwAA8gcAABAAAAAmAAAACAAAAP//////////"/>
+                <pr:smNativeData xmlns="smNativeData" xmlns:pr="smNativeData" xmlns:p15="http://schemas.microsoft.com/office/powerpoint/2012/main" xmlns:p14="http://schemas.microsoft.com/office/powerpoint/2010/main" xmlns:mc="http://schemas.openxmlformats.org/markup-compatibility/2006" val="SMDATA_15_Uo0YYxMAAAAlAAAAEgAAAA8BAAAAkAAAAEgAAACQAAAASAAAAAAAAAAAAAAAAAAAAAEAAABQAAAAAAAAAAAA4D8AAAAAAADgPwAAAAAAAOA/AAAAAAAA4D8AAAAAAADgPwAAAAAAAOA/AAAAAAAA4D8AAAAAAADgPwAAAAAAAOA/AAAAAAAA4D8CAAAAjAAAAAAAAAAAAAAA////DP///wgAAAAAAAAAAAAAAAAAAAAAAAAAAAAAAAAAAAAAZAAAAAEAAABAAAAAAAAAAAAAAAAAAAAAAAAAAAAAAAAAAAAAAAAAAAAAAAAAAAAAAAAAAAAAAAAAAAAAAAAAAAAAAAAAAAAAAAAAAAAAAAAAAAAAAAAAAAAAAAAAAAAAFAAAADwAAAAAAAAAAAAAAAZJjAkUAAAAAQAAABQAAAAUAAAAFAAAAAEAAAAAAAAAZAAAAGQAAAAAAAAAZAAAAGQAAAAVAAAAYAAAAAAAAAAAAAAADwAAACADAAAAAAAAAAAAAAEAAACgMgAAVgcAAKr4//8BAAAAf39/AAEAAABkAAAAAAAAABQAAABAHwAAAAAAACYAAAAAAAAAwOD//wAAAAAmAAAAZAAAABYAAABMAAAAAAAAAAAAAAAEAAAAAAAAAAEAAACWlpYKAAAAACgAAAAoAAAAZAAAAGQAAAAAAAAAzMzMAAAAAABQAAAAUAAAAGQAAABkAAAAAAAAABcAAAAUAAAAAAAAAAAAAAD/fwAA/38AAAAAAAAJAAAABAAAAAAAAAAeAAAAaAAAAAAAAAAAAAAAAAAAAAAAAAAAAAAAECcAABAnAAAAAAAAAAAAAAAAAAAAAAAAAAAAAAAAAAAAAAAAAAAAABQAAAAAAAAAwMD/AAAAAABkAAAAMgAAAAAAAABkAAAAAAAAAH9/fwAKAAAAIgAAABgAAAAAAAAAAAAAAAAAAAAAAAAAAAAAAAAAAAAkAAAAJAAAAAAAAAAHAAAAAAAAAAAAAAAAAAAAAAAAAAAAAAAAAAAAf39/ACUAAABYAAAAAAAAAAAAAAAAAAAAAAAAAAAAAAAAAAAAAAAAAAAAAAAAAAAAAAAAAAAAAAA/AAAAAAAAAKCGAQAAAAAAAAAAAAAAAAAMAAAAAQAAAAAAAAAAAAAAAAAAAB8AAABUAAAA////Bf///wEAAAAAAAAAAAAAAAAAAAAAAAAAAAAAAAAAAAAAAAAAAAZJjAJ/f38AlpaWA8zMzADAwP8Af39/AAAAAAAAAAAAAAAAAAAAAAAAAAAAIQAAABgAAAAUAAAAcw8AANcAAAAfPwAA8gcAABAAAAAmAAAACAAAAP//////////"/>
               </a:ext>
             </a:extLst>
           </p:cNvSpPr>
@@ -5099,9 +4984,9 @@
                 <a:solidFill>
                   <a:srgbClr val="000000"/>
                 </a:solidFill>
-                <a:latin typeface="Tahoma-Bold" pitchFamily="0" charset="0"/>
-                <a:ea typeface="Tahoma-Bold" pitchFamily="0" charset="0"/>
-                <a:cs typeface="Tahoma-Bold" pitchFamily="0" charset="0"/>
+                <a:latin typeface="Tahoma-Bold" charset="0"/>
+                <a:ea typeface="Tahoma-Bold" charset="0"/>
+                <a:cs typeface="Tahoma-Bold" charset="0"/>
               </a:defRPr>
             </a:pPr>
             <a:r>
@@ -5116,7 +5001,7 @@
           <p:cNvSpPr txBox="1">
             <a:extLst>
               <a:ext uri="smNativeData">
-                <pr:smNativeData xmlns:pr="smNativeData" xmlns="smNativeData" val="SMDATA_15_Uo0YYxMAAAAlAAAAEgAAAA8BAAAAkAAAAEgAAACQAAAASAAAAAAAAAAAAAAAAAAAAAEAAABQAAAAAAAAAAAA4D8AAAAAAADgPwAAAAAAAOA/AAAAAAAA4D8AAAAAAADgPwAAAAAAAOA/AAAAAAAA4D8AAAAAAADgPwAAAAAAAOA/AAAAAAAA4D8CAAAAjAAAAAAAAAAAAAAA////DP///wgAAAAAAAAAAAAAAAAAAAAAAAAAAAAAAAAAAAAAZAAAAAEAAABAAAAAAAAAAAAAAAAAAAAAAAAAAAAAAAAAAAAAAAAAAAAAAAAAAAAAAAAAAAAAAAAAAAAAAAAAAAAAAAAAAAAAAAAAAAAAAAAAAAAAAAAAAAAAAAAAAAAAFAAAADwAAAAAAAAAAAAAAAZJjAkUAAAAAQAAABQAAAAUAAAAFAAAAAEAAAAAAAAAZAAAAGQAAAAAAAAAZAAAAGQAAAAVAAAAYAAAAAAAAAAAAAAADwAAACADAAAAAAAAAAAAAAEAAACgMgAAVgcAAKr4//8BAAAAf39/AAEAAABkAAAAAAAAABQAAABAHwAAAAAAACYAAAAAAAAAwOD//wAAAAAmAAAAZAAAABYAAABMAAAAAAAAAAAAAAAEAAAAAAAAAAEAAACWlpYKAAAAACgAAAAoAAAAZAAAAGQAAAAAAAAAzMzMAAAAAABQAAAAUAAAAGQAAABkAAAAAAAAABcAAAAUAAAAAAAAAAAAAAD/fwAA/38AAAAAAAAJAAAABAAAAAoAIiAeAAAAaAAAAAAAAAAAAAAAAAAAAAAAAAAAAAAAECcAABAnAAAAAAAAAAAAAAAAAAAAAAAAAAAAAAAAAAAAAAAAAAAAABQAAAAAAAAAwMD/AAAAAABkAAAAMgAAAAAAAABkAAAAAAAAAH9/fwAKAAAAIgAAABgAAAAAAAAAAAAAAAAAAAAAAAAAAAAAAAAAAAAkAAAAJAAAAAAAAAAHAAAAAAAAAAAAAAAAAAAAAAAAAAAAAAAAAAAAf39/ACUAAABYAAAAAAAAAAAAAAAAAAAAAAAAAAAAAAAAAAAAAAAAAAAAAAAAAAAAAAAAAAAAAAA/AAAAAAAAAKCGAQAAAAAAAAAAAAAAAAAMAAAAAQAAAAAAAAAAAAAAAAAAAB8AAABUAAAA////Bf///wEAAAAAAAAAAAAAAAAAAAAAAAAAAAAAAAAAAAAAAAAAAAZJjAJ/f38AlpaWA8zMzADAwP8Af39/AAAAAAAAAAAAAAAAAAAAAAAAAAAAIQAAABgAAAAUAAAAswYAAIEHAABoRAAAZyYAABAAAAAmAAAACAAAAP//////////"/>
+                <pr:smNativeData xmlns="smNativeData" xmlns:pr="smNativeData" xmlns:p15="http://schemas.microsoft.com/office/powerpoint/2012/main" xmlns:p14="http://schemas.microsoft.com/office/powerpoint/2010/main" xmlns:mc="http://schemas.openxmlformats.org/markup-compatibility/2006" val="SMDATA_15_Uo0YYxMAAAAlAAAAEgAAAA8BAAAAkAAAAEgAAACQAAAASAAAAAAAAAAAAAAAAAAAAAEAAABQAAAAAAAAAAAA4D8AAAAAAADgPwAAAAAAAOA/AAAAAAAA4D8AAAAAAADgPwAAAAAAAOA/AAAAAAAA4D8AAAAAAADgPwAAAAAAAOA/AAAAAAAA4D8CAAAAjAAAAAAAAAAAAAAA////DP///wgAAAAAAAAAAAAAAAAAAAAAAAAAAAAAAAAAAAAAZAAAAAEAAABAAAAAAAAAAAAAAAAAAAAAAAAAAAAAAAAAAAAAAAAAAAAAAAAAAAAAAAAAAAAAAAAAAAAAAAAAAAAAAAAAAAAAAAAAAAAAAAAAAAAAAAAAAAAAAAAAAAAAFAAAADwAAAAAAAAAAAAAAAZJjAkUAAAAAQAAABQAAAAUAAAAFAAAAAEAAAAAAAAAZAAAAGQAAAAAAAAAZAAAAGQAAAAVAAAAYAAAAAAAAAAAAAAADwAAACADAAAAAAAAAAAAAAEAAACgMgAAVgcAAKr4//8BAAAAf39/AAEAAABkAAAAAAAAABQAAABAHwAAAAAAACYAAAAAAAAAwOD//wAAAAAmAAAAZAAAABYAAABMAAAAAAAAAAAAAAAEAAAAAAAAAAEAAACWlpYKAAAAACgAAAAoAAAAZAAAAGQAAAAAAAAAzMzMAAAAAABQAAAAUAAAAGQAAABkAAAAAAAAABcAAAAUAAAAAAAAAAAAAAD/fwAA/38AAAAAAAAJAAAABAAAAAoAIiAeAAAAaAAAAAAAAAAAAAAAAAAAAAAAAAAAAAAAECcAABAnAAAAAAAAAAAAAAAAAAAAAAAAAAAAAAAAAAAAAAAAAAAAABQAAAAAAAAAwMD/AAAAAABkAAAAMgAAAAAAAABkAAAAAAAAAH9/fwAKAAAAIgAAABgAAAAAAAAAAAAAAAAAAAAAAAAAAAAAAAAAAAAkAAAAJAAAAAAAAAAHAAAAAAAAAAAAAAAAAAAAAAAAAAAAAAAAAAAAf39/ACUAAABYAAAAAAAAAAAAAAAAAAAAAAAAAAAAAAAAAAAAAAAAAAAAAAAAAAAAAAAAAAAAAAA/AAAAAAAAAKCGAQAAAAAAAAAAAAAAAAAMAAAAAQAAAAAAAAAAAAAAAAAAAB8AAABUAAAA////Bf///wEAAAAAAAAAAAAAAAAAAAAAAAAAAAAAAAAAAAAAAAAAAAZJjAJ/f38AlpaWA8zMzADAwP8Af39/AAAAAAAAAAAAAAAAAAAAAAAAAAAAIQAAABgAAAAUAAAAswYAAIEHAABoRAAAZyYAABAAAAAmAAAACAAAAP//////////"/>
               </a:ext>
             </a:extLst>
           </p:cNvSpPr>
@@ -5140,7 +5025,6 @@
           <a:bodyPr vert="horz" wrap="square" numCol="1" spcCol="215900" anchor="t"/>
           <a:lstStyle/>
           <a:p>
-            <a:pPr/>
             <a:r>
               <a:rPr sz="2400" cap="none"/>
               <a:t>•  To view status of files in working directory and staging area:</a:t>
@@ -5150,7 +5034,6 @@
             </a:r>
           </a:p>
           <a:p>
-            <a:pPr/>
             <a:r>
               <a:t>        </a:t>
             </a:r>
@@ -5162,11 +5045,6 @@
               </a:rPr>
               <a:t> –  git status or git status –s (short version)</a:t>
             </a:r>
-            <a:endParaRPr sz="2800" cap="none">
-              <a:solidFill>
-                <a:schemeClr val="folHlink"/>
-              </a:solidFill>
-            </a:endParaRPr>
           </a:p>
           <a:p>
             <a:pPr>
@@ -5177,7 +5055,6 @@
             </a:r>
           </a:p>
           <a:p>
-            <a:pPr/>
             <a:r>
               <a:t>         </a:t>
             </a:r>
@@ -5189,11 +5066,6 @@
               </a:rPr>
               <a:t> –  git diff</a:t>
             </a:r>
-            <a:endParaRPr sz="2800" cap="none">
-              <a:solidFill>
-                <a:schemeClr val="folHlink"/>
-              </a:solidFill>
-            </a:endParaRPr>
           </a:p>
           <a:p>
             <a:pPr>
@@ -5204,7 +5076,6 @@
             </a:r>
           </a:p>
           <a:p>
-            <a:pPr/>
             <a:r>
               <a:t>           </a:t>
             </a:r>
@@ -5216,11 +5087,6 @@
               </a:rPr>
               <a:t>–  git diff --cached</a:t>
             </a:r>
-            <a:endParaRPr sz="2800" cap="none">
-              <a:solidFill>
-                <a:schemeClr val="folHlink"/>
-              </a:solidFill>
-            </a:endParaRPr>
           </a:p>
           <a:p>
             <a:pPr>
@@ -5231,7 +5097,6 @@
             </a:r>
           </a:p>
           <a:p>
-            <a:pPr/>
             <a:r>
               <a:t>          </a:t>
             </a:r>
@@ -5247,7 +5112,6 @@
               <a:rPr sz="2400" cap="none"/>
               <a:t>(shorter version) 1677b2d Edited first line of readme</a:t>
             </a:r>
-            <a:endParaRPr sz="2400" cap="none"/>
           </a:p>
           <a:p>
             <a:pPr>
@@ -5280,18 +5144,11 @@
   <p:clrMapOvr>
     <a:masterClrMapping/>
   </p:clrMapOvr>
-  <p:timing>
-    <p:tnLst>
-      <p:par>
-        <p:cTn id="1" dur="indefinite" restart="never" nodeType="tmRoot"/>
-      </p:par>
-    </p:tnLst>
-  </p:timing>
 </p:sld>
 </file>
 
 <file path=ppt/slides/slide8.xml><?xml version="1.0" encoding="utf-8"?>
-<p:sld xmlns:p="http://schemas.openxmlformats.org/presentationml/2006/main" xmlns:mc="http://schemas.openxmlformats.org/markup-compatibility/2006" xmlns:p14="http://schemas.microsoft.com/office/powerpoint/2010/main" xmlns:p15="http://schemas.microsoft.com/office/powerpoint/2012/main" xmlns:r="http://schemas.openxmlformats.org/officeDocument/2006/relationships" xmlns:a="http://schemas.openxmlformats.org/drawingml/2006/main" mc:Ignorable="p14">
+<p:sld xmlns:a="http://schemas.openxmlformats.org/drawingml/2006/main" xmlns:r="http://schemas.openxmlformats.org/officeDocument/2006/relationships" xmlns:p="http://schemas.openxmlformats.org/presentationml/2006/main">
   <p:cSld>
     <p:spTree>
       <p:nvGrpSpPr>
@@ -5313,7 +5170,7 @@
           <p:cNvSpPr txBox="1">
             <a:extLst>
               <a:ext uri="smNativeData">
-                <pr:smNativeData xmlns:pr="smNativeData" xmlns="smNativeData" val="SMDATA_15_Uo0YYxMAAAAlAAAAEgAAAA8BAAAAkAAAAEgAAACQAAAASAAAAAAAAAAAAAAAAAAAAAEAAABQAAAAAAAAAAAA4D8AAAAAAADgPwAAAAAAAOA/AAAAAAAA4D8AAAAAAADgPwAAAAAAAOA/AAAAAAAA4D8AAAAAAADgPwAAAAAAAOA/AAAAAAAA4D8CAAAAjAAAAAAAAAAAAAAA////DP///wgAAAAAAAAAAAAAAAAAAAAAAAAAAAAAAAAAAAAAZAAAAAEAAABAAAAAAAAAAAAAAAAAAAAAAAAAAAAAAAAAAAAAAAAAAAAAAAAAAAAAAAAAAAAAAAAAAAAAAAAAAAAAAAAAAAAAAAAAAAAAAAAAAAAAAAAAAAAAAAAAAAAAFAAAADwAAAAAAAAAAAAAAAZJjAkUAAAAAQAAABQAAAAUAAAAFAAAAAEAAAAAAAAAZAAAAGQAAAAAAAAAZAAAAGQAAAAVAAAAYAAAAAAAAAAAAAAADwAAACADAAAAAAAAAAAAAAEAAACgMgAAVgcAAKr4//8BAAAAf39/AAEAAABkAAAAAAAAABQAAABAHwAAAAAAACYAAAAAAAAAwOD//wAAAAAmAAAAZAAAABYAAABMAAAAAAAAAAAAAAAEAAAAAAAAAAEAAACWlpYKAAAAACgAAAAoAAAAZAAAAGQAAAAAAAAAzMzMAAAAAABQAAAAUAAAAGQAAABkAAAAAAAAABcAAAAUAAAAAAAAAAAAAAD/fwAA/38AAAAAAAAJAAAABAAAABVjb20eAAAAaAAAAAAAAAAAAAAAAAAAAAAAAAAAAAAAECcAABAnAAAAAAAAAAAAAAAAAAAAAAAAAAAAAAAAAAAAAAAAAAAAABQAAAAAAAAAwMD/AAAAAABkAAAAMgAAAAAAAABkAAAAAAAAAH9/fwAKAAAAIgAAABgAAAAAAAAAAAAAAAAAAAAAAAAAAAAAAAAAAAAkAAAAJAAAAAAAAAAHAAAAAAAAAAAAAAAAAAAAAAAAAAAAAAAAAAAAf39/ACUAAABYAAAAAAAAAAAAAAAAAAAAAAAAAAAAAAAAAAAAAAAAAAAAAAAAAAAAAAAAAAAAAAA/AAAAAAAAAKCGAQAAAAAAAAAAAAAAAAAMAAAAAQAAAAAAAAAAAAAAAAAAAB8AAABUAAAA////Bf///wEAAAAAAAAAAAAAAAAAAAAAAAAAAAAAAAAAAAAAAAAAAAZJjAJ/f38AlpaWA8zMzADAwP8Af39/AAAAAAAAAAAAAAAAAAAAAAAAAAAAIQAAABgAAAAUAAAAxhAAAB0AAACMOgAAvQUAABAAAAAmAAAACAAAAP//////////"/>
+                <pr:smNativeData xmlns="smNativeData" xmlns:pr="smNativeData" xmlns:p15="http://schemas.microsoft.com/office/powerpoint/2012/main" xmlns:p14="http://schemas.microsoft.com/office/powerpoint/2010/main" xmlns:mc="http://schemas.openxmlformats.org/markup-compatibility/2006" val="SMDATA_15_Uo0YYxMAAAAlAAAAEgAAAA8BAAAAkAAAAEgAAACQAAAASAAAAAAAAAAAAAAAAAAAAAEAAABQAAAAAAAAAAAA4D8AAAAAAADgPwAAAAAAAOA/AAAAAAAA4D8AAAAAAADgPwAAAAAAAOA/AAAAAAAA4D8AAAAAAADgPwAAAAAAAOA/AAAAAAAA4D8CAAAAjAAAAAAAAAAAAAAA////DP///wgAAAAAAAAAAAAAAAAAAAAAAAAAAAAAAAAAAAAAZAAAAAEAAABAAAAAAAAAAAAAAAAAAAAAAAAAAAAAAAAAAAAAAAAAAAAAAAAAAAAAAAAAAAAAAAAAAAAAAAAAAAAAAAAAAAAAAAAAAAAAAAAAAAAAAAAAAAAAAAAAAAAAFAAAADwAAAAAAAAAAAAAAAZJjAkUAAAAAQAAABQAAAAUAAAAFAAAAAEAAAAAAAAAZAAAAGQAAAAAAAAAZAAAAGQAAAAVAAAAYAAAAAAAAAAAAAAADwAAACADAAAAAAAAAAAAAAEAAACgMgAAVgcAAKr4//8BAAAAf39/AAEAAABkAAAAAAAAABQAAABAHwAAAAAAACYAAAAAAAAAwOD//wAAAAAmAAAAZAAAABYAAABMAAAAAAAAAAAAAAAEAAAAAAAAAAEAAACWlpYKAAAAACgAAAAoAAAAZAAAAGQAAAAAAAAAzMzMAAAAAABQAAAAUAAAAGQAAABkAAAAAAAAABcAAAAUAAAAAAAAAAAAAAD/fwAA/38AAAAAAAAJAAAABAAAABVjb20eAAAAaAAAAAAAAAAAAAAAAAAAAAAAAAAAAAAAECcAABAnAAAAAAAAAAAAAAAAAAAAAAAAAAAAAAAAAAAAAAAAAAAAABQAAAAAAAAAwMD/AAAAAABkAAAAMgAAAAAAAABkAAAAAAAAAH9/fwAKAAAAIgAAABgAAAAAAAAAAAAAAAAAAAAAAAAAAAAAAAAAAAAkAAAAJAAAAAAAAAAHAAAAAAAAAAAAAAAAAAAAAAAAAAAAAAAAAAAAf39/ACUAAABYAAAAAAAAAAAAAAAAAAAAAAAAAAAAAAAAAAAAAAAAAAAAAAAAAAAAAAAAAAAAAAA/AAAAAAAAAKCGAQAAAAAAAAAAAAAAAAAMAAAAAQAAAAAAAAAAAAAAAAAAAB8AAABUAAAA////Bf///wEAAAAAAAAAAAAAAAAAAAAAAAAAAAAAAAAAAAAAAAAAAAZJjAJ/f38AlpaWA8zMzADAwP8Af39/AAAAAAAAAAAAAAAAAAAAAAAAAAAAIQAAABgAAAAUAAAAxhAAAB0AAACMOgAAvQUAABAAAAAmAAAACAAAAP//////////"/>
               </a:ext>
             </a:extLst>
           </p:cNvSpPr>
@@ -5366,9 +5223,9 @@
                 <a:solidFill>
                   <a:srgbClr val="FFFFFF"/>
                 </a:solidFill>
-                <a:latin typeface="Tahoma-Bold" pitchFamily="0" charset="0"/>
-                <a:ea typeface="Tahoma-Bold" pitchFamily="0" charset="0"/>
-                <a:cs typeface="Tahoma-Bold" pitchFamily="0" charset="0"/>
+                <a:latin typeface="Tahoma-Bold" charset="0"/>
+                <a:ea typeface="Tahoma-Bold" charset="0"/>
+                <a:cs typeface="Tahoma-Bold" charset="0"/>
               </a:defRPr>
             </a:pPr>
             <a:r>
@@ -5387,11 +5244,6 @@
               </a:rPr>
               <a:t> and merging</a:t>
             </a:r>
-            <a:endParaRPr cap="none">
-              <a:solidFill>
-                <a:srgbClr val="333333"/>
-              </a:solidFill>
-            </a:endParaRPr>
           </a:p>
           <a:p>
             <a:pPr marL="0" marR="0" indent="0" algn="l" defTabSz="914400">
@@ -5415,6 +5267,11 @@
                 <a:cs typeface="Basic Roman" pitchFamily="1" charset="0"/>
               </a:defRPr>
             </a:pPr>
+            <a:endParaRPr cap="none">
+              <a:solidFill>
+                <a:srgbClr val="333333"/>
+              </a:solidFill>
+            </a:endParaRPr>
           </a:p>
         </p:txBody>
       </p:sp>
@@ -5424,7 +5281,7 @@
           <p:cNvSpPr txBox="1">
             <a:extLst>
               <a:ext uri="smNativeData">
-                <pr:smNativeData xmlns:pr="smNativeData" xmlns="smNativeData" val="SMDATA_15_Uo0YYxMAAAAlAAAAEgAAAA8BAAAAkAAAAEgAAACQAAAASAAAAAAAAAAAAAAAAAAAAAEAAABQAAAAAAAAAAAA4D8AAAAAAADgPwAAAAAAAOA/AAAAAAAA4D8AAAAAAADgPwAAAAAAAOA/AAAAAAAA4D8AAAAAAADgPwAAAAAAAOA/AAAAAAAA4D8CAAAAjAAAAAAAAAAAAAAA////DP///wgAAAAAAAAAAAAAAAAAAAAAAAAAAAAAAAAAAAAAZAAAAAEAAABAAAAAAAAAAAAAAAAAAAAAAAAAAAAAAAAAAAAAAAAAAAAAAAAAAAAAAAAAAAAAAAAAAAAAAAAAAAAAAAAAAAAAAAAAAAAAAAAAAAAAAAAAAAAAAAAAAAAAFAAAADwAAAAAAAAAAAAAAAZJjAkUAAAAAQAAABQAAAAUAAAAFAAAAAEAAAAAAAAAZAAAAGQAAAAAAAAAZAAAAGQAAAAVAAAAYAAAAAAAAAAAAAAADwAAACADAAAAAAAAAAAAAAEAAACgMgAAVgcAAKr4//8BAAAAf39/AAEAAABkAAAAAAAAABQAAABAHwAAAAAAACYAAAAAAAAAwOD//wAAAAAmAAAAZAAAABYAAABMAAAAAAAAAAAAAAAEAAAAAAAAAAEAAACWlpYKAAAAACgAAAAoAAAAZAAAAGQAAAAAAAAAzMzMAAAAAABQAAAAUAAAAGQAAABkAAAAAAAAABcAAAAUAAAAAAAAAAAAAAD/fwAA/38AAAAAAAAJAAAABAAAAAoAIiAeAAAAaAAAAAAAAAAAAAAAAAAAAAAAAAAAAAAAECcAABAnAAAAAAAAAAAAAAAAAAAAAAAAAAAAAAAAAAAAAAAAAAAAABQAAAAAAAAAwMD/AAAAAABkAAAAMgAAAAAAAABkAAAAAAAAAH9/fwAKAAAAIgAAABgAAAAAAAAAAAAAAAAAAAAAAAAAAAAAAAAAAAAkAAAAJAAAAAAAAAAHAAAAAAAAAAAAAAAAAAAAAAAAAAAAAAAAAAAAf39/ACUAAABYAAAAAAAAAAAAAAAAAAAAAAAAAAAAAAAAAAAAAAAAAAAAAAAAAAAAAAAAAAAAAAA/AAAAAAAAAKCGAQAAAAAAAAAAAAAAAAAMAAAAAQAAAAAAAAAAAAAAAAAAAB8AAABUAAAA////Bf///wEAAAAAAAAAAAAAAAAAAAAAAAAAAAAAAAAAAAAAAAAAAAZJjAJ/f38AlpaWA8zMzADAwP8Af39/AAAAAAAAAAAAAAAAAAAAAAAAAAAAIQAAABgAAAAUAAAANQIAAAkLAADVSAAADSkAABAAAAAmAAAACAAAAP//////////"/>
+                <pr:smNativeData xmlns="smNativeData" xmlns:pr="smNativeData" xmlns:p15="http://schemas.microsoft.com/office/powerpoint/2012/main" xmlns:p14="http://schemas.microsoft.com/office/powerpoint/2010/main" xmlns:mc="http://schemas.openxmlformats.org/markup-compatibility/2006" val="SMDATA_15_Uo0YYxMAAAAlAAAAEgAAAA8BAAAAkAAAAEgAAACQAAAASAAAAAAAAAAAAAAAAAAAAAEAAABQAAAAAAAAAAAA4D8AAAAAAADgPwAAAAAAAOA/AAAAAAAA4D8AAAAAAADgPwAAAAAAAOA/AAAAAAAA4D8AAAAAAADgPwAAAAAAAOA/AAAAAAAA4D8CAAAAjAAAAAAAAAAAAAAA////DP///wgAAAAAAAAAAAAAAAAAAAAAAAAAAAAAAAAAAAAAZAAAAAEAAABAAAAAAAAAAAAAAAAAAAAAAAAAAAAAAAAAAAAAAAAAAAAAAAAAAAAAAAAAAAAAAAAAAAAAAAAAAAAAAAAAAAAAAAAAAAAAAAAAAAAAAAAAAAAAAAAAAAAAFAAAADwAAAAAAAAAAAAAAAZJjAkUAAAAAQAAABQAAAAUAAAAFAAAAAEAAAAAAAAAZAAAAGQAAAAAAAAAZAAAAGQAAAAVAAAAYAAAAAAAAAAAAAAADwAAACADAAAAAAAAAAAAAAEAAACgMgAAVgcAAKr4//8BAAAAf39/AAEAAABkAAAAAAAAABQAAABAHwAAAAAAACYAAAAAAAAAwOD//wAAAAAmAAAAZAAAABYAAABMAAAAAAAAAAAAAAAEAAAAAAAAAAEAAACWlpYKAAAAACgAAAAoAAAAZAAAAGQAAAAAAAAAzMzMAAAAAABQAAAAUAAAAGQAAABkAAAAAAAAABcAAAAUAAAAAAAAAAAAAAD/fwAA/38AAAAAAAAJAAAABAAAAAoAIiAeAAAAaAAAAAAAAAAAAAAAAAAAAAAAAAAAAAAAECcAABAnAAAAAAAAAAAAAAAAAAAAAAAAAAAAAAAAAAAAAAAAAAAAABQAAAAAAAAAwMD/AAAAAABkAAAAMgAAAAAAAABkAAAAAAAAAH9/fwAKAAAAIgAAABgAAAAAAAAAAAAAAAAAAAAAAAAAAAAAAAAAAAAkAAAAJAAAAAAAAAAHAAAAAAAAAAAAAAAAAAAAAAAAAAAAAAAAAAAAf39/ACUAAABYAAAAAAAAAAAAAAAAAAAAAAAAAAAAAAAAAAAAAAAAAAAAAAAAAAAAAAAAAAAAAAA/AAAAAAAAAKCGAQAAAAAAAAAAAAAAAAAMAAAAAQAAAAAAAAAAAAAAAAAAAB8AAABUAAAA////Bf///wEAAAAAAAAAAAAAAAAAAAAAAAAAAAAAAAAAAAAAAAAAAAZJjAJ/f38AlpaWA8zMzADAwP8Af39/AAAAAAAAAAAAAAAAAAAAAAAAAAAAIQAAABgAAAAUAAAANQIAAAkLAADVSAAADSkAABAAAAAmAAAACAAAAP//////////"/>
               </a:ext>
             </a:extLst>
           </p:cNvSpPr>
@@ -5464,7 +5321,6 @@
             </a:r>
           </a:p>
           <a:p>
-            <a:pPr/>
             <a:r>
               <a:t>                      </a:t>
             </a:r>
@@ -5488,19 +5344,17 @@
               <a:solidFill>
                 <a:srgbClr val="000000"/>
               </a:solidFill>
-              <a:latin typeface="Menlo-Regular" pitchFamily="0" charset="0"/>
-              <a:ea typeface="Menlo-Regular" pitchFamily="0" charset="0"/>
-              <a:cs typeface="Menlo-Regular" pitchFamily="0" charset="0"/>
+              <a:latin typeface="Menlo-Regular" charset="0"/>
+              <a:ea typeface="Menlo-Regular" charset="0"/>
+              <a:cs typeface="Menlo-Regular" charset="0"/>
             </a:endParaRPr>
           </a:p>
           <a:p>
-            <a:pPr/>
             <a:r>
               <a:t>        •  To list all local branches: (* = current branch)</a:t>
             </a:r>
           </a:p>
           <a:p>
-            <a:pPr/>
             <a:r>
               <a:t>                   </a:t>
             </a:r>
@@ -5512,14 +5366,8 @@
               </a:rPr>
               <a:t>   –  git branch</a:t>
             </a:r>
-            <a:endParaRPr sz="2800" cap="none">
-              <a:solidFill>
-                <a:schemeClr val="folHlink"/>
-              </a:solidFill>
-            </a:endParaRPr>
-          </a:p>
-          <a:p>
-            <a:pPr/>
+          </a:p>
+          <a:p>
             <a:r>
               <a:t>  </a:t>
             </a:r>
@@ -5527,10 +5375,8 @@
               <a:rPr sz="2400" cap="none"/>
               <a:t>      •  To switch to a given local branch:</a:t>
             </a:r>
-            <a:endParaRPr sz="2400" cap="none"/>
-          </a:p>
-          <a:p>
-            <a:pPr/>
+          </a:p>
+          <a:p>
             <a:r>
               <a:t>                </a:t>
             </a:r>
@@ -5542,14 +5388,8 @@
               </a:rPr>
               <a:t>      –  git checkout branchname</a:t>
             </a:r>
-            <a:endParaRPr sz="2600" cap="none">
-              <a:solidFill>
-                <a:schemeClr val="folHlink"/>
-              </a:solidFill>
-            </a:endParaRPr>
-          </a:p>
-          <a:p>
-            <a:pPr/>
+          </a:p>
+          <a:p>
             <a:r>
               <a:t>        </a:t>
             </a:r>
@@ -5557,7 +5397,6 @@
               <a:rPr sz="2400" cap="none"/>
               <a:t>  •  To merge changes from a branch into the local master: </a:t>
             </a:r>
-            <a:endParaRPr sz="2400" cap="none"/>
           </a:p>
           <a:p>
             <a:pPr>
@@ -5574,7 +5413,6 @@
               <a:rPr sz="2800" cap="none"/>
               <a:t>     –  git checkout master</a:t>
             </a:r>
-            <a:endParaRPr sz="2800" cap="none"/>
           </a:p>
           <a:p>
             <a:pPr>
@@ -5595,18 +5433,11 @@
   <p:clrMapOvr>
     <a:masterClrMapping/>
   </p:clrMapOvr>
-  <p:timing>
-    <p:tnLst>
-      <p:par>
-        <p:cTn id="1" dur="indefinite" restart="never" nodeType="tmRoot"/>
-      </p:par>
-    </p:tnLst>
-  </p:timing>
 </p:sld>
 </file>
 
 <file path=ppt/slides/slide9.xml><?xml version="1.0" encoding="utf-8"?>
-<p:sld xmlns:p="http://schemas.openxmlformats.org/presentationml/2006/main" xmlns:mc="http://schemas.openxmlformats.org/markup-compatibility/2006" xmlns:p14="http://schemas.microsoft.com/office/powerpoint/2010/main" xmlns:p15="http://schemas.microsoft.com/office/powerpoint/2012/main" xmlns:r="http://schemas.openxmlformats.org/officeDocument/2006/relationships" xmlns:a="http://schemas.openxmlformats.org/drawingml/2006/main" mc:Ignorable="p14">
+<p:sld xmlns:a="http://schemas.openxmlformats.org/drawingml/2006/main" xmlns:r="http://schemas.openxmlformats.org/officeDocument/2006/relationships" xmlns:p="http://schemas.openxmlformats.org/presentationml/2006/main">
   <p:cSld>
     <p:spTree>
       <p:nvGrpSpPr>
@@ -5628,7 +5459,7 @@
           <p:cNvSpPr txBox="1">
             <a:extLst>
               <a:ext uri="smNativeData">
-                <pr:smNativeData xmlns:pr="smNativeData" xmlns="smNativeData" val="SMDATA_15_Uo0YYxMAAAAlAAAAEgAAAA8BAAAAkAAAAEgAAACQAAAASAAAAAAAAAAAAAAAAAAAAAEAAABQAAAAAAAAAAAA4D8AAAAAAADgPwAAAAAAAOA/AAAAAAAA4D8AAAAAAADgPwAAAAAAAOA/AAAAAAAA4D8AAAAAAADgPwAAAAAAAOA/AAAAAAAA4D8CAAAAjAAAAAAAAAAAAAAA////DP///wgAAAAAAAAAAAAAAAAAAAAAAAAAAAAAAAAAAAAAZAAAAAEAAABAAAAAAAAAAAAAAAAAAAAAAAAAAAAAAAAAAAAAAAAAAAAAAAAAAAAAAAAAAAAAAAAAAAAAAAAAAAAAAAAAAAAAAAAAAAAAAAAAAAAAAAAAAAAAAAAAAAAAFAAAADwAAAAAAAAAAAAAAAZJjAkUAAAAAQAAABQAAAAUAAAAFAAAAAEAAAAAAAAAZAAAAGQAAAAAAAAAZAAAAGQAAAAVAAAAYAAAAAAAAAAAAAAADwAAACADAAAAAAAAAAAAAAEAAACgMgAAVgcAAKr4//8BAAAAf39/AAEAAABkAAAAAAAAABQAAABAHwAAAAAAACYAAAAAAAAAwOD//wAAAAAmAAAAZAAAABYAAABMAAAAAAAAAAAAAAAEAAAAAAAAAAEAAACWlpYKAAAAACgAAAAoAAAAZAAAAGQAAAAAAAAAzMzMAAAAAABQAAAAUAAAAGQAAABkAAAAAAAAABcAAAAUAAAAAAAAAAAAAAD/fwAA/38AAAAAAAAJAAAABAAAACBzbGkeAAAAaAAAAAAAAAAAAAAAAAAAAAAAAAAAAAAAECcAABAnAAAAAAAAAAAAAAAAAAAAAAAAAAAAAAAAAAAAAAAAAAAAABQAAAAAAAAAwMD/AAAAAABkAAAAMgAAAAAAAABkAAAAAAAAAH9/fwAKAAAAIgAAABgAAAAAAAAAAAAAAAAAAAAAAAAAAAAAAAAAAAAkAAAAJAAAAAAAAAAHAAAAAAAAAAAAAAAAAAAAAAAAAAAAAAAAAAAAf39/ACUAAABYAAAAAAAAAAAAAAAAAAAAAAAAAAAAAAAAAAAAAAAAAAAAAAAAAAAAAAAAAAAAAAA/AAAAAAAAAKCGAQAAAAAAAAAAAAAAAAAMAAAAAQAAAAAAAAAAAAAAAAAAAB8AAABUAAAA////Bf///wEAAAAAAAAAAAAAAAAAAAAAAAAAAAAAAAAAAAAAAAAAAAZJjAJ/f38AlpaWA8zMzADAwP8Af39/AAAAAAAAAAAAAAAAAAAAAAAAAAAAIQAAABgAAAAUAAAA8gcAAGgAAAA9PgAAnwYAABAAAAAmAAAACAAAAP//////////"/>
+                <pr:smNativeData xmlns="smNativeData" xmlns:pr="smNativeData" xmlns:p15="http://schemas.microsoft.com/office/powerpoint/2012/main" xmlns:p14="http://schemas.microsoft.com/office/powerpoint/2010/main" xmlns:mc="http://schemas.openxmlformats.org/markup-compatibility/2006" val="SMDATA_15_Uo0YYxMAAAAlAAAAEgAAAA8BAAAAkAAAAEgAAACQAAAASAAAAAAAAAAAAAAAAAAAAAEAAABQAAAAAAAAAAAA4D8AAAAAAADgPwAAAAAAAOA/AAAAAAAA4D8AAAAAAADgPwAAAAAAAOA/AAAAAAAA4D8AAAAAAADgPwAAAAAAAOA/AAAAAAAA4D8CAAAAjAAAAAAAAAAAAAAA////DP///wgAAAAAAAAAAAAAAAAAAAAAAAAAAAAAAAAAAAAAZAAAAAEAAABAAAAAAAAAAAAAAAAAAAAAAAAAAAAAAAAAAAAAAAAAAAAAAAAAAAAAAAAAAAAAAAAAAAAAAAAAAAAAAAAAAAAAAAAAAAAAAAAAAAAAAAAAAAAAAAAAAAAAFAAAADwAAAAAAAAAAAAAAAZJjAkUAAAAAQAAABQAAAAUAAAAFAAAAAEAAAAAAAAAZAAAAGQAAAAAAAAAZAAAAGQAAAAVAAAAYAAAAAAAAAAAAAAADwAAACADAAAAAAAAAAAAAAEAAACgMgAAVgcAAKr4//8BAAAAf39/AAEAAABkAAAAAAAAABQAAABAHwAAAAAAACYAAAAAAAAAwOD//wAAAAAmAAAAZAAAABYAAABMAAAAAAAAAAAAAAAEAAAAAAAAAAEAAACWlpYKAAAAACgAAAAoAAAAZAAAAGQAAAAAAAAAzMzMAAAAAABQAAAAUAAAAGQAAABkAAAAAAAAABcAAAAUAAAAAAAAAAAAAAD/fwAA/38AAAAAAAAJAAAABAAAACBzbGkeAAAAaAAAAAAAAAAAAAAAAAAAAAAAAAAAAAAAECcAABAnAAAAAAAAAAAAAAAAAAAAAAAAAAAAAAAAAAAAAAAAAAAAABQAAAAAAAAAwMD/AAAAAABkAAAAMgAAAAAAAABkAAAAAAAAAH9/fwAKAAAAIgAAABgAAAAAAAAAAAAAAAAAAAAAAAAAAAAAAAAAAAAkAAAAJAAAAAAAAAAHAAAAAAAAAAAAAAAAAAAAAAAAAAAAAAAAAAAAf39/ACUAAABYAAAAAAAAAAAAAAAAAAAAAAAAAAAAAAAAAAAAAAAAAAAAAAAAAAAAAAAAAAAAAAA/AAAAAAAAAKCGAQAAAAAAAAAAAAAAAAAMAAAAAQAAAAAAAAAAAAAAAAAAAB8AAABUAAAA////Bf///wEAAAAAAAAAAAAAAAAAAAAAAAAAAAAAAAAAAAAAAAAAAAZJjAJ/f38AlpaWA8zMzADAwP8Af39/AAAAAAAAAAAAAAAAAAAAAAAAAAAAIQAAABgAAAAUAAAA8gcAAGgAAAA9PgAAnwYAABAAAAAmAAAACAAAAP//////////"/>
               </a:ext>
             </a:extLst>
           </p:cNvSpPr>
@@ -5657,9 +5488,9 @@
                 <a:solidFill>
                   <a:srgbClr val="000000"/>
                 </a:solidFill>
-                <a:latin typeface="Tahoma-Bold" pitchFamily="0" charset="0"/>
-                <a:ea typeface="Tahoma-Bold" pitchFamily="0" charset="0"/>
-                <a:cs typeface="Tahoma-Bold" pitchFamily="0" charset="0"/>
+                <a:latin typeface="Tahoma-Bold" charset="0"/>
+                <a:ea typeface="Tahoma-Bold" charset="0"/>
+                <a:cs typeface="Tahoma-Bold" charset="0"/>
               </a:defRPr>
             </a:pPr>
             <a:r>
@@ -5674,7 +5505,7 @@
           <p:cNvSpPr txBox="1">
             <a:extLst>
               <a:ext uri="smNativeData">
-                <pr:smNativeData xmlns:pr="smNativeData" xmlns="smNativeData" val="SMDATA_15_Uo0YYxMAAAAlAAAAEgAAAA8BAAAAkAAAAEgAAACQAAAASAAAAAAAAAAAAAAAAAAAAAEAAABQAAAAAAAAAAAA4D8AAAAAAADgPwAAAAAAAOA/AAAAAAAA4D8AAAAAAADgPwAAAAAAAOA/AAAAAAAA4D8AAAAAAADgPwAAAAAAAOA/AAAAAAAA4D8CAAAAjAAAAAAAAAAAAAAA////DP///wgAAAAAAAAAAAAAAAAAAAAAAAAAAAAAAAAAAAAAZAAAAAEAAABAAAAAAAAAAAAAAAAAAAAAAAAAAAAAAAAAAAAAAAAAAAAAAAAAAAAAAAAAAAAAAAAAAAAAAAAAAAAAAAAAAAAAAAAAAAAAAAAAAAAAAAAAAAAAAAAAAAAAFAAAADwAAAAAAAAAAAAAAAZJjAkUAAAAAQAAABQAAAAUAAAAFAAAAAEAAAAAAAAAZAAAAGQAAAAAAAAAZAAAAGQAAAAVAAAAYAAAAAAAAAAAAAAADwAAACADAAAAAAAAAAAAAAEAAACgMgAAVgcAAKr4//8BAAAAf39/AAEAAABkAAAAAAAAABQAAABAHwAAAAAAACYAAAAAAAAAwOD//wAAAAAmAAAAZAAAABYAAABMAAAAAAAAAAAAAAAEAAAAAAAAAAEAAACWlpYKAAAAACgAAAAoAAAAZAAAAGQAAAAAAAAAzMzMAAAAAABQAAAAUAAAAGQAAABkAAAAAAAAABcAAAAUAAAAAAAAAAAAAAD/fwAA/38AAAAAAAAJAAAABAAAAGwAaQAeAAAAaAAAAAAAAAAAAAAAAAAAAAAAAAAAAAAAECcAABAnAAAAAAAAAAAAAAAAAAAAAAAAAAAAAAAAAAAAAAAAAAAAABQAAAAAAAAAwMD/AAAAAABkAAAAMgAAAAAAAABkAAAAAAAAAH9/fwAKAAAAIgAAABgAAAAAAAAAAAAAAAAAAAAAAAAAAAAAAAAAAAAkAAAAJAAAAAAAAAAHAAAAAAAAAAAAAAAAAAAAAAAAAAAAAAAAAAAAf39/ACUAAABYAAAAAAAAAAAAAAAAAAAAAAAAAAAAAAAAAAAAAAAAAAAAAAAAAAAAAAAAAAAAAAA/AAAAAAAAAKCGAQAAAAAAAAAAAAAAAAAMAAAAAQAAAAAAAAAAAAAAAAAAAB8AAABUAAAA////Bf///wEAAAAAAAAAAAAAAAAAAAAAAAAAAAAAAAAAAAAAAAAAAAZJjAJ/f38AlpaWA8zMzADAwP8Af39/AAAAAAAAAAAAAAAAAAAAAAAAAAAAIQAAABgAAAAUAAAAxAEAACcKAAA4SQAAKx4AABAAAAAmAAAACAAAAP//////////"/>
+                <pr:smNativeData xmlns="smNativeData" xmlns:pr="smNativeData" xmlns:p15="http://schemas.microsoft.com/office/powerpoint/2012/main" xmlns:p14="http://schemas.microsoft.com/office/powerpoint/2010/main" xmlns:mc="http://schemas.openxmlformats.org/markup-compatibility/2006" val="SMDATA_15_Uo0YYxMAAAAlAAAAEgAAAA8BAAAAkAAAAEgAAACQAAAASAAAAAAAAAAAAAAAAAAAAAEAAABQAAAAAAAAAAAA4D8AAAAAAADgPwAAAAAAAOA/AAAAAAAA4D8AAAAAAADgPwAAAAAAAOA/AAAAAAAA4D8AAAAAAADgPwAAAAAAAOA/AAAAAAAA4D8CAAAAjAAAAAAAAAAAAAAA////DP///wgAAAAAAAAAAAAAAAAAAAAAAAAAAAAAAAAAAAAAZAAAAAEAAABAAAAAAAAAAAAAAAAAAAAAAAAAAAAAAAAAAAAAAAAAAAAAAAAAAAAAAAAAAAAAAAAAAAAAAAAAAAAAAAAAAAAAAAAAAAAAAAAAAAAAAAAAAAAAAAAAAAAAFAAAADwAAAAAAAAAAAAAAAZJjAkUAAAAAQAAABQAAAAUAAAAFAAAAAEAAAAAAAAAZAAAAGQAAAAAAAAAZAAAAGQAAAAVAAAAYAAAAAAAAAAAAAAADwAAACADAAAAAAAAAAAAAAEAAACgMgAAVgcAAKr4//8BAAAAf39/AAEAAABkAAAAAAAAABQAAABAHwAAAAAAACYAAAAAAAAAwOD//wAAAAAmAAAAZAAAABYAAABMAAAAAAAAAAAAAAAEAAAAAAAAAAEAAACWlpYKAAAAACgAAAAoAAAAZAAAAGQAAAAAAAAAzMzMAAAAAABQAAAAUAAAAGQAAABkAAAAAAAAABcAAAAUAAAAAAAAAAAAAAD/fwAA/38AAAAAAAAJAAAABAAAAGwAaQAeAAAAaAAAAAAAAAAAAAAAAAAAAAAAAAAAAAAAECcAABAnAAAAAAAAAAAAAAAAAAAAAAAAAAAAAAAAAAAAAAAAAAAAABQAAAAAAAAAwMD/AAAAAABkAAAAMgAAAAAAAABkAAAAAAAAAH9/fwAKAAAAIgAAABgAAAAAAAAAAAAAAAAAAAAAAAAAAAAAAAAAAAAkAAAAJAAAAAAAAAAHAAAAAAAAAAAAAAAAAAAAAAAAAAAAAAAAAAAAf39/ACUAAABYAAAAAAAAAAAAAAAAAAAAAAAAAAAAAAAAAAAAAAAAAAAAAAAAAAAAAAAAAAAAAAA/AAAAAAAAAKCGAQAAAAAAAAAAAAAAAAAMAAAAAQAAAAAAAAAAAAAAAAAAAB8AAABUAAAA////Bf///wEAAAAAAAAAAAAAAAAAAAAAAAAAAAAAAAAAAAAAAAAAAAZJjAJ/f38AlpaWA8zMzADAwP8Af39/AAAAAAAAAAAAAAAAAAAAAAAAAAAAIQAAABgAAAAUAAAAxAEAACcKAAA4SQAAKx4AABAAAAAmAAAACAAAAP//////////"/>
               </a:ext>
             </a:extLst>
           </p:cNvSpPr>
@@ -5682,8 +5513,8 @@
         </p:nvSpPr>
         <p:spPr>
           <a:xfrm>
-            <a:off x="287020" y="1650365"/>
-            <a:ext cx="11615420" cy="3253740"/>
+            <a:off x="287020" y="1650364"/>
+            <a:ext cx="11477625" cy="4935855"/>
           </a:xfrm>
           <a:prstGeom prst="rect">
             <a:avLst/>
@@ -5702,6 +5533,7 @@
               <a:defRPr sz="2400" cap="none"/>
             </a:pPr>
             <a:r>
+              <a:rPr dirty="0"/>
               <a:t>•  Push your local changes to the remote repo.</a:t>
             </a:r>
           </a:p>
@@ -5710,6 +5542,7 @@
               <a:defRPr sz="2400" cap="none"/>
             </a:pPr>
             <a:r>
+              <a:rPr dirty="0"/>
               <a:t>•  Pull from remote repo to get most recent changes.</a:t>
             </a:r>
           </a:p>
@@ -5718,6 +5551,7 @@
               <a:defRPr sz="2400" cap="none"/>
             </a:pPr>
             <a:r>
+              <a:rPr dirty="0"/>
               <a:t>       –  (fix conflicts if necessary, add/commit them to your local repo)</a:t>
             </a:r>
           </a:p>
@@ -5726,6 +5560,7 @@
               <a:defRPr sz="2400" cap="none"/>
             </a:pPr>
             <a:r>
+              <a:rPr dirty="0"/>
               <a:t>       •  To fetch the most recent updates from the remote repo into</a:t>
             </a:r>
           </a:p>
@@ -5734,50 +5569,100 @@
               <a:defRPr sz="2400" cap="none"/>
             </a:pPr>
             <a:r>
+              <a:rPr dirty="0"/>
               <a:t>your local repo, and put them into your working directory:</a:t>
             </a:r>
           </a:p>
           <a:p>
-            <a:pPr/>
-            <a:r>
+            <a:r>
+              <a:rPr dirty="0"/>
               <a:t>         </a:t>
             </a:r>
             <a:r>
-              <a:rPr sz="2800" cap="none">
+              <a:rPr sz="2800" cap="none" dirty="0">
                 <a:solidFill>
                   <a:schemeClr val="folHlink"/>
                 </a:solidFill>
               </a:rPr>
               <a:t>–  git pull origin master</a:t>
             </a:r>
-            <a:endParaRPr sz="2800" cap="none">
-              <a:solidFill>
-                <a:schemeClr val="folHlink"/>
-              </a:solidFill>
-            </a:endParaRPr>
           </a:p>
           <a:p>
             <a:pPr>
               <a:defRPr sz="2400" cap="none"/>
             </a:pPr>
             <a:r>
+              <a:rPr dirty="0"/>
               <a:t>•  To put your changes from your local repo in the remote repo: </a:t>
             </a:r>
           </a:p>
           <a:p>
-            <a:pPr/>
-            <a:r>
+            <a:r>
+              <a:rPr dirty="0"/>
               <a:t>        </a:t>
             </a:r>
             <a:r>
-              <a:rPr sz="2800" cap="none">
+              <a:rPr sz="2800" cap="none" dirty="0">
                 <a:solidFill>
                   <a:schemeClr val="folHlink"/>
                 </a:solidFill>
               </a:rPr>
               <a:t> –  git push origin master</a:t>
             </a:r>
-            <a:endParaRPr sz="2800" cap="none">
+            <a:endParaRPr lang="en-US" sz="2800" cap="none" dirty="0">
+              <a:solidFill>
+                <a:schemeClr val="folHlink"/>
+              </a:solidFill>
+            </a:endParaRPr>
+          </a:p>
+          <a:p>
+            <a:r>
+              <a:rPr lang="en-US" sz="2800" b="0" i="0" dirty="0">
+                <a:solidFill>
+                  <a:srgbClr val="202124"/>
+                </a:solidFill>
+                <a:effectLst/>
+                <a:latin typeface="Roboto" panose="02000000000000000000" pitchFamily="2" charset="0"/>
+              </a:rPr>
+              <a:t>git branch test </a:t>
+            </a:r>
+          </a:p>
+          <a:p>
+            <a:r>
+              <a:rPr lang="en-US" sz="2800" b="0" i="0" dirty="0">
+                <a:solidFill>
+                  <a:srgbClr val="202124"/>
+                </a:solidFill>
+                <a:effectLst/>
+                <a:latin typeface="Roboto" panose="02000000000000000000" pitchFamily="2" charset="0"/>
+              </a:rPr>
+              <a:t>git push --set-upstream origin test </a:t>
+            </a:r>
+          </a:p>
+          <a:p>
+            <a:r>
+              <a:rPr lang="en-US" sz="2800" b="0" i="0" dirty="0">
+                <a:solidFill>
+                  <a:srgbClr val="202124"/>
+                </a:solidFill>
+                <a:effectLst/>
+                <a:latin typeface="Roboto" panose="02000000000000000000" pitchFamily="2" charset="0"/>
+              </a:rPr>
+              <a:t>Or</a:t>
+            </a:r>
+          </a:p>
+          <a:p>
+            <a:r>
+              <a:rPr lang="en-US" sz="2800" b="0" i="0" dirty="0">
+                <a:solidFill>
+                  <a:srgbClr val="202124"/>
+                </a:solidFill>
+                <a:effectLst/>
+                <a:latin typeface="Roboto" panose="02000000000000000000" pitchFamily="2" charset="0"/>
+              </a:rPr>
+              <a:t> git push -u origin &lt;branch-name&gt;</a:t>
+            </a:r>
+            <a:endParaRPr lang="en-US" sz="2800" cap="none" dirty="0">
               <a:solidFill>
                 <a:schemeClr val="folHlink"/>
               </a:solidFill>
@@ -5790,13 +5675,6 @@
   <p:clrMapOvr>
     <a:masterClrMapping/>
   </p:clrMapOvr>
-  <p:timing>
-    <p:tnLst>
-      <p:par>
-        <p:cTn id="1" dur="indefinite" restart="never" nodeType="tmRoot"/>
-      </p:par>
-    </p:tnLst>
-  </p:timing>
 </p:sld>
 </file>
 
